--- a/New PopUpStore.pptx
+++ b/New PopUpStore.pptx
@@ -14,10 +14,13 @@
     <p:sldId id="264" r:id="rId8"/>
     <p:sldId id="265" r:id="rId9"/>
     <p:sldId id="266" r:id="rId10"/>
-    <p:sldId id="267" r:id="rId11"/>
-    <p:sldId id="268" r:id="rId12"/>
-    <p:sldId id="269" r:id="rId13"/>
-    <p:sldId id="270" r:id="rId14"/>
+    <p:sldId id="268" r:id="rId11"/>
+    <p:sldId id="269" r:id="rId12"/>
+    <p:sldId id="270" r:id="rId13"/>
+    <p:sldId id="271" r:id="rId14"/>
+    <p:sldId id="272" r:id="rId15"/>
+    <p:sldId id="267" r:id="rId16"/>
+    <p:sldId id="273" r:id="rId17"/>
   </p:sldIdLst>
   <p:sldSz cx="12192000" cy="6858000"/>
   <p:notesSz cx="6858000" cy="9144000"/>
@@ -134,10 +137,17 @@
             <p14:sldId id="264"/>
             <p14:sldId id="265"/>
             <p14:sldId id="266"/>
-            <p14:sldId id="267"/>
             <p14:sldId id="268"/>
             <p14:sldId id="269"/>
             <p14:sldId id="270"/>
+          </p14:sldIdLst>
+        </p14:section>
+        <p14:section name="Insights" id="{20DFB5F1-4C83-47BF-93AF-83173E1DA286}">
+          <p14:sldIdLst>
+            <p14:sldId id="271"/>
+            <p14:sldId id="272"/>
+            <p14:sldId id="267"/>
+            <p14:sldId id="273"/>
           </p14:sldIdLst>
         </p14:section>
       </p14:sectionLst>
@@ -9144,6 +9154,1058 @@
           <p:cNvPr id="8" name="Rectangle 7">
             <a:extLst>
               <a:ext uri="{FF2B5EF4-FFF2-40B4-BE49-F238E27FC236}">
+                <a16:creationId xmlns:a16="http://schemas.microsoft.com/office/drawing/2014/main" id="{8249E89B-63A5-45DA-A170-5B661FCE4F6E}"/>
+              </a:ext>
+              <a:ext uri="{C183D7F6-B498-43B3-948B-1728B52AA6E4}">
+                <adec:decorative xmlns:adec="http://schemas.microsoft.com/office/drawing/2017/decorative" val="1"/>
+              </a:ext>
+            </a:extLst>
+          </p:cNvPr>
+          <p:cNvSpPr>
+            <a:spLocks noGrp="1" noRot="1" noChangeAspect="1" noMove="1" noResize="1" noEditPoints="1" noAdjustHandles="1" noChangeArrowheads="1" noChangeShapeType="1" noTextEdit="1"/>
+          </p:cNvSpPr>
+          <p:nvPr>
+            <p:extLst>
+              <p:ext uri="{386F3935-93C4-4BCD-93E2-E3B085C9AB24}">
+                <p16:designElem xmlns:p16="http://schemas.microsoft.com/office/powerpoint/2015/main" val="1"/>
+              </p:ext>
+            </p:extLst>
+          </p:nvPr>
+        </p:nvSpPr>
+        <p:spPr>
+          <a:xfrm>
+            <a:off x="3048" y="0"/>
+            <a:ext cx="12188952" cy="6858000"/>
+          </a:xfrm>
+          <a:prstGeom prst="rect">
+            <a:avLst/>
+          </a:prstGeom>
+          <a:ln>
+            <a:noFill/>
+          </a:ln>
+        </p:spPr>
+        <p:style>
+          <a:lnRef idx="2">
+            <a:schemeClr val="accent1">
+              <a:shade val="50000"/>
+            </a:schemeClr>
+          </a:lnRef>
+          <a:fillRef idx="1">
+            <a:schemeClr val="accent1"/>
+          </a:fillRef>
+          <a:effectRef idx="0">
+            <a:schemeClr val="accent1"/>
+          </a:effectRef>
+          <a:fontRef idx="minor">
+            <a:schemeClr val="lt1"/>
+          </a:fontRef>
+        </p:style>
+        <p:txBody>
+          <a:bodyPr rtlCol="0" anchor="ctr"/>
+          <a:lstStyle/>
+          <a:p>
+            <a:pPr algn="ctr"/>
+            <a:endParaRPr lang="en-US"/>
+          </a:p>
+        </p:txBody>
+      </p:sp>
+      <p:sp>
+        <p:nvSpPr>
+          <p:cNvPr id="10" name="Rectangle 9">
+            <a:extLst>
+              <a:ext uri="{FF2B5EF4-FFF2-40B4-BE49-F238E27FC236}">
+                <a16:creationId xmlns:a16="http://schemas.microsoft.com/office/drawing/2014/main" id="{A5D714AD-9E94-4752-AA45-D4B0EAAB52E2}"/>
+              </a:ext>
+              <a:ext uri="{C183D7F6-B498-43B3-948B-1728B52AA6E4}">
+                <adec:decorative xmlns:adec="http://schemas.microsoft.com/office/drawing/2017/decorative" val="1"/>
+              </a:ext>
+            </a:extLst>
+          </p:cNvPr>
+          <p:cNvSpPr>
+            <a:spLocks noGrp="1" noRot="1" noChangeAspect="1" noMove="1" noResize="1" noEditPoints="1" noAdjustHandles="1" noChangeArrowheads="1" noChangeShapeType="1" noTextEdit="1"/>
+          </p:cNvSpPr>
+          <p:nvPr>
+            <p:extLst>
+              <p:ext uri="{386F3935-93C4-4BCD-93E2-E3B085C9AB24}">
+                <p16:designElem xmlns:p16="http://schemas.microsoft.com/office/powerpoint/2015/main" val="1"/>
+              </p:ext>
+            </p:extLst>
+          </p:nvPr>
+        </p:nvSpPr>
+        <p:spPr>
+          <a:xfrm>
+            <a:off x="0" y="534652"/>
+            <a:ext cx="4444163" cy="6323347"/>
+          </a:xfrm>
+          <a:prstGeom prst="rect">
+            <a:avLst/>
+          </a:prstGeom>
+          <a:solidFill>
+            <a:schemeClr val="tx2">
+              <a:lumMod val="50000"/>
+            </a:schemeClr>
+          </a:solidFill>
+          <a:ln>
+            <a:noFill/>
+          </a:ln>
+        </p:spPr>
+        <p:style>
+          <a:lnRef idx="2">
+            <a:schemeClr val="accent1">
+              <a:shade val="50000"/>
+            </a:schemeClr>
+          </a:lnRef>
+          <a:fillRef idx="1">
+            <a:schemeClr val="accent1"/>
+          </a:fillRef>
+          <a:effectRef idx="0">
+            <a:schemeClr val="accent1"/>
+          </a:effectRef>
+          <a:fontRef idx="minor">
+            <a:schemeClr val="lt1"/>
+          </a:fontRef>
+        </p:style>
+        <p:txBody>
+          <a:bodyPr rtlCol="0" anchor="ctr"/>
+          <a:lstStyle/>
+          <a:p>
+            <a:pPr algn="ctr"/>
+            <a:endParaRPr lang="en-US"/>
+          </a:p>
+        </p:txBody>
+      </p:sp>
+      <p:sp>
+        <p:nvSpPr>
+          <p:cNvPr id="2" name="Title 1">
+            <a:extLst>
+              <a:ext uri="{FF2B5EF4-FFF2-40B4-BE49-F238E27FC236}">
+                <a16:creationId xmlns:a16="http://schemas.microsoft.com/office/drawing/2014/main" id="{A5FA58C9-707A-4748-9C1A-85E6E962E8B8}"/>
+              </a:ext>
+            </a:extLst>
+          </p:cNvPr>
+          <p:cNvSpPr>
+            <a:spLocks noGrp="1"/>
+          </p:cNvSpPr>
+          <p:nvPr>
+            <p:ph type="title"/>
+          </p:nvPr>
+        </p:nvSpPr>
+        <p:spPr>
+          <a:xfrm>
+            <a:off x="599411" y="767258"/>
+            <a:ext cx="3209335" cy="5323484"/>
+          </a:xfrm>
+        </p:spPr>
+        <p:txBody>
+          <a:bodyPr>
+            <a:normAutofit/>
+          </a:bodyPr>
+          <a:lstStyle/>
+          <a:p>
+            <a:pPr algn="ctr"/>
+            <a:r>
+              <a:rPr lang="en-US" sz="2800">
+                <a:solidFill>
+                  <a:schemeClr val="bg1"/>
+                </a:solidFill>
+              </a:rPr>
+              <a:t>Learnings</a:t>
+            </a:r>
+          </a:p>
+        </p:txBody>
+      </p:sp>
+      <p:sp>
+        <p:nvSpPr>
+          <p:cNvPr id="12" name="Rectangle 11">
+            <a:extLst>
+              <a:ext uri="{FF2B5EF4-FFF2-40B4-BE49-F238E27FC236}">
+                <a16:creationId xmlns:a16="http://schemas.microsoft.com/office/drawing/2014/main" id="{7FF89E09-42FB-4694-96E4-95652B1D83E4}"/>
+              </a:ext>
+              <a:ext uri="{C183D7F6-B498-43B3-948B-1728B52AA6E4}">
+                <adec:decorative xmlns:adec="http://schemas.microsoft.com/office/drawing/2017/decorative" val="1"/>
+              </a:ext>
+            </a:extLst>
+          </p:cNvPr>
+          <p:cNvSpPr>
+            <a:spLocks noGrp="1" noRot="1" noChangeAspect="1" noMove="1" noResize="1" noEditPoints="1" noAdjustHandles="1" noChangeArrowheads="1" noChangeShapeType="1" noTextEdit="1"/>
+          </p:cNvSpPr>
+          <p:nvPr>
+            <p:extLst>
+              <p:ext uri="{386F3935-93C4-4BCD-93E2-E3B085C9AB24}">
+                <p16:designElem xmlns:p16="http://schemas.microsoft.com/office/powerpoint/2015/main" val="1"/>
+              </p:ext>
+            </p:extLst>
+          </p:nvPr>
+        </p:nvSpPr>
+        <p:spPr>
+          <a:xfrm rot="5400000">
+            <a:off x="983158" y="3396997"/>
+            <a:ext cx="6858002" cy="64008"/>
+          </a:xfrm>
+          <a:prstGeom prst="rect">
+            <a:avLst/>
+          </a:prstGeom>
+          <a:solidFill>
+            <a:schemeClr val="tx2">
+              <a:lumMod val="50000"/>
+            </a:schemeClr>
+          </a:solidFill>
+          <a:ln>
+            <a:noFill/>
+          </a:ln>
+        </p:spPr>
+        <p:style>
+          <a:lnRef idx="2">
+            <a:schemeClr val="accent1">
+              <a:shade val="50000"/>
+            </a:schemeClr>
+          </a:lnRef>
+          <a:fillRef idx="1">
+            <a:schemeClr val="accent1"/>
+          </a:fillRef>
+          <a:effectRef idx="0">
+            <a:schemeClr val="accent1"/>
+          </a:effectRef>
+          <a:fontRef idx="minor">
+            <a:schemeClr val="lt1"/>
+          </a:fontRef>
+        </p:style>
+        <p:txBody>
+          <a:bodyPr rtlCol="0" anchor="ctr"/>
+          <a:lstStyle/>
+          <a:p>
+            <a:pPr algn="ctr"/>
+            <a:endParaRPr lang="en-US">
+              <a:solidFill>
+                <a:schemeClr val="tx2">
+                  <a:lumMod val="50000"/>
+                </a:schemeClr>
+              </a:solidFill>
+            </a:endParaRPr>
+          </a:p>
+        </p:txBody>
+      </p:sp>
+      <p:sp>
+        <p:nvSpPr>
+          <p:cNvPr id="14" name="Rectangle 13">
+            <a:extLst>
+              <a:ext uri="{FF2B5EF4-FFF2-40B4-BE49-F238E27FC236}">
+                <a16:creationId xmlns:a16="http://schemas.microsoft.com/office/drawing/2014/main" id="{25D3C032-881F-4579-A4BF-0FA966E9F350}"/>
+              </a:ext>
+              <a:ext uri="{C183D7F6-B498-43B3-948B-1728B52AA6E4}">
+                <adec:decorative xmlns:adec="http://schemas.microsoft.com/office/drawing/2017/decorative" val="1"/>
+              </a:ext>
+            </a:extLst>
+          </p:cNvPr>
+          <p:cNvSpPr>
+            <a:spLocks noGrp="1" noRot="1" noChangeAspect="1" noMove="1" noResize="1" noEditPoints="1" noAdjustHandles="1" noChangeArrowheads="1" noChangeShapeType="1" noTextEdit="1"/>
+          </p:cNvSpPr>
+          <p:nvPr>
+            <p:extLst>
+              <p:ext uri="{386F3935-93C4-4BCD-93E2-E3B085C9AB24}">
+                <p16:designElem xmlns:p16="http://schemas.microsoft.com/office/powerpoint/2015/main" val="1"/>
+              </p:ext>
+            </p:extLst>
+          </p:nvPr>
+        </p:nvSpPr>
+        <p:spPr>
+          <a:xfrm flipH="1">
+            <a:off x="0" y="470645"/>
+            <a:ext cx="12192000" cy="64008"/>
+          </a:xfrm>
+          <a:prstGeom prst="rect">
+            <a:avLst/>
+          </a:prstGeom>
+          <a:solidFill>
+            <a:schemeClr val="tx2">
+              <a:lumMod val="50000"/>
+            </a:schemeClr>
+          </a:solidFill>
+          <a:ln>
+            <a:noFill/>
+          </a:ln>
+        </p:spPr>
+        <p:style>
+          <a:lnRef idx="2">
+            <a:schemeClr val="accent1">
+              <a:shade val="50000"/>
+            </a:schemeClr>
+          </a:lnRef>
+          <a:fillRef idx="1">
+            <a:schemeClr val="accent1"/>
+          </a:fillRef>
+          <a:effectRef idx="0">
+            <a:schemeClr val="accent1"/>
+          </a:effectRef>
+          <a:fontRef idx="minor">
+            <a:schemeClr val="lt1"/>
+          </a:fontRef>
+        </p:style>
+        <p:txBody>
+          <a:bodyPr rtlCol="0" anchor="ctr"/>
+          <a:lstStyle/>
+          <a:p>
+            <a:pPr algn="ctr"/>
+            <a:endParaRPr lang="en-US">
+              <a:solidFill>
+                <a:schemeClr val="tx2">
+                  <a:lumMod val="50000"/>
+                </a:schemeClr>
+              </a:solidFill>
+            </a:endParaRPr>
+          </a:p>
+        </p:txBody>
+      </p:sp>
+      <p:sp>
+        <p:nvSpPr>
+          <p:cNvPr id="3" name="Content Placeholder 2">
+            <a:extLst>
+              <a:ext uri="{FF2B5EF4-FFF2-40B4-BE49-F238E27FC236}">
+                <a16:creationId xmlns:a16="http://schemas.microsoft.com/office/drawing/2014/main" id="{01A3A49F-DB3E-42B5-ACA2-83239D9C5DB3}"/>
+              </a:ext>
+            </a:extLst>
+          </p:cNvPr>
+          <p:cNvSpPr>
+            <a:spLocks noGrp="1"/>
+          </p:cNvSpPr>
+          <p:nvPr>
+            <p:ph idx="1"/>
+          </p:nvPr>
+        </p:nvSpPr>
+        <p:spPr>
+          <a:xfrm>
+            <a:off x="5741893" y="767258"/>
+            <a:ext cx="5287923" cy="5323484"/>
+          </a:xfrm>
+        </p:spPr>
+        <p:txBody>
+          <a:bodyPr anchor="ctr">
+            <a:normAutofit/>
+          </a:bodyPr>
+          <a:lstStyle/>
+          <a:p>
+            <a:r>
+              <a:rPr lang="en-US" dirty="0" err="1"/>
+              <a:t>WebScraping</a:t>
+            </a:r>
+            <a:endParaRPr lang="en-US" dirty="0"/>
+          </a:p>
+          <a:p>
+            <a:r>
+              <a:rPr lang="en-US" dirty="0"/>
+              <a:t>Normalizing json file</a:t>
+            </a:r>
+          </a:p>
+          <a:p>
+            <a:r>
+              <a:rPr lang="en-US" dirty="0" err="1"/>
+              <a:t>Cleanning</a:t>
+            </a:r>
+            <a:r>
+              <a:rPr lang="en-US" dirty="0"/>
+              <a:t> Data</a:t>
+            </a:r>
+          </a:p>
+          <a:p>
+            <a:pPr lvl="1"/>
+            <a:r>
+              <a:rPr lang="en-US" sz="2800" dirty="0"/>
+              <a:t>Extreme Values </a:t>
+            </a:r>
+          </a:p>
+          <a:p>
+            <a:pPr lvl="1"/>
+            <a:r>
+              <a:rPr lang="en-US" sz="2800" dirty="0"/>
+              <a:t>Outliers</a:t>
+            </a:r>
+          </a:p>
+          <a:p>
+            <a:r>
+              <a:rPr lang="en-US" dirty="0"/>
+              <a:t>Database creation</a:t>
+            </a:r>
+          </a:p>
+          <a:p>
+            <a:pPr lvl="1"/>
+            <a:r>
+              <a:rPr lang="en-US" sz="2800" dirty="0"/>
+              <a:t>Table import.</a:t>
+            </a:r>
+          </a:p>
+          <a:p>
+            <a:pPr lvl="1"/>
+            <a:r>
+              <a:rPr lang="en-US" sz="2800" dirty="0"/>
+              <a:t>Filtering </a:t>
+            </a:r>
+          </a:p>
+          <a:p>
+            <a:pPr lvl="1"/>
+            <a:r>
+              <a:rPr lang="en-US" sz="2800" dirty="0"/>
+              <a:t>Grouping</a:t>
+            </a:r>
+          </a:p>
+          <a:p>
+            <a:endParaRPr lang="en-US" sz="2000" dirty="0"/>
+          </a:p>
+        </p:txBody>
+      </p:sp>
+    </p:spTree>
+    <p:extLst>
+      <p:ext uri="{BB962C8B-B14F-4D97-AF65-F5344CB8AC3E}">
+        <p14:creationId xmlns:p14="http://schemas.microsoft.com/office/powerpoint/2010/main" val="299991649"/>
+      </p:ext>
+    </p:extLst>
+  </p:cSld>
+  <p:clrMapOvr>
+    <a:masterClrMapping/>
+  </p:clrMapOvr>
+</p:sld>
+</file>
+
+<file path=ppt/slides/slide11.xml><?xml version="1.0" encoding="utf-8"?>
+<p:sld xmlns:a="http://schemas.openxmlformats.org/drawingml/2006/main" xmlns:r="http://schemas.openxmlformats.org/officeDocument/2006/relationships" xmlns:p="http://schemas.openxmlformats.org/presentationml/2006/main">
+  <p:cSld>
+    <p:bg>
+      <p:bgPr>
+        <a:solidFill>
+          <a:schemeClr val="bg1"/>
+        </a:solidFill>
+        <a:effectLst/>
+      </p:bgPr>
+    </p:bg>
+    <p:spTree>
+      <p:nvGrpSpPr>
+        <p:cNvPr id="1" name=""/>
+        <p:cNvGrpSpPr/>
+        <p:nvPr/>
+      </p:nvGrpSpPr>
+      <p:grpSpPr>
+        <a:xfrm>
+          <a:off x="0" y="0"/>
+          <a:ext cx="0" cy="0"/>
+          <a:chOff x="0" y="0"/>
+          <a:chExt cx="0" cy="0"/>
+        </a:xfrm>
+      </p:grpSpPr>
+      <p:sp>
+        <p:nvSpPr>
+          <p:cNvPr id="8" name="Rectangle 7">
+            <a:extLst>
+              <a:ext uri="{FF2B5EF4-FFF2-40B4-BE49-F238E27FC236}">
+                <a16:creationId xmlns:a16="http://schemas.microsoft.com/office/drawing/2014/main" id="{7264F718-7FAC-4056-9FA9-A603EC682FE7}"/>
+              </a:ext>
+              <a:ext uri="{C183D7F6-B498-43B3-948B-1728B52AA6E4}">
+                <adec:decorative xmlns:adec="http://schemas.microsoft.com/office/drawing/2017/decorative" val="1"/>
+              </a:ext>
+            </a:extLst>
+          </p:cNvPr>
+          <p:cNvSpPr>
+            <a:spLocks noGrp="1" noRot="1" noChangeAspect="1" noMove="1" noResize="1" noEditPoints="1" noAdjustHandles="1" noChangeArrowheads="1" noChangeShapeType="1" noTextEdit="1"/>
+          </p:cNvSpPr>
+          <p:nvPr>
+            <p:extLst>
+              <p:ext uri="{386F3935-93C4-4BCD-93E2-E3B085C9AB24}">
+                <p16:designElem xmlns:p16="http://schemas.microsoft.com/office/powerpoint/2015/main" val="1"/>
+              </p:ext>
+            </p:extLst>
+          </p:nvPr>
+        </p:nvSpPr>
+        <p:spPr>
+          <a:xfrm>
+            <a:off x="1525" y="0"/>
+            <a:ext cx="12190475" cy="6858000"/>
+          </a:xfrm>
+          <a:prstGeom prst="rect">
+            <a:avLst/>
+          </a:prstGeom>
+          <a:solidFill>
+            <a:schemeClr val="tx1"/>
+          </a:solidFill>
+          <a:ln>
+            <a:noFill/>
+          </a:ln>
+        </p:spPr>
+        <p:style>
+          <a:lnRef idx="2">
+            <a:schemeClr val="accent1">
+              <a:shade val="50000"/>
+            </a:schemeClr>
+          </a:lnRef>
+          <a:fillRef idx="1">
+            <a:schemeClr val="accent1"/>
+          </a:fillRef>
+          <a:effectRef idx="0">
+            <a:schemeClr val="accent1"/>
+          </a:effectRef>
+          <a:fontRef idx="minor">
+            <a:schemeClr val="lt1"/>
+          </a:fontRef>
+        </p:style>
+        <p:txBody>
+          <a:bodyPr rtlCol="0" anchor="ctr"/>
+          <a:lstStyle/>
+          <a:p>
+            <a:pPr algn="ctr"/>
+            <a:endParaRPr lang="en-US"/>
+          </a:p>
+        </p:txBody>
+      </p:sp>
+      <p:sp>
+        <p:nvSpPr>
+          <p:cNvPr id="10" name="Freeform: Shape 9">
+            <a:extLst>
+              <a:ext uri="{FF2B5EF4-FFF2-40B4-BE49-F238E27FC236}">
+                <a16:creationId xmlns:a16="http://schemas.microsoft.com/office/drawing/2014/main" id="{F74639F7-E3C7-4165-A83E-6386A86BA1DA}"/>
+              </a:ext>
+              <a:ext uri="{C183D7F6-B498-43B3-948B-1728B52AA6E4}">
+                <adec:decorative xmlns:adec="http://schemas.microsoft.com/office/drawing/2017/decorative" val="1"/>
+              </a:ext>
+            </a:extLst>
+          </p:cNvPr>
+          <p:cNvSpPr>
+            <a:spLocks noGrp="1" noRot="1" noChangeAspect="1" noMove="1" noResize="1" noEditPoints="1" noAdjustHandles="1" noChangeArrowheads="1" noChangeShapeType="1" noTextEdit="1"/>
+          </p:cNvSpPr>
+          <p:nvPr>
+            <p:extLst>
+              <p:ext uri="{386F3935-93C4-4BCD-93E2-E3B085C9AB24}">
+                <p16:designElem xmlns:p16="http://schemas.microsoft.com/office/powerpoint/2015/main" val="1"/>
+              </p:ext>
+            </p:extLst>
+          </p:nvPr>
+        </p:nvSpPr>
+        <p:spPr>
+          <a:xfrm flipV="1">
+            <a:off x="0" y="0"/>
+            <a:ext cx="6356349" cy="6858000"/>
+          </a:xfrm>
+          <a:custGeom>
+            <a:avLst/>
+            <a:gdLst>
+              <a:gd name="connsiteX0" fmla="*/ 7539895 w 7539895"/>
+              <a:gd name="connsiteY0" fmla="*/ 6858000 h 6858000"/>
+              <a:gd name="connsiteX1" fmla="*/ 0 w 7539895"/>
+              <a:gd name="connsiteY1" fmla="*/ 6858000 h 6858000"/>
+              <a:gd name="connsiteX2" fmla="*/ 0 w 7539895"/>
+              <a:gd name="connsiteY2" fmla="*/ 0 h 6858000"/>
+              <a:gd name="connsiteX3" fmla="*/ 4363741 w 7539895"/>
+              <a:gd name="connsiteY3" fmla="*/ 0 h 6858000"/>
+            </a:gdLst>
+            <a:ahLst/>
+            <a:cxnLst>
+              <a:cxn ang="0">
+                <a:pos x="connsiteX0" y="connsiteY0"/>
+              </a:cxn>
+              <a:cxn ang="0">
+                <a:pos x="connsiteX1" y="connsiteY1"/>
+              </a:cxn>
+              <a:cxn ang="0">
+                <a:pos x="connsiteX2" y="connsiteY2"/>
+              </a:cxn>
+              <a:cxn ang="0">
+                <a:pos x="connsiteX3" y="connsiteY3"/>
+              </a:cxn>
+            </a:cxnLst>
+            <a:rect l="l" t="t" r="r" b="b"/>
+            <a:pathLst>
+              <a:path w="7539895" h="6858000">
+                <a:moveTo>
+                  <a:pt x="7539895" y="6858000"/>
+                </a:moveTo>
+                <a:lnTo>
+                  <a:pt x="0" y="6858000"/>
+                </a:lnTo>
+                <a:lnTo>
+                  <a:pt x="0" y="0"/>
+                </a:lnTo>
+                <a:lnTo>
+                  <a:pt x="4363741" y="0"/>
+                </a:lnTo>
+                <a:close/>
+              </a:path>
+            </a:pathLst>
+          </a:custGeom>
+          <a:solidFill>
+            <a:schemeClr val="bg1">
+              <a:lumMod val="85000"/>
+              <a:lumOff val="15000"/>
+              <a:alpha val="70000"/>
+            </a:schemeClr>
+          </a:solidFill>
+          <a:ln>
+            <a:noFill/>
+          </a:ln>
+        </p:spPr>
+        <p:style>
+          <a:lnRef idx="2">
+            <a:schemeClr val="accent1">
+              <a:shade val="50000"/>
+            </a:schemeClr>
+          </a:lnRef>
+          <a:fillRef idx="1">
+            <a:schemeClr val="accent1"/>
+          </a:fillRef>
+          <a:effectRef idx="0">
+            <a:schemeClr val="accent1"/>
+          </a:effectRef>
+          <a:fontRef idx="minor">
+            <a:schemeClr val="lt1"/>
+          </a:fontRef>
+        </p:style>
+        <p:txBody>
+          <a:bodyPr wrap="square" rtlCol="0" anchor="ctr">
+            <a:noAutofit/>
+          </a:bodyPr>
+          <a:lstStyle/>
+          <a:p>
+            <a:pPr algn="ctr"/>
+            <a:endParaRPr lang="en-US"/>
+          </a:p>
+        </p:txBody>
+      </p:sp>
+      <p:sp>
+        <p:nvSpPr>
+          <p:cNvPr id="12" name="Freeform: Shape 11">
+            <a:extLst>
+              <a:ext uri="{FF2B5EF4-FFF2-40B4-BE49-F238E27FC236}">
+                <a16:creationId xmlns:a16="http://schemas.microsoft.com/office/drawing/2014/main" id="{8B3AF0F1-707A-463E-B5EE-33C63A40CFC9}"/>
+              </a:ext>
+              <a:ext uri="{C183D7F6-B498-43B3-948B-1728B52AA6E4}">
+                <adec:decorative xmlns:adec="http://schemas.microsoft.com/office/drawing/2017/decorative" val="1"/>
+              </a:ext>
+            </a:extLst>
+          </p:cNvPr>
+          <p:cNvSpPr>
+            <a:spLocks noGrp="1" noRot="1" noChangeAspect="1" noMove="1" noResize="1" noEditPoints="1" noAdjustHandles="1" noChangeArrowheads="1" noChangeShapeType="1" noTextEdit="1"/>
+          </p:cNvSpPr>
+          <p:nvPr>
+            <p:extLst>
+              <p:ext uri="{386F3935-93C4-4BCD-93E2-E3B085C9AB24}">
+                <p16:designElem xmlns:p16="http://schemas.microsoft.com/office/powerpoint/2015/main" val="1"/>
+              </p:ext>
+            </p:extLst>
+          </p:nvPr>
+        </p:nvSpPr>
+        <p:spPr>
+          <a:xfrm flipV="1">
+            <a:off x="0" y="0"/>
+            <a:ext cx="5979591" cy="6858000"/>
+          </a:xfrm>
+          <a:custGeom>
+            <a:avLst/>
+            <a:gdLst>
+              <a:gd name="connsiteX0" fmla="*/ 7092985 w 7092985"/>
+              <a:gd name="connsiteY0" fmla="*/ 6858000 h 6858000"/>
+              <a:gd name="connsiteX1" fmla="*/ 0 w 7092985"/>
+              <a:gd name="connsiteY1" fmla="*/ 6858000 h 6858000"/>
+              <a:gd name="connsiteX2" fmla="*/ 0 w 7092985"/>
+              <a:gd name="connsiteY2" fmla="*/ 0 h 6858000"/>
+              <a:gd name="connsiteX3" fmla="*/ 3916831 w 7092985"/>
+              <a:gd name="connsiteY3" fmla="*/ 0 h 6858000"/>
+            </a:gdLst>
+            <a:ahLst/>
+            <a:cxnLst>
+              <a:cxn ang="0">
+                <a:pos x="connsiteX0" y="connsiteY0"/>
+              </a:cxn>
+              <a:cxn ang="0">
+                <a:pos x="connsiteX1" y="connsiteY1"/>
+              </a:cxn>
+              <a:cxn ang="0">
+                <a:pos x="connsiteX2" y="connsiteY2"/>
+              </a:cxn>
+              <a:cxn ang="0">
+                <a:pos x="connsiteX3" y="connsiteY3"/>
+              </a:cxn>
+            </a:cxnLst>
+            <a:rect l="l" t="t" r="r" b="b"/>
+            <a:pathLst>
+              <a:path w="7092985" h="6858000">
+                <a:moveTo>
+                  <a:pt x="7092985" y="6858000"/>
+                </a:moveTo>
+                <a:lnTo>
+                  <a:pt x="0" y="6858000"/>
+                </a:lnTo>
+                <a:lnTo>
+                  <a:pt x="0" y="0"/>
+                </a:lnTo>
+                <a:lnTo>
+                  <a:pt x="3916831" y="0"/>
+                </a:lnTo>
+                <a:close/>
+              </a:path>
+            </a:pathLst>
+          </a:custGeom>
+          <a:solidFill>
+            <a:schemeClr val="bg1">
+              <a:lumMod val="85000"/>
+              <a:lumOff val="15000"/>
+            </a:schemeClr>
+          </a:solidFill>
+          <a:ln>
+            <a:noFill/>
+          </a:ln>
+        </p:spPr>
+        <p:style>
+          <a:lnRef idx="2">
+            <a:schemeClr val="accent1">
+              <a:shade val="50000"/>
+            </a:schemeClr>
+          </a:lnRef>
+          <a:fillRef idx="1">
+            <a:schemeClr val="accent1"/>
+          </a:fillRef>
+          <a:effectRef idx="0">
+            <a:schemeClr val="accent1"/>
+          </a:effectRef>
+          <a:fontRef idx="minor">
+            <a:schemeClr val="lt1"/>
+          </a:fontRef>
+        </p:style>
+        <p:txBody>
+          <a:bodyPr wrap="square" rtlCol="0" anchor="ctr">
+            <a:noAutofit/>
+          </a:bodyPr>
+          <a:lstStyle/>
+          <a:p>
+            <a:pPr algn="ctr"/>
+            <a:endParaRPr lang="en-US"/>
+          </a:p>
+        </p:txBody>
+      </p:sp>
+      <p:sp>
+        <p:nvSpPr>
+          <p:cNvPr id="2" name="Title 1">
+            <a:extLst>
+              <a:ext uri="{FF2B5EF4-FFF2-40B4-BE49-F238E27FC236}">
+                <a16:creationId xmlns:a16="http://schemas.microsoft.com/office/drawing/2014/main" id="{E03F5CFB-3B86-4839-BB01-9EE7A7CD3985}"/>
+              </a:ext>
+            </a:extLst>
+          </p:cNvPr>
+          <p:cNvSpPr>
+            <a:spLocks noGrp="1"/>
+          </p:cNvSpPr>
+          <p:nvPr>
+            <p:ph type="title"/>
+          </p:nvPr>
+        </p:nvSpPr>
+        <p:spPr>
+          <a:xfrm>
+            <a:off x="841248" y="704850"/>
+            <a:ext cx="3785616" cy="2978150"/>
+          </a:xfrm>
+        </p:spPr>
+        <p:txBody>
+          <a:bodyPr anchor="b">
+            <a:normAutofit/>
+          </a:bodyPr>
+          <a:lstStyle/>
+          <a:p>
+            <a:r>
+              <a:rPr lang="es-ES" dirty="0" err="1"/>
+              <a:t>If</a:t>
+            </a:r>
+            <a:r>
+              <a:rPr lang="es-ES" dirty="0"/>
+              <a:t> I </a:t>
+            </a:r>
+            <a:r>
+              <a:rPr lang="es-ES" dirty="0" err="1"/>
+              <a:t>were</a:t>
+            </a:r>
+            <a:r>
+              <a:rPr lang="es-ES" dirty="0"/>
+              <a:t> </a:t>
+            </a:r>
+            <a:r>
+              <a:rPr lang="es-ES" dirty="0" err="1"/>
+              <a:t>to</a:t>
+            </a:r>
+            <a:r>
+              <a:rPr lang="es-ES" dirty="0"/>
+              <a:t> </a:t>
+            </a:r>
+            <a:r>
+              <a:rPr lang="es-ES" dirty="0" err="1"/>
+              <a:t>start</a:t>
+            </a:r>
+            <a:r>
+              <a:rPr lang="es-ES" dirty="0"/>
+              <a:t> </a:t>
+            </a:r>
+            <a:r>
+              <a:rPr lang="es-ES" dirty="0" err="1"/>
+              <a:t>from</a:t>
+            </a:r>
+            <a:r>
+              <a:rPr lang="es-ES" dirty="0"/>
+              <a:t> </a:t>
+            </a:r>
+            <a:r>
+              <a:rPr lang="es-ES" dirty="0" err="1"/>
+              <a:t>the</a:t>
+            </a:r>
+            <a:r>
+              <a:rPr lang="es-ES" dirty="0"/>
+              <a:t> </a:t>
+            </a:r>
+            <a:r>
+              <a:rPr lang="es-ES" dirty="0" err="1"/>
+              <a:t>scratch</a:t>
+            </a:r>
+            <a:endParaRPr lang="en-US" dirty="0"/>
+          </a:p>
+        </p:txBody>
+      </p:sp>
+      <p:sp>
+        <p:nvSpPr>
+          <p:cNvPr id="3" name="Content Placeholder 2">
+            <a:extLst>
+              <a:ext uri="{FF2B5EF4-FFF2-40B4-BE49-F238E27FC236}">
+                <a16:creationId xmlns:a16="http://schemas.microsoft.com/office/drawing/2014/main" id="{6CDE6ED8-B837-4ACB-A1F7-1037A3F8A0BF}"/>
+              </a:ext>
+            </a:extLst>
+          </p:cNvPr>
+          <p:cNvSpPr>
+            <a:spLocks noGrp="1"/>
+          </p:cNvSpPr>
+          <p:nvPr>
+            <p:ph idx="1"/>
+          </p:nvPr>
+        </p:nvSpPr>
+        <p:spPr>
+          <a:xfrm>
+            <a:off x="6038850" y="704850"/>
+            <a:ext cx="5314950" cy="5251450"/>
+          </a:xfrm>
+        </p:spPr>
+        <p:txBody>
+          <a:bodyPr anchor="ctr">
+            <a:normAutofit/>
+          </a:bodyPr>
+          <a:lstStyle/>
+          <a:p>
+            <a:r>
+              <a:rPr lang="es-ES" sz="4000" dirty="0">
+                <a:solidFill>
+                  <a:schemeClr val="bg1"/>
+                </a:solidFill>
+              </a:rPr>
+              <a:t>I </a:t>
+            </a:r>
+            <a:r>
+              <a:rPr lang="es-ES" sz="4000" dirty="0" err="1">
+                <a:solidFill>
+                  <a:schemeClr val="bg1"/>
+                </a:solidFill>
+              </a:rPr>
+              <a:t>would</a:t>
+            </a:r>
+            <a:r>
+              <a:rPr lang="es-ES" sz="4000" dirty="0">
+                <a:solidFill>
+                  <a:schemeClr val="bg1"/>
+                </a:solidFill>
+              </a:rPr>
+              <a:t> try </a:t>
+            </a:r>
+            <a:r>
+              <a:rPr lang="es-ES" sz="4000" dirty="0" err="1">
+                <a:solidFill>
+                  <a:schemeClr val="bg1"/>
+                </a:solidFill>
+              </a:rPr>
+              <a:t>to</a:t>
+            </a:r>
+            <a:r>
+              <a:rPr lang="es-ES" sz="4000" dirty="0">
+                <a:solidFill>
+                  <a:schemeClr val="bg1"/>
+                </a:solidFill>
+              </a:rPr>
+              <a:t> </a:t>
+            </a:r>
+            <a:r>
+              <a:rPr lang="es-ES" sz="4000" dirty="0" err="1">
+                <a:solidFill>
+                  <a:schemeClr val="bg1"/>
+                </a:solidFill>
+              </a:rPr>
+              <a:t>make</a:t>
+            </a:r>
+            <a:r>
+              <a:rPr lang="es-ES" sz="4000" dirty="0">
+                <a:solidFill>
+                  <a:schemeClr val="bg1"/>
+                </a:solidFill>
+              </a:rPr>
+              <a:t> </a:t>
+            </a:r>
+            <a:r>
+              <a:rPr lang="es-ES" sz="4000" dirty="0" err="1">
+                <a:solidFill>
+                  <a:schemeClr val="bg1"/>
+                </a:solidFill>
+              </a:rPr>
+              <a:t>my</a:t>
+            </a:r>
+            <a:r>
+              <a:rPr lang="es-ES" sz="4000" dirty="0">
+                <a:solidFill>
+                  <a:schemeClr val="bg1"/>
+                </a:solidFill>
+              </a:rPr>
+              <a:t> </a:t>
+            </a:r>
+            <a:r>
+              <a:rPr lang="es-ES" sz="4000" dirty="0" err="1">
+                <a:solidFill>
+                  <a:schemeClr val="bg1"/>
+                </a:solidFill>
+              </a:rPr>
+              <a:t>code</a:t>
+            </a:r>
+            <a:r>
+              <a:rPr lang="es-ES" sz="4000" dirty="0">
+                <a:solidFill>
+                  <a:schemeClr val="bg1"/>
+                </a:solidFill>
+              </a:rPr>
+              <a:t> more </a:t>
+            </a:r>
+            <a:r>
+              <a:rPr lang="es-ES" sz="4000" dirty="0" err="1">
+                <a:solidFill>
+                  <a:schemeClr val="bg1"/>
+                </a:solidFill>
+              </a:rPr>
+              <a:t>efficient</a:t>
+            </a:r>
+            <a:r>
+              <a:rPr lang="es-ES" sz="4000" dirty="0">
+                <a:solidFill>
+                  <a:schemeClr val="bg1"/>
+                </a:solidFill>
+              </a:rPr>
+              <a:t> and </a:t>
+            </a:r>
+            <a:r>
+              <a:rPr lang="es-ES" sz="4000" dirty="0" err="1">
+                <a:solidFill>
+                  <a:schemeClr val="bg1"/>
+                </a:solidFill>
+              </a:rPr>
+              <a:t>avoid</a:t>
+            </a:r>
+            <a:r>
+              <a:rPr lang="es-ES" sz="4000" dirty="0">
+                <a:solidFill>
+                  <a:schemeClr val="bg1"/>
+                </a:solidFill>
+              </a:rPr>
+              <a:t> </a:t>
+            </a:r>
+            <a:r>
+              <a:rPr lang="es-ES" sz="4000" dirty="0" err="1">
+                <a:solidFill>
+                  <a:schemeClr val="bg1"/>
+                </a:solidFill>
+              </a:rPr>
+              <a:t>repeating</a:t>
+            </a:r>
+            <a:r>
+              <a:rPr lang="es-ES" sz="4000" dirty="0">
+                <a:solidFill>
+                  <a:schemeClr val="bg1"/>
+                </a:solidFill>
+              </a:rPr>
+              <a:t> </a:t>
+            </a:r>
+            <a:r>
+              <a:rPr lang="es-ES" sz="4000" dirty="0" err="1">
+                <a:solidFill>
+                  <a:schemeClr val="bg1"/>
+                </a:solidFill>
+              </a:rPr>
+              <a:t>myself</a:t>
+            </a:r>
+            <a:r>
+              <a:rPr lang="es-ES" sz="4000" dirty="0">
+                <a:solidFill>
+                  <a:schemeClr val="bg1"/>
+                </a:solidFill>
+              </a:rPr>
+              <a:t>.</a:t>
+            </a:r>
+          </a:p>
+          <a:p>
+            <a:pPr marL="0" indent="0">
+              <a:buNone/>
+            </a:pPr>
+            <a:endParaRPr lang="es-ES" sz="2100" dirty="0">
+              <a:solidFill>
+                <a:schemeClr val="bg1"/>
+              </a:solidFill>
+            </a:endParaRPr>
+          </a:p>
+          <a:p>
+            <a:pPr marL="0" indent="0">
+              <a:buNone/>
+            </a:pPr>
+            <a:endParaRPr lang="en-US" sz="2100" dirty="0">
+              <a:solidFill>
+                <a:schemeClr val="bg1"/>
+              </a:solidFill>
+            </a:endParaRPr>
+          </a:p>
+        </p:txBody>
+      </p:sp>
+    </p:spTree>
+    <p:extLst>
+      <p:ext uri="{BB962C8B-B14F-4D97-AF65-F5344CB8AC3E}">
+        <p14:creationId xmlns:p14="http://schemas.microsoft.com/office/powerpoint/2010/main" val="2845065227"/>
+      </p:ext>
+    </p:extLst>
+  </p:cSld>
+  <p:clrMapOvr>
+    <a:overrideClrMapping bg1="dk1" tx1="lt1" bg2="dk2" tx2="lt2" accent1="accent1" accent2="accent2" accent3="accent3" accent4="accent4" accent5="accent5" accent6="accent6" hlink="hlink" folHlink="folHlink"/>
+  </p:clrMapOvr>
+</p:sld>
+</file>
+
+<file path=ppt/slides/slide12.xml><?xml version="1.0" encoding="utf-8"?>
+<p:sld xmlns:a="http://schemas.openxmlformats.org/drawingml/2006/main" xmlns:r="http://schemas.openxmlformats.org/officeDocument/2006/relationships" xmlns:p="http://schemas.openxmlformats.org/presentationml/2006/main">
+  <p:cSld>
+    <p:bg>
+      <p:bgPr>
+        <a:solidFill>
+          <a:schemeClr val="bg1"/>
+        </a:solidFill>
+        <a:effectLst/>
+      </p:bgPr>
+    </p:bg>
+    <p:spTree>
+      <p:nvGrpSpPr>
+        <p:cNvPr id="1" name=""/>
+        <p:cNvGrpSpPr/>
+        <p:nvPr/>
+      </p:nvGrpSpPr>
+      <p:grpSpPr>
+        <a:xfrm>
+          <a:off x="0" y="0"/>
+          <a:ext cx="0" cy="0"/>
+          <a:chOff x="0" y="0"/>
+          <a:chExt cx="0" cy="0"/>
+        </a:xfrm>
+      </p:grpSpPr>
+      <p:sp useBgFill="1">
+        <p:nvSpPr>
+          <p:cNvPr id="8" name="Rectangle 7">
+            <a:extLst>
+              <a:ext uri="{FF2B5EF4-FFF2-40B4-BE49-F238E27FC236}">
                 <a16:creationId xmlns:a16="http://schemas.microsoft.com/office/drawing/2014/main" id="{327D73B4-9F5C-4A64-A179-51B9500CB8B5}"/>
               </a:ext>
               <a:ext uri="{C183D7F6-B498-43B3-948B-1728B52AA6E4}">
@@ -9276,7 +10338,7 @@
           <p:cNvPr id="2" name="Title 1">
             <a:extLst>
               <a:ext uri="{FF2B5EF4-FFF2-40B4-BE49-F238E27FC236}">
-                <a16:creationId xmlns:a16="http://schemas.microsoft.com/office/drawing/2014/main" id="{A944C532-CF9F-4F1B-918E-5AB2FE8DEFA1}"/>
+                <a16:creationId xmlns:a16="http://schemas.microsoft.com/office/drawing/2014/main" id="{3246FB60-5AFB-47EF-AB8D-34940D5B782E}"/>
               </a:ext>
             </a:extLst>
           </p:cNvPr>
@@ -9300,33 +10362,15 @@
           <a:lstStyle/>
           <a:p>
             <a:pPr algn="ctr"/>
-            <a:br>
-              <a:rPr lang="en-US" sz="5600" b="1" i="0">
-                <a:solidFill>
-                  <a:srgbClr val="FFFFFF"/>
-                </a:solidFill>
-                <a:effectLst/>
-                <a:latin typeface="-apple-system"/>
-              </a:rPr>
-            </a:br>
-            <a:r>
-              <a:rPr lang="en-US" sz="5600">
+            <a:r>
+              <a:rPr lang="es-ES" sz="4300">
                 <a:solidFill>
                   <a:srgbClr val="FFFFFF"/>
                 </a:solidFill>
               </a:rPr>
-              <a:t>The insights:</a:t>
-            </a:r>
-            <a:br>
-              <a:rPr lang="en-US" sz="5600" b="1" i="0">
-                <a:solidFill>
-                  <a:srgbClr val="FFFFFF"/>
-                </a:solidFill>
-                <a:effectLst/>
-                <a:latin typeface="-apple-system"/>
-              </a:rPr>
-            </a:br>
-            <a:endParaRPr lang="en-US" sz="5600">
+              <a:t>Improvements</a:t>
+            </a:r>
+            <a:endParaRPr lang="en-US" sz="4300">
               <a:solidFill>
                 <a:srgbClr val="FFFFFF"/>
               </a:solidFill>
@@ -9705,7 +10749,7 @@
           <p:cNvPr id="3" name="Content Placeholder 2">
             <a:extLst>
               <a:ext uri="{FF2B5EF4-FFF2-40B4-BE49-F238E27FC236}">
-                <a16:creationId xmlns:a16="http://schemas.microsoft.com/office/drawing/2014/main" id="{562D2978-F040-4DA8-A4AB-15BA8605A26A}"/>
+                <a16:creationId xmlns:a16="http://schemas.microsoft.com/office/drawing/2014/main" id="{4A4D6CD3-1AAD-4DC5-B586-99DE3E6E091D}"/>
               </a:ext>
             </a:extLst>
           </p:cNvPr>
@@ -9724,140 +10768,463 @@
         </p:spPr>
         <p:txBody>
           <a:bodyPr anchor="ctr">
-            <a:normAutofit lnSpcReduction="10000"/>
+            <a:normAutofit/>
           </a:bodyPr>
           <a:lstStyle/>
           <a:p>
-            <a:pPr marL="0" indent="0">
-              <a:buNone/>
-            </a:pPr>
-            <a:r>
-              <a:rPr lang="en-US" sz="2000" dirty="0">
+            <a:r>
+              <a:rPr lang="es-ES" sz="3200" dirty="0" err="1">
                 <a:solidFill>
                   <a:schemeClr val="tx1">
                     <a:alpha val="80000"/>
                   </a:schemeClr>
                 </a:solidFill>
               </a:rPr>
-              <a:t>The neighborhoods with the highest number of apartments on sale and renting are Center (sol) and Salamanca’s neighborhoods. The business competition is in the area. The price per meter is expensive in both locations, the hypothesis is that these areas have not a regular turnover. This hypothesis needs to be validated with other kind of data.</a:t>
-            </a:r>
-          </a:p>
-          <a:p>
-            <a:pPr marL="0" indent="0">
-              <a:buNone/>
-            </a:pPr>
-            <a:endParaRPr lang="en-US" sz="2000" dirty="0">
-              <a:solidFill>
-                <a:schemeClr val="tx1">
-                  <a:alpha val="80000"/>
-                </a:schemeClr>
-              </a:solidFill>
-            </a:endParaRPr>
-          </a:p>
-          <a:p>
-            <a:pPr marL="0" indent="0">
-              <a:buNone/>
-            </a:pPr>
-            <a:r>
-              <a:rPr lang="en-US" sz="2000" b="1" dirty="0" err="1">
+              <a:t>Creating</a:t>
+            </a:r>
+            <a:r>
+              <a:rPr lang="es-ES" sz="3200" dirty="0">
                 <a:solidFill>
                   <a:schemeClr val="tx1">
                     <a:alpha val="80000"/>
                   </a:schemeClr>
                 </a:solidFill>
               </a:rPr>
-              <a:t>Chamberi</a:t>
-            </a:r>
-            <a:r>
-              <a:rPr lang="en-US" sz="2000" b="1" dirty="0">
+              <a:t> </a:t>
+            </a:r>
+            <a:r>
+              <a:rPr lang="es-ES" sz="3200" dirty="0" err="1">
                 <a:solidFill>
                   <a:schemeClr val="tx1">
                     <a:alpha val="80000"/>
                   </a:schemeClr>
                 </a:solidFill>
               </a:rPr>
-              <a:t>, </a:t>
-            </a:r>
-            <a:r>
-              <a:rPr lang="en-US" sz="2000" b="1" dirty="0" err="1">
+              <a:t>visualizations</a:t>
+            </a:r>
+            <a:r>
+              <a:rPr lang="es-ES" sz="3200" dirty="0">
                 <a:solidFill>
                   <a:schemeClr val="tx1">
                     <a:alpha val="80000"/>
                   </a:schemeClr>
                 </a:solidFill>
               </a:rPr>
-              <a:t>Tetuan</a:t>
-            </a:r>
-            <a:r>
-              <a:rPr lang="en-US" sz="2000" b="1" dirty="0">
+              <a:t> </a:t>
+            </a:r>
+            <a:r>
+              <a:rPr lang="es-ES" sz="3200" dirty="0" err="1">
                 <a:solidFill>
                   <a:schemeClr val="tx1">
                     <a:alpha val="80000"/>
                   </a:schemeClr>
                 </a:solidFill>
               </a:rPr>
-              <a:t> and Chamartín are adjacent districts. Together have the 18.03% of the real state current Market. According to the analysis. A location between the three districts will be suitable.</a:t>
-            </a:r>
-          </a:p>
-          <a:p>
-            <a:pPr marL="0" indent="0">
-              <a:buNone/>
-            </a:pPr>
-            <a:endParaRPr lang="en-US" sz="2000" dirty="0">
-              <a:solidFill>
-                <a:schemeClr val="tx1">
-                  <a:alpha val="80000"/>
-                </a:schemeClr>
-              </a:solidFill>
-            </a:endParaRPr>
-          </a:p>
-          <a:p>
-            <a:pPr marL="0" indent="0">
-              <a:buNone/>
-            </a:pPr>
-            <a:r>
-              <a:rPr lang="en-US" sz="2000" dirty="0" err="1">
+              <a:t>heatmaps</a:t>
+            </a:r>
+            <a:r>
+              <a:rPr lang="es-ES" sz="3200" dirty="0">
                 <a:solidFill>
                   <a:schemeClr val="tx1">
                     <a:alpha val="80000"/>
                   </a:schemeClr>
                 </a:solidFill>
               </a:rPr>
-              <a:t>Carabanchel</a:t>
-            </a:r>
-            <a:r>
-              <a:rPr lang="en-US" sz="2000" dirty="0">
+              <a:t> </a:t>
+            </a:r>
+            <a:r>
+              <a:rPr lang="es-ES" sz="3200" dirty="0" err="1">
                 <a:solidFill>
                   <a:schemeClr val="tx1">
                     <a:alpha val="80000"/>
                   </a:schemeClr>
                 </a:solidFill>
               </a:rPr>
-              <a:t> and Puente de </a:t>
-            </a:r>
-            <a:r>
-              <a:rPr lang="en-US" sz="2000" dirty="0" err="1">
+              <a:t>with</a:t>
+            </a:r>
+            <a:r>
+              <a:rPr lang="es-ES" sz="3200" dirty="0">
                 <a:solidFill>
                   <a:schemeClr val="tx1">
                     <a:alpha val="80000"/>
                   </a:schemeClr>
                 </a:solidFill>
               </a:rPr>
-              <a:t>Vallecas</a:t>
-            </a:r>
-            <a:r>
-              <a:rPr lang="en-US" sz="2000" dirty="0">
+              <a:t> </a:t>
+            </a:r>
+            <a:r>
+              <a:rPr lang="es-ES" sz="3200" dirty="0" err="1">
                 <a:solidFill>
                   <a:schemeClr val="tx1">
                     <a:alpha val="80000"/>
                   </a:schemeClr>
                 </a:solidFill>
               </a:rPr>
-              <a:t> are two areas with potential but the average squared meters and the number of rooms are smaller than the same values in the above districts.</a:t>
-            </a:r>
-          </a:p>
-          <a:p>
-            <a:endParaRPr lang="en-US" sz="2000" dirty="0">
+              <a:t>the</a:t>
+            </a:r>
+            <a:r>
+              <a:rPr lang="es-ES" sz="3200" dirty="0">
+                <a:solidFill>
+                  <a:schemeClr val="tx1">
+                    <a:alpha val="80000"/>
+                  </a:schemeClr>
+                </a:solidFill>
+              </a:rPr>
+              <a:t> </a:t>
+            </a:r>
+            <a:r>
+              <a:rPr lang="es-ES" sz="3200" dirty="0" err="1">
+                <a:solidFill>
+                  <a:schemeClr val="tx1">
+                    <a:alpha val="80000"/>
+                  </a:schemeClr>
+                </a:solidFill>
+              </a:rPr>
+              <a:t>locations</a:t>
+            </a:r>
+            <a:r>
+              <a:rPr lang="es-ES" sz="3200" dirty="0">
+                <a:solidFill>
+                  <a:schemeClr val="tx1">
+                    <a:alpha val="80000"/>
+                  </a:schemeClr>
+                </a:solidFill>
+              </a:rPr>
+              <a:t> </a:t>
+            </a:r>
+            <a:r>
+              <a:rPr lang="es-ES" sz="3200" dirty="0" err="1">
+                <a:solidFill>
+                  <a:schemeClr val="tx1">
+                    <a:alpha val="80000"/>
+                  </a:schemeClr>
+                </a:solidFill>
+              </a:rPr>
+              <a:t>of</a:t>
+            </a:r>
+            <a:r>
+              <a:rPr lang="es-ES" sz="3200" dirty="0">
+                <a:solidFill>
+                  <a:schemeClr val="tx1">
+                    <a:alpha val="80000"/>
+                  </a:schemeClr>
+                </a:solidFill>
+              </a:rPr>
+              <a:t> </a:t>
+            </a:r>
+            <a:r>
+              <a:rPr lang="es-ES" sz="3200" dirty="0" err="1">
+                <a:solidFill>
+                  <a:schemeClr val="tx1">
+                    <a:alpha val="80000"/>
+                  </a:schemeClr>
+                </a:solidFill>
+              </a:rPr>
+              <a:t>the</a:t>
+            </a:r>
+            <a:r>
+              <a:rPr lang="es-ES" sz="3200" dirty="0">
+                <a:solidFill>
+                  <a:schemeClr val="tx1">
+                    <a:alpha val="80000"/>
+                  </a:schemeClr>
+                </a:solidFill>
+              </a:rPr>
+              <a:t> </a:t>
+            </a:r>
+            <a:r>
+              <a:rPr lang="es-ES" sz="3200" dirty="0" err="1">
+                <a:solidFill>
+                  <a:schemeClr val="tx1">
+                    <a:alpha val="80000"/>
+                  </a:schemeClr>
+                </a:solidFill>
+              </a:rPr>
+              <a:t>appartments</a:t>
+            </a:r>
+            <a:r>
+              <a:rPr lang="es-ES" sz="3200" dirty="0">
+                <a:solidFill>
+                  <a:schemeClr val="tx1">
+                    <a:alpha val="80000"/>
+                  </a:schemeClr>
+                </a:solidFill>
+              </a:rPr>
+              <a:t>. </a:t>
+            </a:r>
+          </a:p>
+          <a:p>
+            <a:r>
+              <a:rPr lang="es-ES" sz="3200" dirty="0">
+                <a:solidFill>
+                  <a:schemeClr val="tx1">
+                    <a:alpha val="80000"/>
+                  </a:schemeClr>
+                </a:solidFill>
+              </a:rPr>
+              <a:t>Focus </a:t>
+            </a:r>
+            <a:r>
+              <a:rPr lang="es-ES" sz="3200" dirty="0" err="1">
+                <a:solidFill>
+                  <a:schemeClr val="tx1">
+                    <a:alpha val="80000"/>
+                  </a:schemeClr>
+                </a:solidFill>
+              </a:rPr>
+              <a:t>on</a:t>
+            </a:r>
+            <a:r>
+              <a:rPr lang="es-ES" sz="3200" dirty="0">
+                <a:solidFill>
+                  <a:schemeClr val="tx1">
+                    <a:alpha val="80000"/>
+                  </a:schemeClr>
+                </a:solidFill>
+              </a:rPr>
+              <a:t> </a:t>
+            </a:r>
+            <a:r>
+              <a:rPr lang="es-ES" sz="3200" dirty="0" err="1">
+                <a:solidFill>
+                  <a:schemeClr val="tx1">
+                    <a:alpha val="80000"/>
+                  </a:schemeClr>
+                </a:solidFill>
+              </a:rPr>
+              <a:t>functions</a:t>
+            </a:r>
+            <a:r>
+              <a:rPr lang="es-ES" sz="3200" dirty="0">
+                <a:solidFill>
+                  <a:schemeClr val="tx1">
+                    <a:alpha val="80000"/>
+                  </a:schemeClr>
+                </a:solidFill>
+              </a:rPr>
+              <a:t> </a:t>
+            </a:r>
+            <a:r>
+              <a:rPr lang="es-ES" sz="3200" dirty="0" err="1">
+                <a:solidFill>
+                  <a:schemeClr val="tx1">
+                    <a:alpha val="80000"/>
+                  </a:schemeClr>
+                </a:solidFill>
+              </a:rPr>
+              <a:t>creation</a:t>
+            </a:r>
+            <a:r>
+              <a:rPr lang="es-ES" sz="3200" dirty="0">
+                <a:solidFill>
+                  <a:schemeClr val="tx1">
+                    <a:alpha val="80000"/>
+                  </a:schemeClr>
+                </a:solidFill>
+              </a:rPr>
+              <a:t> </a:t>
+            </a:r>
+            <a:r>
+              <a:rPr lang="es-ES" sz="3200" dirty="0" err="1">
+                <a:solidFill>
+                  <a:schemeClr val="tx1">
+                    <a:alpha val="80000"/>
+                  </a:schemeClr>
+                </a:solidFill>
+              </a:rPr>
+              <a:t>to</a:t>
+            </a:r>
+            <a:r>
+              <a:rPr lang="es-ES" sz="3200" dirty="0">
+                <a:solidFill>
+                  <a:schemeClr val="tx1">
+                    <a:alpha val="80000"/>
+                  </a:schemeClr>
+                </a:solidFill>
+              </a:rPr>
+              <a:t> </a:t>
+            </a:r>
+            <a:r>
+              <a:rPr lang="es-ES" sz="3200" dirty="0" err="1">
+                <a:solidFill>
+                  <a:schemeClr val="tx1">
+                    <a:alpha val="80000"/>
+                  </a:schemeClr>
+                </a:solidFill>
+              </a:rPr>
+              <a:t>automatize</a:t>
+            </a:r>
+            <a:r>
+              <a:rPr lang="es-ES" sz="3200" dirty="0">
+                <a:solidFill>
+                  <a:schemeClr val="tx1">
+                    <a:alpha val="80000"/>
+                  </a:schemeClr>
+                </a:solidFill>
+              </a:rPr>
+              <a:t> </a:t>
+            </a:r>
+            <a:r>
+              <a:rPr lang="es-ES" sz="3200" dirty="0" err="1">
+                <a:solidFill>
+                  <a:schemeClr val="tx1">
+                    <a:alpha val="80000"/>
+                  </a:schemeClr>
+                </a:solidFill>
+              </a:rPr>
+              <a:t>the</a:t>
+            </a:r>
+            <a:r>
+              <a:rPr lang="es-ES" sz="3200" dirty="0">
+                <a:solidFill>
+                  <a:schemeClr val="tx1">
+                    <a:alpha val="80000"/>
+                  </a:schemeClr>
+                </a:solidFill>
+              </a:rPr>
+              <a:t> </a:t>
+            </a:r>
+            <a:r>
+              <a:rPr lang="es-ES" sz="3200" dirty="0" err="1">
+                <a:solidFill>
+                  <a:schemeClr val="tx1">
+                    <a:alpha val="80000"/>
+                  </a:schemeClr>
+                </a:solidFill>
+              </a:rPr>
+              <a:t>steps</a:t>
+            </a:r>
+            <a:r>
+              <a:rPr lang="es-ES" sz="3200" dirty="0">
+                <a:solidFill>
+                  <a:schemeClr val="tx1">
+                    <a:alpha val="80000"/>
+                  </a:schemeClr>
+                </a:solidFill>
+              </a:rPr>
+              <a:t> </a:t>
+            </a:r>
+            <a:r>
+              <a:rPr lang="es-ES" sz="3200" dirty="0" err="1">
+                <a:solidFill>
+                  <a:schemeClr val="tx1">
+                    <a:alpha val="80000"/>
+                  </a:schemeClr>
+                </a:solidFill>
+              </a:rPr>
+              <a:t>for</a:t>
+            </a:r>
+            <a:r>
+              <a:rPr lang="es-ES" sz="3200" dirty="0">
+                <a:solidFill>
+                  <a:schemeClr val="tx1">
+                    <a:alpha val="80000"/>
+                  </a:schemeClr>
+                </a:solidFill>
+              </a:rPr>
+              <a:t> </a:t>
+            </a:r>
+            <a:r>
+              <a:rPr lang="es-ES" sz="3200" dirty="0" err="1">
+                <a:solidFill>
+                  <a:schemeClr val="tx1">
+                    <a:alpha val="80000"/>
+                  </a:schemeClr>
+                </a:solidFill>
+              </a:rPr>
+              <a:t>every</a:t>
+            </a:r>
+            <a:r>
+              <a:rPr lang="es-ES" sz="3200" dirty="0">
+                <a:solidFill>
+                  <a:schemeClr val="tx1">
+                    <a:alpha val="80000"/>
+                  </a:schemeClr>
+                </a:solidFill>
+              </a:rPr>
+              <a:t> </a:t>
+            </a:r>
+            <a:r>
+              <a:rPr lang="es-ES" sz="3200" dirty="0" err="1">
+                <a:solidFill>
+                  <a:schemeClr val="tx1">
+                    <a:alpha val="80000"/>
+                  </a:schemeClr>
+                </a:solidFill>
+              </a:rPr>
+              <a:t>dictionary</a:t>
+            </a:r>
+            <a:r>
+              <a:rPr lang="es-ES" sz="3200" dirty="0">
+                <a:solidFill>
+                  <a:schemeClr val="tx1">
+                    <a:alpha val="80000"/>
+                  </a:schemeClr>
+                </a:solidFill>
+              </a:rPr>
+              <a:t> </a:t>
+            </a:r>
+            <a:r>
+              <a:rPr lang="es-ES" sz="3200" dirty="0" err="1">
+                <a:solidFill>
+                  <a:schemeClr val="tx1">
+                    <a:alpha val="80000"/>
+                  </a:schemeClr>
+                </a:solidFill>
+              </a:rPr>
+              <a:t>of</a:t>
+            </a:r>
+            <a:r>
+              <a:rPr lang="es-ES" sz="3200" dirty="0">
+                <a:solidFill>
+                  <a:schemeClr val="tx1">
+                    <a:alpha val="80000"/>
+                  </a:schemeClr>
+                </a:solidFill>
+              </a:rPr>
+              <a:t> </a:t>
+            </a:r>
+            <a:r>
+              <a:rPr lang="es-ES" sz="3200" dirty="0" err="1">
+                <a:solidFill>
+                  <a:schemeClr val="tx1">
+                    <a:alpha val="80000"/>
+                  </a:schemeClr>
+                </a:solidFill>
+              </a:rPr>
+              <a:t>json</a:t>
+            </a:r>
+            <a:r>
+              <a:rPr lang="es-ES" sz="3200" dirty="0">
+                <a:solidFill>
+                  <a:schemeClr val="tx1">
+                    <a:alpha val="80000"/>
+                  </a:schemeClr>
+                </a:solidFill>
+              </a:rPr>
+              <a:t> </a:t>
+            </a:r>
+            <a:r>
+              <a:rPr lang="es-ES" sz="3200" dirty="0" err="1">
+                <a:solidFill>
+                  <a:schemeClr val="tx1">
+                    <a:alpha val="80000"/>
+                  </a:schemeClr>
+                </a:solidFill>
+              </a:rPr>
+              <a:t>the</a:t>
+            </a:r>
+            <a:r>
+              <a:rPr lang="es-ES" sz="3200" dirty="0">
+                <a:solidFill>
+                  <a:schemeClr val="tx1">
+                    <a:alpha val="80000"/>
+                  </a:schemeClr>
+                </a:solidFill>
+              </a:rPr>
+              <a:t> files</a:t>
+            </a:r>
+            <a:endParaRPr lang="en-US" sz="3200" dirty="0">
               <a:solidFill>
                 <a:schemeClr val="tx1">
                   <a:alpha val="80000"/>
@@ -10039,7 +11406,7 @@
     </p:spTree>
     <p:extLst>
       <p:ext uri="{BB962C8B-B14F-4D97-AF65-F5344CB8AC3E}">
-        <p14:creationId xmlns:p14="http://schemas.microsoft.com/office/powerpoint/2010/main" val="65169173"/>
+        <p14:creationId xmlns:p14="http://schemas.microsoft.com/office/powerpoint/2010/main" val="1255513760"/>
       </p:ext>
     </p:extLst>
   </p:cSld>
@@ -10049,448 +11416,7 @@
 </p:sld>
 </file>
 
-<file path=ppt/slides/slide11.xml><?xml version="1.0" encoding="utf-8"?>
-<p:sld xmlns:a="http://schemas.openxmlformats.org/drawingml/2006/main" xmlns:r="http://schemas.openxmlformats.org/officeDocument/2006/relationships" xmlns:p="http://schemas.openxmlformats.org/presentationml/2006/main">
-  <p:cSld>
-    <p:bg>
-      <p:bgPr>
-        <a:solidFill>
-          <a:schemeClr val="bg1"/>
-        </a:solidFill>
-        <a:effectLst/>
-      </p:bgPr>
-    </p:bg>
-    <p:spTree>
-      <p:nvGrpSpPr>
-        <p:cNvPr id="1" name=""/>
-        <p:cNvGrpSpPr/>
-        <p:nvPr/>
-      </p:nvGrpSpPr>
-      <p:grpSpPr>
-        <a:xfrm>
-          <a:off x="0" y="0"/>
-          <a:ext cx="0" cy="0"/>
-          <a:chOff x="0" y="0"/>
-          <a:chExt cx="0" cy="0"/>
-        </a:xfrm>
-      </p:grpSpPr>
-      <p:sp useBgFill="1">
-        <p:nvSpPr>
-          <p:cNvPr id="8" name="Rectangle 7">
-            <a:extLst>
-              <a:ext uri="{FF2B5EF4-FFF2-40B4-BE49-F238E27FC236}">
-                <a16:creationId xmlns:a16="http://schemas.microsoft.com/office/drawing/2014/main" id="{8249E89B-63A5-45DA-A170-5B661FCE4F6E}"/>
-              </a:ext>
-              <a:ext uri="{C183D7F6-B498-43B3-948B-1728B52AA6E4}">
-                <adec:decorative xmlns:adec="http://schemas.microsoft.com/office/drawing/2017/decorative" val="1"/>
-              </a:ext>
-            </a:extLst>
-          </p:cNvPr>
-          <p:cNvSpPr>
-            <a:spLocks noGrp="1" noRot="1" noChangeAspect="1" noMove="1" noResize="1" noEditPoints="1" noAdjustHandles="1" noChangeArrowheads="1" noChangeShapeType="1" noTextEdit="1"/>
-          </p:cNvSpPr>
-          <p:nvPr>
-            <p:extLst>
-              <p:ext uri="{386F3935-93C4-4BCD-93E2-E3B085C9AB24}">
-                <p16:designElem xmlns:p16="http://schemas.microsoft.com/office/powerpoint/2015/main" val="1"/>
-              </p:ext>
-            </p:extLst>
-          </p:nvPr>
-        </p:nvSpPr>
-        <p:spPr>
-          <a:xfrm>
-            <a:off x="3048" y="0"/>
-            <a:ext cx="12188952" cy="6858000"/>
-          </a:xfrm>
-          <a:prstGeom prst="rect">
-            <a:avLst/>
-          </a:prstGeom>
-          <a:ln>
-            <a:noFill/>
-          </a:ln>
-        </p:spPr>
-        <p:style>
-          <a:lnRef idx="2">
-            <a:schemeClr val="accent1">
-              <a:shade val="50000"/>
-            </a:schemeClr>
-          </a:lnRef>
-          <a:fillRef idx="1">
-            <a:schemeClr val="accent1"/>
-          </a:fillRef>
-          <a:effectRef idx="0">
-            <a:schemeClr val="accent1"/>
-          </a:effectRef>
-          <a:fontRef idx="minor">
-            <a:schemeClr val="lt1"/>
-          </a:fontRef>
-        </p:style>
-        <p:txBody>
-          <a:bodyPr rtlCol="0" anchor="ctr"/>
-          <a:lstStyle/>
-          <a:p>
-            <a:pPr algn="ctr"/>
-            <a:endParaRPr lang="en-US"/>
-          </a:p>
-        </p:txBody>
-      </p:sp>
-      <p:sp>
-        <p:nvSpPr>
-          <p:cNvPr id="10" name="Rectangle 9">
-            <a:extLst>
-              <a:ext uri="{FF2B5EF4-FFF2-40B4-BE49-F238E27FC236}">
-                <a16:creationId xmlns:a16="http://schemas.microsoft.com/office/drawing/2014/main" id="{A5D714AD-9E94-4752-AA45-D4B0EAAB52E2}"/>
-              </a:ext>
-              <a:ext uri="{C183D7F6-B498-43B3-948B-1728B52AA6E4}">
-                <adec:decorative xmlns:adec="http://schemas.microsoft.com/office/drawing/2017/decorative" val="1"/>
-              </a:ext>
-            </a:extLst>
-          </p:cNvPr>
-          <p:cNvSpPr>
-            <a:spLocks noGrp="1" noRot="1" noChangeAspect="1" noMove="1" noResize="1" noEditPoints="1" noAdjustHandles="1" noChangeArrowheads="1" noChangeShapeType="1" noTextEdit="1"/>
-          </p:cNvSpPr>
-          <p:nvPr>
-            <p:extLst>
-              <p:ext uri="{386F3935-93C4-4BCD-93E2-E3B085C9AB24}">
-                <p16:designElem xmlns:p16="http://schemas.microsoft.com/office/powerpoint/2015/main" val="1"/>
-              </p:ext>
-            </p:extLst>
-          </p:nvPr>
-        </p:nvSpPr>
-        <p:spPr>
-          <a:xfrm>
-            <a:off x="0" y="534652"/>
-            <a:ext cx="4444163" cy="6323347"/>
-          </a:xfrm>
-          <a:prstGeom prst="rect">
-            <a:avLst/>
-          </a:prstGeom>
-          <a:solidFill>
-            <a:schemeClr val="tx2">
-              <a:lumMod val="50000"/>
-            </a:schemeClr>
-          </a:solidFill>
-          <a:ln>
-            <a:noFill/>
-          </a:ln>
-        </p:spPr>
-        <p:style>
-          <a:lnRef idx="2">
-            <a:schemeClr val="accent1">
-              <a:shade val="50000"/>
-            </a:schemeClr>
-          </a:lnRef>
-          <a:fillRef idx="1">
-            <a:schemeClr val="accent1"/>
-          </a:fillRef>
-          <a:effectRef idx="0">
-            <a:schemeClr val="accent1"/>
-          </a:effectRef>
-          <a:fontRef idx="minor">
-            <a:schemeClr val="lt1"/>
-          </a:fontRef>
-        </p:style>
-        <p:txBody>
-          <a:bodyPr rtlCol="0" anchor="ctr"/>
-          <a:lstStyle/>
-          <a:p>
-            <a:pPr algn="ctr"/>
-            <a:endParaRPr lang="en-US"/>
-          </a:p>
-        </p:txBody>
-      </p:sp>
-      <p:sp>
-        <p:nvSpPr>
-          <p:cNvPr id="2" name="Title 1">
-            <a:extLst>
-              <a:ext uri="{FF2B5EF4-FFF2-40B4-BE49-F238E27FC236}">
-                <a16:creationId xmlns:a16="http://schemas.microsoft.com/office/drawing/2014/main" id="{A5FA58C9-707A-4748-9C1A-85E6E962E8B8}"/>
-              </a:ext>
-            </a:extLst>
-          </p:cNvPr>
-          <p:cNvSpPr>
-            <a:spLocks noGrp="1"/>
-          </p:cNvSpPr>
-          <p:nvPr>
-            <p:ph type="title"/>
-          </p:nvPr>
-        </p:nvSpPr>
-        <p:spPr>
-          <a:xfrm>
-            <a:off x="599411" y="767258"/>
-            <a:ext cx="3209335" cy="5323484"/>
-          </a:xfrm>
-        </p:spPr>
-        <p:txBody>
-          <a:bodyPr>
-            <a:normAutofit/>
-          </a:bodyPr>
-          <a:lstStyle/>
-          <a:p>
-            <a:pPr algn="ctr"/>
-            <a:r>
-              <a:rPr lang="en-US" sz="2800">
-                <a:solidFill>
-                  <a:schemeClr val="bg1"/>
-                </a:solidFill>
-              </a:rPr>
-              <a:t>Learnings</a:t>
-            </a:r>
-          </a:p>
-        </p:txBody>
-      </p:sp>
-      <p:sp>
-        <p:nvSpPr>
-          <p:cNvPr id="12" name="Rectangle 11">
-            <a:extLst>
-              <a:ext uri="{FF2B5EF4-FFF2-40B4-BE49-F238E27FC236}">
-                <a16:creationId xmlns:a16="http://schemas.microsoft.com/office/drawing/2014/main" id="{7FF89E09-42FB-4694-96E4-95652B1D83E4}"/>
-              </a:ext>
-              <a:ext uri="{C183D7F6-B498-43B3-948B-1728B52AA6E4}">
-                <adec:decorative xmlns:adec="http://schemas.microsoft.com/office/drawing/2017/decorative" val="1"/>
-              </a:ext>
-            </a:extLst>
-          </p:cNvPr>
-          <p:cNvSpPr>
-            <a:spLocks noGrp="1" noRot="1" noChangeAspect="1" noMove="1" noResize="1" noEditPoints="1" noAdjustHandles="1" noChangeArrowheads="1" noChangeShapeType="1" noTextEdit="1"/>
-          </p:cNvSpPr>
-          <p:nvPr>
-            <p:extLst>
-              <p:ext uri="{386F3935-93C4-4BCD-93E2-E3B085C9AB24}">
-                <p16:designElem xmlns:p16="http://schemas.microsoft.com/office/powerpoint/2015/main" val="1"/>
-              </p:ext>
-            </p:extLst>
-          </p:nvPr>
-        </p:nvSpPr>
-        <p:spPr>
-          <a:xfrm rot="5400000">
-            <a:off x="983158" y="3396997"/>
-            <a:ext cx="6858002" cy="64008"/>
-          </a:xfrm>
-          <a:prstGeom prst="rect">
-            <a:avLst/>
-          </a:prstGeom>
-          <a:solidFill>
-            <a:schemeClr val="tx2">
-              <a:lumMod val="50000"/>
-            </a:schemeClr>
-          </a:solidFill>
-          <a:ln>
-            <a:noFill/>
-          </a:ln>
-        </p:spPr>
-        <p:style>
-          <a:lnRef idx="2">
-            <a:schemeClr val="accent1">
-              <a:shade val="50000"/>
-            </a:schemeClr>
-          </a:lnRef>
-          <a:fillRef idx="1">
-            <a:schemeClr val="accent1"/>
-          </a:fillRef>
-          <a:effectRef idx="0">
-            <a:schemeClr val="accent1"/>
-          </a:effectRef>
-          <a:fontRef idx="minor">
-            <a:schemeClr val="lt1"/>
-          </a:fontRef>
-        </p:style>
-        <p:txBody>
-          <a:bodyPr rtlCol="0" anchor="ctr"/>
-          <a:lstStyle/>
-          <a:p>
-            <a:pPr algn="ctr"/>
-            <a:endParaRPr lang="en-US">
-              <a:solidFill>
-                <a:schemeClr val="tx2">
-                  <a:lumMod val="50000"/>
-                </a:schemeClr>
-              </a:solidFill>
-            </a:endParaRPr>
-          </a:p>
-        </p:txBody>
-      </p:sp>
-      <p:sp>
-        <p:nvSpPr>
-          <p:cNvPr id="14" name="Rectangle 13">
-            <a:extLst>
-              <a:ext uri="{FF2B5EF4-FFF2-40B4-BE49-F238E27FC236}">
-                <a16:creationId xmlns:a16="http://schemas.microsoft.com/office/drawing/2014/main" id="{25D3C032-881F-4579-A4BF-0FA966E9F350}"/>
-              </a:ext>
-              <a:ext uri="{C183D7F6-B498-43B3-948B-1728B52AA6E4}">
-                <adec:decorative xmlns:adec="http://schemas.microsoft.com/office/drawing/2017/decorative" val="1"/>
-              </a:ext>
-            </a:extLst>
-          </p:cNvPr>
-          <p:cNvSpPr>
-            <a:spLocks noGrp="1" noRot="1" noChangeAspect="1" noMove="1" noResize="1" noEditPoints="1" noAdjustHandles="1" noChangeArrowheads="1" noChangeShapeType="1" noTextEdit="1"/>
-          </p:cNvSpPr>
-          <p:nvPr>
-            <p:extLst>
-              <p:ext uri="{386F3935-93C4-4BCD-93E2-E3B085C9AB24}">
-                <p16:designElem xmlns:p16="http://schemas.microsoft.com/office/powerpoint/2015/main" val="1"/>
-              </p:ext>
-            </p:extLst>
-          </p:nvPr>
-        </p:nvSpPr>
-        <p:spPr>
-          <a:xfrm flipH="1">
-            <a:off x="0" y="470645"/>
-            <a:ext cx="12192000" cy="64008"/>
-          </a:xfrm>
-          <a:prstGeom prst="rect">
-            <a:avLst/>
-          </a:prstGeom>
-          <a:solidFill>
-            <a:schemeClr val="tx2">
-              <a:lumMod val="50000"/>
-            </a:schemeClr>
-          </a:solidFill>
-          <a:ln>
-            <a:noFill/>
-          </a:ln>
-        </p:spPr>
-        <p:style>
-          <a:lnRef idx="2">
-            <a:schemeClr val="accent1">
-              <a:shade val="50000"/>
-            </a:schemeClr>
-          </a:lnRef>
-          <a:fillRef idx="1">
-            <a:schemeClr val="accent1"/>
-          </a:fillRef>
-          <a:effectRef idx="0">
-            <a:schemeClr val="accent1"/>
-          </a:effectRef>
-          <a:fontRef idx="minor">
-            <a:schemeClr val="lt1"/>
-          </a:fontRef>
-        </p:style>
-        <p:txBody>
-          <a:bodyPr rtlCol="0" anchor="ctr"/>
-          <a:lstStyle/>
-          <a:p>
-            <a:pPr algn="ctr"/>
-            <a:endParaRPr lang="en-US">
-              <a:solidFill>
-                <a:schemeClr val="tx2">
-                  <a:lumMod val="50000"/>
-                </a:schemeClr>
-              </a:solidFill>
-            </a:endParaRPr>
-          </a:p>
-        </p:txBody>
-      </p:sp>
-      <p:sp>
-        <p:nvSpPr>
-          <p:cNvPr id="3" name="Content Placeholder 2">
-            <a:extLst>
-              <a:ext uri="{FF2B5EF4-FFF2-40B4-BE49-F238E27FC236}">
-                <a16:creationId xmlns:a16="http://schemas.microsoft.com/office/drawing/2014/main" id="{01A3A49F-DB3E-42B5-ACA2-83239D9C5DB3}"/>
-              </a:ext>
-            </a:extLst>
-          </p:cNvPr>
-          <p:cNvSpPr>
-            <a:spLocks noGrp="1"/>
-          </p:cNvSpPr>
-          <p:nvPr>
-            <p:ph idx="1"/>
-          </p:nvPr>
-        </p:nvSpPr>
-        <p:spPr>
-          <a:xfrm>
-            <a:off x="5741893" y="767258"/>
-            <a:ext cx="5287923" cy="5323484"/>
-          </a:xfrm>
-        </p:spPr>
-        <p:txBody>
-          <a:bodyPr anchor="ctr">
-            <a:normAutofit/>
-          </a:bodyPr>
-          <a:lstStyle/>
-          <a:p>
-            <a:r>
-              <a:rPr lang="en-US" dirty="0" err="1"/>
-              <a:t>WebScraping</a:t>
-            </a:r>
-            <a:endParaRPr lang="en-US" dirty="0"/>
-          </a:p>
-          <a:p>
-            <a:r>
-              <a:rPr lang="en-US" dirty="0"/>
-              <a:t>Normalizing json file</a:t>
-            </a:r>
-          </a:p>
-          <a:p>
-            <a:r>
-              <a:rPr lang="en-US" dirty="0" err="1"/>
-              <a:t>Cleanning</a:t>
-            </a:r>
-            <a:r>
-              <a:rPr lang="en-US" dirty="0"/>
-              <a:t> Data</a:t>
-            </a:r>
-          </a:p>
-          <a:p>
-            <a:pPr lvl="1"/>
-            <a:r>
-              <a:rPr lang="en-US" sz="2800" dirty="0"/>
-              <a:t>Extreme Values </a:t>
-            </a:r>
-          </a:p>
-          <a:p>
-            <a:pPr lvl="1"/>
-            <a:r>
-              <a:rPr lang="en-US" sz="2800" dirty="0"/>
-              <a:t>Outliers</a:t>
-            </a:r>
-          </a:p>
-          <a:p>
-            <a:r>
-              <a:rPr lang="en-US" dirty="0"/>
-              <a:t>Database creation</a:t>
-            </a:r>
-          </a:p>
-          <a:p>
-            <a:pPr lvl="1"/>
-            <a:r>
-              <a:rPr lang="en-US" sz="2800" dirty="0"/>
-              <a:t>Table import.</a:t>
-            </a:r>
-          </a:p>
-          <a:p>
-            <a:pPr lvl="1"/>
-            <a:r>
-              <a:rPr lang="en-US" sz="2800" dirty="0"/>
-              <a:t>Filtering </a:t>
-            </a:r>
-          </a:p>
-          <a:p>
-            <a:pPr lvl="1"/>
-            <a:r>
-              <a:rPr lang="en-US" sz="2800" dirty="0"/>
-              <a:t>Grouping</a:t>
-            </a:r>
-          </a:p>
-          <a:p>
-            <a:endParaRPr lang="en-US" sz="2000" dirty="0"/>
-          </a:p>
-        </p:txBody>
-      </p:sp>
-    </p:spTree>
-    <p:extLst>
-      <p:ext uri="{BB962C8B-B14F-4D97-AF65-F5344CB8AC3E}">
-        <p14:creationId xmlns:p14="http://schemas.microsoft.com/office/powerpoint/2010/main" val="299991649"/>
-      </p:ext>
-    </p:extLst>
-  </p:cSld>
-  <p:clrMapOvr>
-    <a:masterClrMapping/>
-  </p:clrMapOvr>
-</p:sld>
-</file>
-
-<file path=ppt/slides/slide12.xml><?xml version="1.0" encoding="utf-8"?>
+<file path=ppt/slides/slide13.xml><?xml version="1.0" encoding="utf-8"?>
 <p:sld xmlns:a="http://schemas.openxmlformats.org/drawingml/2006/main" xmlns:r="http://schemas.openxmlformats.org/officeDocument/2006/relationships" xmlns:p="http://schemas.openxmlformats.org/presentationml/2006/main">
   <p:cSld>
     <p:bg>
@@ -10517,10 +11443,789 @@
       </p:grpSpPr>
       <p:sp>
         <p:nvSpPr>
-          <p:cNvPr id="8" name="Rectangle 7">
+          <p:cNvPr id="30" name="Rectangle 29">
             <a:extLst>
               <a:ext uri="{FF2B5EF4-FFF2-40B4-BE49-F238E27FC236}">
-                <a16:creationId xmlns:a16="http://schemas.microsoft.com/office/drawing/2014/main" id="{7264F718-7FAC-4056-9FA9-A603EC682FE7}"/>
+                <a16:creationId xmlns:a16="http://schemas.microsoft.com/office/drawing/2014/main" id="{765F4110-C0FC-4D61-ACD2-A7C950EAE908}"/>
+              </a:ext>
+              <a:ext uri="{C183D7F6-B498-43B3-948B-1728B52AA6E4}">
+                <adec:decorative xmlns:adec="http://schemas.microsoft.com/office/drawing/2017/decorative" val="1"/>
+              </a:ext>
+            </a:extLst>
+          </p:cNvPr>
+          <p:cNvSpPr>
+            <a:spLocks noGrp="1" noRot="1" noChangeAspect="1" noMove="1" noResize="1" noEditPoints="1" noAdjustHandles="1" noChangeArrowheads="1" noChangeShapeType="1" noTextEdit="1"/>
+          </p:cNvSpPr>
+          <p:nvPr>
+            <p:extLst>
+              <p:ext uri="{386F3935-93C4-4BCD-93E2-E3B085C9AB24}">
+                <p16:designElem xmlns:p16="http://schemas.microsoft.com/office/powerpoint/2015/main" val="1"/>
+              </p:ext>
+            </p:extLst>
+          </p:nvPr>
+        </p:nvSpPr>
+        <p:spPr bwMode="ltGray">
+          <a:xfrm>
+            <a:off x="4708357" y="3509963"/>
+            <a:ext cx="7092215" cy="2967839"/>
+          </a:xfrm>
+          <a:prstGeom prst="rect">
+            <a:avLst/>
+          </a:prstGeom>
+          <a:solidFill>
+            <a:srgbClr val="404040"/>
+          </a:solidFill>
+          <a:ln w="127000" cap="sq" cmpd="thinThick">
+            <a:solidFill>
+              <a:srgbClr val="404040"/>
+            </a:solidFill>
+          </a:ln>
+        </p:spPr>
+        <p:style>
+          <a:lnRef idx="2">
+            <a:schemeClr val="accent1">
+              <a:shade val="50000"/>
+            </a:schemeClr>
+          </a:lnRef>
+          <a:fillRef idx="1">
+            <a:schemeClr val="accent1"/>
+          </a:fillRef>
+          <a:effectRef idx="0">
+            <a:schemeClr val="accent1"/>
+          </a:effectRef>
+          <a:fontRef idx="minor">
+            <a:schemeClr val="lt1"/>
+          </a:fontRef>
+        </p:style>
+        <p:txBody>
+          <a:bodyPr rtlCol="0" anchor="ctr"/>
+          <a:lstStyle/>
+          <a:p>
+            <a:pPr algn="ctr"/>
+            <a:endParaRPr lang="en-US"/>
+          </a:p>
+        </p:txBody>
+      </p:sp>
+      <p:sp>
+        <p:nvSpPr>
+          <p:cNvPr id="2" name="Title 1">
+            <a:extLst>
+              <a:ext uri="{FF2B5EF4-FFF2-40B4-BE49-F238E27FC236}">
+                <a16:creationId xmlns:a16="http://schemas.microsoft.com/office/drawing/2014/main" id="{85A6A557-F71A-484E-85A6-9C45D476D8F3}"/>
+              </a:ext>
+            </a:extLst>
+          </p:cNvPr>
+          <p:cNvSpPr>
+            <a:spLocks noGrp="1"/>
+          </p:cNvSpPr>
+          <p:nvPr>
+            <p:ph type="title"/>
+          </p:nvPr>
+        </p:nvSpPr>
+        <p:spPr>
+          <a:xfrm>
+            <a:off x="5021821" y="3812954"/>
+            <a:ext cx="6465287" cy="1516014"/>
+          </a:xfrm>
+        </p:spPr>
+        <p:txBody>
+          <a:bodyPr vert="horz" lIns="91440" tIns="45720" rIns="91440" bIns="45720" rtlCol="0" anchor="b">
+            <a:normAutofit/>
+          </a:bodyPr>
+          <a:lstStyle/>
+          <a:p>
+            <a:r>
+              <a:rPr lang="es-ES" sz="4800" kern="1200" dirty="0" err="1">
+                <a:solidFill>
+                  <a:srgbClr val="FFFFFF"/>
+                </a:solidFill>
+                <a:latin typeface="+mj-lt"/>
+                <a:ea typeface="+mj-ea"/>
+                <a:cs typeface="+mj-cs"/>
+              </a:rPr>
+              <a:t>Current</a:t>
+            </a:r>
+            <a:r>
+              <a:rPr lang="es-ES" sz="4800" kern="1200" dirty="0">
+                <a:solidFill>
+                  <a:srgbClr val="FFFFFF"/>
+                </a:solidFill>
+                <a:latin typeface="+mj-lt"/>
+                <a:ea typeface="+mj-ea"/>
+                <a:cs typeface="+mj-cs"/>
+              </a:rPr>
+              <a:t> </a:t>
+            </a:r>
+            <a:r>
+              <a:rPr lang="es-ES" sz="4800" kern="1200" dirty="0" err="1">
+                <a:solidFill>
+                  <a:srgbClr val="FFFFFF"/>
+                </a:solidFill>
+                <a:latin typeface="+mj-lt"/>
+                <a:ea typeface="+mj-ea"/>
+                <a:cs typeface="+mj-cs"/>
+              </a:rPr>
+              <a:t>locations</a:t>
+            </a:r>
+            <a:r>
+              <a:rPr lang="es-ES" sz="4800" kern="1200" dirty="0">
+                <a:solidFill>
+                  <a:srgbClr val="FFFFFF"/>
+                </a:solidFill>
+                <a:latin typeface="+mj-lt"/>
+                <a:ea typeface="+mj-ea"/>
+                <a:cs typeface="+mj-cs"/>
+              </a:rPr>
+              <a:t> </a:t>
+            </a:r>
+            <a:r>
+              <a:rPr lang="es-ES" sz="4800" kern="1200" dirty="0" err="1">
+                <a:solidFill>
+                  <a:srgbClr val="FFFFFF"/>
+                </a:solidFill>
+                <a:latin typeface="+mj-lt"/>
+                <a:ea typeface="+mj-ea"/>
+                <a:cs typeface="+mj-cs"/>
+              </a:rPr>
+              <a:t>for</a:t>
+            </a:r>
+            <a:r>
+              <a:rPr lang="es-ES" sz="4800" kern="1200" dirty="0">
+                <a:solidFill>
+                  <a:srgbClr val="FFFFFF"/>
+                </a:solidFill>
+                <a:latin typeface="+mj-lt"/>
+                <a:ea typeface="+mj-ea"/>
+                <a:cs typeface="+mj-cs"/>
+              </a:rPr>
+              <a:t> </a:t>
+            </a:r>
+            <a:r>
+              <a:rPr lang="es-ES" sz="4800" kern="1200" dirty="0" err="1">
+                <a:solidFill>
+                  <a:srgbClr val="FFFFFF"/>
+                </a:solidFill>
+                <a:latin typeface="+mj-lt"/>
+                <a:ea typeface="+mj-ea"/>
+                <a:cs typeface="+mj-cs"/>
+              </a:rPr>
+              <a:t>the</a:t>
+            </a:r>
+            <a:r>
+              <a:rPr lang="es-ES" sz="4800" kern="1200" dirty="0">
+                <a:solidFill>
+                  <a:srgbClr val="FFFFFF"/>
+                </a:solidFill>
+                <a:latin typeface="+mj-lt"/>
+                <a:ea typeface="+mj-ea"/>
+                <a:cs typeface="+mj-cs"/>
+              </a:rPr>
+              <a:t> </a:t>
+            </a:r>
+            <a:r>
+              <a:rPr lang="es-ES" sz="4800" kern="1200" dirty="0" err="1">
+                <a:solidFill>
+                  <a:srgbClr val="FFFFFF"/>
+                </a:solidFill>
+                <a:latin typeface="+mj-lt"/>
+                <a:ea typeface="+mj-ea"/>
+                <a:cs typeface="+mj-cs"/>
+              </a:rPr>
+              <a:t>stores</a:t>
+            </a:r>
+            <a:endParaRPr lang="en-US" sz="4800" kern="1200" dirty="0">
+              <a:solidFill>
+                <a:srgbClr val="FFFFFF"/>
+              </a:solidFill>
+              <a:latin typeface="+mj-lt"/>
+              <a:ea typeface="+mj-ea"/>
+              <a:cs typeface="+mj-cs"/>
+            </a:endParaRPr>
+          </a:p>
+        </p:txBody>
+      </p:sp>
+      <p:cxnSp>
+        <p:nvCxnSpPr>
+          <p:cNvPr id="32" name="Straight Connector 31">
+            <a:extLst>
+              <a:ext uri="{FF2B5EF4-FFF2-40B4-BE49-F238E27FC236}">
+                <a16:creationId xmlns:a16="http://schemas.microsoft.com/office/drawing/2014/main" id="{CC94CBDB-A76C-499E-95AB-C0A049E3154E}"/>
+              </a:ext>
+              <a:ext uri="{C183D7F6-B498-43B3-948B-1728B52AA6E4}">
+                <adec:decorative xmlns:adec="http://schemas.microsoft.com/office/drawing/2017/decorative" val="1"/>
+              </a:ext>
+            </a:extLst>
+          </p:cNvPr>
+          <p:cNvCxnSpPr>
+            <a:cxnSpLocks noGrp="1" noRot="1" noChangeAspect="1" noMove="1" noResize="1" noEditPoints="1" noAdjustHandles="1" noChangeArrowheads="1" noChangeShapeType="1"/>
+          </p:cNvCxnSpPr>
+          <p:nvPr>
+            <p:extLst>
+              <p:ext uri="{386F3935-93C4-4BCD-93E2-E3B085C9AB24}">
+                <p16:designElem xmlns:p16="http://schemas.microsoft.com/office/powerpoint/2015/main" val="1"/>
+              </p:ext>
+            </p:extLst>
+          </p:nvPr>
+        </p:nvCxnSpPr>
+        <p:spPr>
+          <a:xfrm>
+            <a:off x="5138287" y="5443086"/>
+            <a:ext cx="6400800" cy="0"/>
+          </a:xfrm>
+          <a:prstGeom prst="line">
+            <a:avLst/>
+          </a:prstGeom>
+          <a:ln w="22225">
+            <a:solidFill>
+              <a:srgbClr val="D9D9D9"/>
+            </a:solidFill>
+          </a:ln>
+        </p:spPr>
+        <p:style>
+          <a:lnRef idx="1">
+            <a:schemeClr val="accent1"/>
+          </a:lnRef>
+          <a:fillRef idx="0">
+            <a:schemeClr val="accent1"/>
+          </a:fillRef>
+          <a:effectRef idx="0">
+            <a:schemeClr val="accent1"/>
+          </a:effectRef>
+          <a:fontRef idx="minor">
+            <a:schemeClr val="tx1"/>
+          </a:fontRef>
+        </p:style>
+      </p:cxnSp>
+      <p:pic>
+        <p:nvPicPr>
+          <p:cNvPr id="7" name="Picture 6">
+            <a:extLst>
+              <a:ext uri="{FF2B5EF4-FFF2-40B4-BE49-F238E27FC236}">
+                <a16:creationId xmlns:a16="http://schemas.microsoft.com/office/drawing/2014/main" id="{63D45F3F-1085-4ADD-A042-A4FD7C5D5BEE}"/>
+              </a:ext>
+            </a:extLst>
+          </p:cNvPr>
+          <p:cNvPicPr>
+            <a:picLocks noChangeAspect="1"/>
+          </p:cNvPicPr>
+          <p:nvPr/>
+        </p:nvPicPr>
+        <p:blipFill rotWithShape="1">
+          <a:blip r:embed="rId2"/>
+          <a:srcRect t="20159" r="2" b="302"/>
+          <a:stretch/>
+        </p:blipFill>
+        <p:spPr>
+          <a:xfrm>
+            <a:off x="317635" y="321733"/>
+            <a:ext cx="4160452" cy="6214534"/>
+          </a:xfrm>
+          <a:prstGeom prst="rect">
+            <a:avLst/>
+          </a:prstGeom>
+        </p:spPr>
+      </p:pic>
+      <p:pic>
+        <p:nvPicPr>
+          <p:cNvPr id="5" name="Picture 4">
+            <a:extLst>
+              <a:ext uri="{FF2B5EF4-FFF2-40B4-BE49-F238E27FC236}">
+                <a16:creationId xmlns:a16="http://schemas.microsoft.com/office/drawing/2014/main" id="{8ED11DC1-4ADE-4DC0-A925-A8C20B0840B2}"/>
+              </a:ext>
+            </a:extLst>
+          </p:cNvPr>
+          <p:cNvPicPr>
+            <a:picLocks noChangeAspect="1"/>
+          </p:cNvPicPr>
+          <p:nvPr/>
+        </p:nvPicPr>
+        <p:blipFill rotWithShape="1">
+          <a:blip r:embed="rId3"/>
+          <a:srcRect t="26588" r="2" b="13868"/>
+          <a:stretch/>
+        </p:blipFill>
+        <p:spPr>
+          <a:xfrm>
+            <a:off x="4654296" y="299363"/>
+            <a:ext cx="7217085" cy="3008188"/>
+          </a:xfrm>
+          <a:prstGeom prst="rect">
+            <a:avLst/>
+          </a:prstGeom>
+        </p:spPr>
+      </p:pic>
+    </p:spTree>
+    <p:extLst>
+      <p:ext uri="{BB962C8B-B14F-4D97-AF65-F5344CB8AC3E}">
+        <p14:creationId xmlns:p14="http://schemas.microsoft.com/office/powerpoint/2010/main" val="2533941300"/>
+      </p:ext>
+    </p:extLst>
+  </p:cSld>
+  <p:clrMapOvr>
+    <a:masterClrMapping/>
+  </p:clrMapOvr>
+</p:sld>
+</file>
+
+<file path=ppt/slides/slide14.xml><?xml version="1.0" encoding="utf-8"?>
+<p:sld xmlns:a="http://schemas.openxmlformats.org/drawingml/2006/main" xmlns:r="http://schemas.openxmlformats.org/officeDocument/2006/relationships" xmlns:p="http://schemas.openxmlformats.org/presentationml/2006/main">
+  <p:cSld>
+    <p:spTree>
+      <p:nvGrpSpPr>
+        <p:cNvPr id="1" name=""/>
+        <p:cNvGrpSpPr/>
+        <p:nvPr/>
+      </p:nvGrpSpPr>
+      <p:grpSpPr>
+        <a:xfrm>
+          <a:off x="0" y="0"/>
+          <a:ext cx="0" cy="0"/>
+          <a:chOff x="0" y="0"/>
+          <a:chExt cx="0" cy="0"/>
+        </a:xfrm>
+      </p:grpSpPr>
+      <p:sp>
+        <p:nvSpPr>
+          <p:cNvPr id="2" name="Title 1">
+            <a:extLst>
+              <a:ext uri="{FF2B5EF4-FFF2-40B4-BE49-F238E27FC236}">
+                <a16:creationId xmlns:a16="http://schemas.microsoft.com/office/drawing/2014/main" id="{C5CCCDB2-F4CC-4224-89C0-EACDD0F09E7B}"/>
+              </a:ext>
+            </a:extLst>
+          </p:cNvPr>
+          <p:cNvSpPr>
+            <a:spLocks noGrp="1"/>
+          </p:cNvSpPr>
+          <p:nvPr>
+            <p:ph type="title"/>
+          </p:nvPr>
+        </p:nvSpPr>
+        <p:spPr>
+          <a:xfrm>
+            <a:off x="838200" y="109854"/>
+            <a:ext cx="10515600" cy="1325563"/>
+          </a:xfrm>
+        </p:spPr>
+        <p:txBody>
+          <a:bodyPr/>
+          <a:lstStyle/>
+          <a:p>
+            <a:r>
+              <a:rPr lang="es-ES" dirty="0"/>
+              <a:t>Tables </a:t>
+            </a:r>
+            <a:r>
+              <a:rPr lang="es-ES" dirty="0" err="1"/>
+              <a:t>for</a:t>
+            </a:r>
+            <a:r>
+              <a:rPr lang="es-ES" dirty="0"/>
+              <a:t> </a:t>
+            </a:r>
+            <a:r>
+              <a:rPr lang="es-ES" dirty="0" err="1"/>
+              <a:t>getting</a:t>
+            </a:r>
+            <a:r>
+              <a:rPr lang="es-ES" dirty="0"/>
+              <a:t> </a:t>
+            </a:r>
+            <a:r>
+              <a:rPr lang="es-ES" dirty="0" err="1"/>
+              <a:t>the</a:t>
+            </a:r>
+            <a:r>
+              <a:rPr lang="es-ES" dirty="0"/>
+              <a:t> </a:t>
+            </a:r>
+            <a:r>
+              <a:rPr lang="es-ES" dirty="0" err="1"/>
+              <a:t>insights</a:t>
+            </a:r>
+            <a:endParaRPr lang="en-US" dirty="0"/>
+          </a:p>
+        </p:txBody>
+      </p:sp>
+      <p:pic>
+        <p:nvPicPr>
+          <p:cNvPr id="7" name="Picture 6">
+            <a:extLst>
+              <a:ext uri="{FF2B5EF4-FFF2-40B4-BE49-F238E27FC236}">
+                <a16:creationId xmlns:a16="http://schemas.microsoft.com/office/drawing/2014/main" id="{D5C513A6-1340-4279-8E2C-758DEDECEFDA}"/>
+              </a:ext>
+            </a:extLst>
+          </p:cNvPr>
+          <p:cNvPicPr>
+            <a:picLocks noChangeAspect="1"/>
+          </p:cNvPicPr>
+          <p:nvPr/>
+        </p:nvPicPr>
+        <p:blipFill>
+          <a:blip r:embed="rId2"/>
+          <a:stretch>
+            <a:fillRect/>
+          </a:stretch>
+        </p:blipFill>
+        <p:spPr>
+          <a:xfrm>
+            <a:off x="6061687" y="1266097"/>
+            <a:ext cx="6130313" cy="5591903"/>
+          </a:xfrm>
+          <a:prstGeom prst="rect">
+            <a:avLst/>
+          </a:prstGeom>
+        </p:spPr>
+      </p:pic>
+      <p:pic>
+        <p:nvPicPr>
+          <p:cNvPr id="9" name="Picture 8">
+            <a:extLst>
+              <a:ext uri="{FF2B5EF4-FFF2-40B4-BE49-F238E27FC236}">
+                <a16:creationId xmlns:a16="http://schemas.microsoft.com/office/drawing/2014/main" id="{701939C7-C474-4607-A4E1-328B7E08B1D3}"/>
+              </a:ext>
+            </a:extLst>
+          </p:cNvPr>
+          <p:cNvPicPr>
+            <a:picLocks noChangeAspect="1"/>
+          </p:cNvPicPr>
+          <p:nvPr/>
+        </p:nvPicPr>
+        <p:blipFill>
+          <a:blip r:embed="rId3"/>
+          <a:stretch>
+            <a:fillRect/>
+          </a:stretch>
+        </p:blipFill>
+        <p:spPr>
+          <a:xfrm>
+            <a:off x="0" y="1266097"/>
+            <a:ext cx="6346292" cy="5591903"/>
+          </a:xfrm>
+          <a:prstGeom prst="rect">
+            <a:avLst/>
+          </a:prstGeom>
+        </p:spPr>
+      </p:pic>
+      <p:sp>
+        <p:nvSpPr>
+          <p:cNvPr id="10" name="Arrow: Right 9">
+            <a:extLst>
+              <a:ext uri="{FF2B5EF4-FFF2-40B4-BE49-F238E27FC236}">
+                <a16:creationId xmlns:a16="http://schemas.microsoft.com/office/drawing/2014/main" id="{C0B931CC-0AF1-4D6E-9D84-FC18F20D235A}"/>
+              </a:ext>
+            </a:extLst>
+          </p:cNvPr>
+          <p:cNvSpPr/>
+          <p:nvPr/>
+        </p:nvSpPr>
+        <p:spPr>
+          <a:xfrm>
+            <a:off x="979714" y="2090057"/>
+            <a:ext cx="378823" cy="130629"/>
+          </a:xfrm>
+          <a:prstGeom prst="rightArrow">
+            <a:avLst/>
+          </a:prstGeom>
+        </p:spPr>
+        <p:style>
+          <a:lnRef idx="2">
+            <a:schemeClr val="accent1">
+              <a:shade val="50000"/>
+            </a:schemeClr>
+          </a:lnRef>
+          <a:fillRef idx="1">
+            <a:schemeClr val="accent1"/>
+          </a:fillRef>
+          <a:effectRef idx="0">
+            <a:schemeClr val="accent1"/>
+          </a:effectRef>
+          <a:fontRef idx="minor">
+            <a:schemeClr val="lt1"/>
+          </a:fontRef>
+        </p:style>
+        <p:txBody>
+          <a:bodyPr rtlCol="0" anchor="ctr"/>
+          <a:lstStyle/>
+          <a:p>
+            <a:pPr algn="ctr"/>
+            <a:endParaRPr lang="en-US"/>
+          </a:p>
+        </p:txBody>
+      </p:sp>
+      <p:sp>
+        <p:nvSpPr>
+          <p:cNvPr id="17" name="Arrow: Right 16">
+            <a:extLst>
+              <a:ext uri="{FF2B5EF4-FFF2-40B4-BE49-F238E27FC236}">
+                <a16:creationId xmlns:a16="http://schemas.microsoft.com/office/drawing/2014/main" id="{C8058870-6E7E-441D-B112-AF29AF122107}"/>
+              </a:ext>
+            </a:extLst>
+          </p:cNvPr>
+          <p:cNvSpPr/>
+          <p:nvPr/>
+        </p:nvSpPr>
+        <p:spPr>
+          <a:xfrm>
+            <a:off x="942702" y="2591660"/>
+            <a:ext cx="378823" cy="130629"/>
+          </a:xfrm>
+          <a:prstGeom prst="rightArrow">
+            <a:avLst/>
+          </a:prstGeom>
+        </p:spPr>
+        <p:style>
+          <a:lnRef idx="2">
+            <a:schemeClr val="accent1">
+              <a:shade val="50000"/>
+            </a:schemeClr>
+          </a:lnRef>
+          <a:fillRef idx="1">
+            <a:schemeClr val="accent1"/>
+          </a:fillRef>
+          <a:effectRef idx="0">
+            <a:schemeClr val="accent1"/>
+          </a:effectRef>
+          <a:fontRef idx="minor">
+            <a:schemeClr val="lt1"/>
+          </a:fontRef>
+        </p:style>
+        <p:txBody>
+          <a:bodyPr rtlCol="0" anchor="ctr"/>
+          <a:lstStyle/>
+          <a:p>
+            <a:pPr algn="ctr"/>
+            <a:endParaRPr lang="en-US"/>
+          </a:p>
+        </p:txBody>
+      </p:sp>
+      <p:sp>
+        <p:nvSpPr>
+          <p:cNvPr id="19" name="Arrow: Right 18">
+            <a:extLst>
+              <a:ext uri="{FF2B5EF4-FFF2-40B4-BE49-F238E27FC236}">
+                <a16:creationId xmlns:a16="http://schemas.microsoft.com/office/drawing/2014/main" id="{461917C1-B54F-43E9-977D-24C7DC5140D9}"/>
+              </a:ext>
+            </a:extLst>
+          </p:cNvPr>
+          <p:cNvSpPr/>
+          <p:nvPr/>
+        </p:nvSpPr>
+        <p:spPr>
+          <a:xfrm>
+            <a:off x="942702" y="2826657"/>
+            <a:ext cx="378823" cy="130629"/>
+          </a:xfrm>
+          <a:prstGeom prst="rightArrow">
+            <a:avLst/>
+          </a:prstGeom>
+        </p:spPr>
+        <p:style>
+          <a:lnRef idx="2">
+            <a:schemeClr val="accent1">
+              <a:shade val="50000"/>
+            </a:schemeClr>
+          </a:lnRef>
+          <a:fillRef idx="1">
+            <a:schemeClr val="accent1"/>
+          </a:fillRef>
+          <a:effectRef idx="0">
+            <a:schemeClr val="accent1"/>
+          </a:effectRef>
+          <a:fontRef idx="minor">
+            <a:schemeClr val="lt1"/>
+          </a:fontRef>
+        </p:style>
+        <p:txBody>
+          <a:bodyPr rtlCol="0" anchor="ctr"/>
+          <a:lstStyle/>
+          <a:p>
+            <a:pPr algn="ctr"/>
+            <a:endParaRPr lang="en-US"/>
+          </a:p>
+        </p:txBody>
+      </p:sp>
+      <p:sp>
+        <p:nvSpPr>
+          <p:cNvPr id="23" name="Arrow: Right 22">
+            <a:extLst>
+              <a:ext uri="{FF2B5EF4-FFF2-40B4-BE49-F238E27FC236}">
+                <a16:creationId xmlns:a16="http://schemas.microsoft.com/office/drawing/2014/main" id="{506D05CA-A9A3-48DC-B76D-8E97C759BEAB}"/>
+              </a:ext>
+            </a:extLst>
+          </p:cNvPr>
+          <p:cNvSpPr/>
+          <p:nvPr/>
+        </p:nvSpPr>
+        <p:spPr>
+          <a:xfrm>
+            <a:off x="6947183" y="2075859"/>
+            <a:ext cx="378823" cy="130629"/>
+          </a:xfrm>
+          <a:prstGeom prst="rightArrow">
+            <a:avLst/>
+          </a:prstGeom>
+        </p:spPr>
+        <p:style>
+          <a:lnRef idx="2">
+            <a:schemeClr val="accent1">
+              <a:shade val="50000"/>
+            </a:schemeClr>
+          </a:lnRef>
+          <a:fillRef idx="1">
+            <a:schemeClr val="accent1"/>
+          </a:fillRef>
+          <a:effectRef idx="0">
+            <a:schemeClr val="accent1"/>
+          </a:effectRef>
+          <a:fontRef idx="minor">
+            <a:schemeClr val="lt1"/>
+          </a:fontRef>
+        </p:style>
+        <p:txBody>
+          <a:bodyPr rtlCol="0" anchor="ctr"/>
+          <a:lstStyle/>
+          <a:p>
+            <a:pPr algn="ctr"/>
+            <a:endParaRPr lang="en-US"/>
+          </a:p>
+        </p:txBody>
+      </p:sp>
+      <p:sp>
+        <p:nvSpPr>
+          <p:cNvPr id="24" name="Arrow: Right 23">
+            <a:extLst>
+              <a:ext uri="{FF2B5EF4-FFF2-40B4-BE49-F238E27FC236}">
+                <a16:creationId xmlns:a16="http://schemas.microsoft.com/office/drawing/2014/main" id="{BF9DCCE4-C57E-41DE-AE00-932EC97427A8}"/>
+              </a:ext>
+            </a:extLst>
+          </p:cNvPr>
+          <p:cNvSpPr/>
+          <p:nvPr/>
+        </p:nvSpPr>
+        <p:spPr>
+          <a:xfrm>
+            <a:off x="6947183" y="2331357"/>
+            <a:ext cx="378823" cy="130629"/>
+          </a:xfrm>
+          <a:prstGeom prst="rightArrow">
+            <a:avLst/>
+          </a:prstGeom>
+        </p:spPr>
+        <p:style>
+          <a:lnRef idx="2">
+            <a:schemeClr val="accent1">
+              <a:shade val="50000"/>
+            </a:schemeClr>
+          </a:lnRef>
+          <a:fillRef idx="1">
+            <a:schemeClr val="accent1"/>
+          </a:fillRef>
+          <a:effectRef idx="0">
+            <a:schemeClr val="accent1"/>
+          </a:effectRef>
+          <a:fontRef idx="minor">
+            <a:schemeClr val="lt1"/>
+          </a:fontRef>
+        </p:style>
+        <p:txBody>
+          <a:bodyPr rtlCol="0" anchor="ctr"/>
+          <a:lstStyle/>
+          <a:p>
+            <a:pPr algn="ctr"/>
+            <a:endParaRPr lang="en-US"/>
+          </a:p>
+        </p:txBody>
+      </p:sp>
+      <p:sp>
+        <p:nvSpPr>
+          <p:cNvPr id="25" name="Arrow: Right 24">
+            <a:extLst>
+              <a:ext uri="{FF2B5EF4-FFF2-40B4-BE49-F238E27FC236}">
+                <a16:creationId xmlns:a16="http://schemas.microsoft.com/office/drawing/2014/main" id="{C51F815A-EE32-42FA-82FE-C50046D0754F}"/>
+              </a:ext>
+            </a:extLst>
+          </p:cNvPr>
+          <p:cNvSpPr/>
+          <p:nvPr/>
+        </p:nvSpPr>
+        <p:spPr>
+          <a:xfrm>
+            <a:off x="6948996" y="2581412"/>
+            <a:ext cx="378823" cy="130629"/>
+          </a:xfrm>
+          <a:prstGeom prst="rightArrow">
+            <a:avLst/>
+          </a:prstGeom>
+        </p:spPr>
+        <p:style>
+          <a:lnRef idx="2">
+            <a:schemeClr val="accent1">
+              <a:shade val="50000"/>
+            </a:schemeClr>
+          </a:lnRef>
+          <a:fillRef idx="1">
+            <a:schemeClr val="accent1"/>
+          </a:fillRef>
+          <a:effectRef idx="0">
+            <a:schemeClr val="accent1"/>
+          </a:effectRef>
+          <a:fontRef idx="minor">
+            <a:schemeClr val="lt1"/>
+          </a:fontRef>
+        </p:style>
+        <p:txBody>
+          <a:bodyPr rtlCol="0" anchor="ctr"/>
+          <a:lstStyle/>
+          <a:p>
+            <a:pPr algn="ctr"/>
+            <a:endParaRPr lang="en-US"/>
+          </a:p>
+        </p:txBody>
+      </p:sp>
+    </p:spTree>
+    <p:extLst>
+      <p:ext uri="{BB962C8B-B14F-4D97-AF65-F5344CB8AC3E}">
+        <p14:creationId xmlns:p14="http://schemas.microsoft.com/office/powerpoint/2010/main" val="3593079707"/>
+      </p:ext>
+    </p:extLst>
+  </p:cSld>
+  <p:clrMapOvr>
+    <a:masterClrMapping/>
+  </p:clrMapOvr>
+</p:sld>
+</file>
+
+<file path=ppt/slides/slide15.xml><?xml version="1.0" encoding="utf-8"?>
+<p:sld xmlns:a="http://schemas.openxmlformats.org/drawingml/2006/main" xmlns:r="http://schemas.openxmlformats.org/officeDocument/2006/relationships" xmlns:p="http://schemas.openxmlformats.org/presentationml/2006/main">
+  <p:cSld>
+    <p:bg>
+      <p:bgPr>
+        <a:solidFill>
+          <a:schemeClr val="bg1"/>
+        </a:solidFill>
+        <a:effectLst/>
+      </p:bgPr>
+    </p:bg>
+    <p:spTree>
+      <p:nvGrpSpPr>
+        <p:cNvPr id="1" name=""/>
+        <p:cNvGrpSpPr/>
+        <p:nvPr/>
+      </p:nvGrpSpPr>
+      <p:grpSpPr>
+        <a:xfrm>
+          <a:off x="0" y="0"/>
+          <a:ext cx="0" cy="0"/>
+          <a:chOff x="0" y="0"/>
+          <a:chExt cx="0" cy="0"/>
+        </a:xfrm>
+      </p:grpSpPr>
+      <p:sp>
+        <p:nvSpPr>
+          <p:cNvPr id="23" name="Rectangle 22">
+            <a:extLst>
+              <a:ext uri="{FF2B5EF4-FFF2-40B4-BE49-F238E27FC236}">
+                <a16:creationId xmlns:a16="http://schemas.microsoft.com/office/drawing/2014/main" id="{56C20283-73E0-40EC-8AD8-057F581F64C2}"/>
               </a:ext>
               <a:ext uri="{C183D7F6-B498-43B3-948B-1728B52AA6E4}">
                 <adec:decorative xmlns:adec="http://schemas.microsoft.com/office/drawing/2017/decorative" val="1"/>
@@ -10540,8 +12245,8 @@
         </p:nvSpPr>
         <p:spPr>
           <a:xfrm>
-            <a:off x="1525" y="0"/>
-            <a:ext cx="12190475" cy="6858000"/>
+            <a:off x="1524" y="0"/>
+            <a:ext cx="12188952" cy="6858000"/>
           </a:xfrm>
           <a:prstGeom prst="rect">
             <a:avLst/>
@@ -10580,10 +12285,10 @@
       </p:sp>
       <p:sp>
         <p:nvSpPr>
-          <p:cNvPr id="10" name="Freeform: Shape 9">
+          <p:cNvPr id="25" name="Freeform 28">
             <a:extLst>
               <a:ext uri="{FF2B5EF4-FFF2-40B4-BE49-F238E27FC236}">
-                <a16:creationId xmlns:a16="http://schemas.microsoft.com/office/drawing/2014/main" id="{F74639F7-E3C7-4165-A83E-6386A86BA1DA}"/>
+                <a16:creationId xmlns:a16="http://schemas.microsoft.com/office/drawing/2014/main" id="{3FCC729B-E528-40C3-82D3-BA4375575E87}"/>
               </a:ext>
               <a:ext uri="{C183D7F6-B498-43B3-948B-1728B52AA6E4}">
                 <adec:decorative xmlns:adec="http://schemas.microsoft.com/office/drawing/2017/decorative" val="1"/>
@@ -10602,21 +12307,21 @@
           </p:nvPr>
         </p:nvSpPr>
         <p:spPr>
-          <a:xfrm flipV="1">
-            <a:off x="0" y="0"/>
-            <a:ext cx="6356349" cy="6858000"/>
+          <a:xfrm flipH="1" flipV="1">
+            <a:off x="960120" y="0"/>
+            <a:ext cx="11218661" cy="6858000"/>
           </a:xfrm>
           <a:custGeom>
             <a:avLst/>
             <a:gdLst>
-              <a:gd name="connsiteX0" fmla="*/ 7539895 w 7539895"/>
-              <a:gd name="connsiteY0" fmla="*/ 6858000 h 6858000"/>
-              <a:gd name="connsiteX1" fmla="*/ 0 w 7539895"/>
-              <a:gd name="connsiteY1" fmla="*/ 6858000 h 6858000"/>
-              <a:gd name="connsiteX2" fmla="*/ 0 w 7539895"/>
-              <a:gd name="connsiteY2" fmla="*/ 0 h 6858000"/>
-              <a:gd name="connsiteX3" fmla="*/ 4363741 w 7539895"/>
-              <a:gd name="connsiteY3" fmla="*/ 0 h 6858000"/>
+              <a:gd name="connsiteX0" fmla="*/ 0 w 11218661"/>
+              <a:gd name="connsiteY0" fmla="*/ 0 h 6858000"/>
+              <a:gd name="connsiteX1" fmla="*/ 8042507 w 11218661"/>
+              <a:gd name="connsiteY1" fmla="*/ 0 h 6858000"/>
+              <a:gd name="connsiteX2" fmla="*/ 11218661 w 11218661"/>
+              <a:gd name="connsiteY2" fmla="*/ 6858000 h 6858000"/>
+              <a:gd name="connsiteX3" fmla="*/ 0 w 11218661"/>
+              <a:gd name="connsiteY3" fmla="*/ 6858000 h 6858000"/>
             </a:gdLst>
             <a:ahLst/>
             <a:cxnLst>
@@ -10635,18 +12340,18 @@
             </a:cxnLst>
             <a:rect l="l" t="t" r="r" b="b"/>
             <a:pathLst>
-              <a:path w="7539895" h="6858000">
+              <a:path w="11218661" h="6858000">
                 <a:moveTo>
-                  <a:pt x="7539895" y="6858000"/>
+                  <a:pt x="0" y="0"/>
                 </a:moveTo>
                 <a:lnTo>
-                  <a:pt x="0" y="6858000"/>
+                  <a:pt x="8042507" y="0"/>
                 </a:lnTo>
                 <a:lnTo>
-                  <a:pt x="0" y="0"/>
+                  <a:pt x="11218661" y="6858000"/>
                 </a:lnTo>
                 <a:lnTo>
-                  <a:pt x="4363741" y="0"/>
+                  <a:pt x="0" y="6858000"/>
                 </a:lnTo>
                 <a:close/>
               </a:path>
@@ -10692,10 +12397,10 @@
       </p:sp>
       <p:sp>
         <p:nvSpPr>
-          <p:cNvPr id="12" name="Freeform: Shape 11">
+          <p:cNvPr id="27" name="Freeform 26">
             <a:extLst>
               <a:ext uri="{FF2B5EF4-FFF2-40B4-BE49-F238E27FC236}">
-                <a16:creationId xmlns:a16="http://schemas.microsoft.com/office/drawing/2014/main" id="{8B3AF0F1-707A-463E-B5EE-33C63A40CFC9}"/>
+                <a16:creationId xmlns:a16="http://schemas.microsoft.com/office/drawing/2014/main" id="{58F1FB8D-1842-4A04-998D-6CF047AB2790}"/>
               </a:ext>
               <a:ext uri="{C183D7F6-B498-43B3-948B-1728B52AA6E4}">
                 <adec:decorative xmlns:adec="http://schemas.microsoft.com/office/drawing/2017/decorative" val="1"/>
@@ -10714,21 +12419,21 @@
           </p:nvPr>
         </p:nvSpPr>
         <p:spPr>
-          <a:xfrm flipV="1">
-            <a:off x="0" y="0"/>
-            <a:ext cx="5979591" cy="6858000"/>
+          <a:xfrm flipH="1" flipV="1">
+            <a:off x="1420248" y="0"/>
+            <a:ext cx="10771752" cy="6858000"/>
           </a:xfrm>
           <a:custGeom>
             <a:avLst/>
             <a:gdLst>
-              <a:gd name="connsiteX0" fmla="*/ 7092985 w 7092985"/>
-              <a:gd name="connsiteY0" fmla="*/ 6858000 h 6858000"/>
-              <a:gd name="connsiteX1" fmla="*/ 0 w 7092985"/>
-              <a:gd name="connsiteY1" fmla="*/ 6858000 h 6858000"/>
-              <a:gd name="connsiteX2" fmla="*/ 0 w 7092985"/>
-              <a:gd name="connsiteY2" fmla="*/ 0 h 6858000"/>
-              <a:gd name="connsiteX3" fmla="*/ 3916831 w 7092985"/>
-              <a:gd name="connsiteY3" fmla="*/ 0 h 6858000"/>
+              <a:gd name="connsiteX0" fmla="*/ 0 w 10771752"/>
+              <a:gd name="connsiteY0" fmla="*/ 0 h 6858000"/>
+              <a:gd name="connsiteX1" fmla="*/ 7595598 w 10771752"/>
+              <a:gd name="connsiteY1" fmla="*/ 0 h 6858000"/>
+              <a:gd name="connsiteX2" fmla="*/ 10771752 w 10771752"/>
+              <a:gd name="connsiteY2" fmla="*/ 6858000 h 6858000"/>
+              <a:gd name="connsiteX3" fmla="*/ 0 w 10771752"/>
+              <a:gd name="connsiteY3" fmla="*/ 6858000 h 6858000"/>
             </a:gdLst>
             <a:ahLst/>
             <a:cxnLst>
@@ -10747,18 +12452,18 @@
             </a:cxnLst>
             <a:rect l="l" t="t" r="r" b="b"/>
             <a:pathLst>
-              <a:path w="7092985" h="6858000">
+              <a:path w="10771752" h="6858000">
                 <a:moveTo>
-                  <a:pt x="7092985" y="6858000"/>
+                  <a:pt x="0" y="0"/>
                 </a:moveTo>
                 <a:lnTo>
-                  <a:pt x="0" y="6858000"/>
+                  <a:pt x="7595598" y="0"/>
                 </a:lnTo>
                 <a:lnTo>
-                  <a:pt x="0" y="0"/>
+                  <a:pt x="10771752" y="6858000"/>
                 </a:lnTo>
                 <a:lnTo>
-                  <a:pt x="3916831" y="0"/>
+                  <a:pt x="0" y="6858000"/>
                 </a:lnTo>
                 <a:close/>
               </a:path>
@@ -10806,7 +12511,7 @@
           <p:cNvPr id="2" name="Title 1">
             <a:extLst>
               <a:ext uri="{FF2B5EF4-FFF2-40B4-BE49-F238E27FC236}">
-                <a16:creationId xmlns:a16="http://schemas.microsoft.com/office/drawing/2014/main" id="{E03F5CFB-3B86-4839-BB01-9EE7A7CD3985}"/>
+                <a16:creationId xmlns:a16="http://schemas.microsoft.com/office/drawing/2014/main" id="{A944C532-CF9F-4F1B-918E-5AB2FE8DEFA1}"/>
               </a:ext>
             </a:extLst>
           </p:cNvPr>
@@ -10819,78 +12524,72 @@
         </p:nvSpPr>
         <p:spPr>
           <a:xfrm>
-            <a:off x="841248" y="704850"/>
-            <a:ext cx="3785616" cy="2978150"/>
+            <a:off x="4384039" y="365125"/>
+            <a:ext cx="7164493" cy="1325563"/>
           </a:xfrm>
         </p:spPr>
         <p:txBody>
-          <a:bodyPr anchor="b">
+          <a:bodyPr>
             <a:normAutofit/>
           </a:bodyPr>
           <a:lstStyle/>
           <a:p>
-            <a:r>
-              <a:rPr lang="es-ES" dirty="0" err="1"/>
-              <a:t>If</a:t>
-            </a:r>
-            <a:r>
-              <a:rPr lang="es-ES" dirty="0"/>
-              <a:t> I </a:t>
-            </a:r>
-            <a:r>
-              <a:rPr lang="es-ES" dirty="0" err="1"/>
-              <a:t>were</a:t>
-            </a:r>
-            <a:r>
-              <a:rPr lang="es-ES" dirty="0"/>
-              <a:t> </a:t>
-            </a:r>
-            <a:r>
-              <a:rPr lang="es-ES" dirty="0" err="1"/>
-              <a:t>to</a:t>
-            </a:r>
-            <a:r>
-              <a:rPr lang="es-ES" dirty="0"/>
-              <a:t> </a:t>
-            </a:r>
-            <a:r>
-              <a:rPr lang="es-ES" dirty="0" err="1"/>
-              <a:t>start</a:t>
-            </a:r>
-            <a:r>
-              <a:rPr lang="es-ES" dirty="0"/>
-              <a:t> </a:t>
-            </a:r>
-            <a:r>
-              <a:rPr lang="es-ES" dirty="0" err="1"/>
-              <a:t>from</a:t>
-            </a:r>
-            <a:r>
-              <a:rPr lang="es-ES" dirty="0"/>
-              <a:t> </a:t>
-            </a:r>
-            <a:r>
-              <a:rPr lang="es-ES" dirty="0" err="1"/>
-              <a:t>the</a:t>
-            </a:r>
-            <a:r>
-              <a:rPr lang="es-ES" dirty="0"/>
-              <a:t> </a:t>
-            </a:r>
-            <a:r>
-              <a:rPr lang="es-ES" dirty="0" err="1"/>
-              <a:t>scratch</a:t>
-            </a:r>
-            <a:endParaRPr lang="en-US" dirty="0"/>
+            <a:br>
+              <a:rPr lang="en-US" sz="2800" b="1" i="0">
+                <a:effectLst/>
+                <a:latin typeface="-apple-system"/>
+              </a:rPr>
+            </a:br>
+            <a:r>
+              <a:rPr lang="en-US" sz="2800"/>
+              <a:t>The insights:</a:t>
+            </a:r>
+            <a:br>
+              <a:rPr lang="en-US" sz="2800" b="1" i="0">
+                <a:effectLst/>
+                <a:latin typeface="-apple-system"/>
+              </a:rPr>
+            </a:br>
+            <a:endParaRPr lang="en-US" sz="2800"/>
           </a:p>
         </p:txBody>
       </p:sp>
+      <p:pic>
+        <p:nvPicPr>
+          <p:cNvPr id="5" name="Picture 4">
+            <a:extLst>
+              <a:ext uri="{FF2B5EF4-FFF2-40B4-BE49-F238E27FC236}">
+                <a16:creationId xmlns:a16="http://schemas.microsoft.com/office/drawing/2014/main" id="{4E738736-BB19-4F31-A084-29DE8400D90D}"/>
+              </a:ext>
+            </a:extLst>
+          </p:cNvPr>
+          <p:cNvPicPr>
+            <a:picLocks noChangeAspect="1"/>
+          </p:cNvPicPr>
+          <p:nvPr/>
+        </p:nvPicPr>
+        <p:blipFill>
+          <a:blip r:embed="rId2"/>
+          <a:stretch>
+            <a:fillRect/>
+          </a:stretch>
+        </p:blipFill>
+        <p:spPr>
+          <a:xfrm>
+            <a:off x="723544" y="642988"/>
+            <a:ext cx="2938989" cy="5571543"/>
+          </a:xfrm>
+          <a:prstGeom prst="rect">
+            <a:avLst/>
+          </a:prstGeom>
+        </p:spPr>
+      </p:pic>
       <p:sp>
         <p:nvSpPr>
           <p:cNvPr id="3" name="Content Placeholder 2">
             <a:extLst>
               <a:ext uri="{FF2B5EF4-FFF2-40B4-BE49-F238E27FC236}">
-                <a16:creationId xmlns:a16="http://schemas.microsoft.com/office/drawing/2014/main" id="{6CDE6ED8-B837-4ACB-A1F7-1037A3F8A0BF}"/>
+                <a16:creationId xmlns:a16="http://schemas.microsoft.com/office/drawing/2014/main" id="{562D2978-F040-4DA8-A4AB-15BA8605A26A}"/>
               </a:ext>
             </a:extLst>
           </p:cNvPr>
@@ -10903,195 +12602,95 @@
         </p:nvSpPr>
         <p:spPr>
           <a:xfrm>
-            <a:off x="6038850" y="704850"/>
-            <a:ext cx="5314950" cy="5251450"/>
+            <a:off x="4387515" y="2022601"/>
+            <a:ext cx="7161017" cy="4154361"/>
           </a:xfrm>
         </p:spPr>
         <p:txBody>
-          <a:bodyPr anchor="ctr">
-            <a:normAutofit/>
+          <a:bodyPr>
+            <a:normAutofit lnSpcReduction="10000"/>
           </a:bodyPr>
           <a:lstStyle/>
-          <a:p>
-            <a:r>
-              <a:rPr lang="es-ES" sz="4000" dirty="0">
-                <a:solidFill>
-                  <a:schemeClr val="bg1"/>
-                </a:solidFill>
-              </a:rPr>
-              <a:t>I </a:t>
-            </a:r>
-            <a:r>
-              <a:rPr lang="es-ES" sz="4000" dirty="0" err="1">
-                <a:solidFill>
-                  <a:schemeClr val="bg1"/>
-                </a:solidFill>
-              </a:rPr>
-              <a:t>will</a:t>
-            </a:r>
-            <a:r>
-              <a:rPr lang="es-ES" sz="4000" dirty="0">
-                <a:solidFill>
-                  <a:schemeClr val="bg1"/>
-                </a:solidFill>
-              </a:rPr>
-              <a:t> try </a:t>
-            </a:r>
-            <a:r>
-              <a:rPr lang="es-ES" sz="4000" dirty="0" err="1">
-                <a:solidFill>
-                  <a:schemeClr val="bg1"/>
-                </a:solidFill>
-              </a:rPr>
-              <a:t>to</a:t>
-            </a:r>
-            <a:r>
-              <a:rPr lang="es-ES" sz="4000" dirty="0">
-                <a:solidFill>
-                  <a:schemeClr val="bg1"/>
-                </a:solidFill>
-              </a:rPr>
-              <a:t> </a:t>
-            </a:r>
-            <a:r>
-              <a:rPr lang="es-ES" sz="4000" dirty="0" err="1">
-                <a:solidFill>
-                  <a:schemeClr val="bg1"/>
-                </a:solidFill>
-              </a:rPr>
-              <a:t>make</a:t>
-            </a:r>
-            <a:r>
-              <a:rPr lang="es-ES" sz="4000" dirty="0">
-                <a:solidFill>
-                  <a:schemeClr val="bg1"/>
-                </a:solidFill>
-              </a:rPr>
-              <a:t> </a:t>
-            </a:r>
-            <a:r>
-              <a:rPr lang="es-ES" sz="4000" dirty="0" err="1">
-                <a:solidFill>
-                  <a:schemeClr val="bg1"/>
-                </a:solidFill>
-              </a:rPr>
-              <a:t>my</a:t>
-            </a:r>
-            <a:r>
-              <a:rPr lang="es-ES" sz="4000" dirty="0">
-                <a:solidFill>
-                  <a:schemeClr val="bg1"/>
-                </a:solidFill>
-              </a:rPr>
-              <a:t> </a:t>
-            </a:r>
-            <a:r>
-              <a:rPr lang="es-ES" sz="4000" dirty="0" err="1">
-                <a:solidFill>
-                  <a:schemeClr val="bg1"/>
-                </a:solidFill>
-              </a:rPr>
-              <a:t>code</a:t>
-            </a:r>
-            <a:r>
-              <a:rPr lang="es-ES" sz="4000" dirty="0">
-                <a:solidFill>
-                  <a:schemeClr val="bg1"/>
-                </a:solidFill>
-              </a:rPr>
-              <a:t> more </a:t>
-            </a:r>
-            <a:r>
-              <a:rPr lang="es-ES" sz="4000" dirty="0" err="1">
-                <a:solidFill>
-                  <a:schemeClr val="bg1"/>
-                </a:solidFill>
-              </a:rPr>
-              <a:t>efficient</a:t>
-            </a:r>
-            <a:r>
-              <a:rPr lang="es-ES" sz="4000" dirty="0">
-                <a:solidFill>
-                  <a:schemeClr val="bg1"/>
-                </a:solidFill>
-              </a:rPr>
-              <a:t> and </a:t>
-            </a:r>
-            <a:r>
-              <a:rPr lang="es-ES" sz="4000" dirty="0" err="1">
-                <a:solidFill>
-                  <a:schemeClr val="bg1"/>
-                </a:solidFill>
-              </a:rPr>
-              <a:t>avoid</a:t>
-            </a:r>
-            <a:r>
-              <a:rPr lang="es-ES" sz="4000" dirty="0">
-                <a:solidFill>
-                  <a:schemeClr val="bg1"/>
-                </a:solidFill>
-              </a:rPr>
-              <a:t> </a:t>
-            </a:r>
-            <a:r>
-              <a:rPr lang="es-ES" sz="4000" dirty="0" err="1">
-                <a:solidFill>
-                  <a:schemeClr val="bg1"/>
-                </a:solidFill>
-              </a:rPr>
-              <a:t>repeating</a:t>
-            </a:r>
-            <a:r>
-              <a:rPr lang="es-ES" sz="4000" dirty="0">
-                <a:solidFill>
-                  <a:schemeClr val="bg1"/>
-                </a:solidFill>
-              </a:rPr>
-              <a:t> </a:t>
-            </a:r>
-            <a:r>
-              <a:rPr lang="es-ES" sz="4000" dirty="0" err="1">
-                <a:solidFill>
-                  <a:schemeClr val="bg1"/>
-                </a:solidFill>
-              </a:rPr>
-              <a:t>myself</a:t>
-            </a:r>
-            <a:r>
-              <a:rPr lang="es-ES" sz="4000" dirty="0">
-                <a:solidFill>
-                  <a:schemeClr val="bg1"/>
-                </a:solidFill>
-              </a:rPr>
-              <a:t>.</a:t>
-            </a:r>
-          </a:p>
           <a:p>
             <a:pPr marL="0" indent="0">
               <a:buNone/>
             </a:pPr>
-            <a:endParaRPr lang="es-ES" sz="2100" dirty="0">
-              <a:solidFill>
-                <a:schemeClr val="bg1"/>
-              </a:solidFill>
-            </a:endParaRPr>
+            <a:r>
+              <a:rPr lang="en-US" sz="1900" dirty="0"/>
+              <a:t>The neighborhoods with the highest number of apartments on sale and renting are Center (sol) and Salamanca’s neighborhoods. The business competition is in the area. The price per meter is expensive in both locations, the hypothesis is that these areas have not a regular turnover. This hypothesis needs to be validated with other kind of data.</a:t>
+            </a:r>
           </a:p>
           <a:p>
             <a:pPr marL="0" indent="0">
               <a:buNone/>
             </a:pPr>
-            <a:endParaRPr lang="en-US" sz="2100" dirty="0">
-              <a:solidFill>
-                <a:schemeClr val="bg1"/>
-              </a:solidFill>
-            </a:endParaRPr>
+            <a:endParaRPr lang="en-US" sz="1900" dirty="0"/>
+          </a:p>
+          <a:p>
+            <a:pPr marL="0" indent="0">
+              <a:buNone/>
+            </a:pPr>
+            <a:r>
+              <a:rPr lang="en-US" sz="1900" b="1" dirty="0" err="1"/>
+              <a:t>Chamberi</a:t>
+            </a:r>
+            <a:r>
+              <a:rPr lang="en-US" sz="1900" b="1" dirty="0"/>
+              <a:t>, </a:t>
+            </a:r>
+            <a:r>
+              <a:rPr lang="en-US" sz="1900" b="1" dirty="0" err="1"/>
+              <a:t>Tetuan</a:t>
+            </a:r>
+            <a:r>
+              <a:rPr lang="en-US" sz="1900" b="1" dirty="0"/>
+              <a:t> and Chamartín are adjacent districts. Together have the 18.03% selling flats and 26,6 % of </a:t>
+            </a:r>
+            <a:r>
+              <a:rPr lang="en-US" sz="1900" b="1" dirty="0" err="1"/>
+              <a:t>reting</a:t>
+            </a:r>
+            <a:r>
+              <a:rPr lang="en-US" sz="1900" b="1" dirty="0"/>
+              <a:t> flats of the real state current Market. According to the analysis. A location between the three districts will be suitable.</a:t>
+            </a:r>
+          </a:p>
+          <a:p>
+            <a:pPr marL="0" indent="0">
+              <a:buNone/>
+            </a:pPr>
+            <a:endParaRPr lang="en-US" sz="1900" dirty="0"/>
+          </a:p>
+          <a:p>
+            <a:pPr marL="0" indent="0">
+              <a:buNone/>
+            </a:pPr>
+            <a:r>
+              <a:rPr lang="en-US" sz="1900" dirty="0" err="1"/>
+              <a:t>Carabanchel</a:t>
+            </a:r>
+            <a:r>
+              <a:rPr lang="en-US" sz="1900" dirty="0"/>
+              <a:t> and Puente de </a:t>
+            </a:r>
+            <a:r>
+              <a:rPr lang="en-US" sz="1900" dirty="0" err="1"/>
+              <a:t>Vallecas</a:t>
+            </a:r>
+            <a:r>
+              <a:rPr lang="en-US" sz="1900" dirty="0"/>
+              <a:t> are two areas with potential but the average squared meters and the number of rooms are smaller than the same values in the above districts.</a:t>
+            </a:r>
+          </a:p>
+          <a:p>
+            <a:endParaRPr lang="en-US" sz="1900" dirty="0"/>
           </a:p>
         </p:txBody>
       </p:sp>
     </p:spTree>
     <p:extLst>
       <p:ext uri="{BB962C8B-B14F-4D97-AF65-F5344CB8AC3E}">
-        <p14:creationId xmlns:p14="http://schemas.microsoft.com/office/powerpoint/2010/main" val="2845065227"/>
+        <p14:creationId xmlns:p14="http://schemas.microsoft.com/office/powerpoint/2010/main" val="65169173"/>
       </p:ext>
     </p:extLst>
   </p:cSld>
@@ -11101,7 +12700,7 @@
 </p:sld>
 </file>
 
-<file path=ppt/slides/slide13.xml><?xml version="1.0" encoding="utf-8"?>
+<file path=ppt/slides/slide16.xml><?xml version="1.0" encoding="utf-8"?>
 <p:sld xmlns:a="http://schemas.openxmlformats.org/drawingml/2006/main" xmlns:r="http://schemas.openxmlformats.org/officeDocument/2006/relationships" xmlns:p="http://schemas.openxmlformats.org/presentationml/2006/main">
   <p:cSld>
     <p:bg>
@@ -11263,7 +12862,7 @@
           <p:cNvPr id="2" name="Title 1">
             <a:extLst>
               <a:ext uri="{FF2B5EF4-FFF2-40B4-BE49-F238E27FC236}">
-                <a16:creationId xmlns:a16="http://schemas.microsoft.com/office/drawing/2014/main" id="{3246FB60-5AFB-47EF-AB8D-34940D5B782E}"/>
+                <a16:creationId xmlns:a16="http://schemas.microsoft.com/office/drawing/2014/main" id="{350DDAE9-1C11-40FC-954B-4106F93C5955}"/>
               </a:ext>
             </a:extLst>
           </p:cNvPr>
@@ -11288,14 +12887,22 @@
           <a:p>
             <a:pPr algn="ctr"/>
             <a:r>
-              <a:rPr lang="es-ES" sz="4300">
+              <a:rPr lang="es-ES" sz="5600" dirty="0" err="1">
                 <a:solidFill>
                   <a:srgbClr val="FFFFFF"/>
                 </a:solidFill>
               </a:rPr>
-              <a:t>Improvements</a:t>
-            </a:r>
-            <a:endParaRPr lang="en-US" sz="4300">
+              <a:t>Github</a:t>
+            </a:r>
+            <a:r>
+              <a:rPr lang="es-ES" sz="5600" dirty="0">
+                <a:solidFill>
+                  <a:srgbClr val="FFFFFF"/>
+                </a:solidFill>
+              </a:rPr>
+              <a:t> Repo</a:t>
+            </a:r>
+            <a:endParaRPr lang="en-US" sz="5600" dirty="0">
               <a:solidFill>
                 <a:srgbClr val="FFFFFF"/>
               </a:solidFill>
@@ -11674,7 +13281,7 @@
           <p:cNvPr id="3" name="Content Placeholder 2">
             <a:extLst>
               <a:ext uri="{FF2B5EF4-FFF2-40B4-BE49-F238E27FC236}">
-                <a16:creationId xmlns:a16="http://schemas.microsoft.com/office/drawing/2014/main" id="{4A4D6CD3-1AAD-4DC5-B586-99DE3E6E091D}"/>
+                <a16:creationId xmlns:a16="http://schemas.microsoft.com/office/drawing/2014/main" id="{49024F70-F766-4E1F-80DA-575BAE407872}"/>
               </a:ext>
             </a:extLst>
           </p:cNvPr>
@@ -11697,439 +13304,38 @@
           </a:bodyPr>
           <a:lstStyle/>
           <a:p>
-            <a:r>
-              <a:rPr lang="es-ES" sz="3200" dirty="0" err="1">
+            <a:pPr marL="0" indent="0">
+              <a:buNone/>
+            </a:pPr>
+            <a:endParaRPr lang="en-US" sz="2000" b="1" i="0" u="sng" dirty="0">
+              <a:solidFill>
+                <a:schemeClr val="tx1">
+                  <a:alpha val="80000"/>
+                </a:schemeClr>
+              </a:solidFill>
+              <a:effectLst/>
+              <a:latin typeface="-apple-system"/>
+              <a:hlinkClick r:id="rId2"/>
+            </a:endParaRPr>
+          </a:p>
+          <a:p>
+            <a:pPr marL="0" indent="0">
+              <a:buNone/>
+            </a:pPr>
+            <a:r>
+              <a:rPr lang="en-US" sz="4800" b="1" i="0" u="sng" dirty="0" err="1">
                 <a:solidFill>
                   <a:schemeClr val="tx1">
                     <a:alpha val="80000"/>
                   </a:schemeClr>
                 </a:solidFill>
+                <a:effectLst/>
+                <a:latin typeface="-apple-system"/>
+                <a:hlinkClick r:id="rId2"/>
               </a:rPr>
-              <a:t>Creating</a:t>
-            </a:r>
-            <a:r>
-              <a:rPr lang="es-ES" sz="3200" dirty="0">
-                <a:solidFill>
-                  <a:schemeClr val="tx1">
-                    <a:alpha val="80000"/>
-                  </a:schemeClr>
-                </a:solidFill>
-              </a:rPr>
-              <a:t> </a:t>
-            </a:r>
-            <a:r>
-              <a:rPr lang="es-ES" sz="3200" dirty="0" err="1">
-                <a:solidFill>
-                  <a:schemeClr val="tx1">
-                    <a:alpha val="80000"/>
-                  </a:schemeClr>
-                </a:solidFill>
-              </a:rPr>
-              <a:t>visualizations</a:t>
-            </a:r>
-            <a:r>
-              <a:rPr lang="es-ES" sz="3200" dirty="0">
-                <a:solidFill>
-                  <a:schemeClr val="tx1">
-                    <a:alpha val="80000"/>
-                  </a:schemeClr>
-                </a:solidFill>
-              </a:rPr>
-              <a:t> </a:t>
-            </a:r>
-            <a:r>
-              <a:rPr lang="es-ES" sz="3200" dirty="0" err="1">
-                <a:solidFill>
-                  <a:schemeClr val="tx1">
-                    <a:alpha val="80000"/>
-                  </a:schemeClr>
-                </a:solidFill>
-              </a:rPr>
-              <a:t>heatmaps</a:t>
-            </a:r>
-            <a:r>
-              <a:rPr lang="es-ES" sz="3200" dirty="0">
-                <a:solidFill>
-                  <a:schemeClr val="tx1">
-                    <a:alpha val="80000"/>
-                  </a:schemeClr>
-                </a:solidFill>
-              </a:rPr>
-              <a:t> </a:t>
-            </a:r>
-            <a:r>
-              <a:rPr lang="es-ES" sz="3200" dirty="0" err="1">
-                <a:solidFill>
-                  <a:schemeClr val="tx1">
-                    <a:alpha val="80000"/>
-                  </a:schemeClr>
-                </a:solidFill>
-              </a:rPr>
-              <a:t>with</a:t>
-            </a:r>
-            <a:r>
-              <a:rPr lang="es-ES" sz="3200" dirty="0">
-                <a:solidFill>
-                  <a:schemeClr val="tx1">
-                    <a:alpha val="80000"/>
-                  </a:schemeClr>
-                </a:solidFill>
-              </a:rPr>
-              <a:t> </a:t>
-            </a:r>
-            <a:r>
-              <a:rPr lang="es-ES" sz="3200" dirty="0" err="1">
-                <a:solidFill>
-                  <a:schemeClr val="tx1">
-                    <a:alpha val="80000"/>
-                  </a:schemeClr>
-                </a:solidFill>
-              </a:rPr>
-              <a:t>the</a:t>
-            </a:r>
-            <a:r>
-              <a:rPr lang="es-ES" sz="3200" dirty="0">
-                <a:solidFill>
-                  <a:schemeClr val="tx1">
-                    <a:alpha val="80000"/>
-                  </a:schemeClr>
-                </a:solidFill>
-              </a:rPr>
-              <a:t> </a:t>
-            </a:r>
-            <a:r>
-              <a:rPr lang="es-ES" sz="3200" dirty="0" err="1">
-                <a:solidFill>
-                  <a:schemeClr val="tx1">
-                    <a:alpha val="80000"/>
-                  </a:schemeClr>
-                </a:solidFill>
-              </a:rPr>
-              <a:t>locations</a:t>
-            </a:r>
-            <a:r>
-              <a:rPr lang="es-ES" sz="3200" dirty="0">
-                <a:solidFill>
-                  <a:schemeClr val="tx1">
-                    <a:alpha val="80000"/>
-                  </a:schemeClr>
-                </a:solidFill>
-              </a:rPr>
-              <a:t> </a:t>
-            </a:r>
-            <a:r>
-              <a:rPr lang="es-ES" sz="3200" dirty="0" err="1">
-                <a:solidFill>
-                  <a:schemeClr val="tx1">
-                    <a:alpha val="80000"/>
-                  </a:schemeClr>
-                </a:solidFill>
-              </a:rPr>
-              <a:t>of</a:t>
-            </a:r>
-            <a:r>
-              <a:rPr lang="es-ES" sz="3200" dirty="0">
-                <a:solidFill>
-                  <a:schemeClr val="tx1">
-                    <a:alpha val="80000"/>
-                  </a:schemeClr>
-                </a:solidFill>
-              </a:rPr>
-              <a:t> </a:t>
-            </a:r>
-            <a:r>
-              <a:rPr lang="es-ES" sz="3200" dirty="0" err="1">
-                <a:solidFill>
-                  <a:schemeClr val="tx1">
-                    <a:alpha val="80000"/>
-                  </a:schemeClr>
-                </a:solidFill>
-              </a:rPr>
-              <a:t>the</a:t>
-            </a:r>
-            <a:r>
-              <a:rPr lang="es-ES" sz="3200" dirty="0">
-                <a:solidFill>
-                  <a:schemeClr val="tx1">
-                    <a:alpha val="80000"/>
-                  </a:schemeClr>
-                </a:solidFill>
-              </a:rPr>
-              <a:t> </a:t>
-            </a:r>
-            <a:r>
-              <a:rPr lang="es-ES" sz="3200" dirty="0" err="1">
-                <a:solidFill>
-                  <a:schemeClr val="tx1">
-                    <a:alpha val="80000"/>
-                  </a:schemeClr>
-                </a:solidFill>
-              </a:rPr>
-              <a:t>appartments</a:t>
-            </a:r>
-            <a:r>
-              <a:rPr lang="es-ES" sz="3200" dirty="0">
-                <a:solidFill>
-                  <a:schemeClr val="tx1">
-                    <a:alpha val="80000"/>
-                  </a:schemeClr>
-                </a:solidFill>
-              </a:rPr>
-              <a:t>. </a:t>
-            </a:r>
-          </a:p>
-          <a:p>
-            <a:r>
-              <a:rPr lang="es-ES" sz="3200" dirty="0">
-                <a:solidFill>
-                  <a:schemeClr val="tx1">
-                    <a:alpha val="80000"/>
-                  </a:schemeClr>
-                </a:solidFill>
-              </a:rPr>
-              <a:t>Focus </a:t>
-            </a:r>
-            <a:r>
-              <a:rPr lang="es-ES" sz="3200" dirty="0" err="1">
-                <a:solidFill>
-                  <a:schemeClr val="tx1">
-                    <a:alpha val="80000"/>
-                  </a:schemeClr>
-                </a:solidFill>
-              </a:rPr>
-              <a:t>on</a:t>
-            </a:r>
-            <a:r>
-              <a:rPr lang="es-ES" sz="3200" dirty="0">
-                <a:solidFill>
-                  <a:schemeClr val="tx1">
-                    <a:alpha val="80000"/>
-                  </a:schemeClr>
-                </a:solidFill>
-              </a:rPr>
-              <a:t> </a:t>
-            </a:r>
-            <a:r>
-              <a:rPr lang="es-ES" sz="3200" dirty="0" err="1">
-                <a:solidFill>
-                  <a:schemeClr val="tx1">
-                    <a:alpha val="80000"/>
-                  </a:schemeClr>
-                </a:solidFill>
-              </a:rPr>
-              <a:t>function</a:t>
-            </a:r>
-            <a:r>
-              <a:rPr lang="es-ES" sz="3200" dirty="0">
-                <a:solidFill>
-                  <a:schemeClr val="tx1">
-                    <a:alpha val="80000"/>
-                  </a:schemeClr>
-                </a:solidFill>
-              </a:rPr>
-              <a:t> </a:t>
-            </a:r>
-            <a:r>
-              <a:rPr lang="es-ES" sz="3200" dirty="0" err="1">
-                <a:solidFill>
-                  <a:schemeClr val="tx1">
-                    <a:alpha val="80000"/>
-                  </a:schemeClr>
-                </a:solidFill>
-              </a:rPr>
-              <a:t>creation</a:t>
-            </a:r>
-            <a:r>
-              <a:rPr lang="es-ES" sz="3200" dirty="0">
-                <a:solidFill>
-                  <a:schemeClr val="tx1">
-                    <a:alpha val="80000"/>
-                  </a:schemeClr>
-                </a:solidFill>
-              </a:rPr>
-              <a:t> </a:t>
-            </a:r>
-            <a:r>
-              <a:rPr lang="es-ES" sz="3200" dirty="0" err="1">
-                <a:solidFill>
-                  <a:schemeClr val="tx1">
-                    <a:alpha val="80000"/>
-                  </a:schemeClr>
-                </a:solidFill>
-              </a:rPr>
-              <a:t>to</a:t>
-            </a:r>
-            <a:r>
-              <a:rPr lang="es-ES" sz="3200" dirty="0">
-                <a:solidFill>
-                  <a:schemeClr val="tx1">
-                    <a:alpha val="80000"/>
-                  </a:schemeClr>
-                </a:solidFill>
-              </a:rPr>
-              <a:t> </a:t>
-            </a:r>
-            <a:r>
-              <a:rPr lang="es-ES" sz="3200" dirty="0" err="1">
-                <a:solidFill>
-                  <a:schemeClr val="tx1">
-                    <a:alpha val="80000"/>
-                  </a:schemeClr>
-                </a:solidFill>
-              </a:rPr>
-              <a:t>automatize</a:t>
-            </a:r>
-            <a:r>
-              <a:rPr lang="es-ES" sz="3200" dirty="0">
-                <a:solidFill>
-                  <a:schemeClr val="tx1">
-                    <a:alpha val="80000"/>
-                  </a:schemeClr>
-                </a:solidFill>
-              </a:rPr>
-              <a:t> </a:t>
-            </a:r>
-            <a:r>
-              <a:rPr lang="es-ES" sz="3200" dirty="0" err="1">
-                <a:solidFill>
-                  <a:schemeClr val="tx1">
-                    <a:alpha val="80000"/>
-                  </a:schemeClr>
-                </a:solidFill>
-              </a:rPr>
-              <a:t>the</a:t>
-            </a:r>
-            <a:r>
-              <a:rPr lang="es-ES" sz="3200" dirty="0">
-                <a:solidFill>
-                  <a:schemeClr val="tx1">
-                    <a:alpha val="80000"/>
-                  </a:schemeClr>
-                </a:solidFill>
-              </a:rPr>
-              <a:t> </a:t>
-            </a:r>
-            <a:r>
-              <a:rPr lang="es-ES" sz="3200" dirty="0" err="1">
-                <a:solidFill>
-                  <a:schemeClr val="tx1">
-                    <a:alpha val="80000"/>
-                  </a:schemeClr>
-                </a:solidFill>
-              </a:rPr>
-              <a:t>steps</a:t>
-            </a:r>
-            <a:r>
-              <a:rPr lang="es-ES" sz="3200" dirty="0">
-                <a:solidFill>
-                  <a:schemeClr val="tx1">
-                    <a:alpha val="80000"/>
-                  </a:schemeClr>
-                </a:solidFill>
-              </a:rPr>
-              <a:t> </a:t>
-            </a:r>
-            <a:r>
-              <a:rPr lang="es-ES" sz="3200" dirty="0" err="1">
-                <a:solidFill>
-                  <a:schemeClr val="tx1">
-                    <a:alpha val="80000"/>
-                  </a:schemeClr>
-                </a:solidFill>
-              </a:rPr>
-              <a:t>for</a:t>
-            </a:r>
-            <a:r>
-              <a:rPr lang="es-ES" sz="3200" dirty="0">
-                <a:solidFill>
-                  <a:schemeClr val="tx1">
-                    <a:alpha val="80000"/>
-                  </a:schemeClr>
-                </a:solidFill>
-              </a:rPr>
-              <a:t> </a:t>
-            </a:r>
-            <a:r>
-              <a:rPr lang="es-ES" sz="3200" dirty="0" err="1">
-                <a:solidFill>
-                  <a:schemeClr val="tx1">
-                    <a:alpha val="80000"/>
-                  </a:schemeClr>
-                </a:solidFill>
-              </a:rPr>
-              <a:t>every</a:t>
-            </a:r>
-            <a:r>
-              <a:rPr lang="es-ES" sz="3200" dirty="0">
-                <a:solidFill>
-                  <a:schemeClr val="tx1">
-                    <a:alpha val="80000"/>
-                  </a:schemeClr>
-                </a:solidFill>
-              </a:rPr>
-              <a:t> </a:t>
-            </a:r>
-            <a:r>
-              <a:rPr lang="es-ES" sz="3200" dirty="0" err="1">
-                <a:solidFill>
-                  <a:schemeClr val="tx1">
-                    <a:alpha val="80000"/>
-                  </a:schemeClr>
-                </a:solidFill>
-              </a:rPr>
-              <a:t>dictionary</a:t>
-            </a:r>
-            <a:r>
-              <a:rPr lang="es-ES" sz="3200" dirty="0">
-                <a:solidFill>
-                  <a:schemeClr val="tx1">
-                    <a:alpha val="80000"/>
-                  </a:schemeClr>
-                </a:solidFill>
-              </a:rPr>
-              <a:t> </a:t>
-            </a:r>
-            <a:r>
-              <a:rPr lang="es-ES" sz="3200" dirty="0" err="1">
-                <a:solidFill>
-                  <a:schemeClr val="tx1">
-                    <a:alpha val="80000"/>
-                  </a:schemeClr>
-                </a:solidFill>
-              </a:rPr>
-              <a:t>of</a:t>
-            </a:r>
-            <a:r>
-              <a:rPr lang="es-ES" sz="3200" dirty="0">
-                <a:solidFill>
-                  <a:schemeClr val="tx1">
-                    <a:alpha val="80000"/>
-                  </a:schemeClr>
-                </a:solidFill>
-              </a:rPr>
-              <a:t> </a:t>
-            </a:r>
-            <a:r>
-              <a:rPr lang="es-ES" sz="3200" dirty="0" err="1">
-                <a:solidFill>
-                  <a:schemeClr val="tx1">
-                    <a:alpha val="80000"/>
-                  </a:schemeClr>
-                </a:solidFill>
-              </a:rPr>
-              <a:t>json</a:t>
-            </a:r>
-            <a:r>
-              <a:rPr lang="es-ES" sz="3200">
-                <a:solidFill>
-                  <a:schemeClr val="tx1">
-                    <a:alpha val="80000"/>
-                  </a:schemeClr>
-                </a:solidFill>
-              </a:rPr>
-              <a:t> files</a:t>
-            </a:r>
-            <a:endParaRPr lang="en-US" sz="3200" dirty="0">
+              <a:t>NewPoPUpStore</a:t>
+            </a:r>
+            <a:endParaRPr lang="en-US" sz="4800" dirty="0">
               <a:solidFill>
                 <a:schemeClr val="tx1">
                   <a:alpha val="80000"/>
@@ -12311,7 +13517,7 @@
     </p:spTree>
     <p:extLst>
       <p:ext uri="{BB962C8B-B14F-4D97-AF65-F5344CB8AC3E}">
-        <p14:creationId xmlns:p14="http://schemas.microsoft.com/office/powerpoint/2010/main" val="1255513760"/>
+        <p14:creationId xmlns:p14="http://schemas.microsoft.com/office/powerpoint/2010/main" val="3882913413"/>
       </p:ext>
     </p:extLst>
   </p:cSld>
@@ -13443,7 +14649,7 @@
           <a:lstStyle/>
           <a:p>
             <a:r>
-              <a:rPr lang="en-US" sz="2200">
+              <a:rPr lang="en-US" sz="2200" dirty="0">
                 <a:solidFill>
                   <a:schemeClr val="bg1"/>
                 </a:solidFill>
@@ -13451,7 +14657,7 @@
               <a:t>Select one of the top real state web sites in Madrid: URL: </a:t>
             </a:r>
             <a:r>
-              <a:rPr lang="en-US" sz="2200">
+              <a:rPr lang="en-US" sz="2200" dirty="0">
                 <a:solidFill>
                   <a:schemeClr val="bg1"/>
                 </a:solidFill>
@@ -13465,7 +14671,7 @@
               </a:rPr>
               <a:t>www.fotocasa.es</a:t>
             </a:r>
-            <a:endParaRPr lang="en-US" sz="2200">
+            <a:endParaRPr lang="en-US" sz="2200" dirty="0">
               <a:solidFill>
                 <a:schemeClr val="bg1"/>
               </a:solidFill>
@@ -13473,7 +14679,7 @@
           </a:p>
           <a:p>
             <a:r>
-              <a:rPr lang="en-US" sz="2200">
+              <a:rPr lang="en-US" sz="2200" dirty="0">
                 <a:solidFill>
                   <a:schemeClr val="bg1"/>
                 </a:solidFill>
@@ -13483,7 +14689,7 @@
           </a:p>
           <a:p>
             <a:r>
-              <a:rPr lang="en-US" sz="2200">
+              <a:rPr lang="en-US" sz="2200" dirty="0">
                 <a:solidFill>
                   <a:schemeClr val="bg1"/>
                 </a:solidFill>
@@ -13493,7 +14699,7 @@
           </a:p>
           <a:p>
             <a:r>
-              <a:rPr lang="en-US" sz="2200">
+              <a:rPr lang="en-US" sz="2200" dirty="0">
                 <a:solidFill>
                   <a:schemeClr val="bg1"/>
                 </a:solidFill>
@@ -13503,7 +14709,7 @@
           </a:p>
           <a:p>
             <a:r>
-              <a:rPr lang="en-US" sz="2200">
+              <a:rPr lang="en-US" sz="2200" dirty="0">
                 <a:solidFill>
                   <a:schemeClr val="bg1"/>
                 </a:solidFill>
@@ -13513,7 +14719,7 @@
           </a:p>
           <a:p>
             <a:r>
-              <a:rPr lang="en-US" sz="2200">
+              <a:rPr lang="en-US" sz="2200" dirty="0">
                 <a:solidFill>
                   <a:schemeClr val="bg1"/>
                 </a:solidFill>
@@ -13523,7 +14729,7 @@
           </a:p>
           <a:p>
             <a:r>
-              <a:rPr lang="en-US" sz="2200">
+              <a:rPr lang="en-US" sz="2200" dirty="0">
                 <a:solidFill>
                   <a:schemeClr val="bg1"/>
                 </a:solidFill>
@@ -13532,10 +14738,36 @@
             </a:r>
           </a:p>
           <a:p>
+            <a:r>
+              <a:rPr lang="en-US" sz="2200" dirty="0">
+                <a:solidFill>
+                  <a:schemeClr val="bg1"/>
+                </a:solidFill>
+              </a:rPr>
+              <a:t>Update the </a:t>
+            </a:r>
+            <a:r>
+              <a:rPr lang="en-US" sz="2200" dirty="0" err="1">
+                <a:solidFill>
+                  <a:schemeClr val="bg1"/>
+                </a:solidFill>
+              </a:rPr>
+              <a:t>Github</a:t>
+            </a:r>
+            <a:r>
+              <a:rPr lang="en-US" sz="2200" dirty="0">
+                <a:solidFill>
+                  <a:schemeClr val="bg1"/>
+                </a:solidFill>
+              </a:rPr>
+              <a:t> repo </a:t>
+            </a:r>
+          </a:p>
+          <a:p>
             <a:pPr marL="0" indent="0">
               <a:buNone/>
             </a:pPr>
-            <a:endParaRPr lang="en-US" sz="2200" b="0" i="0">
+            <a:endParaRPr lang="en-US" sz="2200" b="0" i="0" dirty="0">
               <a:solidFill>
                 <a:schemeClr val="bg1"/>
               </a:solidFill>
@@ -13547,7 +14779,7 @@
             <a:pPr marL="0" indent="0">
               <a:buNone/>
             </a:pPr>
-            <a:endParaRPr lang="en-US" sz="2200">
+            <a:endParaRPr lang="en-US" sz="2200" dirty="0">
               <a:solidFill>
                 <a:schemeClr val="bg1"/>
               </a:solidFill>
@@ -15496,8 +16728,8 @@
         </p:nvSpPr>
         <p:spPr>
           <a:xfrm>
-            <a:off x="5741893" y="767258"/>
-            <a:ext cx="5287923" cy="5323484"/>
+            <a:off x="9160817" y="1938528"/>
+            <a:ext cx="2918407" cy="3081528"/>
           </a:xfrm>
         </p:spPr>
         <p:txBody>
@@ -15507,25 +16739,25 @@
           <a:lstStyle/>
           <a:p>
             <a:r>
-              <a:rPr lang="en-US" sz="2000"/>
+              <a:rPr lang="en-US" sz="2000" dirty="0"/>
               <a:t>Create a new schema. "Madrid"</a:t>
             </a:r>
           </a:p>
           <a:p>
             <a:r>
-              <a:rPr lang="en-US" sz="2000"/>
+              <a:rPr lang="en-US" sz="2000" dirty="0"/>
               <a:t>Import table sale</a:t>
             </a:r>
           </a:p>
           <a:p>
             <a:r>
-              <a:rPr lang="en-US" sz="2000"/>
+              <a:rPr lang="en-US" sz="2000" dirty="0"/>
               <a:t>Import table rent.</a:t>
             </a:r>
           </a:p>
           <a:p>
             <a:r>
-              <a:rPr lang="en-US" sz="2000"/>
+              <a:rPr lang="en-US" sz="2000" dirty="0"/>
               <a:t>I have prepared some queries in MySQL Workbench to be used in the analysis of the data.</a:t>
             </a:r>
           </a:p>
@@ -15533,10 +16765,40 @@
             <a:pPr marL="0" indent="0">
               <a:buNone/>
             </a:pPr>
-            <a:endParaRPr lang="en-US" sz="2000"/>
+            <a:endParaRPr lang="en-US" sz="2000" dirty="0"/>
           </a:p>
         </p:txBody>
       </p:sp>
+      <p:pic>
+        <p:nvPicPr>
+          <p:cNvPr id="7" name="Picture 6">
+            <a:extLst>
+              <a:ext uri="{FF2B5EF4-FFF2-40B4-BE49-F238E27FC236}">
+                <a16:creationId xmlns:a16="http://schemas.microsoft.com/office/drawing/2014/main" id="{2BAD20FD-DECF-439A-830A-1BC31D809A0F}"/>
+              </a:ext>
+            </a:extLst>
+          </p:cNvPr>
+          <p:cNvPicPr>
+            <a:picLocks noChangeAspect="1"/>
+          </p:cNvPicPr>
+          <p:nvPr/>
+        </p:nvPicPr>
+        <p:blipFill>
+          <a:blip r:embed="rId2"/>
+          <a:stretch>
+            <a:fillRect/>
+          </a:stretch>
+        </p:blipFill>
+        <p:spPr>
+          <a:xfrm>
+            <a:off x="4634240" y="1430668"/>
+            <a:ext cx="4336500" cy="4302621"/>
+          </a:xfrm>
+          <a:prstGeom prst="rect">
+            <a:avLst/>
+          </a:prstGeom>
+        </p:spPr>
+      </p:pic>
     </p:spTree>
     <p:extLst>
       <p:ext uri="{BB962C8B-B14F-4D97-AF65-F5344CB8AC3E}">

--- a/New PopUpStore.pptx
+++ b/New PopUpStore.pptx
@@ -1920,8 +1920,8 @@
         <a:lstStyle/>
         <a:p>
           <a:r>
-            <a:rPr lang="en-US"/>
-            <a:t>Lack of ability to apply, in a proper wat the techniques seen previous weeks.  </a:t>
+            <a:rPr lang="en-US" dirty="0"/>
+            <a:t>Lack of ability to apply, in a proper way, the techniques seen previous weeks.  </a:t>
           </a:r>
         </a:p>
       </dgm:t>
@@ -2092,7 +2092,7 @@
 <dgm:dataModel xmlns:dgm="http://schemas.openxmlformats.org/drawingml/2006/diagram" xmlns:a="http://schemas.openxmlformats.org/drawingml/2006/main">
   <dgm:ptLst>
     <dgm:pt modelId="{BCB2B135-672C-4FBF-B483-A12C0D416932}" type="doc">
-      <dgm:prSet loTypeId="urn:microsoft.com/office/officeart/2005/8/layout/matrix2" loCatId="matrix" qsTypeId="urn:microsoft.com/office/officeart/2005/8/quickstyle/simple1" qsCatId="simple" csTypeId="urn:microsoft.com/office/officeart/2005/8/colors/colorful5" csCatId="colorful"/>
+      <dgm:prSet loTypeId="urn:microsoft.com/office/officeart/2005/8/layout/matrix2" loCatId="matrix" qsTypeId="urn:microsoft.com/office/officeart/2005/8/quickstyle/simple1" qsCatId="simple" csTypeId="urn:microsoft.com/office/officeart/2005/8/colors/colorful5" csCatId="colorful" phldr="1"/>
       <dgm:spPr/>
       <dgm:t>
         <a:bodyPr/>
@@ -2228,8 +2228,8 @@
         <a:lstStyle/>
         <a:p>
           <a:r>
-            <a:rPr lang="en-US"/>
-            <a:t>Create a function to iterate through the different pages and recollect all the data in two json files. One for selling apartments and another for renting apartments. I've got around 18000 rows and 58 columns of selling apartments and 2300 rows and 8 columns of renting apartments.</a:t>
+            <a:rPr lang="en-US" dirty="0"/>
+            <a:t>Create a function to iterate through the different pages and recollect all the data in two json files. One for selling apartments and another for renting apartments. I've got around 18000 rows and 58 columns of selling apartments and 2300 rows and 58 columns of renting apartments.</a:t>
           </a:r>
         </a:p>
       </dgm:t>
@@ -2637,8 +2637,8 @@
             <a:buNone/>
           </a:pPr>
           <a:r>
-            <a:rPr lang="en-US" sz="2500" kern="1200"/>
-            <a:t>Lack of ability to apply, in a proper wat the techniques seen previous weeks.  </a:t>
+            <a:rPr lang="en-US" sz="2500" kern="1200" dirty="0"/>
+            <a:t>Lack of ability to apply, in a proper way, the techniques seen previous weeks.  </a:t>
           </a:r>
         </a:p>
       </dsp:txBody>
@@ -3015,8 +3015,8 @@
             <a:buNone/>
           </a:pPr>
           <a:r>
-            <a:rPr lang="en-US" sz="1200" kern="1200"/>
-            <a:t>Create a function to iterate through the different pages and recollect all the data in two json files. One for selling apartments and another for renting apartments. I've got around 18000 rows and 58 columns of selling apartments and 2300 rows and 8 columns of renting apartments.</a:t>
+            <a:rPr lang="en-US" sz="1200" kern="1200" dirty="0"/>
+            <a:t>Create a function to iterate through the different pages and recollect all the data in two json files. One for selling apartments and another for renting apartments. I've got around 18000 rows and 58 columns of selling apartments and 2300 rows and 58 columns of renting apartments.</a:t>
           </a:r>
         </a:p>
       </dsp:txBody>
@@ -9493,7 +9493,7 @@
           <a:p>
             <a:r>
               <a:rPr lang="en-US" dirty="0"/>
-              <a:t>Normalizing json file</a:t>
+              <a:t>Normalizing json files</a:t>
             </a:r>
           </a:p>
           <a:p>
@@ -12652,7 +12652,7 @@
             </a:r>
             <a:r>
               <a:rPr lang="en-US" sz="1900" b="1" dirty="0"/>
-              <a:t> flats of the real state current Market. According to the analysis. A location between the three districts will be suitable.</a:t>
+              <a:t> flats of the real estate current Market. According to the analysis. A location between the three districts will be suitable.</a:t>
             </a:r>
           </a:p>
           <a:p>
@@ -13976,7 +13976,7 @@
               <a:buNone/>
             </a:pPr>
             <a:r>
-              <a:rPr lang="en-US" sz="2200">
+              <a:rPr lang="en-US" sz="2200" dirty="0">
                 <a:solidFill>
                   <a:schemeClr val="bg1"/>
                 </a:solidFill>
@@ -13985,7 +13985,31 @@
                 <a:ea typeface="Calibri" panose="020F0502020204030204" pitchFamily="34" charset="0"/>
                 <a:cs typeface="Arial" panose="020B0604020202020204" pitchFamily="34" charset="0"/>
               </a:rPr>
-              <a:t>A furniture Retailer wants to be closer the customers in the big city centers. They have decided to be open a bunch of PopupStores as a leap of faith to validate the assumption that the people will buy their furniture’s in the city centers.</a:t>
+              <a:t>A furniture Retailer wants to be closer the customers in the big city centers. They have decided to be open a bunch of </a:t>
+            </a:r>
+            <a:r>
+              <a:rPr lang="en-US" sz="2200" dirty="0" err="1">
+                <a:solidFill>
+                  <a:schemeClr val="bg1"/>
+                </a:solidFill>
+                <a:effectLst/>
+                <a:latin typeface="Calibri" panose="020F0502020204030204" pitchFamily="34" charset="0"/>
+                <a:ea typeface="Calibri" panose="020F0502020204030204" pitchFamily="34" charset="0"/>
+                <a:cs typeface="Arial" panose="020B0604020202020204" pitchFamily="34" charset="0"/>
+              </a:rPr>
+              <a:t>PopupStores</a:t>
+            </a:r>
+            <a:r>
+              <a:rPr lang="en-US" sz="2200" dirty="0">
+                <a:solidFill>
+                  <a:schemeClr val="bg1"/>
+                </a:solidFill>
+                <a:effectLst/>
+                <a:latin typeface="Calibri" panose="020F0502020204030204" pitchFamily="34" charset="0"/>
+                <a:ea typeface="Calibri" panose="020F0502020204030204" pitchFamily="34" charset="0"/>
+                <a:cs typeface="Arial" panose="020B0604020202020204" pitchFamily="34" charset="0"/>
+              </a:rPr>
+              <a:t> as a leap of faith to validate the assumption that the people will buy their furniture’s in the city centers.</a:t>
             </a:r>
           </a:p>
           <a:p>
@@ -13996,7 +14020,7 @@
               <a:buNone/>
             </a:pPr>
             <a:r>
-              <a:rPr lang="en-US" sz="2200">
+              <a:rPr lang="en-US" sz="2200" dirty="0">
                 <a:solidFill>
                   <a:schemeClr val="bg1"/>
                 </a:solidFill>
@@ -14016,7 +14040,7 @@
               <a:buNone/>
             </a:pPr>
             <a:r>
-              <a:rPr lang="en-US" sz="2200">
+              <a:rPr lang="en-US" sz="2200" dirty="0">
                 <a:solidFill>
                   <a:schemeClr val="bg1"/>
                 </a:solidFill>
@@ -14025,14 +14049,14 @@
                 <a:ea typeface="Calibri" panose="020F0502020204030204" pitchFamily="34" charset="0"/>
                 <a:cs typeface="Arial" panose="020B0604020202020204" pitchFamily="34" charset="0"/>
               </a:rPr>
-              <a:t>As a Data analyst I was asked to analyze the current real state market in Madrid to provide some insights about the location.</a:t>
+              <a:t>As a Data analyst I was asked to analyze the current real estate market in Madrid to provide some insights about the location.</a:t>
             </a:r>
           </a:p>
           <a:p>
             <a:pPr marL="0" indent="0">
               <a:buNone/>
             </a:pPr>
-            <a:endParaRPr lang="en-US" sz="2200">
+            <a:endParaRPr lang="en-US" sz="2200" dirty="0">
               <a:solidFill>
                 <a:schemeClr val="bg1"/>
               </a:solidFill>
@@ -14207,7 +14231,7 @@
             <p:ph idx="1"/>
             <p:extLst>
               <p:ext uri="{D42A27DB-BD31-4B8C-83A1-F6EECF244321}">
-                <p14:modId xmlns:p14="http://schemas.microsoft.com/office/powerpoint/2010/main" val="2623139442"/>
+                <p14:modId xmlns:p14="http://schemas.microsoft.com/office/powerpoint/2010/main" val="2044341479"/>
               </p:ext>
             </p:extLst>
           </p:nvPr>
@@ -14654,7 +14678,7 @@
                   <a:schemeClr val="bg1"/>
                 </a:solidFill>
               </a:rPr>
-              <a:t>Select one of the top real state web sites in Madrid: URL: </a:t>
+              <a:t>Select one of the top real estate web sites in Madrid: URL: </a:t>
             </a:r>
             <a:r>
               <a:rPr lang="en-US" sz="2200" dirty="0">
@@ -15836,7 +15860,7 @@
             <p:ph idx="1"/>
             <p:extLst>
               <p:ext uri="{D42A27DB-BD31-4B8C-83A1-F6EECF244321}">
-                <p14:modId xmlns:p14="http://schemas.microsoft.com/office/powerpoint/2010/main" val="1994274859"/>
+                <p14:modId xmlns:p14="http://schemas.microsoft.com/office/powerpoint/2010/main" val="932795783"/>
               </p:ext>
             </p:extLst>
           </p:nvPr>

--- a/New PopUpStore.pptx
+++ b/New PopUpStore.pptx
@@ -9,18 +9,12 @@
     <p:sldId id="258" r:id="rId3"/>
     <p:sldId id="259" r:id="rId4"/>
     <p:sldId id="260" r:id="rId5"/>
-    <p:sldId id="261" r:id="rId6"/>
-    <p:sldId id="262" r:id="rId7"/>
-    <p:sldId id="264" r:id="rId8"/>
-    <p:sldId id="265" r:id="rId9"/>
-    <p:sldId id="266" r:id="rId10"/>
-    <p:sldId id="268" r:id="rId11"/>
-    <p:sldId id="269" r:id="rId12"/>
-    <p:sldId id="270" r:id="rId13"/>
-    <p:sldId id="271" r:id="rId14"/>
-    <p:sldId id="272" r:id="rId15"/>
-    <p:sldId id="267" r:id="rId16"/>
-    <p:sldId id="273" r:id="rId17"/>
+    <p:sldId id="267" r:id="rId6"/>
+    <p:sldId id="274" r:id="rId7"/>
+    <p:sldId id="272" r:id="rId8"/>
+    <p:sldId id="261" r:id="rId9"/>
+    <p:sldId id="262" r:id="rId10"/>
+    <p:sldId id="264" r:id="rId11"/>
   </p:sldIdLst>
   <p:sldSz cx="12192000" cy="6858000"/>
   <p:notesSz cx="6858000" cy="9144000"/>
@@ -128,6 +122,9 @@
             <p14:sldId id="258"/>
             <p14:sldId id="259"/>
             <p14:sldId id="260"/>
+            <p14:sldId id="267"/>
+            <p14:sldId id="274"/>
+            <p14:sldId id="272"/>
           </p14:sldIdLst>
         </p14:section>
         <p14:section name="Process" id="{B50366F9-9994-4265-9D9E-5CC337B87EF5}">
@@ -135,20 +132,10 @@
             <p14:sldId id="261"/>
             <p14:sldId id="262"/>
             <p14:sldId id="264"/>
-            <p14:sldId id="265"/>
-            <p14:sldId id="266"/>
-            <p14:sldId id="268"/>
-            <p14:sldId id="269"/>
-            <p14:sldId id="270"/>
           </p14:sldIdLst>
         </p14:section>
         <p14:section name="Insights" id="{20DFB5F1-4C83-47BF-93AF-83173E1DA286}">
-          <p14:sldIdLst>
-            <p14:sldId id="271"/>
-            <p14:sldId id="272"/>
-            <p14:sldId id="267"/>
-            <p14:sldId id="273"/>
-          </p14:sldIdLst>
+          <p14:sldIdLst/>
         </p14:section>
       </p14:sectionLst>
     </p:ext>
@@ -5754,7 +5741,7 @@
           <a:p>
             <a:fld id="{87F9BD58-91FE-4707-A6D3-71095160F878}" type="datetimeFigureOut">
               <a:rPr lang="en-US" smtClean="0"/>
-              <a:t>2/22/2021</a:t>
+              <a:t>4/7/2021</a:t>
             </a:fld>
             <a:endParaRPr lang="en-US"/>
           </a:p>
@@ -5952,7 +5939,7 @@
           <a:p>
             <a:fld id="{87F9BD58-91FE-4707-A6D3-71095160F878}" type="datetimeFigureOut">
               <a:rPr lang="en-US" smtClean="0"/>
-              <a:t>2/22/2021</a:t>
+              <a:t>4/7/2021</a:t>
             </a:fld>
             <a:endParaRPr lang="en-US"/>
           </a:p>
@@ -6160,7 +6147,7 @@
           <a:p>
             <a:fld id="{87F9BD58-91FE-4707-A6D3-71095160F878}" type="datetimeFigureOut">
               <a:rPr lang="en-US" smtClean="0"/>
-              <a:t>2/22/2021</a:t>
+              <a:t>4/7/2021</a:t>
             </a:fld>
             <a:endParaRPr lang="en-US"/>
           </a:p>
@@ -6358,7 +6345,7 @@
           <a:p>
             <a:fld id="{87F9BD58-91FE-4707-A6D3-71095160F878}" type="datetimeFigureOut">
               <a:rPr lang="en-US" smtClean="0"/>
-              <a:t>2/22/2021</a:t>
+              <a:t>4/7/2021</a:t>
             </a:fld>
             <a:endParaRPr lang="en-US"/>
           </a:p>
@@ -6633,7 +6620,7 @@
           <a:p>
             <a:fld id="{87F9BD58-91FE-4707-A6D3-71095160F878}" type="datetimeFigureOut">
               <a:rPr lang="en-US" smtClean="0"/>
-              <a:t>2/22/2021</a:t>
+              <a:t>4/7/2021</a:t>
             </a:fld>
             <a:endParaRPr lang="en-US"/>
           </a:p>
@@ -6898,7 +6885,7 @@
           <a:p>
             <a:fld id="{87F9BD58-91FE-4707-A6D3-71095160F878}" type="datetimeFigureOut">
               <a:rPr lang="en-US" smtClean="0"/>
-              <a:t>2/22/2021</a:t>
+              <a:t>4/7/2021</a:t>
             </a:fld>
             <a:endParaRPr lang="en-US"/>
           </a:p>
@@ -7310,7 +7297,7 @@
           <a:p>
             <a:fld id="{87F9BD58-91FE-4707-A6D3-71095160F878}" type="datetimeFigureOut">
               <a:rPr lang="en-US" smtClean="0"/>
-              <a:t>2/22/2021</a:t>
+              <a:t>4/7/2021</a:t>
             </a:fld>
             <a:endParaRPr lang="en-US"/>
           </a:p>
@@ -7451,7 +7438,7 @@
           <a:p>
             <a:fld id="{87F9BD58-91FE-4707-A6D3-71095160F878}" type="datetimeFigureOut">
               <a:rPr lang="en-US" smtClean="0"/>
-              <a:t>2/22/2021</a:t>
+              <a:t>4/7/2021</a:t>
             </a:fld>
             <a:endParaRPr lang="en-US"/>
           </a:p>
@@ -7564,7 +7551,7 @@
           <a:p>
             <a:fld id="{87F9BD58-91FE-4707-A6D3-71095160F878}" type="datetimeFigureOut">
               <a:rPr lang="en-US" smtClean="0"/>
-              <a:t>2/22/2021</a:t>
+              <a:t>4/7/2021</a:t>
             </a:fld>
             <a:endParaRPr lang="en-US"/>
           </a:p>
@@ -7875,7 +7862,7 @@
           <a:p>
             <a:fld id="{87F9BD58-91FE-4707-A6D3-71095160F878}" type="datetimeFigureOut">
               <a:rPr lang="en-US" smtClean="0"/>
-              <a:t>2/22/2021</a:t>
+              <a:t>4/7/2021</a:t>
             </a:fld>
             <a:endParaRPr lang="en-US"/>
           </a:p>
@@ -8163,7 +8150,7 @@
           <a:p>
             <a:fld id="{87F9BD58-91FE-4707-A6D3-71095160F878}" type="datetimeFigureOut">
               <a:rPr lang="en-US" smtClean="0"/>
-              <a:t>2/22/2021</a:t>
+              <a:t>4/7/2021</a:t>
             </a:fld>
             <a:endParaRPr lang="en-US"/>
           </a:p>
@@ -8404,7 +8391,7 @@
           <a:p>
             <a:fld id="{87F9BD58-91FE-4707-A6D3-71095160F878}" type="datetimeFigureOut">
               <a:rPr lang="en-US" smtClean="0"/>
-              <a:t>2/22/2021</a:t>
+              <a:t>4/7/2021</a:t>
             </a:fld>
             <a:endParaRPr lang="en-US"/>
           </a:p>
@@ -9149,4409 +9136,6 @@
           <a:chExt cx="0" cy="0"/>
         </a:xfrm>
       </p:grpSpPr>
-      <p:sp useBgFill="1">
-        <p:nvSpPr>
-          <p:cNvPr id="8" name="Rectangle 7">
-            <a:extLst>
-              <a:ext uri="{FF2B5EF4-FFF2-40B4-BE49-F238E27FC236}">
-                <a16:creationId xmlns:a16="http://schemas.microsoft.com/office/drawing/2014/main" id="{8249E89B-63A5-45DA-A170-5B661FCE4F6E}"/>
-              </a:ext>
-              <a:ext uri="{C183D7F6-B498-43B3-948B-1728B52AA6E4}">
-                <adec:decorative xmlns:adec="http://schemas.microsoft.com/office/drawing/2017/decorative" val="1"/>
-              </a:ext>
-            </a:extLst>
-          </p:cNvPr>
-          <p:cNvSpPr>
-            <a:spLocks noGrp="1" noRot="1" noChangeAspect="1" noMove="1" noResize="1" noEditPoints="1" noAdjustHandles="1" noChangeArrowheads="1" noChangeShapeType="1" noTextEdit="1"/>
-          </p:cNvSpPr>
-          <p:nvPr>
-            <p:extLst>
-              <p:ext uri="{386F3935-93C4-4BCD-93E2-E3B085C9AB24}">
-                <p16:designElem xmlns:p16="http://schemas.microsoft.com/office/powerpoint/2015/main" val="1"/>
-              </p:ext>
-            </p:extLst>
-          </p:nvPr>
-        </p:nvSpPr>
-        <p:spPr>
-          <a:xfrm>
-            <a:off x="3048" y="0"/>
-            <a:ext cx="12188952" cy="6858000"/>
-          </a:xfrm>
-          <a:prstGeom prst="rect">
-            <a:avLst/>
-          </a:prstGeom>
-          <a:ln>
-            <a:noFill/>
-          </a:ln>
-        </p:spPr>
-        <p:style>
-          <a:lnRef idx="2">
-            <a:schemeClr val="accent1">
-              <a:shade val="50000"/>
-            </a:schemeClr>
-          </a:lnRef>
-          <a:fillRef idx="1">
-            <a:schemeClr val="accent1"/>
-          </a:fillRef>
-          <a:effectRef idx="0">
-            <a:schemeClr val="accent1"/>
-          </a:effectRef>
-          <a:fontRef idx="minor">
-            <a:schemeClr val="lt1"/>
-          </a:fontRef>
-        </p:style>
-        <p:txBody>
-          <a:bodyPr rtlCol="0" anchor="ctr"/>
-          <a:lstStyle/>
-          <a:p>
-            <a:pPr algn="ctr"/>
-            <a:endParaRPr lang="en-US"/>
-          </a:p>
-        </p:txBody>
-      </p:sp>
-      <p:sp>
-        <p:nvSpPr>
-          <p:cNvPr id="10" name="Rectangle 9">
-            <a:extLst>
-              <a:ext uri="{FF2B5EF4-FFF2-40B4-BE49-F238E27FC236}">
-                <a16:creationId xmlns:a16="http://schemas.microsoft.com/office/drawing/2014/main" id="{A5D714AD-9E94-4752-AA45-D4B0EAAB52E2}"/>
-              </a:ext>
-              <a:ext uri="{C183D7F6-B498-43B3-948B-1728B52AA6E4}">
-                <adec:decorative xmlns:adec="http://schemas.microsoft.com/office/drawing/2017/decorative" val="1"/>
-              </a:ext>
-            </a:extLst>
-          </p:cNvPr>
-          <p:cNvSpPr>
-            <a:spLocks noGrp="1" noRot="1" noChangeAspect="1" noMove="1" noResize="1" noEditPoints="1" noAdjustHandles="1" noChangeArrowheads="1" noChangeShapeType="1" noTextEdit="1"/>
-          </p:cNvSpPr>
-          <p:nvPr>
-            <p:extLst>
-              <p:ext uri="{386F3935-93C4-4BCD-93E2-E3B085C9AB24}">
-                <p16:designElem xmlns:p16="http://schemas.microsoft.com/office/powerpoint/2015/main" val="1"/>
-              </p:ext>
-            </p:extLst>
-          </p:nvPr>
-        </p:nvSpPr>
-        <p:spPr>
-          <a:xfrm>
-            <a:off x="0" y="534652"/>
-            <a:ext cx="4444163" cy="6323347"/>
-          </a:xfrm>
-          <a:prstGeom prst="rect">
-            <a:avLst/>
-          </a:prstGeom>
-          <a:solidFill>
-            <a:schemeClr val="tx2">
-              <a:lumMod val="50000"/>
-            </a:schemeClr>
-          </a:solidFill>
-          <a:ln>
-            <a:noFill/>
-          </a:ln>
-        </p:spPr>
-        <p:style>
-          <a:lnRef idx="2">
-            <a:schemeClr val="accent1">
-              <a:shade val="50000"/>
-            </a:schemeClr>
-          </a:lnRef>
-          <a:fillRef idx="1">
-            <a:schemeClr val="accent1"/>
-          </a:fillRef>
-          <a:effectRef idx="0">
-            <a:schemeClr val="accent1"/>
-          </a:effectRef>
-          <a:fontRef idx="minor">
-            <a:schemeClr val="lt1"/>
-          </a:fontRef>
-        </p:style>
-        <p:txBody>
-          <a:bodyPr rtlCol="0" anchor="ctr"/>
-          <a:lstStyle/>
-          <a:p>
-            <a:pPr algn="ctr"/>
-            <a:endParaRPr lang="en-US"/>
-          </a:p>
-        </p:txBody>
-      </p:sp>
-      <p:sp>
-        <p:nvSpPr>
-          <p:cNvPr id="2" name="Title 1">
-            <a:extLst>
-              <a:ext uri="{FF2B5EF4-FFF2-40B4-BE49-F238E27FC236}">
-                <a16:creationId xmlns:a16="http://schemas.microsoft.com/office/drawing/2014/main" id="{A5FA58C9-707A-4748-9C1A-85E6E962E8B8}"/>
-              </a:ext>
-            </a:extLst>
-          </p:cNvPr>
-          <p:cNvSpPr>
-            <a:spLocks noGrp="1"/>
-          </p:cNvSpPr>
-          <p:nvPr>
-            <p:ph type="title"/>
-          </p:nvPr>
-        </p:nvSpPr>
-        <p:spPr>
-          <a:xfrm>
-            <a:off x="599411" y="767258"/>
-            <a:ext cx="3209335" cy="5323484"/>
-          </a:xfrm>
-        </p:spPr>
-        <p:txBody>
-          <a:bodyPr>
-            <a:normAutofit/>
-          </a:bodyPr>
-          <a:lstStyle/>
-          <a:p>
-            <a:pPr algn="ctr"/>
-            <a:r>
-              <a:rPr lang="en-US" sz="2800">
-                <a:solidFill>
-                  <a:schemeClr val="bg1"/>
-                </a:solidFill>
-              </a:rPr>
-              <a:t>Learnings</a:t>
-            </a:r>
-          </a:p>
-        </p:txBody>
-      </p:sp>
-      <p:sp>
-        <p:nvSpPr>
-          <p:cNvPr id="12" name="Rectangle 11">
-            <a:extLst>
-              <a:ext uri="{FF2B5EF4-FFF2-40B4-BE49-F238E27FC236}">
-                <a16:creationId xmlns:a16="http://schemas.microsoft.com/office/drawing/2014/main" id="{7FF89E09-42FB-4694-96E4-95652B1D83E4}"/>
-              </a:ext>
-              <a:ext uri="{C183D7F6-B498-43B3-948B-1728B52AA6E4}">
-                <adec:decorative xmlns:adec="http://schemas.microsoft.com/office/drawing/2017/decorative" val="1"/>
-              </a:ext>
-            </a:extLst>
-          </p:cNvPr>
-          <p:cNvSpPr>
-            <a:spLocks noGrp="1" noRot="1" noChangeAspect="1" noMove="1" noResize="1" noEditPoints="1" noAdjustHandles="1" noChangeArrowheads="1" noChangeShapeType="1" noTextEdit="1"/>
-          </p:cNvSpPr>
-          <p:nvPr>
-            <p:extLst>
-              <p:ext uri="{386F3935-93C4-4BCD-93E2-E3B085C9AB24}">
-                <p16:designElem xmlns:p16="http://schemas.microsoft.com/office/powerpoint/2015/main" val="1"/>
-              </p:ext>
-            </p:extLst>
-          </p:nvPr>
-        </p:nvSpPr>
-        <p:spPr>
-          <a:xfrm rot="5400000">
-            <a:off x="983158" y="3396997"/>
-            <a:ext cx="6858002" cy="64008"/>
-          </a:xfrm>
-          <a:prstGeom prst="rect">
-            <a:avLst/>
-          </a:prstGeom>
-          <a:solidFill>
-            <a:schemeClr val="tx2">
-              <a:lumMod val="50000"/>
-            </a:schemeClr>
-          </a:solidFill>
-          <a:ln>
-            <a:noFill/>
-          </a:ln>
-        </p:spPr>
-        <p:style>
-          <a:lnRef idx="2">
-            <a:schemeClr val="accent1">
-              <a:shade val="50000"/>
-            </a:schemeClr>
-          </a:lnRef>
-          <a:fillRef idx="1">
-            <a:schemeClr val="accent1"/>
-          </a:fillRef>
-          <a:effectRef idx="0">
-            <a:schemeClr val="accent1"/>
-          </a:effectRef>
-          <a:fontRef idx="minor">
-            <a:schemeClr val="lt1"/>
-          </a:fontRef>
-        </p:style>
-        <p:txBody>
-          <a:bodyPr rtlCol="0" anchor="ctr"/>
-          <a:lstStyle/>
-          <a:p>
-            <a:pPr algn="ctr"/>
-            <a:endParaRPr lang="en-US">
-              <a:solidFill>
-                <a:schemeClr val="tx2">
-                  <a:lumMod val="50000"/>
-                </a:schemeClr>
-              </a:solidFill>
-            </a:endParaRPr>
-          </a:p>
-        </p:txBody>
-      </p:sp>
-      <p:sp>
-        <p:nvSpPr>
-          <p:cNvPr id="14" name="Rectangle 13">
-            <a:extLst>
-              <a:ext uri="{FF2B5EF4-FFF2-40B4-BE49-F238E27FC236}">
-                <a16:creationId xmlns:a16="http://schemas.microsoft.com/office/drawing/2014/main" id="{25D3C032-881F-4579-A4BF-0FA966E9F350}"/>
-              </a:ext>
-              <a:ext uri="{C183D7F6-B498-43B3-948B-1728B52AA6E4}">
-                <adec:decorative xmlns:adec="http://schemas.microsoft.com/office/drawing/2017/decorative" val="1"/>
-              </a:ext>
-            </a:extLst>
-          </p:cNvPr>
-          <p:cNvSpPr>
-            <a:spLocks noGrp="1" noRot="1" noChangeAspect="1" noMove="1" noResize="1" noEditPoints="1" noAdjustHandles="1" noChangeArrowheads="1" noChangeShapeType="1" noTextEdit="1"/>
-          </p:cNvSpPr>
-          <p:nvPr>
-            <p:extLst>
-              <p:ext uri="{386F3935-93C4-4BCD-93E2-E3B085C9AB24}">
-                <p16:designElem xmlns:p16="http://schemas.microsoft.com/office/powerpoint/2015/main" val="1"/>
-              </p:ext>
-            </p:extLst>
-          </p:nvPr>
-        </p:nvSpPr>
-        <p:spPr>
-          <a:xfrm flipH="1">
-            <a:off x="0" y="470645"/>
-            <a:ext cx="12192000" cy="64008"/>
-          </a:xfrm>
-          <a:prstGeom prst="rect">
-            <a:avLst/>
-          </a:prstGeom>
-          <a:solidFill>
-            <a:schemeClr val="tx2">
-              <a:lumMod val="50000"/>
-            </a:schemeClr>
-          </a:solidFill>
-          <a:ln>
-            <a:noFill/>
-          </a:ln>
-        </p:spPr>
-        <p:style>
-          <a:lnRef idx="2">
-            <a:schemeClr val="accent1">
-              <a:shade val="50000"/>
-            </a:schemeClr>
-          </a:lnRef>
-          <a:fillRef idx="1">
-            <a:schemeClr val="accent1"/>
-          </a:fillRef>
-          <a:effectRef idx="0">
-            <a:schemeClr val="accent1"/>
-          </a:effectRef>
-          <a:fontRef idx="minor">
-            <a:schemeClr val="lt1"/>
-          </a:fontRef>
-        </p:style>
-        <p:txBody>
-          <a:bodyPr rtlCol="0" anchor="ctr"/>
-          <a:lstStyle/>
-          <a:p>
-            <a:pPr algn="ctr"/>
-            <a:endParaRPr lang="en-US">
-              <a:solidFill>
-                <a:schemeClr val="tx2">
-                  <a:lumMod val="50000"/>
-                </a:schemeClr>
-              </a:solidFill>
-            </a:endParaRPr>
-          </a:p>
-        </p:txBody>
-      </p:sp>
-      <p:sp>
-        <p:nvSpPr>
-          <p:cNvPr id="3" name="Content Placeholder 2">
-            <a:extLst>
-              <a:ext uri="{FF2B5EF4-FFF2-40B4-BE49-F238E27FC236}">
-                <a16:creationId xmlns:a16="http://schemas.microsoft.com/office/drawing/2014/main" id="{01A3A49F-DB3E-42B5-ACA2-83239D9C5DB3}"/>
-              </a:ext>
-            </a:extLst>
-          </p:cNvPr>
-          <p:cNvSpPr>
-            <a:spLocks noGrp="1"/>
-          </p:cNvSpPr>
-          <p:nvPr>
-            <p:ph idx="1"/>
-          </p:nvPr>
-        </p:nvSpPr>
-        <p:spPr>
-          <a:xfrm>
-            <a:off x="5741893" y="767258"/>
-            <a:ext cx="5287923" cy="5323484"/>
-          </a:xfrm>
-        </p:spPr>
-        <p:txBody>
-          <a:bodyPr anchor="ctr">
-            <a:normAutofit/>
-          </a:bodyPr>
-          <a:lstStyle/>
-          <a:p>
-            <a:r>
-              <a:rPr lang="en-US" dirty="0" err="1"/>
-              <a:t>WebScraping</a:t>
-            </a:r>
-            <a:endParaRPr lang="en-US" dirty="0"/>
-          </a:p>
-          <a:p>
-            <a:r>
-              <a:rPr lang="en-US" dirty="0"/>
-              <a:t>Normalizing json files</a:t>
-            </a:r>
-          </a:p>
-          <a:p>
-            <a:r>
-              <a:rPr lang="en-US" dirty="0" err="1"/>
-              <a:t>Cleanning</a:t>
-            </a:r>
-            <a:r>
-              <a:rPr lang="en-US" dirty="0"/>
-              <a:t> Data</a:t>
-            </a:r>
-          </a:p>
-          <a:p>
-            <a:pPr lvl="1"/>
-            <a:r>
-              <a:rPr lang="en-US" sz="2800" dirty="0"/>
-              <a:t>Extreme Values </a:t>
-            </a:r>
-          </a:p>
-          <a:p>
-            <a:pPr lvl="1"/>
-            <a:r>
-              <a:rPr lang="en-US" sz="2800" dirty="0"/>
-              <a:t>Outliers</a:t>
-            </a:r>
-          </a:p>
-          <a:p>
-            <a:r>
-              <a:rPr lang="en-US" dirty="0"/>
-              <a:t>Database creation</a:t>
-            </a:r>
-          </a:p>
-          <a:p>
-            <a:pPr lvl="1"/>
-            <a:r>
-              <a:rPr lang="en-US" sz="2800" dirty="0"/>
-              <a:t>Table import.</a:t>
-            </a:r>
-          </a:p>
-          <a:p>
-            <a:pPr lvl="1"/>
-            <a:r>
-              <a:rPr lang="en-US" sz="2800" dirty="0"/>
-              <a:t>Filtering </a:t>
-            </a:r>
-          </a:p>
-          <a:p>
-            <a:pPr lvl="1"/>
-            <a:r>
-              <a:rPr lang="en-US" sz="2800" dirty="0"/>
-              <a:t>Grouping</a:t>
-            </a:r>
-          </a:p>
-          <a:p>
-            <a:endParaRPr lang="en-US" sz="2000" dirty="0"/>
-          </a:p>
-        </p:txBody>
-      </p:sp>
-    </p:spTree>
-    <p:extLst>
-      <p:ext uri="{BB962C8B-B14F-4D97-AF65-F5344CB8AC3E}">
-        <p14:creationId xmlns:p14="http://schemas.microsoft.com/office/powerpoint/2010/main" val="299991649"/>
-      </p:ext>
-    </p:extLst>
-  </p:cSld>
-  <p:clrMapOvr>
-    <a:masterClrMapping/>
-  </p:clrMapOvr>
-</p:sld>
-</file>
-
-<file path=ppt/slides/slide11.xml><?xml version="1.0" encoding="utf-8"?>
-<p:sld xmlns:a="http://schemas.openxmlformats.org/drawingml/2006/main" xmlns:r="http://schemas.openxmlformats.org/officeDocument/2006/relationships" xmlns:p="http://schemas.openxmlformats.org/presentationml/2006/main">
-  <p:cSld>
-    <p:bg>
-      <p:bgPr>
-        <a:solidFill>
-          <a:schemeClr val="bg1"/>
-        </a:solidFill>
-        <a:effectLst/>
-      </p:bgPr>
-    </p:bg>
-    <p:spTree>
-      <p:nvGrpSpPr>
-        <p:cNvPr id="1" name=""/>
-        <p:cNvGrpSpPr/>
-        <p:nvPr/>
-      </p:nvGrpSpPr>
-      <p:grpSpPr>
-        <a:xfrm>
-          <a:off x="0" y="0"/>
-          <a:ext cx="0" cy="0"/>
-          <a:chOff x="0" y="0"/>
-          <a:chExt cx="0" cy="0"/>
-        </a:xfrm>
-      </p:grpSpPr>
-      <p:sp>
-        <p:nvSpPr>
-          <p:cNvPr id="8" name="Rectangle 7">
-            <a:extLst>
-              <a:ext uri="{FF2B5EF4-FFF2-40B4-BE49-F238E27FC236}">
-                <a16:creationId xmlns:a16="http://schemas.microsoft.com/office/drawing/2014/main" id="{7264F718-7FAC-4056-9FA9-A603EC682FE7}"/>
-              </a:ext>
-              <a:ext uri="{C183D7F6-B498-43B3-948B-1728B52AA6E4}">
-                <adec:decorative xmlns:adec="http://schemas.microsoft.com/office/drawing/2017/decorative" val="1"/>
-              </a:ext>
-            </a:extLst>
-          </p:cNvPr>
-          <p:cNvSpPr>
-            <a:spLocks noGrp="1" noRot="1" noChangeAspect="1" noMove="1" noResize="1" noEditPoints="1" noAdjustHandles="1" noChangeArrowheads="1" noChangeShapeType="1" noTextEdit="1"/>
-          </p:cNvSpPr>
-          <p:nvPr>
-            <p:extLst>
-              <p:ext uri="{386F3935-93C4-4BCD-93E2-E3B085C9AB24}">
-                <p16:designElem xmlns:p16="http://schemas.microsoft.com/office/powerpoint/2015/main" val="1"/>
-              </p:ext>
-            </p:extLst>
-          </p:nvPr>
-        </p:nvSpPr>
-        <p:spPr>
-          <a:xfrm>
-            <a:off x="1525" y="0"/>
-            <a:ext cx="12190475" cy="6858000"/>
-          </a:xfrm>
-          <a:prstGeom prst="rect">
-            <a:avLst/>
-          </a:prstGeom>
-          <a:solidFill>
-            <a:schemeClr val="tx1"/>
-          </a:solidFill>
-          <a:ln>
-            <a:noFill/>
-          </a:ln>
-        </p:spPr>
-        <p:style>
-          <a:lnRef idx="2">
-            <a:schemeClr val="accent1">
-              <a:shade val="50000"/>
-            </a:schemeClr>
-          </a:lnRef>
-          <a:fillRef idx="1">
-            <a:schemeClr val="accent1"/>
-          </a:fillRef>
-          <a:effectRef idx="0">
-            <a:schemeClr val="accent1"/>
-          </a:effectRef>
-          <a:fontRef idx="minor">
-            <a:schemeClr val="lt1"/>
-          </a:fontRef>
-        </p:style>
-        <p:txBody>
-          <a:bodyPr rtlCol="0" anchor="ctr"/>
-          <a:lstStyle/>
-          <a:p>
-            <a:pPr algn="ctr"/>
-            <a:endParaRPr lang="en-US"/>
-          </a:p>
-        </p:txBody>
-      </p:sp>
-      <p:sp>
-        <p:nvSpPr>
-          <p:cNvPr id="10" name="Freeform: Shape 9">
-            <a:extLst>
-              <a:ext uri="{FF2B5EF4-FFF2-40B4-BE49-F238E27FC236}">
-                <a16:creationId xmlns:a16="http://schemas.microsoft.com/office/drawing/2014/main" id="{F74639F7-E3C7-4165-A83E-6386A86BA1DA}"/>
-              </a:ext>
-              <a:ext uri="{C183D7F6-B498-43B3-948B-1728B52AA6E4}">
-                <adec:decorative xmlns:adec="http://schemas.microsoft.com/office/drawing/2017/decorative" val="1"/>
-              </a:ext>
-            </a:extLst>
-          </p:cNvPr>
-          <p:cNvSpPr>
-            <a:spLocks noGrp="1" noRot="1" noChangeAspect="1" noMove="1" noResize="1" noEditPoints="1" noAdjustHandles="1" noChangeArrowheads="1" noChangeShapeType="1" noTextEdit="1"/>
-          </p:cNvSpPr>
-          <p:nvPr>
-            <p:extLst>
-              <p:ext uri="{386F3935-93C4-4BCD-93E2-E3B085C9AB24}">
-                <p16:designElem xmlns:p16="http://schemas.microsoft.com/office/powerpoint/2015/main" val="1"/>
-              </p:ext>
-            </p:extLst>
-          </p:nvPr>
-        </p:nvSpPr>
-        <p:spPr>
-          <a:xfrm flipV="1">
-            <a:off x="0" y="0"/>
-            <a:ext cx="6356349" cy="6858000"/>
-          </a:xfrm>
-          <a:custGeom>
-            <a:avLst/>
-            <a:gdLst>
-              <a:gd name="connsiteX0" fmla="*/ 7539895 w 7539895"/>
-              <a:gd name="connsiteY0" fmla="*/ 6858000 h 6858000"/>
-              <a:gd name="connsiteX1" fmla="*/ 0 w 7539895"/>
-              <a:gd name="connsiteY1" fmla="*/ 6858000 h 6858000"/>
-              <a:gd name="connsiteX2" fmla="*/ 0 w 7539895"/>
-              <a:gd name="connsiteY2" fmla="*/ 0 h 6858000"/>
-              <a:gd name="connsiteX3" fmla="*/ 4363741 w 7539895"/>
-              <a:gd name="connsiteY3" fmla="*/ 0 h 6858000"/>
-            </a:gdLst>
-            <a:ahLst/>
-            <a:cxnLst>
-              <a:cxn ang="0">
-                <a:pos x="connsiteX0" y="connsiteY0"/>
-              </a:cxn>
-              <a:cxn ang="0">
-                <a:pos x="connsiteX1" y="connsiteY1"/>
-              </a:cxn>
-              <a:cxn ang="0">
-                <a:pos x="connsiteX2" y="connsiteY2"/>
-              </a:cxn>
-              <a:cxn ang="0">
-                <a:pos x="connsiteX3" y="connsiteY3"/>
-              </a:cxn>
-            </a:cxnLst>
-            <a:rect l="l" t="t" r="r" b="b"/>
-            <a:pathLst>
-              <a:path w="7539895" h="6858000">
-                <a:moveTo>
-                  <a:pt x="7539895" y="6858000"/>
-                </a:moveTo>
-                <a:lnTo>
-                  <a:pt x="0" y="6858000"/>
-                </a:lnTo>
-                <a:lnTo>
-                  <a:pt x="0" y="0"/>
-                </a:lnTo>
-                <a:lnTo>
-                  <a:pt x="4363741" y="0"/>
-                </a:lnTo>
-                <a:close/>
-              </a:path>
-            </a:pathLst>
-          </a:custGeom>
-          <a:solidFill>
-            <a:schemeClr val="bg1">
-              <a:lumMod val="85000"/>
-              <a:lumOff val="15000"/>
-              <a:alpha val="70000"/>
-            </a:schemeClr>
-          </a:solidFill>
-          <a:ln>
-            <a:noFill/>
-          </a:ln>
-        </p:spPr>
-        <p:style>
-          <a:lnRef idx="2">
-            <a:schemeClr val="accent1">
-              <a:shade val="50000"/>
-            </a:schemeClr>
-          </a:lnRef>
-          <a:fillRef idx="1">
-            <a:schemeClr val="accent1"/>
-          </a:fillRef>
-          <a:effectRef idx="0">
-            <a:schemeClr val="accent1"/>
-          </a:effectRef>
-          <a:fontRef idx="minor">
-            <a:schemeClr val="lt1"/>
-          </a:fontRef>
-        </p:style>
-        <p:txBody>
-          <a:bodyPr wrap="square" rtlCol="0" anchor="ctr">
-            <a:noAutofit/>
-          </a:bodyPr>
-          <a:lstStyle/>
-          <a:p>
-            <a:pPr algn="ctr"/>
-            <a:endParaRPr lang="en-US"/>
-          </a:p>
-        </p:txBody>
-      </p:sp>
-      <p:sp>
-        <p:nvSpPr>
-          <p:cNvPr id="12" name="Freeform: Shape 11">
-            <a:extLst>
-              <a:ext uri="{FF2B5EF4-FFF2-40B4-BE49-F238E27FC236}">
-                <a16:creationId xmlns:a16="http://schemas.microsoft.com/office/drawing/2014/main" id="{8B3AF0F1-707A-463E-B5EE-33C63A40CFC9}"/>
-              </a:ext>
-              <a:ext uri="{C183D7F6-B498-43B3-948B-1728B52AA6E4}">
-                <adec:decorative xmlns:adec="http://schemas.microsoft.com/office/drawing/2017/decorative" val="1"/>
-              </a:ext>
-            </a:extLst>
-          </p:cNvPr>
-          <p:cNvSpPr>
-            <a:spLocks noGrp="1" noRot="1" noChangeAspect="1" noMove="1" noResize="1" noEditPoints="1" noAdjustHandles="1" noChangeArrowheads="1" noChangeShapeType="1" noTextEdit="1"/>
-          </p:cNvSpPr>
-          <p:nvPr>
-            <p:extLst>
-              <p:ext uri="{386F3935-93C4-4BCD-93E2-E3B085C9AB24}">
-                <p16:designElem xmlns:p16="http://schemas.microsoft.com/office/powerpoint/2015/main" val="1"/>
-              </p:ext>
-            </p:extLst>
-          </p:nvPr>
-        </p:nvSpPr>
-        <p:spPr>
-          <a:xfrm flipV="1">
-            <a:off x="0" y="0"/>
-            <a:ext cx="5979591" cy="6858000"/>
-          </a:xfrm>
-          <a:custGeom>
-            <a:avLst/>
-            <a:gdLst>
-              <a:gd name="connsiteX0" fmla="*/ 7092985 w 7092985"/>
-              <a:gd name="connsiteY0" fmla="*/ 6858000 h 6858000"/>
-              <a:gd name="connsiteX1" fmla="*/ 0 w 7092985"/>
-              <a:gd name="connsiteY1" fmla="*/ 6858000 h 6858000"/>
-              <a:gd name="connsiteX2" fmla="*/ 0 w 7092985"/>
-              <a:gd name="connsiteY2" fmla="*/ 0 h 6858000"/>
-              <a:gd name="connsiteX3" fmla="*/ 3916831 w 7092985"/>
-              <a:gd name="connsiteY3" fmla="*/ 0 h 6858000"/>
-            </a:gdLst>
-            <a:ahLst/>
-            <a:cxnLst>
-              <a:cxn ang="0">
-                <a:pos x="connsiteX0" y="connsiteY0"/>
-              </a:cxn>
-              <a:cxn ang="0">
-                <a:pos x="connsiteX1" y="connsiteY1"/>
-              </a:cxn>
-              <a:cxn ang="0">
-                <a:pos x="connsiteX2" y="connsiteY2"/>
-              </a:cxn>
-              <a:cxn ang="0">
-                <a:pos x="connsiteX3" y="connsiteY3"/>
-              </a:cxn>
-            </a:cxnLst>
-            <a:rect l="l" t="t" r="r" b="b"/>
-            <a:pathLst>
-              <a:path w="7092985" h="6858000">
-                <a:moveTo>
-                  <a:pt x="7092985" y="6858000"/>
-                </a:moveTo>
-                <a:lnTo>
-                  <a:pt x="0" y="6858000"/>
-                </a:lnTo>
-                <a:lnTo>
-                  <a:pt x="0" y="0"/>
-                </a:lnTo>
-                <a:lnTo>
-                  <a:pt x="3916831" y="0"/>
-                </a:lnTo>
-                <a:close/>
-              </a:path>
-            </a:pathLst>
-          </a:custGeom>
-          <a:solidFill>
-            <a:schemeClr val="bg1">
-              <a:lumMod val="85000"/>
-              <a:lumOff val="15000"/>
-            </a:schemeClr>
-          </a:solidFill>
-          <a:ln>
-            <a:noFill/>
-          </a:ln>
-        </p:spPr>
-        <p:style>
-          <a:lnRef idx="2">
-            <a:schemeClr val="accent1">
-              <a:shade val="50000"/>
-            </a:schemeClr>
-          </a:lnRef>
-          <a:fillRef idx="1">
-            <a:schemeClr val="accent1"/>
-          </a:fillRef>
-          <a:effectRef idx="0">
-            <a:schemeClr val="accent1"/>
-          </a:effectRef>
-          <a:fontRef idx="minor">
-            <a:schemeClr val="lt1"/>
-          </a:fontRef>
-        </p:style>
-        <p:txBody>
-          <a:bodyPr wrap="square" rtlCol="0" anchor="ctr">
-            <a:noAutofit/>
-          </a:bodyPr>
-          <a:lstStyle/>
-          <a:p>
-            <a:pPr algn="ctr"/>
-            <a:endParaRPr lang="en-US"/>
-          </a:p>
-        </p:txBody>
-      </p:sp>
-      <p:sp>
-        <p:nvSpPr>
-          <p:cNvPr id="2" name="Title 1">
-            <a:extLst>
-              <a:ext uri="{FF2B5EF4-FFF2-40B4-BE49-F238E27FC236}">
-                <a16:creationId xmlns:a16="http://schemas.microsoft.com/office/drawing/2014/main" id="{E03F5CFB-3B86-4839-BB01-9EE7A7CD3985}"/>
-              </a:ext>
-            </a:extLst>
-          </p:cNvPr>
-          <p:cNvSpPr>
-            <a:spLocks noGrp="1"/>
-          </p:cNvSpPr>
-          <p:nvPr>
-            <p:ph type="title"/>
-          </p:nvPr>
-        </p:nvSpPr>
-        <p:spPr>
-          <a:xfrm>
-            <a:off x="841248" y="704850"/>
-            <a:ext cx="3785616" cy="2978150"/>
-          </a:xfrm>
-        </p:spPr>
-        <p:txBody>
-          <a:bodyPr anchor="b">
-            <a:normAutofit/>
-          </a:bodyPr>
-          <a:lstStyle/>
-          <a:p>
-            <a:r>
-              <a:rPr lang="es-ES" dirty="0" err="1"/>
-              <a:t>If</a:t>
-            </a:r>
-            <a:r>
-              <a:rPr lang="es-ES" dirty="0"/>
-              <a:t> I </a:t>
-            </a:r>
-            <a:r>
-              <a:rPr lang="es-ES" dirty="0" err="1"/>
-              <a:t>were</a:t>
-            </a:r>
-            <a:r>
-              <a:rPr lang="es-ES" dirty="0"/>
-              <a:t> </a:t>
-            </a:r>
-            <a:r>
-              <a:rPr lang="es-ES" dirty="0" err="1"/>
-              <a:t>to</a:t>
-            </a:r>
-            <a:r>
-              <a:rPr lang="es-ES" dirty="0"/>
-              <a:t> </a:t>
-            </a:r>
-            <a:r>
-              <a:rPr lang="es-ES" dirty="0" err="1"/>
-              <a:t>start</a:t>
-            </a:r>
-            <a:r>
-              <a:rPr lang="es-ES" dirty="0"/>
-              <a:t> </a:t>
-            </a:r>
-            <a:r>
-              <a:rPr lang="es-ES" dirty="0" err="1"/>
-              <a:t>from</a:t>
-            </a:r>
-            <a:r>
-              <a:rPr lang="es-ES" dirty="0"/>
-              <a:t> </a:t>
-            </a:r>
-            <a:r>
-              <a:rPr lang="es-ES" dirty="0" err="1"/>
-              <a:t>the</a:t>
-            </a:r>
-            <a:r>
-              <a:rPr lang="es-ES" dirty="0"/>
-              <a:t> </a:t>
-            </a:r>
-            <a:r>
-              <a:rPr lang="es-ES" dirty="0" err="1"/>
-              <a:t>scratch</a:t>
-            </a:r>
-            <a:endParaRPr lang="en-US" dirty="0"/>
-          </a:p>
-        </p:txBody>
-      </p:sp>
-      <p:sp>
-        <p:nvSpPr>
-          <p:cNvPr id="3" name="Content Placeholder 2">
-            <a:extLst>
-              <a:ext uri="{FF2B5EF4-FFF2-40B4-BE49-F238E27FC236}">
-                <a16:creationId xmlns:a16="http://schemas.microsoft.com/office/drawing/2014/main" id="{6CDE6ED8-B837-4ACB-A1F7-1037A3F8A0BF}"/>
-              </a:ext>
-            </a:extLst>
-          </p:cNvPr>
-          <p:cNvSpPr>
-            <a:spLocks noGrp="1"/>
-          </p:cNvSpPr>
-          <p:nvPr>
-            <p:ph idx="1"/>
-          </p:nvPr>
-        </p:nvSpPr>
-        <p:spPr>
-          <a:xfrm>
-            <a:off x="6038850" y="704850"/>
-            <a:ext cx="5314950" cy="5251450"/>
-          </a:xfrm>
-        </p:spPr>
-        <p:txBody>
-          <a:bodyPr anchor="ctr">
-            <a:normAutofit/>
-          </a:bodyPr>
-          <a:lstStyle/>
-          <a:p>
-            <a:r>
-              <a:rPr lang="es-ES" sz="4000" dirty="0">
-                <a:solidFill>
-                  <a:schemeClr val="bg1"/>
-                </a:solidFill>
-              </a:rPr>
-              <a:t>I </a:t>
-            </a:r>
-            <a:r>
-              <a:rPr lang="es-ES" sz="4000" dirty="0" err="1">
-                <a:solidFill>
-                  <a:schemeClr val="bg1"/>
-                </a:solidFill>
-              </a:rPr>
-              <a:t>would</a:t>
-            </a:r>
-            <a:r>
-              <a:rPr lang="es-ES" sz="4000" dirty="0">
-                <a:solidFill>
-                  <a:schemeClr val="bg1"/>
-                </a:solidFill>
-              </a:rPr>
-              <a:t> try </a:t>
-            </a:r>
-            <a:r>
-              <a:rPr lang="es-ES" sz="4000" dirty="0" err="1">
-                <a:solidFill>
-                  <a:schemeClr val="bg1"/>
-                </a:solidFill>
-              </a:rPr>
-              <a:t>to</a:t>
-            </a:r>
-            <a:r>
-              <a:rPr lang="es-ES" sz="4000" dirty="0">
-                <a:solidFill>
-                  <a:schemeClr val="bg1"/>
-                </a:solidFill>
-              </a:rPr>
-              <a:t> </a:t>
-            </a:r>
-            <a:r>
-              <a:rPr lang="es-ES" sz="4000" dirty="0" err="1">
-                <a:solidFill>
-                  <a:schemeClr val="bg1"/>
-                </a:solidFill>
-              </a:rPr>
-              <a:t>make</a:t>
-            </a:r>
-            <a:r>
-              <a:rPr lang="es-ES" sz="4000" dirty="0">
-                <a:solidFill>
-                  <a:schemeClr val="bg1"/>
-                </a:solidFill>
-              </a:rPr>
-              <a:t> </a:t>
-            </a:r>
-            <a:r>
-              <a:rPr lang="es-ES" sz="4000" dirty="0" err="1">
-                <a:solidFill>
-                  <a:schemeClr val="bg1"/>
-                </a:solidFill>
-              </a:rPr>
-              <a:t>my</a:t>
-            </a:r>
-            <a:r>
-              <a:rPr lang="es-ES" sz="4000" dirty="0">
-                <a:solidFill>
-                  <a:schemeClr val="bg1"/>
-                </a:solidFill>
-              </a:rPr>
-              <a:t> </a:t>
-            </a:r>
-            <a:r>
-              <a:rPr lang="es-ES" sz="4000" dirty="0" err="1">
-                <a:solidFill>
-                  <a:schemeClr val="bg1"/>
-                </a:solidFill>
-              </a:rPr>
-              <a:t>code</a:t>
-            </a:r>
-            <a:r>
-              <a:rPr lang="es-ES" sz="4000" dirty="0">
-                <a:solidFill>
-                  <a:schemeClr val="bg1"/>
-                </a:solidFill>
-              </a:rPr>
-              <a:t> more </a:t>
-            </a:r>
-            <a:r>
-              <a:rPr lang="es-ES" sz="4000" dirty="0" err="1">
-                <a:solidFill>
-                  <a:schemeClr val="bg1"/>
-                </a:solidFill>
-              </a:rPr>
-              <a:t>efficient</a:t>
-            </a:r>
-            <a:r>
-              <a:rPr lang="es-ES" sz="4000" dirty="0">
-                <a:solidFill>
-                  <a:schemeClr val="bg1"/>
-                </a:solidFill>
-              </a:rPr>
-              <a:t> and </a:t>
-            </a:r>
-            <a:r>
-              <a:rPr lang="es-ES" sz="4000" dirty="0" err="1">
-                <a:solidFill>
-                  <a:schemeClr val="bg1"/>
-                </a:solidFill>
-              </a:rPr>
-              <a:t>avoid</a:t>
-            </a:r>
-            <a:r>
-              <a:rPr lang="es-ES" sz="4000" dirty="0">
-                <a:solidFill>
-                  <a:schemeClr val="bg1"/>
-                </a:solidFill>
-              </a:rPr>
-              <a:t> </a:t>
-            </a:r>
-            <a:r>
-              <a:rPr lang="es-ES" sz="4000" dirty="0" err="1">
-                <a:solidFill>
-                  <a:schemeClr val="bg1"/>
-                </a:solidFill>
-              </a:rPr>
-              <a:t>repeating</a:t>
-            </a:r>
-            <a:r>
-              <a:rPr lang="es-ES" sz="4000" dirty="0">
-                <a:solidFill>
-                  <a:schemeClr val="bg1"/>
-                </a:solidFill>
-              </a:rPr>
-              <a:t> </a:t>
-            </a:r>
-            <a:r>
-              <a:rPr lang="es-ES" sz="4000" dirty="0" err="1">
-                <a:solidFill>
-                  <a:schemeClr val="bg1"/>
-                </a:solidFill>
-              </a:rPr>
-              <a:t>myself</a:t>
-            </a:r>
-            <a:r>
-              <a:rPr lang="es-ES" sz="4000" dirty="0">
-                <a:solidFill>
-                  <a:schemeClr val="bg1"/>
-                </a:solidFill>
-              </a:rPr>
-              <a:t>.</a:t>
-            </a:r>
-          </a:p>
-          <a:p>
-            <a:pPr marL="0" indent="0">
-              <a:buNone/>
-            </a:pPr>
-            <a:endParaRPr lang="es-ES" sz="2100" dirty="0">
-              <a:solidFill>
-                <a:schemeClr val="bg1"/>
-              </a:solidFill>
-            </a:endParaRPr>
-          </a:p>
-          <a:p>
-            <a:pPr marL="0" indent="0">
-              <a:buNone/>
-            </a:pPr>
-            <a:endParaRPr lang="en-US" sz="2100" dirty="0">
-              <a:solidFill>
-                <a:schemeClr val="bg1"/>
-              </a:solidFill>
-            </a:endParaRPr>
-          </a:p>
-        </p:txBody>
-      </p:sp>
-    </p:spTree>
-    <p:extLst>
-      <p:ext uri="{BB962C8B-B14F-4D97-AF65-F5344CB8AC3E}">
-        <p14:creationId xmlns:p14="http://schemas.microsoft.com/office/powerpoint/2010/main" val="2845065227"/>
-      </p:ext>
-    </p:extLst>
-  </p:cSld>
-  <p:clrMapOvr>
-    <a:overrideClrMapping bg1="dk1" tx1="lt1" bg2="dk2" tx2="lt2" accent1="accent1" accent2="accent2" accent3="accent3" accent4="accent4" accent5="accent5" accent6="accent6" hlink="hlink" folHlink="folHlink"/>
-  </p:clrMapOvr>
-</p:sld>
-</file>
-
-<file path=ppt/slides/slide12.xml><?xml version="1.0" encoding="utf-8"?>
-<p:sld xmlns:a="http://schemas.openxmlformats.org/drawingml/2006/main" xmlns:r="http://schemas.openxmlformats.org/officeDocument/2006/relationships" xmlns:p="http://schemas.openxmlformats.org/presentationml/2006/main">
-  <p:cSld>
-    <p:bg>
-      <p:bgPr>
-        <a:solidFill>
-          <a:schemeClr val="bg1"/>
-        </a:solidFill>
-        <a:effectLst/>
-      </p:bgPr>
-    </p:bg>
-    <p:spTree>
-      <p:nvGrpSpPr>
-        <p:cNvPr id="1" name=""/>
-        <p:cNvGrpSpPr/>
-        <p:nvPr/>
-      </p:nvGrpSpPr>
-      <p:grpSpPr>
-        <a:xfrm>
-          <a:off x="0" y="0"/>
-          <a:ext cx="0" cy="0"/>
-          <a:chOff x="0" y="0"/>
-          <a:chExt cx="0" cy="0"/>
-        </a:xfrm>
-      </p:grpSpPr>
-      <p:sp useBgFill="1">
-        <p:nvSpPr>
-          <p:cNvPr id="8" name="Rectangle 7">
-            <a:extLst>
-              <a:ext uri="{FF2B5EF4-FFF2-40B4-BE49-F238E27FC236}">
-                <a16:creationId xmlns:a16="http://schemas.microsoft.com/office/drawing/2014/main" id="{327D73B4-9F5C-4A64-A179-51B9500CB8B5}"/>
-              </a:ext>
-              <a:ext uri="{C183D7F6-B498-43B3-948B-1728B52AA6E4}">
-                <adec:decorative xmlns:adec="http://schemas.microsoft.com/office/drawing/2017/decorative" val="1"/>
-              </a:ext>
-            </a:extLst>
-          </p:cNvPr>
-          <p:cNvSpPr>
-            <a:spLocks noGrp="1" noRot="1" noChangeAspect="1" noMove="1" noResize="1" noEditPoints="1" noAdjustHandles="1" noChangeArrowheads="1" noChangeShapeType="1" noTextEdit="1"/>
-          </p:cNvSpPr>
-          <p:nvPr>
-            <p:extLst>
-              <p:ext uri="{386F3935-93C4-4BCD-93E2-E3B085C9AB24}">
-                <p16:designElem xmlns:p16="http://schemas.microsoft.com/office/powerpoint/2015/main" val="1"/>
-              </p:ext>
-            </p:extLst>
-          </p:nvPr>
-        </p:nvSpPr>
-        <p:spPr>
-          <a:xfrm>
-            <a:off x="0" y="0"/>
-            <a:ext cx="12192000" cy="6858000"/>
-          </a:xfrm>
-          <a:prstGeom prst="rect">
-            <a:avLst/>
-          </a:prstGeom>
-          <a:ln>
-            <a:noFill/>
-          </a:ln>
-        </p:spPr>
-        <p:style>
-          <a:lnRef idx="2">
-            <a:schemeClr val="accent1">
-              <a:shade val="50000"/>
-            </a:schemeClr>
-          </a:lnRef>
-          <a:fillRef idx="1">
-            <a:schemeClr val="accent1"/>
-          </a:fillRef>
-          <a:effectRef idx="0">
-            <a:schemeClr val="accent1"/>
-          </a:effectRef>
-          <a:fontRef idx="minor">
-            <a:schemeClr val="lt1"/>
-          </a:fontRef>
-        </p:style>
-        <p:txBody>
-          <a:bodyPr rtlCol="0" anchor="ctr"/>
-          <a:lstStyle/>
-          <a:p>
-            <a:pPr algn="ctr"/>
-            <a:endParaRPr lang="en-US"/>
-          </a:p>
-        </p:txBody>
-      </p:sp>
-      <p:sp>
-        <p:nvSpPr>
-          <p:cNvPr id="10" name="Oval 9">
-            <a:extLst>
-              <a:ext uri="{FF2B5EF4-FFF2-40B4-BE49-F238E27FC236}">
-                <a16:creationId xmlns:a16="http://schemas.microsoft.com/office/drawing/2014/main" id="{C1F06963-6374-4B48-844F-071A9BAAAE02}"/>
-              </a:ext>
-              <a:ext uri="{C183D7F6-B498-43B3-948B-1728B52AA6E4}">
-                <adec:decorative xmlns:adec="http://schemas.microsoft.com/office/drawing/2017/decorative" val="1"/>
-              </a:ext>
-            </a:extLst>
-          </p:cNvPr>
-          <p:cNvSpPr>
-            <a:spLocks noGrp="1" noRot="1" noChangeAspect="1" noMove="1" noResize="1" noEditPoints="1" noAdjustHandles="1" noChangeArrowheads="1" noChangeShapeType="1" noTextEdit="1"/>
-          </p:cNvSpPr>
-          <p:nvPr>
-            <p:extLst>
-              <p:ext uri="{386F3935-93C4-4BCD-93E2-E3B085C9AB24}">
-                <p16:designElem xmlns:p16="http://schemas.microsoft.com/office/powerpoint/2015/main" val="1"/>
-              </p:ext>
-            </p:extLst>
-          </p:nvPr>
-        </p:nvSpPr>
-        <p:spPr>
-          <a:xfrm>
-            <a:off x="199528" y="554152"/>
-            <a:ext cx="5742189" cy="5742189"/>
-          </a:xfrm>
-          <a:prstGeom prst="ellipse">
-            <a:avLst/>
-          </a:prstGeom>
-          <a:gradFill flip="none" rotWithShape="1">
-            <a:gsLst>
-              <a:gs pos="0">
-                <a:schemeClr val="accent1"/>
-              </a:gs>
-              <a:gs pos="100000">
-                <a:schemeClr val="accent2"/>
-              </a:gs>
-            </a:gsLst>
-            <a:lin ang="2700000" scaled="1"/>
-            <a:tileRect/>
-          </a:gradFill>
-          <a:ln>
-            <a:noFill/>
-          </a:ln>
-        </p:spPr>
-        <p:style>
-          <a:lnRef idx="2">
-            <a:schemeClr val="accent1">
-              <a:shade val="50000"/>
-            </a:schemeClr>
-          </a:lnRef>
-          <a:fillRef idx="1">
-            <a:schemeClr val="accent1"/>
-          </a:fillRef>
-          <a:effectRef idx="0">
-            <a:schemeClr val="accent1"/>
-          </a:effectRef>
-          <a:fontRef idx="minor">
-            <a:schemeClr val="lt1"/>
-          </a:fontRef>
-        </p:style>
-        <p:txBody>
-          <a:bodyPr rtlCol="0" anchor="ctr"/>
-          <a:lstStyle/>
-          <a:p>
-            <a:pPr algn="ctr"/>
-            <a:endParaRPr lang="en-US"/>
-          </a:p>
-        </p:txBody>
-      </p:sp>
-      <p:sp>
-        <p:nvSpPr>
-          <p:cNvPr id="2" name="Title 1">
-            <a:extLst>
-              <a:ext uri="{FF2B5EF4-FFF2-40B4-BE49-F238E27FC236}">
-                <a16:creationId xmlns:a16="http://schemas.microsoft.com/office/drawing/2014/main" id="{3246FB60-5AFB-47EF-AB8D-34940D5B782E}"/>
-              </a:ext>
-            </a:extLst>
-          </p:cNvPr>
-          <p:cNvSpPr>
-            <a:spLocks noGrp="1"/>
-          </p:cNvSpPr>
-          <p:nvPr>
-            <p:ph type="title"/>
-          </p:nvPr>
-        </p:nvSpPr>
-        <p:spPr>
-          <a:xfrm>
-            <a:off x="1245072" y="1289765"/>
-            <a:ext cx="3651101" cy="4270963"/>
-          </a:xfrm>
-        </p:spPr>
-        <p:txBody>
-          <a:bodyPr anchor="ctr">
-            <a:normAutofit/>
-          </a:bodyPr>
-          <a:lstStyle/>
-          <a:p>
-            <a:pPr algn="ctr"/>
-            <a:r>
-              <a:rPr lang="es-ES" sz="4300">
-                <a:solidFill>
-                  <a:srgbClr val="FFFFFF"/>
-                </a:solidFill>
-              </a:rPr>
-              <a:t>Improvements</a:t>
-            </a:r>
-            <a:endParaRPr lang="en-US" sz="4300">
-              <a:solidFill>
-                <a:srgbClr val="FFFFFF"/>
-              </a:solidFill>
-            </a:endParaRPr>
-          </a:p>
-        </p:txBody>
-      </p:sp>
-      <p:sp>
-        <p:nvSpPr>
-          <p:cNvPr id="12" name="Graphic 11">
-            <a:extLst>
-              <a:ext uri="{FF2B5EF4-FFF2-40B4-BE49-F238E27FC236}">
-                <a16:creationId xmlns:a16="http://schemas.microsoft.com/office/drawing/2014/main" id="{6CB927A4-E432-4310-9CD5-E89FF5063179}"/>
-              </a:ext>
-              <a:ext uri="{C183D7F6-B498-43B3-948B-1728B52AA6E4}">
-                <adec:decorative xmlns:adec="http://schemas.microsoft.com/office/drawing/2017/decorative" val="1"/>
-              </a:ext>
-            </a:extLst>
-          </p:cNvPr>
-          <p:cNvSpPr>
-            <a:spLocks noGrp="1" noRot="1" noChangeAspect="1" noMove="1" noResize="1" noEditPoints="1" noAdjustHandles="1" noChangeArrowheads="1" noChangeShapeType="1" noTextEdit="1"/>
-          </p:cNvSpPr>
-          <p:nvPr>
-            <p:extLst>
-              <p:ext uri="{386F3935-93C4-4BCD-93E2-E3B085C9AB24}">
-                <p16:designElem xmlns:p16="http://schemas.microsoft.com/office/powerpoint/2015/main" val="1"/>
-              </p:ext>
-            </p:extLst>
-          </p:nvPr>
-        </p:nvSpPr>
-        <p:spPr>
-          <a:xfrm>
-            <a:off x="1123493" y="374394"/>
-            <a:ext cx="171515" cy="171515"/>
-          </a:xfrm>
-          <a:custGeom>
-            <a:avLst/>
-            <a:gdLst>
-              <a:gd name="connsiteX0" fmla="*/ 159874 w 171515"/>
-              <a:gd name="connsiteY0" fmla="*/ 74116 h 171515"/>
-              <a:gd name="connsiteX1" fmla="*/ 97399 w 171515"/>
-              <a:gd name="connsiteY1" fmla="*/ 74116 h 171515"/>
-              <a:gd name="connsiteX2" fmla="*/ 97399 w 171515"/>
-              <a:gd name="connsiteY2" fmla="*/ 11641 h 171515"/>
-              <a:gd name="connsiteX3" fmla="*/ 85758 w 171515"/>
-              <a:gd name="connsiteY3" fmla="*/ 0 h 171515"/>
-              <a:gd name="connsiteX4" fmla="*/ 74116 w 171515"/>
-              <a:gd name="connsiteY4" fmla="*/ 11641 h 171515"/>
-              <a:gd name="connsiteX5" fmla="*/ 74116 w 171515"/>
-              <a:gd name="connsiteY5" fmla="*/ 74116 h 171515"/>
-              <a:gd name="connsiteX6" fmla="*/ 11641 w 171515"/>
-              <a:gd name="connsiteY6" fmla="*/ 74116 h 171515"/>
-              <a:gd name="connsiteX7" fmla="*/ 0 w 171515"/>
-              <a:gd name="connsiteY7" fmla="*/ 85758 h 171515"/>
-              <a:gd name="connsiteX8" fmla="*/ 11641 w 171515"/>
-              <a:gd name="connsiteY8" fmla="*/ 97399 h 171515"/>
-              <a:gd name="connsiteX9" fmla="*/ 74116 w 171515"/>
-              <a:gd name="connsiteY9" fmla="*/ 97399 h 171515"/>
-              <a:gd name="connsiteX10" fmla="*/ 74116 w 171515"/>
-              <a:gd name="connsiteY10" fmla="*/ 159874 h 171515"/>
-              <a:gd name="connsiteX11" fmla="*/ 85758 w 171515"/>
-              <a:gd name="connsiteY11" fmla="*/ 171515 h 171515"/>
-              <a:gd name="connsiteX12" fmla="*/ 97399 w 171515"/>
-              <a:gd name="connsiteY12" fmla="*/ 159874 h 171515"/>
-              <a:gd name="connsiteX13" fmla="*/ 97399 w 171515"/>
-              <a:gd name="connsiteY13" fmla="*/ 97399 h 171515"/>
-              <a:gd name="connsiteX14" fmla="*/ 159874 w 171515"/>
-              <a:gd name="connsiteY14" fmla="*/ 97399 h 171515"/>
-              <a:gd name="connsiteX15" fmla="*/ 171515 w 171515"/>
-              <a:gd name="connsiteY15" fmla="*/ 85758 h 171515"/>
-              <a:gd name="connsiteX16" fmla="*/ 159874 w 171515"/>
-              <a:gd name="connsiteY16" fmla="*/ 74116 h 171515"/>
-            </a:gdLst>
-            <a:ahLst/>
-            <a:cxnLst>
-              <a:cxn ang="0">
-                <a:pos x="connsiteX0" y="connsiteY0"/>
-              </a:cxn>
-              <a:cxn ang="0">
-                <a:pos x="connsiteX1" y="connsiteY1"/>
-              </a:cxn>
-              <a:cxn ang="0">
-                <a:pos x="connsiteX2" y="connsiteY2"/>
-              </a:cxn>
-              <a:cxn ang="0">
-                <a:pos x="connsiteX3" y="connsiteY3"/>
-              </a:cxn>
-              <a:cxn ang="0">
-                <a:pos x="connsiteX4" y="connsiteY4"/>
-              </a:cxn>
-              <a:cxn ang="0">
-                <a:pos x="connsiteX5" y="connsiteY5"/>
-              </a:cxn>
-              <a:cxn ang="0">
-                <a:pos x="connsiteX6" y="connsiteY6"/>
-              </a:cxn>
-              <a:cxn ang="0">
-                <a:pos x="connsiteX7" y="connsiteY7"/>
-              </a:cxn>
-              <a:cxn ang="0">
-                <a:pos x="connsiteX8" y="connsiteY8"/>
-              </a:cxn>
-              <a:cxn ang="0">
-                <a:pos x="connsiteX9" y="connsiteY9"/>
-              </a:cxn>
-              <a:cxn ang="0">
-                <a:pos x="connsiteX10" y="connsiteY10"/>
-              </a:cxn>
-              <a:cxn ang="0">
-                <a:pos x="connsiteX11" y="connsiteY11"/>
-              </a:cxn>
-              <a:cxn ang="0">
-                <a:pos x="connsiteX12" y="connsiteY12"/>
-              </a:cxn>
-              <a:cxn ang="0">
-                <a:pos x="connsiteX13" y="connsiteY13"/>
-              </a:cxn>
-              <a:cxn ang="0">
-                <a:pos x="connsiteX14" y="connsiteY14"/>
-              </a:cxn>
-              <a:cxn ang="0">
-                <a:pos x="connsiteX15" y="connsiteY15"/>
-              </a:cxn>
-              <a:cxn ang="0">
-                <a:pos x="connsiteX16" y="connsiteY16"/>
-              </a:cxn>
-            </a:cxnLst>
-            <a:rect l="l" t="t" r="r" b="b"/>
-            <a:pathLst>
-              <a:path w="171515" h="171515">
-                <a:moveTo>
-                  <a:pt x="159874" y="74116"/>
-                </a:moveTo>
-                <a:lnTo>
-                  <a:pt x="97399" y="74116"/>
-                </a:lnTo>
-                <a:lnTo>
-                  <a:pt x="97399" y="11641"/>
-                </a:lnTo>
-                <a:cubicBezTo>
-                  <a:pt x="97399" y="5212"/>
-                  <a:pt x="92187" y="0"/>
-                  <a:pt x="85758" y="0"/>
-                </a:cubicBezTo>
-                <a:cubicBezTo>
-                  <a:pt x="79328" y="0"/>
-                  <a:pt x="74116" y="5212"/>
-                  <a:pt x="74116" y="11641"/>
-                </a:cubicBezTo>
-                <a:lnTo>
-                  <a:pt x="74116" y="74116"/>
-                </a:lnTo>
-                <a:lnTo>
-                  <a:pt x="11641" y="74116"/>
-                </a:lnTo>
-                <a:cubicBezTo>
-                  <a:pt x="5212" y="74116"/>
-                  <a:pt x="0" y="79328"/>
-                  <a:pt x="0" y="85758"/>
-                </a:cubicBezTo>
-                <a:cubicBezTo>
-                  <a:pt x="0" y="92187"/>
-                  <a:pt x="5212" y="97399"/>
-                  <a:pt x="11641" y="97399"/>
-                </a:cubicBezTo>
-                <a:lnTo>
-                  <a:pt x="74116" y="97399"/>
-                </a:lnTo>
-                <a:lnTo>
-                  <a:pt x="74116" y="159874"/>
-                </a:lnTo>
-                <a:cubicBezTo>
-                  <a:pt x="74116" y="166303"/>
-                  <a:pt x="79328" y="171515"/>
-                  <a:pt x="85758" y="171515"/>
-                </a:cubicBezTo>
-                <a:cubicBezTo>
-                  <a:pt x="92187" y="171515"/>
-                  <a:pt x="97399" y="166303"/>
-                  <a:pt x="97399" y="159874"/>
-                </a:cubicBezTo>
-                <a:lnTo>
-                  <a:pt x="97399" y="97399"/>
-                </a:lnTo>
-                <a:lnTo>
-                  <a:pt x="159874" y="97399"/>
-                </a:lnTo>
-                <a:cubicBezTo>
-                  <a:pt x="166303" y="97399"/>
-                  <a:pt x="171515" y="92187"/>
-                  <a:pt x="171515" y="85758"/>
-                </a:cubicBezTo>
-                <a:cubicBezTo>
-                  <a:pt x="171515" y="79328"/>
-                  <a:pt x="166303" y="74116"/>
-                  <a:pt x="159874" y="74116"/>
-                </a:cubicBezTo>
-                <a:close/>
-              </a:path>
-            </a:pathLst>
-          </a:custGeom>
-          <a:solidFill>
-            <a:schemeClr val="accent2"/>
-          </a:solidFill>
-          <a:ln w="776" cap="flat">
-            <a:noFill/>
-            <a:prstDash val="solid"/>
-            <a:miter/>
-          </a:ln>
-        </p:spPr>
-        <p:txBody>
-          <a:bodyPr rtlCol="0" anchor="ctr"/>
-          <a:lstStyle/>
-          <a:p>
-            <a:endParaRPr lang="en-US"/>
-          </a:p>
-        </p:txBody>
-      </p:sp>
-      <p:sp>
-        <p:nvSpPr>
-          <p:cNvPr id="14" name="Graphic 12">
-            <a:extLst>
-              <a:ext uri="{FF2B5EF4-FFF2-40B4-BE49-F238E27FC236}">
-                <a16:creationId xmlns:a16="http://schemas.microsoft.com/office/drawing/2014/main" id="{1453BF6C-B012-48B7-B4E8-6D7AC7C27D02}"/>
-              </a:ext>
-              <a:ext uri="{C183D7F6-B498-43B3-948B-1728B52AA6E4}">
-                <adec:decorative xmlns:adec="http://schemas.microsoft.com/office/drawing/2017/decorative" val="1"/>
-              </a:ext>
-            </a:extLst>
-          </p:cNvPr>
-          <p:cNvSpPr>
-            <a:spLocks noGrp="1" noRot="1" noChangeAspect="1" noMove="1" noResize="1" noEditPoints="1" noAdjustHandles="1" noChangeArrowheads="1" noChangeShapeType="1" noTextEdit="1"/>
-          </p:cNvSpPr>
-          <p:nvPr>
-            <p:extLst>
-              <p:ext uri="{386F3935-93C4-4BCD-93E2-E3B085C9AB24}">
-                <p16:designElem xmlns:p16="http://schemas.microsoft.com/office/powerpoint/2015/main" val="1"/>
-              </p:ext>
-            </p:extLst>
-          </p:nvPr>
-        </p:nvSpPr>
-        <p:spPr>
-          <a:xfrm>
-            <a:off x="550109" y="1084507"/>
-            <a:ext cx="157545" cy="157545"/>
-          </a:xfrm>
-          <a:custGeom>
-            <a:avLst/>
-            <a:gdLst>
-              <a:gd name="connsiteX0" fmla="*/ 78773 w 157545"/>
-              <a:gd name="connsiteY0" fmla="*/ 23283 h 157545"/>
-              <a:gd name="connsiteX1" fmla="*/ 134262 w 157545"/>
-              <a:gd name="connsiteY1" fmla="*/ 78773 h 157545"/>
-              <a:gd name="connsiteX2" fmla="*/ 78773 w 157545"/>
-              <a:gd name="connsiteY2" fmla="*/ 134262 h 157545"/>
-              <a:gd name="connsiteX3" fmla="*/ 23283 w 157545"/>
-              <a:gd name="connsiteY3" fmla="*/ 78773 h 157545"/>
-              <a:gd name="connsiteX4" fmla="*/ 78773 w 157545"/>
-              <a:gd name="connsiteY4" fmla="*/ 23283 h 157545"/>
-              <a:gd name="connsiteX5" fmla="*/ 78773 w 157545"/>
-              <a:gd name="connsiteY5" fmla="*/ 0 h 157545"/>
-              <a:gd name="connsiteX6" fmla="*/ 0 w 157545"/>
-              <a:gd name="connsiteY6" fmla="*/ 78773 h 157545"/>
-              <a:gd name="connsiteX7" fmla="*/ 78773 w 157545"/>
-              <a:gd name="connsiteY7" fmla="*/ 157545 h 157545"/>
-              <a:gd name="connsiteX8" fmla="*/ 157545 w 157545"/>
-              <a:gd name="connsiteY8" fmla="*/ 78773 h 157545"/>
-              <a:gd name="connsiteX9" fmla="*/ 78773 w 157545"/>
-              <a:gd name="connsiteY9" fmla="*/ 0 h 157545"/>
-            </a:gdLst>
-            <a:ahLst/>
-            <a:cxnLst>
-              <a:cxn ang="0">
-                <a:pos x="connsiteX0" y="connsiteY0"/>
-              </a:cxn>
-              <a:cxn ang="0">
-                <a:pos x="connsiteX1" y="connsiteY1"/>
-              </a:cxn>
-              <a:cxn ang="0">
-                <a:pos x="connsiteX2" y="connsiteY2"/>
-              </a:cxn>
-              <a:cxn ang="0">
-                <a:pos x="connsiteX3" y="connsiteY3"/>
-              </a:cxn>
-              <a:cxn ang="0">
-                <a:pos x="connsiteX4" y="connsiteY4"/>
-              </a:cxn>
-              <a:cxn ang="0">
-                <a:pos x="connsiteX5" y="connsiteY5"/>
-              </a:cxn>
-              <a:cxn ang="0">
-                <a:pos x="connsiteX6" y="connsiteY6"/>
-              </a:cxn>
-              <a:cxn ang="0">
-                <a:pos x="connsiteX7" y="connsiteY7"/>
-              </a:cxn>
-              <a:cxn ang="0">
-                <a:pos x="connsiteX8" y="connsiteY8"/>
-              </a:cxn>
-              <a:cxn ang="0">
-                <a:pos x="connsiteX9" y="connsiteY9"/>
-              </a:cxn>
-            </a:cxnLst>
-            <a:rect l="l" t="t" r="r" b="b"/>
-            <a:pathLst>
-              <a:path w="157545" h="157545">
-                <a:moveTo>
-                  <a:pt x="78773" y="23283"/>
-                </a:moveTo>
-                <a:cubicBezTo>
-                  <a:pt x="109419" y="23283"/>
-                  <a:pt x="134262" y="48126"/>
-                  <a:pt x="134262" y="78773"/>
-                </a:cubicBezTo>
-                <a:cubicBezTo>
-                  <a:pt x="134262" y="109419"/>
-                  <a:pt x="109419" y="134262"/>
-                  <a:pt x="78773" y="134262"/>
-                </a:cubicBezTo>
-                <a:cubicBezTo>
-                  <a:pt x="48126" y="134262"/>
-                  <a:pt x="23283" y="109419"/>
-                  <a:pt x="23283" y="78773"/>
-                </a:cubicBezTo>
-                <a:cubicBezTo>
-                  <a:pt x="23312" y="48139"/>
-                  <a:pt x="48139" y="23312"/>
-                  <a:pt x="78773" y="23283"/>
-                </a:cubicBezTo>
-                <a:moveTo>
-                  <a:pt x="78773" y="0"/>
-                </a:moveTo>
-                <a:cubicBezTo>
-                  <a:pt x="35268" y="0"/>
-                  <a:pt x="0" y="35268"/>
-                  <a:pt x="0" y="78773"/>
-                </a:cubicBezTo>
-                <a:cubicBezTo>
-                  <a:pt x="0" y="122277"/>
-                  <a:pt x="35268" y="157545"/>
-                  <a:pt x="78773" y="157545"/>
-                </a:cubicBezTo>
-                <a:cubicBezTo>
-                  <a:pt x="122277" y="157545"/>
-                  <a:pt x="157545" y="122277"/>
-                  <a:pt x="157545" y="78773"/>
-                </a:cubicBezTo>
-                <a:cubicBezTo>
-                  <a:pt x="157545" y="35268"/>
-                  <a:pt x="122277" y="0"/>
-                  <a:pt x="78773" y="0"/>
-                </a:cubicBezTo>
-                <a:close/>
-              </a:path>
-            </a:pathLst>
-          </a:custGeom>
-          <a:solidFill>
-            <a:schemeClr val="accent2"/>
-          </a:solidFill>
-          <a:ln w="751" cap="flat">
-            <a:noFill/>
-            <a:prstDash val="solid"/>
-            <a:miter/>
-          </a:ln>
-        </p:spPr>
-        <p:txBody>
-          <a:bodyPr rtlCol="0" anchor="ctr"/>
-          <a:lstStyle/>
-          <a:p>
-            <a:endParaRPr lang="en-US"/>
-          </a:p>
-        </p:txBody>
-      </p:sp>
-      <p:sp>
-        <p:nvSpPr>
-          <p:cNvPr id="3" name="Content Placeholder 2">
-            <a:extLst>
-              <a:ext uri="{FF2B5EF4-FFF2-40B4-BE49-F238E27FC236}">
-                <a16:creationId xmlns:a16="http://schemas.microsoft.com/office/drawing/2014/main" id="{4A4D6CD3-1AAD-4DC5-B586-99DE3E6E091D}"/>
-              </a:ext>
-            </a:extLst>
-          </p:cNvPr>
-          <p:cNvSpPr>
-            <a:spLocks noGrp="1"/>
-          </p:cNvSpPr>
-          <p:nvPr>
-            <p:ph idx="1"/>
-          </p:nvPr>
-        </p:nvSpPr>
-        <p:spPr>
-          <a:xfrm>
-            <a:off x="6297233" y="518400"/>
-            <a:ext cx="4771607" cy="5837949"/>
-          </a:xfrm>
-        </p:spPr>
-        <p:txBody>
-          <a:bodyPr anchor="ctr">
-            <a:normAutofit/>
-          </a:bodyPr>
-          <a:lstStyle/>
-          <a:p>
-            <a:r>
-              <a:rPr lang="es-ES" sz="3200" dirty="0" err="1">
-                <a:solidFill>
-                  <a:schemeClr val="tx1">
-                    <a:alpha val="80000"/>
-                  </a:schemeClr>
-                </a:solidFill>
-              </a:rPr>
-              <a:t>Creating</a:t>
-            </a:r>
-            <a:r>
-              <a:rPr lang="es-ES" sz="3200" dirty="0">
-                <a:solidFill>
-                  <a:schemeClr val="tx1">
-                    <a:alpha val="80000"/>
-                  </a:schemeClr>
-                </a:solidFill>
-              </a:rPr>
-              <a:t> </a:t>
-            </a:r>
-            <a:r>
-              <a:rPr lang="es-ES" sz="3200" dirty="0" err="1">
-                <a:solidFill>
-                  <a:schemeClr val="tx1">
-                    <a:alpha val="80000"/>
-                  </a:schemeClr>
-                </a:solidFill>
-              </a:rPr>
-              <a:t>visualizations</a:t>
-            </a:r>
-            <a:r>
-              <a:rPr lang="es-ES" sz="3200" dirty="0">
-                <a:solidFill>
-                  <a:schemeClr val="tx1">
-                    <a:alpha val="80000"/>
-                  </a:schemeClr>
-                </a:solidFill>
-              </a:rPr>
-              <a:t> </a:t>
-            </a:r>
-            <a:r>
-              <a:rPr lang="es-ES" sz="3200" dirty="0" err="1">
-                <a:solidFill>
-                  <a:schemeClr val="tx1">
-                    <a:alpha val="80000"/>
-                  </a:schemeClr>
-                </a:solidFill>
-              </a:rPr>
-              <a:t>heatmaps</a:t>
-            </a:r>
-            <a:r>
-              <a:rPr lang="es-ES" sz="3200" dirty="0">
-                <a:solidFill>
-                  <a:schemeClr val="tx1">
-                    <a:alpha val="80000"/>
-                  </a:schemeClr>
-                </a:solidFill>
-              </a:rPr>
-              <a:t> </a:t>
-            </a:r>
-            <a:r>
-              <a:rPr lang="es-ES" sz="3200" dirty="0" err="1">
-                <a:solidFill>
-                  <a:schemeClr val="tx1">
-                    <a:alpha val="80000"/>
-                  </a:schemeClr>
-                </a:solidFill>
-              </a:rPr>
-              <a:t>with</a:t>
-            </a:r>
-            <a:r>
-              <a:rPr lang="es-ES" sz="3200" dirty="0">
-                <a:solidFill>
-                  <a:schemeClr val="tx1">
-                    <a:alpha val="80000"/>
-                  </a:schemeClr>
-                </a:solidFill>
-              </a:rPr>
-              <a:t> </a:t>
-            </a:r>
-            <a:r>
-              <a:rPr lang="es-ES" sz="3200" dirty="0" err="1">
-                <a:solidFill>
-                  <a:schemeClr val="tx1">
-                    <a:alpha val="80000"/>
-                  </a:schemeClr>
-                </a:solidFill>
-              </a:rPr>
-              <a:t>the</a:t>
-            </a:r>
-            <a:r>
-              <a:rPr lang="es-ES" sz="3200" dirty="0">
-                <a:solidFill>
-                  <a:schemeClr val="tx1">
-                    <a:alpha val="80000"/>
-                  </a:schemeClr>
-                </a:solidFill>
-              </a:rPr>
-              <a:t> </a:t>
-            </a:r>
-            <a:r>
-              <a:rPr lang="es-ES" sz="3200" dirty="0" err="1">
-                <a:solidFill>
-                  <a:schemeClr val="tx1">
-                    <a:alpha val="80000"/>
-                  </a:schemeClr>
-                </a:solidFill>
-              </a:rPr>
-              <a:t>locations</a:t>
-            </a:r>
-            <a:r>
-              <a:rPr lang="es-ES" sz="3200" dirty="0">
-                <a:solidFill>
-                  <a:schemeClr val="tx1">
-                    <a:alpha val="80000"/>
-                  </a:schemeClr>
-                </a:solidFill>
-              </a:rPr>
-              <a:t> </a:t>
-            </a:r>
-            <a:r>
-              <a:rPr lang="es-ES" sz="3200" dirty="0" err="1">
-                <a:solidFill>
-                  <a:schemeClr val="tx1">
-                    <a:alpha val="80000"/>
-                  </a:schemeClr>
-                </a:solidFill>
-              </a:rPr>
-              <a:t>of</a:t>
-            </a:r>
-            <a:r>
-              <a:rPr lang="es-ES" sz="3200" dirty="0">
-                <a:solidFill>
-                  <a:schemeClr val="tx1">
-                    <a:alpha val="80000"/>
-                  </a:schemeClr>
-                </a:solidFill>
-              </a:rPr>
-              <a:t> </a:t>
-            </a:r>
-            <a:r>
-              <a:rPr lang="es-ES" sz="3200" dirty="0" err="1">
-                <a:solidFill>
-                  <a:schemeClr val="tx1">
-                    <a:alpha val="80000"/>
-                  </a:schemeClr>
-                </a:solidFill>
-              </a:rPr>
-              <a:t>the</a:t>
-            </a:r>
-            <a:r>
-              <a:rPr lang="es-ES" sz="3200" dirty="0">
-                <a:solidFill>
-                  <a:schemeClr val="tx1">
-                    <a:alpha val="80000"/>
-                  </a:schemeClr>
-                </a:solidFill>
-              </a:rPr>
-              <a:t> </a:t>
-            </a:r>
-            <a:r>
-              <a:rPr lang="es-ES" sz="3200" dirty="0" err="1">
-                <a:solidFill>
-                  <a:schemeClr val="tx1">
-                    <a:alpha val="80000"/>
-                  </a:schemeClr>
-                </a:solidFill>
-              </a:rPr>
-              <a:t>appartments</a:t>
-            </a:r>
-            <a:r>
-              <a:rPr lang="es-ES" sz="3200" dirty="0">
-                <a:solidFill>
-                  <a:schemeClr val="tx1">
-                    <a:alpha val="80000"/>
-                  </a:schemeClr>
-                </a:solidFill>
-              </a:rPr>
-              <a:t>. </a:t>
-            </a:r>
-          </a:p>
-          <a:p>
-            <a:r>
-              <a:rPr lang="es-ES" sz="3200" dirty="0">
-                <a:solidFill>
-                  <a:schemeClr val="tx1">
-                    <a:alpha val="80000"/>
-                  </a:schemeClr>
-                </a:solidFill>
-              </a:rPr>
-              <a:t>Focus </a:t>
-            </a:r>
-            <a:r>
-              <a:rPr lang="es-ES" sz="3200" dirty="0" err="1">
-                <a:solidFill>
-                  <a:schemeClr val="tx1">
-                    <a:alpha val="80000"/>
-                  </a:schemeClr>
-                </a:solidFill>
-              </a:rPr>
-              <a:t>on</a:t>
-            </a:r>
-            <a:r>
-              <a:rPr lang="es-ES" sz="3200" dirty="0">
-                <a:solidFill>
-                  <a:schemeClr val="tx1">
-                    <a:alpha val="80000"/>
-                  </a:schemeClr>
-                </a:solidFill>
-              </a:rPr>
-              <a:t> </a:t>
-            </a:r>
-            <a:r>
-              <a:rPr lang="es-ES" sz="3200" dirty="0" err="1">
-                <a:solidFill>
-                  <a:schemeClr val="tx1">
-                    <a:alpha val="80000"/>
-                  </a:schemeClr>
-                </a:solidFill>
-              </a:rPr>
-              <a:t>functions</a:t>
-            </a:r>
-            <a:r>
-              <a:rPr lang="es-ES" sz="3200" dirty="0">
-                <a:solidFill>
-                  <a:schemeClr val="tx1">
-                    <a:alpha val="80000"/>
-                  </a:schemeClr>
-                </a:solidFill>
-              </a:rPr>
-              <a:t> </a:t>
-            </a:r>
-            <a:r>
-              <a:rPr lang="es-ES" sz="3200" dirty="0" err="1">
-                <a:solidFill>
-                  <a:schemeClr val="tx1">
-                    <a:alpha val="80000"/>
-                  </a:schemeClr>
-                </a:solidFill>
-              </a:rPr>
-              <a:t>creation</a:t>
-            </a:r>
-            <a:r>
-              <a:rPr lang="es-ES" sz="3200" dirty="0">
-                <a:solidFill>
-                  <a:schemeClr val="tx1">
-                    <a:alpha val="80000"/>
-                  </a:schemeClr>
-                </a:solidFill>
-              </a:rPr>
-              <a:t> </a:t>
-            </a:r>
-            <a:r>
-              <a:rPr lang="es-ES" sz="3200" dirty="0" err="1">
-                <a:solidFill>
-                  <a:schemeClr val="tx1">
-                    <a:alpha val="80000"/>
-                  </a:schemeClr>
-                </a:solidFill>
-              </a:rPr>
-              <a:t>to</a:t>
-            </a:r>
-            <a:r>
-              <a:rPr lang="es-ES" sz="3200" dirty="0">
-                <a:solidFill>
-                  <a:schemeClr val="tx1">
-                    <a:alpha val="80000"/>
-                  </a:schemeClr>
-                </a:solidFill>
-              </a:rPr>
-              <a:t> </a:t>
-            </a:r>
-            <a:r>
-              <a:rPr lang="es-ES" sz="3200" dirty="0" err="1">
-                <a:solidFill>
-                  <a:schemeClr val="tx1">
-                    <a:alpha val="80000"/>
-                  </a:schemeClr>
-                </a:solidFill>
-              </a:rPr>
-              <a:t>automatize</a:t>
-            </a:r>
-            <a:r>
-              <a:rPr lang="es-ES" sz="3200" dirty="0">
-                <a:solidFill>
-                  <a:schemeClr val="tx1">
-                    <a:alpha val="80000"/>
-                  </a:schemeClr>
-                </a:solidFill>
-              </a:rPr>
-              <a:t> </a:t>
-            </a:r>
-            <a:r>
-              <a:rPr lang="es-ES" sz="3200" dirty="0" err="1">
-                <a:solidFill>
-                  <a:schemeClr val="tx1">
-                    <a:alpha val="80000"/>
-                  </a:schemeClr>
-                </a:solidFill>
-              </a:rPr>
-              <a:t>the</a:t>
-            </a:r>
-            <a:r>
-              <a:rPr lang="es-ES" sz="3200" dirty="0">
-                <a:solidFill>
-                  <a:schemeClr val="tx1">
-                    <a:alpha val="80000"/>
-                  </a:schemeClr>
-                </a:solidFill>
-              </a:rPr>
-              <a:t> </a:t>
-            </a:r>
-            <a:r>
-              <a:rPr lang="es-ES" sz="3200" dirty="0" err="1">
-                <a:solidFill>
-                  <a:schemeClr val="tx1">
-                    <a:alpha val="80000"/>
-                  </a:schemeClr>
-                </a:solidFill>
-              </a:rPr>
-              <a:t>steps</a:t>
-            </a:r>
-            <a:r>
-              <a:rPr lang="es-ES" sz="3200" dirty="0">
-                <a:solidFill>
-                  <a:schemeClr val="tx1">
-                    <a:alpha val="80000"/>
-                  </a:schemeClr>
-                </a:solidFill>
-              </a:rPr>
-              <a:t> </a:t>
-            </a:r>
-            <a:r>
-              <a:rPr lang="es-ES" sz="3200" dirty="0" err="1">
-                <a:solidFill>
-                  <a:schemeClr val="tx1">
-                    <a:alpha val="80000"/>
-                  </a:schemeClr>
-                </a:solidFill>
-              </a:rPr>
-              <a:t>for</a:t>
-            </a:r>
-            <a:r>
-              <a:rPr lang="es-ES" sz="3200" dirty="0">
-                <a:solidFill>
-                  <a:schemeClr val="tx1">
-                    <a:alpha val="80000"/>
-                  </a:schemeClr>
-                </a:solidFill>
-              </a:rPr>
-              <a:t> </a:t>
-            </a:r>
-            <a:r>
-              <a:rPr lang="es-ES" sz="3200" dirty="0" err="1">
-                <a:solidFill>
-                  <a:schemeClr val="tx1">
-                    <a:alpha val="80000"/>
-                  </a:schemeClr>
-                </a:solidFill>
-              </a:rPr>
-              <a:t>every</a:t>
-            </a:r>
-            <a:r>
-              <a:rPr lang="es-ES" sz="3200" dirty="0">
-                <a:solidFill>
-                  <a:schemeClr val="tx1">
-                    <a:alpha val="80000"/>
-                  </a:schemeClr>
-                </a:solidFill>
-              </a:rPr>
-              <a:t> </a:t>
-            </a:r>
-            <a:r>
-              <a:rPr lang="es-ES" sz="3200" dirty="0" err="1">
-                <a:solidFill>
-                  <a:schemeClr val="tx1">
-                    <a:alpha val="80000"/>
-                  </a:schemeClr>
-                </a:solidFill>
-              </a:rPr>
-              <a:t>dictionary</a:t>
-            </a:r>
-            <a:r>
-              <a:rPr lang="es-ES" sz="3200" dirty="0">
-                <a:solidFill>
-                  <a:schemeClr val="tx1">
-                    <a:alpha val="80000"/>
-                  </a:schemeClr>
-                </a:solidFill>
-              </a:rPr>
-              <a:t> </a:t>
-            </a:r>
-            <a:r>
-              <a:rPr lang="es-ES" sz="3200" dirty="0" err="1">
-                <a:solidFill>
-                  <a:schemeClr val="tx1">
-                    <a:alpha val="80000"/>
-                  </a:schemeClr>
-                </a:solidFill>
-              </a:rPr>
-              <a:t>of</a:t>
-            </a:r>
-            <a:r>
-              <a:rPr lang="es-ES" sz="3200" dirty="0">
-                <a:solidFill>
-                  <a:schemeClr val="tx1">
-                    <a:alpha val="80000"/>
-                  </a:schemeClr>
-                </a:solidFill>
-              </a:rPr>
-              <a:t> </a:t>
-            </a:r>
-            <a:r>
-              <a:rPr lang="es-ES" sz="3200" dirty="0" err="1">
-                <a:solidFill>
-                  <a:schemeClr val="tx1">
-                    <a:alpha val="80000"/>
-                  </a:schemeClr>
-                </a:solidFill>
-              </a:rPr>
-              <a:t>json</a:t>
-            </a:r>
-            <a:r>
-              <a:rPr lang="es-ES" sz="3200" dirty="0">
-                <a:solidFill>
-                  <a:schemeClr val="tx1">
-                    <a:alpha val="80000"/>
-                  </a:schemeClr>
-                </a:solidFill>
-              </a:rPr>
-              <a:t> </a:t>
-            </a:r>
-            <a:r>
-              <a:rPr lang="es-ES" sz="3200" dirty="0" err="1">
-                <a:solidFill>
-                  <a:schemeClr val="tx1">
-                    <a:alpha val="80000"/>
-                  </a:schemeClr>
-                </a:solidFill>
-              </a:rPr>
-              <a:t>the</a:t>
-            </a:r>
-            <a:r>
-              <a:rPr lang="es-ES" sz="3200" dirty="0">
-                <a:solidFill>
-                  <a:schemeClr val="tx1">
-                    <a:alpha val="80000"/>
-                  </a:schemeClr>
-                </a:solidFill>
-              </a:rPr>
-              <a:t> files</a:t>
-            </a:r>
-            <a:endParaRPr lang="en-US" sz="3200" dirty="0">
-              <a:solidFill>
-                <a:schemeClr val="tx1">
-                  <a:alpha val="80000"/>
-                </a:schemeClr>
-              </a:solidFill>
-            </a:endParaRPr>
-          </a:p>
-        </p:txBody>
-      </p:sp>
-      <p:sp>
-        <p:nvSpPr>
-          <p:cNvPr id="16" name="Graphic 10">
-            <a:extLst>
-              <a:ext uri="{FF2B5EF4-FFF2-40B4-BE49-F238E27FC236}">
-                <a16:creationId xmlns:a16="http://schemas.microsoft.com/office/drawing/2014/main" id="{E3020543-B24B-4EC4-8FFC-8DD88EEA91A8}"/>
-              </a:ext>
-              <a:ext uri="{C183D7F6-B498-43B3-948B-1728B52AA6E4}">
-                <adec:decorative xmlns:adec="http://schemas.microsoft.com/office/drawing/2017/decorative" val="1"/>
-              </a:ext>
-            </a:extLst>
-          </p:cNvPr>
-          <p:cNvSpPr>
-            <a:spLocks noGrp="1" noRot="1" noChangeAspect="1" noMove="1" noResize="1" noEditPoints="1" noAdjustHandles="1" noChangeArrowheads="1" noChangeShapeType="1" noTextEdit="1"/>
-          </p:cNvSpPr>
-          <p:nvPr>
-            <p:extLst>
-              <p:ext uri="{386F3935-93C4-4BCD-93E2-E3B085C9AB24}">
-                <p16:designElem xmlns:p16="http://schemas.microsoft.com/office/powerpoint/2015/main" val="1"/>
-              </p:ext>
-            </p:extLst>
-          </p:nvPr>
-        </p:nvSpPr>
-        <p:spPr>
-          <a:xfrm>
-            <a:off x="5436547" y="5751820"/>
-            <a:ext cx="112426" cy="112426"/>
-          </a:xfrm>
-          <a:custGeom>
-            <a:avLst/>
-            <a:gdLst>
-              <a:gd name="connsiteX0" fmla="*/ 112426 w 112426"/>
-              <a:gd name="connsiteY0" fmla="*/ 56213 h 112426"/>
-              <a:gd name="connsiteX1" fmla="*/ 56213 w 112426"/>
-              <a:gd name="connsiteY1" fmla="*/ 112426 h 112426"/>
-              <a:gd name="connsiteX2" fmla="*/ 0 w 112426"/>
-              <a:gd name="connsiteY2" fmla="*/ 56213 h 112426"/>
-              <a:gd name="connsiteX3" fmla="*/ 56213 w 112426"/>
-              <a:gd name="connsiteY3" fmla="*/ 0 h 112426"/>
-              <a:gd name="connsiteX4" fmla="*/ 112426 w 112426"/>
-              <a:gd name="connsiteY4" fmla="*/ 56213 h 112426"/>
-            </a:gdLst>
-            <a:ahLst/>
-            <a:cxnLst>
-              <a:cxn ang="0">
-                <a:pos x="connsiteX0" y="connsiteY0"/>
-              </a:cxn>
-              <a:cxn ang="0">
-                <a:pos x="connsiteX1" y="connsiteY1"/>
-              </a:cxn>
-              <a:cxn ang="0">
-                <a:pos x="connsiteX2" y="connsiteY2"/>
-              </a:cxn>
-              <a:cxn ang="0">
-                <a:pos x="connsiteX3" y="connsiteY3"/>
-              </a:cxn>
-              <a:cxn ang="0">
-                <a:pos x="connsiteX4" y="connsiteY4"/>
-              </a:cxn>
-            </a:cxnLst>
-            <a:rect l="l" t="t" r="r" b="b"/>
-            <a:pathLst>
-              <a:path w="112426" h="112426">
-                <a:moveTo>
-                  <a:pt x="112426" y="56213"/>
-                </a:moveTo>
-                <a:cubicBezTo>
-                  <a:pt x="112426" y="87259"/>
-                  <a:pt x="87259" y="112426"/>
-                  <a:pt x="56213" y="112426"/>
-                </a:cubicBezTo>
-                <a:cubicBezTo>
-                  <a:pt x="25167" y="112426"/>
-                  <a:pt x="0" y="87259"/>
-                  <a:pt x="0" y="56213"/>
-                </a:cubicBezTo>
-                <a:cubicBezTo>
-                  <a:pt x="0" y="25167"/>
-                  <a:pt x="25167" y="0"/>
-                  <a:pt x="56213" y="0"/>
-                </a:cubicBezTo>
-                <a:cubicBezTo>
-                  <a:pt x="87259" y="0"/>
-                  <a:pt x="112426" y="25167"/>
-                  <a:pt x="112426" y="56213"/>
-                </a:cubicBezTo>
-                <a:close/>
-              </a:path>
-            </a:pathLst>
-          </a:custGeom>
-          <a:solidFill>
-            <a:schemeClr val="accent2"/>
-          </a:solidFill>
-          <a:ln w="516" cap="flat">
-            <a:noFill/>
-            <a:prstDash val="solid"/>
-            <a:miter/>
-          </a:ln>
-        </p:spPr>
-        <p:txBody>
-          <a:bodyPr rtlCol="0" anchor="ctr"/>
-          <a:lstStyle/>
-          <a:p>
-            <a:endParaRPr lang="en-US"/>
-          </a:p>
-        </p:txBody>
-      </p:sp>
-      <p:cxnSp>
-        <p:nvCxnSpPr>
-          <p:cNvPr id="18" name="Straight Connector 17">
-            <a:extLst>
-              <a:ext uri="{FF2B5EF4-FFF2-40B4-BE49-F238E27FC236}">
-                <a16:creationId xmlns:a16="http://schemas.microsoft.com/office/drawing/2014/main" id="{C49DA8F6-BCC1-4447-B54C-57856834B94B}"/>
-              </a:ext>
-              <a:ext uri="{C183D7F6-B498-43B3-948B-1728B52AA6E4}">
-                <adec:decorative xmlns:adec="http://schemas.microsoft.com/office/drawing/2017/decorative" val="1"/>
-              </a:ext>
-            </a:extLst>
-          </p:cNvPr>
-          <p:cNvCxnSpPr>
-            <a:cxnSpLocks noGrp="1" noRot="1" noChangeAspect="1" noMove="1" noResize="1" noEditPoints="1" noAdjustHandles="1" noChangeArrowheads="1" noChangeShapeType="1"/>
-          </p:cNvCxnSpPr>
-          <p:nvPr>
-            <p:extLst>
-              <p:ext uri="{386F3935-93C4-4BCD-93E2-E3B085C9AB24}">
-                <p16:designElem xmlns:p16="http://schemas.microsoft.com/office/powerpoint/2015/main" val="1"/>
-              </p:ext>
-            </p:extLst>
-          </p:nvPr>
-        </p:nvCxnSpPr>
-        <p:spPr>
-          <a:xfrm>
-            <a:off x="11586162" y="3610394"/>
-            <a:ext cx="0" cy="3238728"/>
-          </a:xfrm>
-          <a:prstGeom prst="line">
-            <a:avLst/>
-          </a:prstGeom>
-          <a:ln w="25400" cap="sq">
-            <a:gradFill flip="none" rotWithShape="1">
-              <a:gsLst>
-                <a:gs pos="0">
-                  <a:schemeClr val="accent1"/>
-                </a:gs>
-                <a:gs pos="100000">
-                  <a:schemeClr val="accent2"/>
-                </a:gs>
-              </a:gsLst>
-              <a:lin ang="5400000" scaled="0"/>
-              <a:tileRect/>
-            </a:gradFill>
-            <a:bevel/>
-          </a:ln>
-        </p:spPr>
-        <p:style>
-          <a:lnRef idx="1">
-            <a:schemeClr val="accent1"/>
-          </a:lnRef>
-          <a:fillRef idx="0">
-            <a:schemeClr val="accent1"/>
-          </a:fillRef>
-          <a:effectRef idx="0">
-            <a:schemeClr val="accent1"/>
-          </a:effectRef>
-          <a:fontRef idx="minor">
-            <a:schemeClr val="tx1"/>
-          </a:fontRef>
-        </p:style>
-      </p:cxnSp>
-    </p:spTree>
-    <p:extLst>
-      <p:ext uri="{BB962C8B-B14F-4D97-AF65-F5344CB8AC3E}">
-        <p14:creationId xmlns:p14="http://schemas.microsoft.com/office/powerpoint/2010/main" val="1255513760"/>
-      </p:ext>
-    </p:extLst>
-  </p:cSld>
-  <p:clrMapOvr>
-    <a:masterClrMapping/>
-  </p:clrMapOvr>
-</p:sld>
-</file>
-
-<file path=ppt/slides/slide13.xml><?xml version="1.0" encoding="utf-8"?>
-<p:sld xmlns:a="http://schemas.openxmlformats.org/drawingml/2006/main" xmlns:r="http://schemas.openxmlformats.org/officeDocument/2006/relationships" xmlns:p="http://schemas.openxmlformats.org/presentationml/2006/main">
-  <p:cSld>
-    <p:bg>
-      <p:bgPr>
-        <a:solidFill>
-          <a:schemeClr val="bg1"/>
-        </a:solidFill>
-        <a:effectLst/>
-      </p:bgPr>
-    </p:bg>
-    <p:spTree>
-      <p:nvGrpSpPr>
-        <p:cNvPr id="1" name=""/>
-        <p:cNvGrpSpPr/>
-        <p:nvPr/>
-      </p:nvGrpSpPr>
-      <p:grpSpPr>
-        <a:xfrm>
-          <a:off x="0" y="0"/>
-          <a:ext cx="0" cy="0"/>
-          <a:chOff x="0" y="0"/>
-          <a:chExt cx="0" cy="0"/>
-        </a:xfrm>
-      </p:grpSpPr>
-      <p:sp>
-        <p:nvSpPr>
-          <p:cNvPr id="30" name="Rectangle 29">
-            <a:extLst>
-              <a:ext uri="{FF2B5EF4-FFF2-40B4-BE49-F238E27FC236}">
-                <a16:creationId xmlns:a16="http://schemas.microsoft.com/office/drawing/2014/main" id="{765F4110-C0FC-4D61-ACD2-A7C950EAE908}"/>
-              </a:ext>
-              <a:ext uri="{C183D7F6-B498-43B3-948B-1728B52AA6E4}">
-                <adec:decorative xmlns:adec="http://schemas.microsoft.com/office/drawing/2017/decorative" val="1"/>
-              </a:ext>
-            </a:extLst>
-          </p:cNvPr>
-          <p:cNvSpPr>
-            <a:spLocks noGrp="1" noRot="1" noChangeAspect="1" noMove="1" noResize="1" noEditPoints="1" noAdjustHandles="1" noChangeArrowheads="1" noChangeShapeType="1" noTextEdit="1"/>
-          </p:cNvSpPr>
-          <p:nvPr>
-            <p:extLst>
-              <p:ext uri="{386F3935-93C4-4BCD-93E2-E3B085C9AB24}">
-                <p16:designElem xmlns:p16="http://schemas.microsoft.com/office/powerpoint/2015/main" val="1"/>
-              </p:ext>
-            </p:extLst>
-          </p:nvPr>
-        </p:nvSpPr>
-        <p:spPr bwMode="ltGray">
-          <a:xfrm>
-            <a:off x="4708357" y="3509963"/>
-            <a:ext cx="7092215" cy="2967839"/>
-          </a:xfrm>
-          <a:prstGeom prst="rect">
-            <a:avLst/>
-          </a:prstGeom>
-          <a:solidFill>
-            <a:srgbClr val="404040"/>
-          </a:solidFill>
-          <a:ln w="127000" cap="sq" cmpd="thinThick">
-            <a:solidFill>
-              <a:srgbClr val="404040"/>
-            </a:solidFill>
-          </a:ln>
-        </p:spPr>
-        <p:style>
-          <a:lnRef idx="2">
-            <a:schemeClr val="accent1">
-              <a:shade val="50000"/>
-            </a:schemeClr>
-          </a:lnRef>
-          <a:fillRef idx="1">
-            <a:schemeClr val="accent1"/>
-          </a:fillRef>
-          <a:effectRef idx="0">
-            <a:schemeClr val="accent1"/>
-          </a:effectRef>
-          <a:fontRef idx="minor">
-            <a:schemeClr val="lt1"/>
-          </a:fontRef>
-        </p:style>
-        <p:txBody>
-          <a:bodyPr rtlCol="0" anchor="ctr"/>
-          <a:lstStyle/>
-          <a:p>
-            <a:pPr algn="ctr"/>
-            <a:endParaRPr lang="en-US"/>
-          </a:p>
-        </p:txBody>
-      </p:sp>
-      <p:sp>
-        <p:nvSpPr>
-          <p:cNvPr id="2" name="Title 1">
-            <a:extLst>
-              <a:ext uri="{FF2B5EF4-FFF2-40B4-BE49-F238E27FC236}">
-                <a16:creationId xmlns:a16="http://schemas.microsoft.com/office/drawing/2014/main" id="{85A6A557-F71A-484E-85A6-9C45D476D8F3}"/>
-              </a:ext>
-            </a:extLst>
-          </p:cNvPr>
-          <p:cNvSpPr>
-            <a:spLocks noGrp="1"/>
-          </p:cNvSpPr>
-          <p:nvPr>
-            <p:ph type="title"/>
-          </p:nvPr>
-        </p:nvSpPr>
-        <p:spPr>
-          <a:xfrm>
-            <a:off x="5021821" y="3812954"/>
-            <a:ext cx="6465287" cy="1516014"/>
-          </a:xfrm>
-        </p:spPr>
-        <p:txBody>
-          <a:bodyPr vert="horz" lIns="91440" tIns="45720" rIns="91440" bIns="45720" rtlCol="0" anchor="b">
-            <a:normAutofit/>
-          </a:bodyPr>
-          <a:lstStyle/>
-          <a:p>
-            <a:r>
-              <a:rPr lang="es-ES" sz="4800" kern="1200" dirty="0" err="1">
-                <a:solidFill>
-                  <a:srgbClr val="FFFFFF"/>
-                </a:solidFill>
-                <a:latin typeface="+mj-lt"/>
-                <a:ea typeface="+mj-ea"/>
-                <a:cs typeface="+mj-cs"/>
-              </a:rPr>
-              <a:t>Current</a:t>
-            </a:r>
-            <a:r>
-              <a:rPr lang="es-ES" sz="4800" kern="1200" dirty="0">
-                <a:solidFill>
-                  <a:srgbClr val="FFFFFF"/>
-                </a:solidFill>
-                <a:latin typeface="+mj-lt"/>
-                <a:ea typeface="+mj-ea"/>
-                <a:cs typeface="+mj-cs"/>
-              </a:rPr>
-              <a:t> </a:t>
-            </a:r>
-            <a:r>
-              <a:rPr lang="es-ES" sz="4800" kern="1200" dirty="0" err="1">
-                <a:solidFill>
-                  <a:srgbClr val="FFFFFF"/>
-                </a:solidFill>
-                <a:latin typeface="+mj-lt"/>
-                <a:ea typeface="+mj-ea"/>
-                <a:cs typeface="+mj-cs"/>
-              </a:rPr>
-              <a:t>locations</a:t>
-            </a:r>
-            <a:r>
-              <a:rPr lang="es-ES" sz="4800" kern="1200" dirty="0">
-                <a:solidFill>
-                  <a:srgbClr val="FFFFFF"/>
-                </a:solidFill>
-                <a:latin typeface="+mj-lt"/>
-                <a:ea typeface="+mj-ea"/>
-                <a:cs typeface="+mj-cs"/>
-              </a:rPr>
-              <a:t> </a:t>
-            </a:r>
-            <a:r>
-              <a:rPr lang="es-ES" sz="4800" kern="1200" dirty="0" err="1">
-                <a:solidFill>
-                  <a:srgbClr val="FFFFFF"/>
-                </a:solidFill>
-                <a:latin typeface="+mj-lt"/>
-                <a:ea typeface="+mj-ea"/>
-                <a:cs typeface="+mj-cs"/>
-              </a:rPr>
-              <a:t>for</a:t>
-            </a:r>
-            <a:r>
-              <a:rPr lang="es-ES" sz="4800" kern="1200" dirty="0">
-                <a:solidFill>
-                  <a:srgbClr val="FFFFFF"/>
-                </a:solidFill>
-                <a:latin typeface="+mj-lt"/>
-                <a:ea typeface="+mj-ea"/>
-                <a:cs typeface="+mj-cs"/>
-              </a:rPr>
-              <a:t> </a:t>
-            </a:r>
-            <a:r>
-              <a:rPr lang="es-ES" sz="4800" kern="1200" dirty="0" err="1">
-                <a:solidFill>
-                  <a:srgbClr val="FFFFFF"/>
-                </a:solidFill>
-                <a:latin typeface="+mj-lt"/>
-                <a:ea typeface="+mj-ea"/>
-                <a:cs typeface="+mj-cs"/>
-              </a:rPr>
-              <a:t>the</a:t>
-            </a:r>
-            <a:r>
-              <a:rPr lang="es-ES" sz="4800" kern="1200" dirty="0">
-                <a:solidFill>
-                  <a:srgbClr val="FFFFFF"/>
-                </a:solidFill>
-                <a:latin typeface="+mj-lt"/>
-                <a:ea typeface="+mj-ea"/>
-                <a:cs typeface="+mj-cs"/>
-              </a:rPr>
-              <a:t> </a:t>
-            </a:r>
-            <a:r>
-              <a:rPr lang="es-ES" sz="4800" kern="1200" dirty="0" err="1">
-                <a:solidFill>
-                  <a:srgbClr val="FFFFFF"/>
-                </a:solidFill>
-                <a:latin typeface="+mj-lt"/>
-                <a:ea typeface="+mj-ea"/>
-                <a:cs typeface="+mj-cs"/>
-              </a:rPr>
-              <a:t>stores</a:t>
-            </a:r>
-            <a:endParaRPr lang="en-US" sz="4800" kern="1200" dirty="0">
-              <a:solidFill>
-                <a:srgbClr val="FFFFFF"/>
-              </a:solidFill>
-              <a:latin typeface="+mj-lt"/>
-              <a:ea typeface="+mj-ea"/>
-              <a:cs typeface="+mj-cs"/>
-            </a:endParaRPr>
-          </a:p>
-        </p:txBody>
-      </p:sp>
-      <p:cxnSp>
-        <p:nvCxnSpPr>
-          <p:cNvPr id="32" name="Straight Connector 31">
-            <a:extLst>
-              <a:ext uri="{FF2B5EF4-FFF2-40B4-BE49-F238E27FC236}">
-                <a16:creationId xmlns:a16="http://schemas.microsoft.com/office/drawing/2014/main" id="{CC94CBDB-A76C-499E-95AB-C0A049E3154E}"/>
-              </a:ext>
-              <a:ext uri="{C183D7F6-B498-43B3-948B-1728B52AA6E4}">
-                <adec:decorative xmlns:adec="http://schemas.microsoft.com/office/drawing/2017/decorative" val="1"/>
-              </a:ext>
-            </a:extLst>
-          </p:cNvPr>
-          <p:cNvCxnSpPr>
-            <a:cxnSpLocks noGrp="1" noRot="1" noChangeAspect="1" noMove="1" noResize="1" noEditPoints="1" noAdjustHandles="1" noChangeArrowheads="1" noChangeShapeType="1"/>
-          </p:cNvCxnSpPr>
-          <p:nvPr>
-            <p:extLst>
-              <p:ext uri="{386F3935-93C4-4BCD-93E2-E3B085C9AB24}">
-                <p16:designElem xmlns:p16="http://schemas.microsoft.com/office/powerpoint/2015/main" val="1"/>
-              </p:ext>
-            </p:extLst>
-          </p:nvPr>
-        </p:nvCxnSpPr>
-        <p:spPr>
-          <a:xfrm>
-            <a:off x="5138287" y="5443086"/>
-            <a:ext cx="6400800" cy="0"/>
-          </a:xfrm>
-          <a:prstGeom prst="line">
-            <a:avLst/>
-          </a:prstGeom>
-          <a:ln w="22225">
-            <a:solidFill>
-              <a:srgbClr val="D9D9D9"/>
-            </a:solidFill>
-          </a:ln>
-        </p:spPr>
-        <p:style>
-          <a:lnRef idx="1">
-            <a:schemeClr val="accent1"/>
-          </a:lnRef>
-          <a:fillRef idx="0">
-            <a:schemeClr val="accent1"/>
-          </a:fillRef>
-          <a:effectRef idx="0">
-            <a:schemeClr val="accent1"/>
-          </a:effectRef>
-          <a:fontRef idx="minor">
-            <a:schemeClr val="tx1"/>
-          </a:fontRef>
-        </p:style>
-      </p:cxnSp>
-      <p:pic>
-        <p:nvPicPr>
-          <p:cNvPr id="7" name="Picture 6">
-            <a:extLst>
-              <a:ext uri="{FF2B5EF4-FFF2-40B4-BE49-F238E27FC236}">
-                <a16:creationId xmlns:a16="http://schemas.microsoft.com/office/drawing/2014/main" id="{63D45F3F-1085-4ADD-A042-A4FD7C5D5BEE}"/>
-              </a:ext>
-            </a:extLst>
-          </p:cNvPr>
-          <p:cNvPicPr>
-            <a:picLocks noChangeAspect="1"/>
-          </p:cNvPicPr>
-          <p:nvPr/>
-        </p:nvPicPr>
-        <p:blipFill rotWithShape="1">
-          <a:blip r:embed="rId2"/>
-          <a:srcRect t="20159" r="2" b="302"/>
-          <a:stretch/>
-        </p:blipFill>
-        <p:spPr>
-          <a:xfrm>
-            <a:off x="317635" y="321733"/>
-            <a:ext cx="4160452" cy="6214534"/>
-          </a:xfrm>
-          <a:prstGeom prst="rect">
-            <a:avLst/>
-          </a:prstGeom>
-        </p:spPr>
-      </p:pic>
-      <p:pic>
-        <p:nvPicPr>
-          <p:cNvPr id="5" name="Picture 4">
-            <a:extLst>
-              <a:ext uri="{FF2B5EF4-FFF2-40B4-BE49-F238E27FC236}">
-                <a16:creationId xmlns:a16="http://schemas.microsoft.com/office/drawing/2014/main" id="{8ED11DC1-4ADE-4DC0-A925-A8C20B0840B2}"/>
-              </a:ext>
-            </a:extLst>
-          </p:cNvPr>
-          <p:cNvPicPr>
-            <a:picLocks noChangeAspect="1"/>
-          </p:cNvPicPr>
-          <p:nvPr/>
-        </p:nvPicPr>
-        <p:blipFill rotWithShape="1">
-          <a:blip r:embed="rId3"/>
-          <a:srcRect t="26588" r="2" b="13868"/>
-          <a:stretch/>
-        </p:blipFill>
-        <p:spPr>
-          <a:xfrm>
-            <a:off x="4654296" y="299363"/>
-            <a:ext cx="7217085" cy="3008188"/>
-          </a:xfrm>
-          <a:prstGeom prst="rect">
-            <a:avLst/>
-          </a:prstGeom>
-        </p:spPr>
-      </p:pic>
-    </p:spTree>
-    <p:extLst>
-      <p:ext uri="{BB962C8B-B14F-4D97-AF65-F5344CB8AC3E}">
-        <p14:creationId xmlns:p14="http://schemas.microsoft.com/office/powerpoint/2010/main" val="2533941300"/>
-      </p:ext>
-    </p:extLst>
-  </p:cSld>
-  <p:clrMapOvr>
-    <a:masterClrMapping/>
-  </p:clrMapOvr>
-</p:sld>
-</file>
-
-<file path=ppt/slides/slide14.xml><?xml version="1.0" encoding="utf-8"?>
-<p:sld xmlns:a="http://schemas.openxmlformats.org/drawingml/2006/main" xmlns:r="http://schemas.openxmlformats.org/officeDocument/2006/relationships" xmlns:p="http://schemas.openxmlformats.org/presentationml/2006/main">
-  <p:cSld>
-    <p:spTree>
-      <p:nvGrpSpPr>
-        <p:cNvPr id="1" name=""/>
-        <p:cNvGrpSpPr/>
-        <p:nvPr/>
-      </p:nvGrpSpPr>
-      <p:grpSpPr>
-        <a:xfrm>
-          <a:off x="0" y="0"/>
-          <a:ext cx="0" cy="0"/>
-          <a:chOff x="0" y="0"/>
-          <a:chExt cx="0" cy="0"/>
-        </a:xfrm>
-      </p:grpSpPr>
-      <p:sp>
-        <p:nvSpPr>
-          <p:cNvPr id="2" name="Title 1">
-            <a:extLst>
-              <a:ext uri="{FF2B5EF4-FFF2-40B4-BE49-F238E27FC236}">
-                <a16:creationId xmlns:a16="http://schemas.microsoft.com/office/drawing/2014/main" id="{C5CCCDB2-F4CC-4224-89C0-EACDD0F09E7B}"/>
-              </a:ext>
-            </a:extLst>
-          </p:cNvPr>
-          <p:cNvSpPr>
-            <a:spLocks noGrp="1"/>
-          </p:cNvSpPr>
-          <p:nvPr>
-            <p:ph type="title"/>
-          </p:nvPr>
-        </p:nvSpPr>
-        <p:spPr>
-          <a:xfrm>
-            <a:off x="838200" y="109854"/>
-            <a:ext cx="10515600" cy="1325563"/>
-          </a:xfrm>
-        </p:spPr>
-        <p:txBody>
-          <a:bodyPr/>
-          <a:lstStyle/>
-          <a:p>
-            <a:r>
-              <a:rPr lang="es-ES" dirty="0"/>
-              <a:t>Tables </a:t>
-            </a:r>
-            <a:r>
-              <a:rPr lang="es-ES" dirty="0" err="1"/>
-              <a:t>for</a:t>
-            </a:r>
-            <a:r>
-              <a:rPr lang="es-ES" dirty="0"/>
-              <a:t> </a:t>
-            </a:r>
-            <a:r>
-              <a:rPr lang="es-ES" dirty="0" err="1"/>
-              <a:t>getting</a:t>
-            </a:r>
-            <a:r>
-              <a:rPr lang="es-ES" dirty="0"/>
-              <a:t> </a:t>
-            </a:r>
-            <a:r>
-              <a:rPr lang="es-ES" dirty="0" err="1"/>
-              <a:t>the</a:t>
-            </a:r>
-            <a:r>
-              <a:rPr lang="es-ES" dirty="0"/>
-              <a:t> </a:t>
-            </a:r>
-            <a:r>
-              <a:rPr lang="es-ES" dirty="0" err="1"/>
-              <a:t>insights</a:t>
-            </a:r>
-            <a:endParaRPr lang="en-US" dirty="0"/>
-          </a:p>
-        </p:txBody>
-      </p:sp>
-      <p:pic>
-        <p:nvPicPr>
-          <p:cNvPr id="7" name="Picture 6">
-            <a:extLst>
-              <a:ext uri="{FF2B5EF4-FFF2-40B4-BE49-F238E27FC236}">
-                <a16:creationId xmlns:a16="http://schemas.microsoft.com/office/drawing/2014/main" id="{D5C513A6-1340-4279-8E2C-758DEDECEFDA}"/>
-              </a:ext>
-            </a:extLst>
-          </p:cNvPr>
-          <p:cNvPicPr>
-            <a:picLocks noChangeAspect="1"/>
-          </p:cNvPicPr>
-          <p:nvPr/>
-        </p:nvPicPr>
-        <p:blipFill>
-          <a:blip r:embed="rId2"/>
-          <a:stretch>
-            <a:fillRect/>
-          </a:stretch>
-        </p:blipFill>
-        <p:spPr>
-          <a:xfrm>
-            <a:off x="6061687" y="1266097"/>
-            <a:ext cx="6130313" cy="5591903"/>
-          </a:xfrm>
-          <a:prstGeom prst="rect">
-            <a:avLst/>
-          </a:prstGeom>
-        </p:spPr>
-      </p:pic>
-      <p:pic>
-        <p:nvPicPr>
-          <p:cNvPr id="9" name="Picture 8">
-            <a:extLst>
-              <a:ext uri="{FF2B5EF4-FFF2-40B4-BE49-F238E27FC236}">
-                <a16:creationId xmlns:a16="http://schemas.microsoft.com/office/drawing/2014/main" id="{701939C7-C474-4607-A4E1-328B7E08B1D3}"/>
-              </a:ext>
-            </a:extLst>
-          </p:cNvPr>
-          <p:cNvPicPr>
-            <a:picLocks noChangeAspect="1"/>
-          </p:cNvPicPr>
-          <p:nvPr/>
-        </p:nvPicPr>
-        <p:blipFill>
-          <a:blip r:embed="rId3"/>
-          <a:stretch>
-            <a:fillRect/>
-          </a:stretch>
-        </p:blipFill>
-        <p:spPr>
-          <a:xfrm>
-            <a:off x="0" y="1266097"/>
-            <a:ext cx="6346292" cy="5591903"/>
-          </a:xfrm>
-          <a:prstGeom prst="rect">
-            <a:avLst/>
-          </a:prstGeom>
-        </p:spPr>
-      </p:pic>
-      <p:sp>
-        <p:nvSpPr>
-          <p:cNvPr id="10" name="Arrow: Right 9">
-            <a:extLst>
-              <a:ext uri="{FF2B5EF4-FFF2-40B4-BE49-F238E27FC236}">
-                <a16:creationId xmlns:a16="http://schemas.microsoft.com/office/drawing/2014/main" id="{C0B931CC-0AF1-4D6E-9D84-FC18F20D235A}"/>
-              </a:ext>
-            </a:extLst>
-          </p:cNvPr>
-          <p:cNvSpPr/>
-          <p:nvPr/>
-        </p:nvSpPr>
-        <p:spPr>
-          <a:xfrm>
-            <a:off x="979714" y="2090057"/>
-            <a:ext cx="378823" cy="130629"/>
-          </a:xfrm>
-          <a:prstGeom prst="rightArrow">
-            <a:avLst/>
-          </a:prstGeom>
-        </p:spPr>
-        <p:style>
-          <a:lnRef idx="2">
-            <a:schemeClr val="accent1">
-              <a:shade val="50000"/>
-            </a:schemeClr>
-          </a:lnRef>
-          <a:fillRef idx="1">
-            <a:schemeClr val="accent1"/>
-          </a:fillRef>
-          <a:effectRef idx="0">
-            <a:schemeClr val="accent1"/>
-          </a:effectRef>
-          <a:fontRef idx="minor">
-            <a:schemeClr val="lt1"/>
-          </a:fontRef>
-        </p:style>
-        <p:txBody>
-          <a:bodyPr rtlCol="0" anchor="ctr"/>
-          <a:lstStyle/>
-          <a:p>
-            <a:pPr algn="ctr"/>
-            <a:endParaRPr lang="en-US"/>
-          </a:p>
-        </p:txBody>
-      </p:sp>
-      <p:sp>
-        <p:nvSpPr>
-          <p:cNvPr id="17" name="Arrow: Right 16">
-            <a:extLst>
-              <a:ext uri="{FF2B5EF4-FFF2-40B4-BE49-F238E27FC236}">
-                <a16:creationId xmlns:a16="http://schemas.microsoft.com/office/drawing/2014/main" id="{C8058870-6E7E-441D-B112-AF29AF122107}"/>
-              </a:ext>
-            </a:extLst>
-          </p:cNvPr>
-          <p:cNvSpPr/>
-          <p:nvPr/>
-        </p:nvSpPr>
-        <p:spPr>
-          <a:xfrm>
-            <a:off x="942702" y="2591660"/>
-            <a:ext cx="378823" cy="130629"/>
-          </a:xfrm>
-          <a:prstGeom prst="rightArrow">
-            <a:avLst/>
-          </a:prstGeom>
-        </p:spPr>
-        <p:style>
-          <a:lnRef idx="2">
-            <a:schemeClr val="accent1">
-              <a:shade val="50000"/>
-            </a:schemeClr>
-          </a:lnRef>
-          <a:fillRef idx="1">
-            <a:schemeClr val="accent1"/>
-          </a:fillRef>
-          <a:effectRef idx="0">
-            <a:schemeClr val="accent1"/>
-          </a:effectRef>
-          <a:fontRef idx="minor">
-            <a:schemeClr val="lt1"/>
-          </a:fontRef>
-        </p:style>
-        <p:txBody>
-          <a:bodyPr rtlCol="0" anchor="ctr"/>
-          <a:lstStyle/>
-          <a:p>
-            <a:pPr algn="ctr"/>
-            <a:endParaRPr lang="en-US"/>
-          </a:p>
-        </p:txBody>
-      </p:sp>
-      <p:sp>
-        <p:nvSpPr>
-          <p:cNvPr id="19" name="Arrow: Right 18">
-            <a:extLst>
-              <a:ext uri="{FF2B5EF4-FFF2-40B4-BE49-F238E27FC236}">
-                <a16:creationId xmlns:a16="http://schemas.microsoft.com/office/drawing/2014/main" id="{461917C1-B54F-43E9-977D-24C7DC5140D9}"/>
-              </a:ext>
-            </a:extLst>
-          </p:cNvPr>
-          <p:cNvSpPr/>
-          <p:nvPr/>
-        </p:nvSpPr>
-        <p:spPr>
-          <a:xfrm>
-            <a:off x="942702" y="2826657"/>
-            <a:ext cx="378823" cy="130629"/>
-          </a:xfrm>
-          <a:prstGeom prst="rightArrow">
-            <a:avLst/>
-          </a:prstGeom>
-        </p:spPr>
-        <p:style>
-          <a:lnRef idx="2">
-            <a:schemeClr val="accent1">
-              <a:shade val="50000"/>
-            </a:schemeClr>
-          </a:lnRef>
-          <a:fillRef idx="1">
-            <a:schemeClr val="accent1"/>
-          </a:fillRef>
-          <a:effectRef idx="0">
-            <a:schemeClr val="accent1"/>
-          </a:effectRef>
-          <a:fontRef idx="minor">
-            <a:schemeClr val="lt1"/>
-          </a:fontRef>
-        </p:style>
-        <p:txBody>
-          <a:bodyPr rtlCol="0" anchor="ctr"/>
-          <a:lstStyle/>
-          <a:p>
-            <a:pPr algn="ctr"/>
-            <a:endParaRPr lang="en-US"/>
-          </a:p>
-        </p:txBody>
-      </p:sp>
-      <p:sp>
-        <p:nvSpPr>
-          <p:cNvPr id="23" name="Arrow: Right 22">
-            <a:extLst>
-              <a:ext uri="{FF2B5EF4-FFF2-40B4-BE49-F238E27FC236}">
-                <a16:creationId xmlns:a16="http://schemas.microsoft.com/office/drawing/2014/main" id="{506D05CA-A9A3-48DC-B76D-8E97C759BEAB}"/>
-              </a:ext>
-            </a:extLst>
-          </p:cNvPr>
-          <p:cNvSpPr/>
-          <p:nvPr/>
-        </p:nvSpPr>
-        <p:spPr>
-          <a:xfrm>
-            <a:off x="6947183" y="2075859"/>
-            <a:ext cx="378823" cy="130629"/>
-          </a:xfrm>
-          <a:prstGeom prst="rightArrow">
-            <a:avLst/>
-          </a:prstGeom>
-        </p:spPr>
-        <p:style>
-          <a:lnRef idx="2">
-            <a:schemeClr val="accent1">
-              <a:shade val="50000"/>
-            </a:schemeClr>
-          </a:lnRef>
-          <a:fillRef idx="1">
-            <a:schemeClr val="accent1"/>
-          </a:fillRef>
-          <a:effectRef idx="0">
-            <a:schemeClr val="accent1"/>
-          </a:effectRef>
-          <a:fontRef idx="minor">
-            <a:schemeClr val="lt1"/>
-          </a:fontRef>
-        </p:style>
-        <p:txBody>
-          <a:bodyPr rtlCol="0" anchor="ctr"/>
-          <a:lstStyle/>
-          <a:p>
-            <a:pPr algn="ctr"/>
-            <a:endParaRPr lang="en-US"/>
-          </a:p>
-        </p:txBody>
-      </p:sp>
-      <p:sp>
-        <p:nvSpPr>
-          <p:cNvPr id="24" name="Arrow: Right 23">
-            <a:extLst>
-              <a:ext uri="{FF2B5EF4-FFF2-40B4-BE49-F238E27FC236}">
-                <a16:creationId xmlns:a16="http://schemas.microsoft.com/office/drawing/2014/main" id="{BF9DCCE4-C57E-41DE-AE00-932EC97427A8}"/>
-              </a:ext>
-            </a:extLst>
-          </p:cNvPr>
-          <p:cNvSpPr/>
-          <p:nvPr/>
-        </p:nvSpPr>
-        <p:spPr>
-          <a:xfrm>
-            <a:off x="6947183" y="2331357"/>
-            <a:ext cx="378823" cy="130629"/>
-          </a:xfrm>
-          <a:prstGeom prst="rightArrow">
-            <a:avLst/>
-          </a:prstGeom>
-        </p:spPr>
-        <p:style>
-          <a:lnRef idx="2">
-            <a:schemeClr val="accent1">
-              <a:shade val="50000"/>
-            </a:schemeClr>
-          </a:lnRef>
-          <a:fillRef idx="1">
-            <a:schemeClr val="accent1"/>
-          </a:fillRef>
-          <a:effectRef idx="0">
-            <a:schemeClr val="accent1"/>
-          </a:effectRef>
-          <a:fontRef idx="minor">
-            <a:schemeClr val="lt1"/>
-          </a:fontRef>
-        </p:style>
-        <p:txBody>
-          <a:bodyPr rtlCol="0" anchor="ctr"/>
-          <a:lstStyle/>
-          <a:p>
-            <a:pPr algn="ctr"/>
-            <a:endParaRPr lang="en-US"/>
-          </a:p>
-        </p:txBody>
-      </p:sp>
-      <p:sp>
-        <p:nvSpPr>
-          <p:cNvPr id="25" name="Arrow: Right 24">
-            <a:extLst>
-              <a:ext uri="{FF2B5EF4-FFF2-40B4-BE49-F238E27FC236}">
-                <a16:creationId xmlns:a16="http://schemas.microsoft.com/office/drawing/2014/main" id="{C51F815A-EE32-42FA-82FE-C50046D0754F}"/>
-              </a:ext>
-            </a:extLst>
-          </p:cNvPr>
-          <p:cNvSpPr/>
-          <p:nvPr/>
-        </p:nvSpPr>
-        <p:spPr>
-          <a:xfrm>
-            <a:off x="6948996" y="2581412"/>
-            <a:ext cx="378823" cy="130629"/>
-          </a:xfrm>
-          <a:prstGeom prst="rightArrow">
-            <a:avLst/>
-          </a:prstGeom>
-        </p:spPr>
-        <p:style>
-          <a:lnRef idx="2">
-            <a:schemeClr val="accent1">
-              <a:shade val="50000"/>
-            </a:schemeClr>
-          </a:lnRef>
-          <a:fillRef idx="1">
-            <a:schemeClr val="accent1"/>
-          </a:fillRef>
-          <a:effectRef idx="0">
-            <a:schemeClr val="accent1"/>
-          </a:effectRef>
-          <a:fontRef idx="minor">
-            <a:schemeClr val="lt1"/>
-          </a:fontRef>
-        </p:style>
-        <p:txBody>
-          <a:bodyPr rtlCol="0" anchor="ctr"/>
-          <a:lstStyle/>
-          <a:p>
-            <a:pPr algn="ctr"/>
-            <a:endParaRPr lang="en-US"/>
-          </a:p>
-        </p:txBody>
-      </p:sp>
-    </p:spTree>
-    <p:extLst>
-      <p:ext uri="{BB962C8B-B14F-4D97-AF65-F5344CB8AC3E}">
-        <p14:creationId xmlns:p14="http://schemas.microsoft.com/office/powerpoint/2010/main" val="3593079707"/>
-      </p:ext>
-    </p:extLst>
-  </p:cSld>
-  <p:clrMapOvr>
-    <a:masterClrMapping/>
-  </p:clrMapOvr>
-</p:sld>
-</file>
-
-<file path=ppt/slides/slide15.xml><?xml version="1.0" encoding="utf-8"?>
-<p:sld xmlns:a="http://schemas.openxmlformats.org/drawingml/2006/main" xmlns:r="http://schemas.openxmlformats.org/officeDocument/2006/relationships" xmlns:p="http://schemas.openxmlformats.org/presentationml/2006/main">
-  <p:cSld>
-    <p:bg>
-      <p:bgPr>
-        <a:solidFill>
-          <a:schemeClr val="bg1"/>
-        </a:solidFill>
-        <a:effectLst/>
-      </p:bgPr>
-    </p:bg>
-    <p:spTree>
-      <p:nvGrpSpPr>
-        <p:cNvPr id="1" name=""/>
-        <p:cNvGrpSpPr/>
-        <p:nvPr/>
-      </p:nvGrpSpPr>
-      <p:grpSpPr>
-        <a:xfrm>
-          <a:off x="0" y="0"/>
-          <a:ext cx="0" cy="0"/>
-          <a:chOff x="0" y="0"/>
-          <a:chExt cx="0" cy="0"/>
-        </a:xfrm>
-      </p:grpSpPr>
-      <p:sp>
-        <p:nvSpPr>
-          <p:cNvPr id="23" name="Rectangle 22">
-            <a:extLst>
-              <a:ext uri="{FF2B5EF4-FFF2-40B4-BE49-F238E27FC236}">
-                <a16:creationId xmlns:a16="http://schemas.microsoft.com/office/drawing/2014/main" id="{56C20283-73E0-40EC-8AD8-057F581F64C2}"/>
-              </a:ext>
-              <a:ext uri="{C183D7F6-B498-43B3-948B-1728B52AA6E4}">
-                <adec:decorative xmlns:adec="http://schemas.microsoft.com/office/drawing/2017/decorative" val="1"/>
-              </a:ext>
-            </a:extLst>
-          </p:cNvPr>
-          <p:cNvSpPr>
-            <a:spLocks noGrp="1" noRot="1" noChangeAspect="1" noMove="1" noResize="1" noEditPoints="1" noAdjustHandles="1" noChangeArrowheads="1" noChangeShapeType="1" noTextEdit="1"/>
-          </p:cNvSpPr>
-          <p:nvPr>
-            <p:extLst>
-              <p:ext uri="{386F3935-93C4-4BCD-93E2-E3B085C9AB24}">
-                <p16:designElem xmlns:p16="http://schemas.microsoft.com/office/powerpoint/2015/main" val="1"/>
-              </p:ext>
-            </p:extLst>
-          </p:nvPr>
-        </p:nvSpPr>
-        <p:spPr>
-          <a:xfrm>
-            <a:off x="1524" y="0"/>
-            <a:ext cx="12188952" cy="6858000"/>
-          </a:xfrm>
-          <a:prstGeom prst="rect">
-            <a:avLst/>
-          </a:prstGeom>
-          <a:solidFill>
-            <a:schemeClr val="tx1"/>
-          </a:solidFill>
-          <a:ln>
-            <a:noFill/>
-          </a:ln>
-        </p:spPr>
-        <p:style>
-          <a:lnRef idx="2">
-            <a:schemeClr val="accent1">
-              <a:shade val="50000"/>
-            </a:schemeClr>
-          </a:lnRef>
-          <a:fillRef idx="1">
-            <a:schemeClr val="accent1"/>
-          </a:fillRef>
-          <a:effectRef idx="0">
-            <a:schemeClr val="accent1"/>
-          </a:effectRef>
-          <a:fontRef idx="minor">
-            <a:schemeClr val="lt1"/>
-          </a:fontRef>
-        </p:style>
-        <p:txBody>
-          <a:bodyPr rtlCol="0" anchor="ctr"/>
-          <a:lstStyle/>
-          <a:p>
-            <a:pPr algn="ctr"/>
-            <a:endParaRPr lang="en-US"/>
-          </a:p>
-        </p:txBody>
-      </p:sp>
-      <p:sp>
-        <p:nvSpPr>
-          <p:cNvPr id="25" name="Freeform 28">
-            <a:extLst>
-              <a:ext uri="{FF2B5EF4-FFF2-40B4-BE49-F238E27FC236}">
-                <a16:creationId xmlns:a16="http://schemas.microsoft.com/office/drawing/2014/main" id="{3FCC729B-E528-40C3-82D3-BA4375575E87}"/>
-              </a:ext>
-              <a:ext uri="{C183D7F6-B498-43B3-948B-1728B52AA6E4}">
-                <adec:decorative xmlns:adec="http://schemas.microsoft.com/office/drawing/2017/decorative" val="1"/>
-              </a:ext>
-            </a:extLst>
-          </p:cNvPr>
-          <p:cNvSpPr>
-            <a:spLocks noGrp="1" noRot="1" noChangeAspect="1" noMove="1" noResize="1" noEditPoints="1" noAdjustHandles="1" noChangeArrowheads="1" noChangeShapeType="1" noTextEdit="1"/>
-          </p:cNvSpPr>
-          <p:nvPr>
-            <p:extLst>
-              <p:ext uri="{386F3935-93C4-4BCD-93E2-E3B085C9AB24}">
-                <p16:designElem xmlns:p16="http://schemas.microsoft.com/office/powerpoint/2015/main" val="1"/>
-              </p:ext>
-            </p:extLst>
-          </p:nvPr>
-        </p:nvSpPr>
-        <p:spPr>
-          <a:xfrm flipH="1" flipV="1">
-            <a:off x="960120" y="0"/>
-            <a:ext cx="11218661" cy="6858000"/>
-          </a:xfrm>
-          <a:custGeom>
-            <a:avLst/>
-            <a:gdLst>
-              <a:gd name="connsiteX0" fmla="*/ 0 w 11218661"/>
-              <a:gd name="connsiteY0" fmla="*/ 0 h 6858000"/>
-              <a:gd name="connsiteX1" fmla="*/ 8042507 w 11218661"/>
-              <a:gd name="connsiteY1" fmla="*/ 0 h 6858000"/>
-              <a:gd name="connsiteX2" fmla="*/ 11218661 w 11218661"/>
-              <a:gd name="connsiteY2" fmla="*/ 6858000 h 6858000"/>
-              <a:gd name="connsiteX3" fmla="*/ 0 w 11218661"/>
-              <a:gd name="connsiteY3" fmla="*/ 6858000 h 6858000"/>
-            </a:gdLst>
-            <a:ahLst/>
-            <a:cxnLst>
-              <a:cxn ang="0">
-                <a:pos x="connsiteX0" y="connsiteY0"/>
-              </a:cxn>
-              <a:cxn ang="0">
-                <a:pos x="connsiteX1" y="connsiteY1"/>
-              </a:cxn>
-              <a:cxn ang="0">
-                <a:pos x="connsiteX2" y="connsiteY2"/>
-              </a:cxn>
-              <a:cxn ang="0">
-                <a:pos x="connsiteX3" y="connsiteY3"/>
-              </a:cxn>
-            </a:cxnLst>
-            <a:rect l="l" t="t" r="r" b="b"/>
-            <a:pathLst>
-              <a:path w="11218661" h="6858000">
-                <a:moveTo>
-                  <a:pt x="0" y="0"/>
-                </a:moveTo>
-                <a:lnTo>
-                  <a:pt x="8042507" y="0"/>
-                </a:lnTo>
-                <a:lnTo>
-                  <a:pt x="11218661" y="6858000"/>
-                </a:lnTo>
-                <a:lnTo>
-                  <a:pt x="0" y="6858000"/>
-                </a:lnTo>
-                <a:close/>
-              </a:path>
-            </a:pathLst>
-          </a:custGeom>
-          <a:solidFill>
-            <a:schemeClr val="bg1">
-              <a:lumMod val="85000"/>
-              <a:lumOff val="15000"/>
-              <a:alpha val="70000"/>
-            </a:schemeClr>
-          </a:solidFill>
-          <a:ln>
-            <a:noFill/>
-          </a:ln>
-        </p:spPr>
-        <p:style>
-          <a:lnRef idx="2">
-            <a:schemeClr val="accent1">
-              <a:shade val="50000"/>
-            </a:schemeClr>
-          </a:lnRef>
-          <a:fillRef idx="1">
-            <a:schemeClr val="accent1"/>
-          </a:fillRef>
-          <a:effectRef idx="0">
-            <a:schemeClr val="accent1"/>
-          </a:effectRef>
-          <a:fontRef idx="minor">
-            <a:schemeClr val="lt1"/>
-          </a:fontRef>
-        </p:style>
-        <p:txBody>
-          <a:bodyPr wrap="square" rtlCol="0" anchor="ctr">
-            <a:noAutofit/>
-          </a:bodyPr>
-          <a:lstStyle/>
-          <a:p>
-            <a:pPr algn="ctr"/>
-            <a:endParaRPr lang="en-US"/>
-          </a:p>
-        </p:txBody>
-      </p:sp>
-      <p:sp>
-        <p:nvSpPr>
-          <p:cNvPr id="27" name="Freeform 26">
-            <a:extLst>
-              <a:ext uri="{FF2B5EF4-FFF2-40B4-BE49-F238E27FC236}">
-                <a16:creationId xmlns:a16="http://schemas.microsoft.com/office/drawing/2014/main" id="{58F1FB8D-1842-4A04-998D-6CF047AB2790}"/>
-              </a:ext>
-              <a:ext uri="{C183D7F6-B498-43B3-948B-1728B52AA6E4}">
-                <adec:decorative xmlns:adec="http://schemas.microsoft.com/office/drawing/2017/decorative" val="1"/>
-              </a:ext>
-            </a:extLst>
-          </p:cNvPr>
-          <p:cNvSpPr>
-            <a:spLocks noGrp="1" noRot="1" noChangeAspect="1" noMove="1" noResize="1" noEditPoints="1" noAdjustHandles="1" noChangeArrowheads="1" noChangeShapeType="1" noTextEdit="1"/>
-          </p:cNvSpPr>
-          <p:nvPr>
-            <p:extLst>
-              <p:ext uri="{386F3935-93C4-4BCD-93E2-E3B085C9AB24}">
-                <p16:designElem xmlns:p16="http://schemas.microsoft.com/office/powerpoint/2015/main" val="1"/>
-              </p:ext>
-            </p:extLst>
-          </p:nvPr>
-        </p:nvSpPr>
-        <p:spPr>
-          <a:xfrm flipH="1" flipV="1">
-            <a:off x="1420248" y="0"/>
-            <a:ext cx="10771752" cy="6858000"/>
-          </a:xfrm>
-          <a:custGeom>
-            <a:avLst/>
-            <a:gdLst>
-              <a:gd name="connsiteX0" fmla="*/ 0 w 10771752"/>
-              <a:gd name="connsiteY0" fmla="*/ 0 h 6858000"/>
-              <a:gd name="connsiteX1" fmla="*/ 7595598 w 10771752"/>
-              <a:gd name="connsiteY1" fmla="*/ 0 h 6858000"/>
-              <a:gd name="connsiteX2" fmla="*/ 10771752 w 10771752"/>
-              <a:gd name="connsiteY2" fmla="*/ 6858000 h 6858000"/>
-              <a:gd name="connsiteX3" fmla="*/ 0 w 10771752"/>
-              <a:gd name="connsiteY3" fmla="*/ 6858000 h 6858000"/>
-            </a:gdLst>
-            <a:ahLst/>
-            <a:cxnLst>
-              <a:cxn ang="0">
-                <a:pos x="connsiteX0" y="connsiteY0"/>
-              </a:cxn>
-              <a:cxn ang="0">
-                <a:pos x="connsiteX1" y="connsiteY1"/>
-              </a:cxn>
-              <a:cxn ang="0">
-                <a:pos x="connsiteX2" y="connsiteY2"/>
-              </a:cxn>
-              <a:cxn ang="0">
-                <a:pos x="connsiteX3" y="connsiteY3"/>
-              </a:cxn>
-            </a:cxnLst>
-            <a:rect l="l" t="t" r="r" b="b"/>
-            <a:pathLst>
-              <a:path w="10771752" h="6858000">
-                <a:moveTo>
-                  <a:pt x="0" y="0"/>
-                </a:moveTo>
-                <a:lnTo>
-                  <a:pt x="7595598" y="0"/>
-                </a:lnTo>
-                <a:lnTo>
-                  <a:pt x="10771752" y="6858000"/>
-                </a:lnTo>
-                <a:lnTo>
-                  <a:pt x="0" y="6858000"/>
-                </a:lnTo>
-                <a:close/>
-              </a:path>
-            </a:pathLst>
-          </a:custGeom>
-          <a:solidFill>
-            <a:schemeClr val="bg1">
-              <a:lumMod val="85000"/>
-              <a:lumOff val="15000"/>
-            </a:schemeClr>
-          </a:solidFill>
-          <a:ln>
-            <a:noFill/>
-          </a:ln>
-        </p:spPr>
-        <p:style>
-          <a:lnRef idx="2">
-            <a:schemeClr val="accent1">
-              <a:shade val="50000"/>
-            </a:schemeClr>
-          </a:lnRef>
-          <a:fillRef idx="1">
-            <a:schemeClr val="accent1"/>
-          </a:fillRef>
-          <a:effectRef idx="0">
-            <a:schemeClr val="accent1"/>
-          </a:effectRef>
-          <a:fontRef idx="minor">
-            <a:schemeClr val="lt1"/>
-          </a:fontRef>
-        </p:style>
-        <p:txBody>
-          <a:bodyPr wrap="square" rtlCol="0" anchor="ctr">
-            <a:noAutofit/>
-          </a:bodyPr>
-          <a:lstStyle/>
-          <a:p>
-            <a:pPr algn="ctr"/>
-            <a:endParaRPr lang="en-US"/>
-          </a:p>
-        </p:txBody>
-      </p:sp>
-      <p:sp>
-        <p:nvSpPr>
-          <p:cNvPr id="2" name="Title 1">
-            <a:extLst>
-              <a:ext uri="{FF2B5EF4-FFF2-40B4-BE49-F238E27FC236}">
-                <a16:creationId xmlns:a16="http://schemas.microsoft.com/office/drawing/2014/main" id="{A944C532-CF9F-4F1B-918E-5AB2FE8DEFA1}"/>
-              </a:ext>
-            </a:extLst>
-          </p:cNvPr>
-          <p:cNvSpPr>
-            <a:spLocks noGrp="1"/>
-          </p:cNvSpPr>
-          <p:nvPr>
-            <p:ph type="title"/>
-          </p:nvPr>
-        </p:nvSpPr>
-        <p:spPr>
-          <a:xfrm>
-            <a:off x="4384039" y="365125"/>
-            <a:ext cx="7164493" cy="1325563"/>
-          </a:xfrm>
-        </p:spPr>
-        <p:txBody>
-          <a:bodyPr>
-            <a:normAutofit/>
-          </a:bodyPr>
-          <a:lstStyle/>
-          <a:p>
-            <a:br>
-              <a:rPr lang="en-US" sz="2800" b="1" i="0">
-                <a:effectLst/>
-                <a:latin typeface="-apple-system"/>
-              </a:rPr>
-            </a:br>
-            <a:r>
-              <a:rPr lang="en-US" sz="2800"/>
-              <a:t>The insights:</a:t>
-            </a:r>
-            <a:br>
-              <a:rPr lang="en-US" sz="2800" b="1" i="0">
-                <a:effectLst/>
-                <a:latin typeface="-apple-system"/>
-              </a:rPr>
-            </a:br>
-            <a:endParaRPr lang="en-US" sz="2800"/>
-          </a:p>
-        </p:txBody>
-      </p:sp>
-      <p:pic>
-        <p:nvPicPr>
-          <p:cNvPr id="5" name="Picture 4">
-            <a:extLst>
-              <a:ext uri="{FF2B5EF4-FFF2-40B4-BE49-F238E27FC236}">
-                <a16:creationId xmlns:a16="http://schemas.microsoft.com/office/drawing/2014/main" id="{4E738736-BB19-4F31-A084-29DE8400D90D}"/>
-              </a:ext>
-            </a:extLst>
-          </p:cNvPr>
-          <p:cNvPicPr>
-            <a:picLocks noChangeAspect="1"/>
-          </p:cNvPicPr>
-          <p:nvPr/>
-        </p:nvPicPr>
-        <p:blipFill>
-          <a:blip r:embed="rId2"/>
-          <a:stretch>
-            <a:fillRect/>
-          </a:stretch>
-        </p:blipFill>
-        <p:spPr>
-          <a:xfrm>
-            <a:off x="723544" y="642988"/>
-            <a:ext cx="2938989" cy="5571543"/>
-          </a:xfrm>
-          <a:prstGeom prst="rect">
-            <a:avLst/>
-          </a:prstGeom>
-        </p:spPr>
-      </p:pic>
-      <p:sp>
-        <p:nvSpPr>
-          <p:cNvPr id="3" name="Content Placeholder 2">
-            <a:extLst>
-              <a:ext uri="{FF2B5EF4-FFF2-40B4-BE49-F238E27FC236}">
-                <a16:creationId xmlns:a16="http://schemas.microsoft.com/office/drawing/2014/main" id="{562D2978-F040-4DA8-A4AB-15BA8605A26A}"/>
-              </a:ext>
-            </a:extLst>
-          </p:cNvPr>
-          <p:cNvSpPr>
-            <a:spLocks noGrp="1"/>
-          </p:cNvSpPr>
-          <p:nvPr>
-            <p:ph idx="1"/>
-          </p:nvPr>
-        </p:nvSpPr>
-        <p:spPr>
-          <a:xfrm>
-            <a:off x="4387515" y="2022601"/>
-            <a:ext cx="7161017" cy="4154361"/>
-          </a:xfrm>
-        </p:spPr>
-        <p:txBody>
-          <a:bodyPr>
-            <a:normAutofit lnSpcReduction="10000"/>
-          </a:bodyPr>
-          <a:lstStyle/>
-          <a:p>
-            <a:pPr marL="0" indent="0">
-              <a:buNone/>
-            </a:pPr>
-            <a:r>
-              <a:rPr lang="en-US" sz="1900" dirty="0"/>
-              <a:t>The neighborhoods with the highest number of apartments on sale and renting are Center (sol) and Salamanca’s neighborhoods. The business competition is in the area. The price per meter is expensive in both locations, the hypothesis is that these areas have not a regular turnover. This hypothesis needs to be validated with other kind of data.</a:t>
-            </a:r>
-          </a:p>
-          <a:p>
-            <a:pPr marL="0" indent="0">
-              <a:buNone/>
-            </a:pPr>
-            <a:endParaRPr lang="en-US" sz="1900" dirty="0"/>
-          </a:p>
-          <a:p>
-            <a:pPr marL="0" indent="0">
-              <a:buNone/>
-            </a:pPr>
-            <a:r>
-              <a:rPr lang="en-US" sz="1900" b="1" dirty="0" err="1"/>
-              <a:t>Chamberi</a:t>
-            </a:r>
-            <a:r>
-              <a:rPr lang="en-US" sz="1900" b="1" dirty="0"/>
-              <a:t>, </a:t>
-            </a:r>
-            <a:r>
-              <a:rPr lang="en-US" sz="1900" b="1" dirty="0" err="1"/>
-              <a:t>Tetuan</a:t>
-            </a:r>
-            <a:r>
-              <a:rPr lang="en-US" sz="1900" b="1" dirty="0"/>
-              <a:t> and Chamartín are adjacent districts. Together have the 18.03% selling flats and 26,6 % of </a:t>
-            </a:r>
-            <a:r>
-              <a:rPr lang="en-US" sz="1900" b="1" dirty="0" err="1"/>
-              <a:t>reting</a:t>
-            </a:r>
-            <a:r>
-              <a:rPr lang="en-US" sz="1900" b="1" dirty="0"/>
-              <a:t> flats of the real estate current Market. According to the analysis. A location between the three districts will be suitable.</a:t>
-            </a:r>
-          </a:p>
-          <a:p>
-            <a:pPr marL="0" indent="0">
-              <a:buNone/>
-            </a:pPr>
-            <a:endParaRPr lang="en-US" sz="1900" dirty="0"/>
-          </a:p>
-          <a:p>
-            <a:pPr marL="0" indent="0">
-              <a:buNone/>
-            </a:pPr>
-            <a:r>
-              <a:rPr lang="en-US" sz="1900" dirty="0" err="1"/>
-              <a:t>Carabanchel</a:t>
-            </a:r>
-            <a:r>
-              <a:rPr lang="en-US" sz="1900" dirty="0"/>
-              <a:t> and Puente de </a:t>
-            </a:r>
-            <a:r>
-              <a:rPr lang="en-US" sz="1900" dirty="0" err="1"/>
-              <a:t>Vallecas</a:t>
-            </a:r>
-            <a:r>
-              <a:rPr lang="en-US" sz="1900" dirty="0"/>
-              <a:t> are two areas with potential but the average squared meters and the number of rooms are smaller than the same values in the above districts.</a:t>
-            </a:r>
-          </a:p>
-          <a:p>
-            <a:endParaRPr lang="en-US" sz="1900" dirty="0"/>
-          </a:p>
-        </p:txBody>
-      </p:sp>
-    </p:spTree>
-    <p:extLst>
-      <p:ext uri="{BB962C8B-B14F-4D97-AF65-F5344CB8AC3E}">
-        <p14:creationId xmlns:p14="http://schemas.microsoft.com/office/powerpoint/2010/main" val="65169173"/>
-      </p:ext>
-    </p:extLst>
-  </p:cSld>
-  <p:clrMapOvr>
-    <a:overrideClrMapping bg1="dk1" tx1="lt1" bg2="dk2" tx2="lt2" accent1="accent1" accent2="accent2" accent3="accent3" accent4="accent4" accent5="accent5" accent6="accent6" hlink="hlink" folHlink="folHlink"/>
-  </p:clrMapOvr>
-</p:sld>
-</file>
-
-<file path=ppt/slides/slide16.xml><?xml version="1.0" encoding="utf-8"?>
-<p:sld xmlns:a="http://schemas.openxmlformats.org/drawingml/2006/main" xmlns:r="http://schemas.openxmlformats.org/officeDocument/2006/relationships" xmlns:p="http://schemas.openxmlformats.org/presentationml/2006/main">
-  <p:cSld>
-    <p:bg>
-      <p:bgPr>
-        <a:solidFill>
-          <a:schemeClr val="bg1"/>
-        </a:solidFill>
-        <a:effectLst/>
-      </p:bgPr>
-    </p:bg>
-    <p:spTree>
-      <p:nvGrpSpPr>
-        <p:cNvPr id="1" name=""/>
-        <p:cNvGrpSpPr/>
-        <p:nvPr/>
-      </p:nvGrpSpPr>
-      <p:grpSpPr>
-        <a:xfrm>
-          <a:off x="0" y="0"/>
-          <a:ext cx="0" cy="0"/>
-          <a:chOff x="0" y="0"/>
-          <a:chExt cx="0" cy="0"/>
-        </a:xfrm>
-      </p:grpSpPr>
-      <p:sp useBgFill="1">
-        <p:nvSpPr>
-          <p:cNvPr id="8" name="Rectangle 7">
-            <a:extLst>
-              <a:ext uri="{FF2B5EF4-FFF2-40B4-BE49-F238E27FC236}">
-                <a16:creationId xmlns:a16="http://schemas.microsoft.com/office/drawing/2014/main" id="{327D73B4-9F5C-4A64-A179-51B9500CB8B5}"/>
-              </a:ext>
-              <a:ext uri="{C183D7F6-B498-43B3-948B-1728B52AA6E4}">
-                <adec:decorative xmlns:adec="http://schemas.microsoft.com/office/drawing/2017/decorative" val="1"/>
-              </a:ext>
-            </a:extLst>
-          </p:cNvPr>
-          <p:cNvSpPr>
-            <a:spLocks noGrp="1" noRot="1" noChangeAspect="1" noMove="1" noResize="1" noEditPoints="1" noAdjustHandles="1" noChangeArrowheads="1" noChangeShapeType="1" noTextEdit="1"/>
-          </p:cNvSpPr>
-          <p:nvPr>
-            <p:extLst>
-              <p:ext uri="{386F3935-93C4-4BCD-93E2-E3B085C9AB24}">
-                <p16:designElem xmlns:p16="http://schemas.microsoft.com/office/powerpoint/2015/main" val="1"/>
-              </p:ext>
-            </p:extLst>
-          </p:nvPr>
-        </p:nvSpPr>
-        <p:spPr>
-          <a:xfrm>
-            <a:off x="0" y="0"/>
-            <a:ext cx="12192000" cy="6858000"/>
-          </a:xfrm>
-          <a:prstGeom prst="rect">
-            <a:avLst/>
-          </a:prstGeom>
-          <a:ln>
-            <a:noFill/>
-          </a:ln>
-        </p:spPr>
-        <p:style>
-          <a:lnRef idx="2">
-            <a:schemeClr val="accent1">
-              <a:shade val="50000"/>
-            </a:schemeClr>
-          </a:lnRef>
-          <a:fillRef idx="1">
-            <a:schemeClr val="accent1"/>
-          </a:fillRef>
-          <a:effectRef idx="0">
-            <a:schemeClr val="accent1"/>
-          </a:effectRef>
-          <a:fontRef idx="minor">
-            <a:schemeClr val="lt1"/>
-          </a:fontRef>
-        </p:style>
-        <p:txBody>
-          <a:bodyPr rtlCol="0" anchor="ctr"/>
-          <a:lstStyle/>
-          <a:p>
-            <a:pPr algn="ctr"/>
-            <a:endParaRPr lang="en-US"/>
-          </a:p>
-        </p:txBody>
-      </p:sp>
-      <p:sp>
-        <p:nvSpPr>
-          <p:cNvPr id="10" name="Oval 9">
-            <a:extLst>
-              <a:ext uri="{FF2B5EF4-FFF2-40B4-BE49-F238E27FC236}">
-                <a16:creationId xmlns:a16="http://schemas.microsoft.com/office/drawing/2014/main" id="{C1F06963-6374-4B48-844F-071A9BAAAE02}"/>
-              </a:ext>
-              <a:ext uri="{C183D7F6-B498-43B3-948B-1728B52AA6E4}">
-                <adec:decorative xmlns:adec="http://schemas.microsoft.com/office/drawing/2017/decorative" val="1"/>
-              </a:ext>
-            </a:extLst>
-          </p:cNvPr>
-          <p:cNvSpPr>
-            <a:spLocks noGrp="1" noRot="1" noChangeAspect="1" noMove="1" noResize="1" noEditPoints="1" noAdjustHandles="1" noChangeArrowheads="1" noChangeShapeType="1" noTextEdit="1"/>
-          </p:cNvSpPr>
-          <p:nvPr>
-            <p:extLst>
-              <p:ext uri="{386F3935-93C4-4BCD-93E2-E3B085C9AB24}">
-                <p16:designElem xmlns:p16="http://schemas.microsoft.com/office/powerpoint/2015/main" val="1"/>
-              </p:ext>
-            </p:extLst>
-          </p:nvPr>
-        </p:nvSpPr>
-        <p:spPr>
-          <a:xfrm>
-            <a:off x="199528" y="554152"/>
-            <a:ext cx="5742189" cy="5742189"/>
-          </a:xfrm>
-          <a:prstGeom prst="ellipse">
-            <a:avLst/>
-          </a:prstGeom>
-          <a:gradFill flip="none" rotWithShape="1">
-            <a:gsLst>
-              <a:gs pos="0">
-                <a:schemeClr val="accent1"/>
-              </a:gs>
-              <a:gs pos="100000">
-                <a:schemeClr val="accent2"/>
-              </a:gs>
-            </a:gsLst>
-            <a:lin ang="2700000" scaled="1"/>
-            <a:tileRect/>
-          </a:gradFill>
-          <a:ln>
-            <a:noFill/>
-          </a:ln>
-        </p:spPr>
-        <p:style>
-          <a:lnRef idx="2">
-            <a:schemeClr val="accent1">
-              <a:shade val="50000"/>
-            </a:schemeClr>
-          </a:lnRef>
-          <a:fillRef idx="1">
-            <a:schemeClr val="accent1"/>
-          </a:fillRef>
-          <a:effectRef idx="0">
-            <a:schemeClr val="accent1"/>
-          </a:effectRef>
-          <a:fontRef idx="minor">
-            <a:schemeClr val="lt1"/>
-          </a:fontRef>
-        </p:style>
-        <p:txBody>
-          <a:bodyPr rtlCol="0" anchor="ctr"/>
-          <a:lstStyle/>
-          <a:p>
-            <a:pPr algn="ctr"/>
-            <a:endParaRPr lang="en-US"/>
-          </a:p>
-        </p:txBody>
-      </p:sp>
-      <p:sp>
-        <p:nvSpPr>
-          <p:cNvPr id="2" name="Title 1">
-            <a:extLst>
-              <a:ext uri="{FF2B5EF4-FFF2-40B4-BE49-F238E27FC236}">
-                <a16:creationId xmlns:a16="http://schemas.microsoft.com/office/drawing/2014/main" id="{350DDAE9-1C11-40FC-954B-4106F93C5955}"/>
-              </a:ext>
-            </a:extLst>
-          </p:cNvPr>
-          <p:cNvSpPr>
-            <a:spLocks noGrp="1"/>
-          </p:cNvSpPr>
-          <p:nvPr>
-            <p:ph type="title"/>
-          </p:nvPr>
-        </p:nvSpPr>
-        <p:spPr>
-          <a:xfrm>
-            <a:off x="1245072" y="1289765"/>
-            <a:ext cx="3651101" cy="4270963"/>
-          </a:xfrm>
-        </p:spPr>
-        <p:txBody>
-          <a:bodyPr anchor="ctr">
-            <a:normAutofit/>
-          </a:bodyPr>
-          <a:lstStyle/>
-          <a:p>
-            <a:pPr algn="ctr"/>
-            <a:r>
-              <a:rPr lang="es-ES" sz="5600" dirty="0" err="1">
-                <a:solidFill>
-                  <a:srgbClr val="FFFFFF"/>
-                </a:solidFill>
-              </a:rPr>
-              <a:t>Github</a:t>
-            </a:r>
-            <a:r>
-              <a:rPr lang="es-ES" sz="5600" dirty="0">
-                <a:solidFill>
-                  <a:srgbClr val="FFFFFF"/>
-                </a:solidFill>
-              </a:rPr>
-              <a:t> Repo</a:t>
-            </a:r>
-            <a:endParaRPr lang="en-US" sz="5600" dirty="0">
-              <a:solidFill>
-                <a:srgbClr val="FFFFFF"/>
-              </a:solidFill>
-            </a:endParaRPr>
-          </a:p>
-        </p:txBody>
-      </p:sp>
-      <p:sp>
-        <p:nvSpPr>
-          <p:cNvPr id="12" name="Graphic 11">
-            <a:extLst>
-              <a:ext uri="{FF2B5EF4-FFF2-40B4-BE49-F238E27FC236}">
-                <a16:creationId xmlns:a16="http://schemas.microsoft.com/office/drawing/2014/main" id="{6CB927A4-E432-4310-9CD5-E89FF5063179}"/>
-              </a:ext>
-              <a:ext uri="{C183D7F6-B498-43B3-948B-1728B52AA6E4}">
-                <adec:decorative xmlns:adec="http://schemas.microsoft.com/office/drawing/2017/decorative" val="1"/>
-              </a:ext>
-            </a:extLst>
-          </p:cNvPr>
-          <p:cNvSpPr>
-            <a:spLocks noGrp="1" noRot="1" noChangeAspect="1" noMove="1" noResize="1" noEditPoints="1" noAdjustHandles="1" noChangeArrowheads="1" noChangeShapeType="1" noTextEdit="1"/>
-          </p:cNvSpPr>
-          <p:nvPr>
-            <p:extLst>
-              <p:ext uri="{386F3935-93C4-4BCD-93E2-E3B085C9AB24}">
-                <p16:designElem xmlns:p16="http://schemas.microsoft.com/office/powerpoint/2015/main" val="1"/>
-              </p:ext>
-            </p:extLst>
-          </p:nvPr>
-        </p:nvSpPr>
-        <p:spPr>
-          <a:xfrm>
-            <a:off x="1123493" y="374394"/>
-            <a:ext cx="171515" cy="171515"/>
-          </a:xfrm>
-          <a:custGeom>
-            <a:avLst/>
-            <a:gdLst>
-              <a:gd name="connsiteX0" fmla="*/ 159874 w 171515"/>
-              <a:gd name="connsiteY0" fmla="*/ 74116 h 171515"/>
-              <a:gd name="connsiteX1" fmla="*/ 97399 w 171515"/>
-              <a:gd name="connsiteY1" fmla="*/ 74116 h 171515"/>
-              <a:gd name="connsiteX2" fmla="*/ 97399 w 171515"/>
-              <a:gd name="connsiteY2" fmla="*/ 11641 h 171515"/>
-              <a:gd name="connsiteX3" fmla="*/ 85758 w 171515"/>
-              <a:gd name="connsiteY3" fmla="*/ 0 h 171515"/>
-              <a:gd name="connsiteX4" fmla="*/ 74116 w 171515"/>
-              <a:gd name="connsiteY4" fmla="*/ 11641 h 171515"/>
-              <a:gd name="connsiteX5" fmla="*/ 74116 w 171515"/>
-              <a:gd name="connsiteY5" fmla="*/ 74116 h 171515"/>
-              <a:gd name="connsiteX6" fmla="*/ 11641 w 171515"/>
-              <a:gd name="connsiteY6" fmla="*/ 74116 h 171515"/>
-              <a:gd name="connsiteX7" fmla="*/ 0 w 171515"/>
-              <a:gd name="connsiteY7" fmla="*/ 85758 h 171515"/>
-              <a:gd name="connsiteX8" fmla="*/ 11641 w 171515"/>
-              <a:gd name="connsiteY8" fmla="*/ 97399 h 171515"/>
-              <a:gd name="connsiteX9" fmla="*/ 74116 w 171515"/>
-              <a:gd name="connsiteY9" fmla="*/ 97399 h 171515"/>
-              <a:gd name="connsiteX10" fmla="*/ 74116 w 171515"/>
-              <a:gd name="connsiteY10" fmla="*/ 159874 h 171515"/>
-              <a:gd name="connsiteX11" fmla="*/ 85758 w 171515"/>
-              <a:gd name="connsiteY11" fmla="*/ 171515 h 171515"/>
-              <a:gd name="connsiteX12" fmla="*/ 97399 w 171515"/>
-              <a:gd name="connsiteY12" fmla="*/ 159874 h 171515"/>
-              <a:gd name="connsiteX13" fmla="*/ 97399 w 171515"/>
-              <a:gd name="connsiteY13" fmla="*/ 97399 h 171515"/>
-              <a:gd name="connsiteX14" fmla="*/ 159874 w 171515"/>
-              <a:gd name="connsiteY14" fmla="*/ 97399 h 171515"/>
-              <a:gd name="connsiteX15" fmla="*/ 171515 w 171515"/>
-              <a:gd name="connsiteY15" fmla="*/ 85758 h 171515"/>
-              <a:gd name="connsiteX16" fmla="*/ 159874 w 171515"/>
-              <a:gd name="connsiteY16" fmla="*/ 74116 h 171515"/>
-            </a:gdLst>
-            <a:ahLst/>
-            <a:cxnLst>
-              <a:cxn ang="0">
-                <a:pos x="connsiteX0" y="connsiteY0"/>
-              </a:cxn>
-              <a:cxn ang="0">
-                <a:pos x="connsiteX1" y="connsiteY1"/>
-              </a:cxn>
-              <a:cxn ang="0">
-                <a:pos x="connsiteX2" y="connsiteY2"/>
-              </a:cxn>
-              <a:cxn ang="0">
-                <a:pos x="connsiteX3" y="connsiteY3"/>
-              </a:cxn>
-              <a:cxn ang="0">
-                <a:pos x="connsiteX4" y="connsiteY4"/>
-              </a:cxn>
-              <a:cxn ang="0">
-                <a:pos x="connsiteX5" y="connsiteY5"/>
-              </a:cxn>
-              <a:cxn ang="0">
-                <a:pos x="connsiteX6" y="connsiteY6"/>
-              </a:cxn>
-              <a:cxn ang="0">
-                <a:pos x="connsiteX7" y="connsiteY7"/>
-              </a:cxn>
-              <a:cxn ang="0">
-                <a:pos x="connsiteX8" y="connsiteY8"/>
-              </a:cxn>
-              <a:cxn ang="0">
-                <a:pos x="connsiteX9" y="connsiteY9"/>
-              </a:cxn>
-              <a:cxn ang="0">
-                <a:pos x="connsiteX10" y="connsiteY10"/>
-              </a:cxn>
-              <a:cxn ang="0">
-                <a:pos x="connsiteX11" y="connsiteY11"/>
-              </a:cxn>
-              <a:cxn ang="0">
-                <a:pos x="connsiteX12" y="connsiteY12"/>
-              </a:cxn>
-              <a:cxn ang="0">
-                <a:pos x="connsiteX13" y="connsiteY13"/>
-              </a:cxn>
-              <a:cxn ang="0">
-                <a:pos x="connsiteX14" y="connsiteY14"/>
-              </a:cxn>
-              <a:cxn ang="0">
-                <a:pos x="connsiteX15" y="connsiteY15"/>
-              </a:cxn>
-              <a:cxn ang="0">
-                <a:pos x="connsiteX16" y="connsiteY16"/>
-              </a:cxn>
-            </a:cxnLst>
-            <a:rect l="l" t="t" r="r" b="b"/>
-            <a:pathLst>
-              <a:path w="171515" h="171515">
-                <a:moveTo>
-                  <a:pt x="159874" y="74116"/>
-                </a:moveTo>
-                <a:lnTo>
-                  <a:pt x="97399" y="74116"/>
-                </a:lnTo>
-                <a:lnTo>
-                  <a:pt x="97399" y="11641"/>
-                </a:lnTo>
-                <a:cubicBezTo>
-                  <a:pt x="97399" y="5212"/>
-                  <a:pt x="92187" y="0"/>
-                  <a:pt x="85758" y="0"/>
-                </a:cubicBezTo>
-                <a:cubicBezTo>
-                  <a:pt x="79328" y="0"/>
-                  <a:pt x="74116" y="5212"/>
-                  <a:pt x="74116" y="11641"/>
-                </a:cubicBezTo>
-                <a:lnTo>
-                  <a:pt x="74116" y="74116"/>
-                </a:lnTo>
-                <a:lnTo>
-                  <a:pt x="11641" y="74116"/>
-                </a:lnTo>
-                <a:cubicBezTo>
-                  <a:pt x="5212" y="74116"/>
-                  <a:pt x="0" y="79328"/>
-                  <a:pt x="0" y="85758"/>
-                </a:cubicBezTo>
-                <a:cubicBezTo>
-                  <a:pt x="0" y="92187"/>
-                  <a:pt x="5212" y="97399"/>
-                  <a:pt x="11641" y="97399"/>
-                </a:cubicBezTo>
-                <a:lnTo>
-                  <a:pt x="74116" y="97399"/>
-                </a:lnTo>
-                <a:lnTo>
-                  <a:pt x="74116" y="159874"/>
-                </a:lnTo>
-                <a:cubicBezTo>
-                  <a:pt x="74116" y="166303"/>
-                  <a:pt x="79328" y="171515"/>
-                  <a:pt x="85758" y="171515"/>
-                </a:cubicBezTo>
-                <a:cubicBezTo>
-                  <a:pt x="92187" y="171515"/>
-                  <a:pt x="97399" y="166303"/>
-                  <a:pt x="97399" y="159874"/>
-                </a:cubicBezTo>
-                <a:lnTo>
-                  <a:pt x="97399" y="97399"/>
-                </a:lnTo>
-                <a:lnTo>
-                  <a:pt x="159874" y="97399"/>
-                </a:lnTo>
-                <a:cubicBezTo>
-                  <a:pt x="166303" y="97399"/>
-                  <a:pt x="171515" y="92187"/>
-                  <a:pt x="171515" y="85758"/>
-                </a:cubicBezTo>
-                <a:cubicBezTo>
-                  <a:pt x="171515" y="79328"/>
-                  <a:pt x="166303" y="74116"/>
-                  <a:pt x="159874" y="74116"/>
-                </a:cubicBezTo>
-                <a:close/>
-              </a:path>
-            </a:pathLst>
-          </a:custGeom>
-          <a:solidFill>
-            <a:schemeClr val="accent2"/>
-          </a:solidFill>
-          <a:ln w="776" cap="flat">
-            <a:noFill/>
-            <a:prstDash val="solid"/>
-            <a:miter/>
-          </a:ln>
-        </p:spPr>
-        <p:txBody>
-          <a:bodyPr rtlCol="0" anchor="ctr"/>
-          <a:lstStyle/>
-          <a:p>
-            <a:endParaRPr lang="en-US"/>
-          </a:p>
-        </p:txBody>
-      </p:sp>
-      <p:sp>
-        <p:nvSpPr>
-          <p:cNvPr id="14" name="Graphic 12">
-            <a:extLst>
-              <a:ext uri="{FF2B5EF4-FFF2-40B4-BE49-F238E27FC236}">
-                <a16:creationId xmlns:a16="http://schemas.microsoft.com/office/drawing/2014/main" id="{1453BF6C-B012-48B7-B4E8-6D7AC7C27D02}"/>
-              </a:ext>
-              <a:ext uri="{C183D7F6-B498-43B3-948B-1728B52AA6E4}">
-                <adec:decorative xmlns:adec="http://schemas.microsoft.com/office/drawing/2017/decorative" val="1"/>
-              </a:ext>
-            </a:extLst>
-          </p:cNvPr>
-          <p:cNvSpPr>
-            <a:spLocks noGrp="1" noRot="1" noChangeAspect="1" noMove="1" noResize="1" noEditPoints="1" noAdjustHandles="1" noChangeArrowheads="1" noChangeShapeType="1" noTextEdit="1"/>
-          </p:cNvSpPr>
-          <p:nvPr>
-            <p:extLst>
-              <p:ext uri="{386F3935-93C4-4BCD-93E2-E3B085C9AB24}">
-                <p16:designElem xmlns:p16="http://schemas.microsoft.com/office/powerpoint/2015/main" val="1"/>
-              </p:ext>
-            </p:extLst>
-          </p:nvPr>
-        </p:nvSpPr>
-        <p:spPr>
-          <a:xfrm>
-            <a:off x="550109" y="1084507"/>
-            <a:ext cx="157545" cy="157545"/>
-          </a:xfrm>
-          <a:custGeom>
-            <a:avLst/>
-            <a:gdLst>
-              <a:gd name="connsiteX0" fmla="*/ 78773 w 157545"/>
-              <a:gd name="connsiteY0" fmla="*/ 23283 h 157545"/>
-              <a:gd name="connsiteX1" fmla="*/ 134262 w 157545"/>
-              <a:gd name="connsiteY1" fmla="*/ 78773 h 157545"/>
-              <a:gd name="connsiteX2" fmla="*/ 78773 w 157545"/>
-              <a:gd name="connsiteY2" fmla="*/ 134262 h 157545"/>
-              <a:gd name="connsiteX3" fmla="*/ 23283 w 157545"/>
-              <a:gd name="connsiteY3" fmla="*/ 78773 h 157545"/>
-              <a:gd name="connsiteX4" fmla="*/ 78773 w 157545"/>
-              <a:gd name="connsiteY4" fmla="*/ 23283 h 157545"/>
-              <a:gd name="connsiteX5" fmla="*/ 78773 w 157545"/>
-              <a:gd name="connsiteY5" fmla="*/ 0 h 157545"/>
-              <a:gd name="connsiteX6" fmla="*/ 0 w 157545"/>
-              <a:gd name="connsiteY6" fmla="*/ 78773 h 157545"/>
-              <a:gd name="connsiteX7" fmla="*/ 78773 w 157545"/>
-              <a:gd name="connsiteY7" fmla="*/ 157545 h 157545"/>
-              <a:gd name="connsiteX8" fmla="*/ 157545 w 157545"/>
-              <a:gd name="connsiteY8" fmla="*/ 78773 h 157545"/>
-              <a:gd name="connsiteX9" fmla="*/ 78773 w 157545"/>
-              <a:gd name="connsiteY9" fmla="*/ 0 h 157545"/>
-            </a:gdLst>
-            <a:ahLst/>
-            <a:cxnLst>
-              <a:cxn ang="0">
-                <a:pos x="connsiteX0" y="connsiteY0"/>
-              </a:cxn>
-              <a:cxn ang="0">
-                <a:pos x="connsiteX1" y="connsiteY1"/>
-              </a:cxn>
-              <a:cxn ang="0">
-                <a:pos x="connsiteX2" y="connsiteY2"/>
-              </a:cxn>
-              <a:cxn ang="0">
-                <a:pos x="connsiteX3" y="connsiteY3"/>
-              </a:cxn>
-              <a:cxn ang="0">
-                <a:pos x="connsiteX4" y="connsiteY4"/>
-              </a:cxn>
-              <a:cxn ang="0">
-                <a:pos x="connsiteX5" y="connsiteY5"/>
-              </a:cxn>
-              <a:cxn ang="0">
-                <a:pos x="connsiteX6" y="connsiteY6"/>
-              </a:cxn>
-              <a:cxn ang="0">
-                <a:pos x="connsiteX7" y="connsiteY7"/>
-              </a:cxn>
-              <a:cxn ang="0">
-                <a:pos x="connsiteX8" y="connsiteY8"/>
-              </a:cxn>
-              <a:cxn ang="0">
-                <a:pos x="connsiteX9" y="connsiteY9"/>
-              </a:cxn>
-            </a:cxnLst>
-            <a:rect l="l" t="t" r="r" b="b"/>
-            <a:pathLst>
-              <a:path w="157545" h="157545">
-                <a:moveTo>
-                  <a:pt x="78773" y="23283"/>
-                </a:moveTo>
-                <a:cubicBezTo>
-                  <a:pt x="109419" y="23283"/>
-                  <a:pt x="134262" y="48126"/>
-                  <a:pt x="134262" y="78773"/>
-                </a:cubicBezTo>
-                <a:cubicBezTo>
-                  <a:pt x="134262" y="109419"/>
-                  <a:pt x="109419" y="134262"/>
-                  <a:pt x="78773" y="134262"/>
-                </a:cubicBezTo>
-                <a:cubicBezTo>
-                  <a:pt x="48126" y="134262"/>
-                  <a:pt x="23283" y="109419"/>
-                  <a:pt x="23283" y="78773"/>
-                </a:cubicBezTo>
-                <a:cubicBezTo>
-                  <a:pt x="23312" y="48139"/>
-                  <a:pt x="48139" y="23312"/>
-                  <a:pt x="78773" y="23283"/>
-                </a:cubicBezTo>
-                <a:moveTo>
-                  <a:pt x="78773" y="0"/>
-                </a:moveTo>
-                <a:cubicBezTo>
-                  <a:pt x="35268" y="0"/>
-                  <a:pt x="0" y="35268"/>
-                  <a:pt x="0" y="78773"/>
-                </a:cubicBezTo>
-                <a:cubicBezTo>
-                  <a:pt x="0" y="122277"/>
-                  <a:pt x="35268" y="157545"/>
-                  <a:pt x="78773" y="157545"/>
-                </a:cubicBezTo>
-                <a:cubicBezTo>
-                  <a:pt x="122277" y="157545"/>
-                  <a:pt x="157545" y="122277"/>
-                  <a:pt x="157545" y="78773"/>
-                </a:cubicBezTo>
-                <a:cubicBezTo>
-                  <a:pt x="157545" y="35268"/>
-                  <a:pt x="122277" y="0"/>
-                  <a:pt x="78773" y="0"/>
-                </a:cubicBezTo>
-                <a:close/>
-              </a:path>
-            </a:pathLst>
-          </a:custGeom>
-          <a:solidFill>
-            <a:schemeClr val="accent2"/>
-          </a:solidFill>
-          <a:ln w="751" cap="flat">
-            <a:noFill/>
-            <a:prstDash val="solid"/>
-            <a:miter/>
-          </a:ln>
-        </p:spPr>
-        <p:txBody>
-          <a:bodyPr rtlCol="0" anchor="ctr"/>
-          <a:lstStyle/>
-          <a:p>
-            <a:endParaRPr lang="en-US"/>
-          </a:p>
-        </p:txBody>
-      </p:sp>
-      <p:sp>
-        <p:nvSpPr>
-          <p:cNvPr id="3" name="Content Placeholder 2">
-            <a:extLst>
-              <a:ext uri="{FF2B5EF4-FFF2-40B4-BE49-F238E27FC236}">
-                <a16:creationId xmlns:a16="http://schemas.microsoft.com/office/drawing/2014/main" id="{49024F70-F766-4E1F-80DA-575BAE407872}"/>
-              </a:ext>
-            </a:extLst>
-          </p:cNvPr>
-          <p:cNvSpPr>
-            <a:spLocks noGrp="1"/>
-          </p:cNvSpPr>
-          <p:nvPr>
-            <p:ph idx="1"/>
-          </p:nvPr>
-        </p:nvSpPr>
-        <p:spPr>
-          <a:xfrm>
-            <a:off x="6297233" y="518400"/>
-            <a:ext cx="4771607" cy="5837949"/>
-          </a:xfrm>
-        </p:spPr>
-        <p:txBody>
-          <a:bodyPr anchor="ctr">
-            <a:normAutofit/>
-          </a:bodyPr>
-          <a:lstStyle/>
-          <a:p>
-            <a:pPr marL="0" indent="0">
-              <a:buNone/>
-            </a:pPr>
-            <a:endParaRPr lang="en-US" sz="2000" b="1" i="0" u="sng" dirty="0">
-              <a:solidFill>
-                <a:schemeClr val="tx1">
-                  <a:alpha val="80000"/>
-                </a:schemeClr>
-              </a:solidFill>
-              <a:effectLst/>
-              <a:latin typeface="-apple-system"/>
-              <a:hlinkClick r:id="rId2"/>
-            </a:endParaRPr>
-          </a:p>
-          <a:p>
-            <a:pPr marL="0" indent="0">
-              <a:buNone/>
-            </a:pPr>
-            <a:r>
-              <a:rPr lang="en-US" sz="4800" b="1" i="0" u="sng" dirty="0" err="1">
-                <a:solidFill>
-                  <a:schemeClr val="tx1">
-                    <a:alpha val="80000"/>
-                  </a:schemeClr>
-                </a:solidFill>
-                <a:effectLst/>
-                <a:latin typeface="-apple-system"/>
-                <a:hlinkClick r:id="rId2"/>
-              </a:rPr>
-              <a:t>NewPoPUpStore</a:t>
-            </a:r>
-            <a:endParaRPr lang="en-US" sz="4800" dirty="0">
-              <a:solidFill>
-                <a:schemeClr val="tx1">
-                  <a:alpha val="80000"/>
-                </a:schemeClr>
-              </a:solidFill>
-            </a:endParaRPr>
-          </a:p>
-        </p:txBody>
-      </p:sp>
-      <p:sp>
-        <p:nvSpPr>
-          <p:cNvPr id="16" name="Graphic 10">
-            <a:extLst>
-              <a:ext uri="{FF2B5EF4-FFF2-40B4-BE49-F238E27FC236}">
-                <a16:creationId xmlns:a16="http://schemas.microsoft.com/office/drawing/2014/main" id="{E3020543-B24B-4EC4-8FFC-8DD88EEA91A8}"/>
-              </a:ext>
-              <a:ext uri="{C183D7F6-B498-43B3-948B-1728B52AA6E4}">
-                <adec:decorative xmlns:adec="http://schemas.microsoft.com/office/drawing/2017/decorative" val="1"/>
-              </a:ext>
-            </a:extLst>
-          </p:cNvPr>
-          <p:cNvSpPr>
-            <a:spLocks noGrp="1" noRot="1" noChangeAspect="1" noMove="1" noResize="1" noEditPoints="1" noAdjustHandles="1" noChangeArrowheads="1" noChangeShapeType="1" noTextEdit="1"/>
-          </p:cNvSpPr>
-          <p:nvPr>
-            <p:extLst>
-              <p:ext uri="{386F3935-93C4-4BCD-93E2-E3B085C9AB24}">
-                <p16:designElem xmlns:p16="http://schemas.microsoft.com/office/powerpoint/2015/main" val="1"/>
-              </p:ext>
-            </p:extLst>
-          </p:nvPr>
-        </p:nvSpPr>
-        <p:spPr>
-          <a:xfrm>
-            <a:off x="5436547" y="5751820"/>
-            <a:ext cx="112426" cy="112426"/>
-          </a:xfrm>
-          <a:custGeom>
-            <a:avLst/>
-            <a:gdLst>
-              <a:gd name="connsiteX0" fmla="*/ 112426 w 112426"/>
-              <a:gd name="connsiteY0" fmla="*/ 56213 h 112426"/>
-              <a:gd name="connsiteX1" fmla="*/ 56213 w 112426"/>
-              <a:gd name="connsiteY1" fmla="*/ 112426 h 112426"/>
-              <a:gd name="connsiteX2" fmla="*/ 0 w 112426"/>
-              <a:gd name="connsiteY2" fmla="*/ 56213 h 112426"/>
-              <a:gd name="connsiteX3" fmla="*/ 56213 w 112426"/>
-              <a:gd name="connsiteY3" fmla="*/ 0 h 112426"/>
-              <a:gd name="connsiteX4" fmla="*/ 112426 w 112426"/>
-              <a:gd name="connsiteY4" fmla="*/ 56213 h 112426"/>
-            </a:gdLst>
-            <a:ahLst/>
-            <a:cxnLst>
-              <a:cxn ang="0">
-                <a:pos x="connsiteX0" y="connsiteY0"/>
-              </a:cxn>
-              <a:cxn ang="0">
-                <a:pos x="connsiteX1" y="connsiteY1"/>
-              </a:cxn>
-              <a:cxn ang="0">
-                <a:pos x="connsiteX2" y="connsiteY2"/>
-              </a:cxn>
-              <a:cxn ang="0">
-                <a:pos x="connsiteX3" y="connsiteY3"/>
-              </a:cxn>
-              <a:cxn ang="0">
-                <a:pos x="connsiteX4" y="connsiteY4"/>
-              </a:cxn>
-            </a:cxnLst>
-            <a:rect l="l" t="t" r="r" b="b"/>
-            <a:pathLst>
-              <a:path w="112426" h="112426">
-                <a:moveTo>
-                  <a:pt x="112426" y="56213"/>
-                </a:moveTo>
-                <a:cubicBezTo>
-                  <a:pt x="112426" y="87259"/>
-                  <a:pt x="87259" y="112426"/>
-                  <a:pt x="56213" y="112426"/>
-                </a:cubicBezTo>
-                <a:cubicBezTo>
-                  <a:pt x="25167" y="112426"/>
-                  <a:pt x="0" y="87259"/>
-                  <a:pt x="0" y="56213"/>
-                </a:cubicBezTo>
-                <a:cubicBezTo>
-                  <a:pt x="0" y="25167"/>
-                  <a:pt x="25167" y="0"/>
-                  <a:pt x="56213" y="0"/>
-                </a:cubicBezTo>
-                <a:cubicBezTo>
-                  <a:pt x="87259" y="0"/>
-                  <a:pt x="112426" y="25167"/>
-                  <a:pt x="112426" y="56213"/>
-                </a:cubicBezTo>
-                <a:close/>
-              </a:path>
-            </a:pathLst>
-          </a:custGeom>
-          <a:solidFill>
-            <a:schemeClr val="accent2"/>
-          </a:solidFill>
-          <a:ln w="516" cap="flat">
-            <a:noFill/>
-            <a:prstDash val="solid"/>
-            <a:miter/>
-          </a:ln>
-        </p:spPr>
-        <p:txBody>
-          <a:bodyPr rtlCol="0" anchor="ctr"/>
-          <a:lstStyle/>
-          <a:p>
-            <a:endParaRPr lang="en-US"/>
-          </a:p>
-        </p:txBody>
-      </p:sp>
-      <p:cxnSp>
-        <p:nvCxnSpPr>
-          <p:cNvPr id="18" name="Straight Connector 17">
-            <a:extLst>
-              <a:ext uri="{FF2B5EF4-FFF2-40B4-BE49-F238E27FC236}">
-                <a16:creationId xmlns:a16="http://schemas.microsoft.com/office/drawing/2014/main" id="{C49DA8F6-BCC1-4447-B54C-57856834B94B}"/>
-              </a:ext>
-              <a:ext uri="{C183D7F6-B498-43B3-948B-1728B52AA6E4}">
-                <adec:decorative xmlns:adec="http://schemas.microsoft.com/office/drawing/2017/decorative" val="1"/>
-              </a:ext>
-            </a:extLst>
-          </p:cNvPr>
-          <p:cNvCxnSpPr>
-            <a:cxnSpLocks noGrp="1" noRot="1" noChangeAspect="1" noMove="1" noResize="1" noEditPoints="1" noAdjustHandles="1" noChangeArrowheads="1" noChangeShapeType="1"/>
-          </p:cNvCxnSpPr>
-          <p:nvPr>
-            <p:extLst>
-              <p:ext uri="{386F3935-93C4-4BCD-93E2-E3B085C9AB24}">
-                <p16:designElem xmlns:p16="http://schemas.microsoft.com/office/powerpoint/2015/main" val="1"/>
-              </p:ext>
-            </p:extLst>
-          </p:nvPr>
-        </p:nvCxnSpPr>
-        <p:spPr>
-          <a:xfrm>
-            <a:off x="11586162" y="3610394"/>
-            <a:ext cx="0" cy="3238728"/>
-          </a:xfrm>
-          <a:prstGeom prst="line">
-            <a:avLst/>
-          </a:prstGeom>
-          <a:ln w="25400" cap="sq">
-            <a:gradFill flip="none" rotWithShape="1">
-              <a:gsLst>
-                <a:gs pos="0">
-                  <a:schemeClr val="accent1"/>
-                </a:gs>
-                <a:gs pos="100000">
-                  <a:schemeClr val="accent2"/>
-                </a:gs>
-              </a:gsLst>
-              <a:lin ang="5400000" scaled="0"/>
-              <a:tileRect/>
-            </a:gradFill>
-            <a:bevel/>
-          </a:ln>
-        </p:spPr>
-        <p:style>
-          <a:lnRef idx="1">
-            <a:schemeClr val="accent1"/>
-          </a:lnRef>
-          <a:fillRef idx="0">
-            <a:schemeClr val="accent1"/>
-          </a:fillRef>
-          <a:effectRef idx="0">
-            <a:schemeClr val="accent1"/>
-          </a:effectRef>
-          <a:fontRef idx="minor">
-            <a:schemeClr val="tx1"/>
-          </a:fontRef>
-        </p:style>
-      </p:cxnSp>
-    </p:spTree>
-    <p:extLst>
-      <p:ext uri="{BB962C8B-B14F-4D97-AF65-F5344CB8AC3E}">
-        <p14:creationId xmlns:p14="http://schemas.microsoft.com/office/powerpoint/2010/main" val="3882913413"/>
-      </p:ext>
-    </p:extLst>
-  </p:cSld>
-  <p:clrMapOvr>
-    <a:masterClrMapping/>
-  </p:clrMapOvr>
-</p:sld>
-</file>
-
-<file path=ppt/slides/slide2.xml><?xml version="1.0" encoding="utf-8"?>
-<p:sld xmlns:a="http://schemas.openxmlformats.org/drawingml/2006/main" xmlns:r="http://schemas.openxmlformats.org/officeDocument/2006/relationships" xmlns:p="http://schemas.openxmlformats.org/presentationml/2006/main">
-  <p:cSld>
-    <p:bg>
-      <p:bgPr>
-        <a:solidFill>
-          <a:schemeClr val="bg1"/>
-        </a:solidFill>
-        <a:effectLst/>
-      </p:bgPr>
-    </p:bg>
-    <p:spTree>
-      <p:nvGrpSpPr>
-        <p:cNvPr id="1" name=""/>
-        <p:cNvGrpSpPr/>
-        <p:nvPr/>
-      </p:nvGrpSpPr>
-      <p:grpSpPr>
-        <a:xfrm>
-          <a:off x="0" y="0"/>
-          <a:ext cx="0" cy="0"/>
-          <a:chOff x="0" y="0"/>
-          <a:chExt cx="0" cy="0"/>
-        </a:xfrm>
-      </p:grpSpPr>
       <p:sp>
         <p:nvSpPr>
           <p:cNvPr id="8" name="Rectangle 7">
@@ -13882,7 +9466,7 @@
           <p:cNvPr id="2" name="Title 1">
             <a:extLst>
               <a:ext uri="{FF2B5EF4-FFF2-40B4-BE49-F238E27FC236}">
-                <a16:creationId xmlns:a16="http://schemas.microsoft.com/office/drawing/2014/main" id="{9E6B7546-74A0-4582-BA7D-F5C943FFAA9E}"/>
+                <a16:creationId xmlns:a16="http://schemas.microsoft.com/office/drawing/2014/main" id="{00076C0A-964D-4A5D-8BF3-42920457AF98}"/>
               </a:ext>
             </a:extLst>
           </p:cNvPr>
@@ -13906,38 +9490,9 @@
           <a:lstStyle/>
           <a:p>
             <a:r>
-              <a:rPr lang="es-ES" dirty="0" err="1"/>
-              <a:t>Where</a:t>
+              <a:rPr lang="en-US" dirty="0"/>
+              <a:t>Clean the data:</a:t>
             </a:r>
-            <a:r>
-              <a:rPr lang="es-ES" dirty="0"/>
-              <a:t> </a:t>
-            </a:r>
-            <a:r>
-              <a:rPr lang="es-ES" dirty="0" err="1"/>
-              <a:t>to</a:t>
-            </a:r>
-            <a:r>
-              <a:rPr lang="es-ES" dirty="0"/>
-              <a:t> open </a:t>
-            </a:r>
-            <a:r>
-              <a:rPr lang="es-ES" dirty="0" err="1"/>
-              <a:t>the</a:t>
-            </a:r>
-            <a:r>
-              <a:rPr lang="es-ES" dirty="0"/>
-              <a:t> </a:t>
-            </a:r>
-            <a:r>
-              <a:rPr lang="es-ES" dirty="0" err="1"/>
-              <a:t>PopUpStore</a:t>
-            </a:r>
-            <a:r>
-              <a:rPr lang="es-ES" dirty="0"/>
-              <a:t>? </a:t>
-            </a:r>
-            <a:endParaRPr lang="en-US" dirty="0"/>
           </a:p>
         </p:txBody>
       </p:sp>
@@ -13946,7 +9501,7 @@
           <p:cNvPr id="3" name="Content Placeholder 2">
             <a:extLst>
               <a:ext uri="{FF2B5EF4-FFF2-40B4-BE49-F238E27FC236}">
-                <a16:creationId xmlns:a16="http://schemas.microsoft.com/office/drawing/2014/main" id="{D692A097-CA4F-4FFC-A846-17835AD96D45}"/>
+                <a16:creationId xmlns:a16="http://schemas.microsoft.com/office/drawing/2014/main" id="{8EEFB641-8E2C-46E7-BEDF-8EB81A57F1C0}"/>
               </a:ext>
             </a:extLst>
           </p:cNvPr>
@@ -13969,94 +9524,87 @@
           </a:bodyPr>
           <a:lstStyle/>
           <a:p>
-            <a:pPr marL="0" indent="0">
-              <a:spcAft>
-                <a:spcPts val="800"/>
-              </a:spcAft>
-              <a:buNone/>
-            </a:pPr>
             <a:r>
-              <a:rPr lang="en-US" sz="2200" dirty="0">
+              <a:rPr lang="en-US" sz="1900" dirty="0">
                 <a:solidFill>
                   <a:schemeClr val="bg1"/>
                 </a:solidFill>
-                <a:effectLst/>
-                <a:latin typeface="Calibri" panose="020F0502020204030204" pitchFamily="34" charset="0"/>
-                <a:ea typeface="Calibri" panose="020F0502020204030204" pitchFamily="34" charset="0"/>
-                <a:cs typeface="Arial" panose="020B0604020202020204" pitchFamily="34" charset="0"/>
               </a:rPr>
-              <a:t>A furniture Retailer wants to be closer the customers in the big city centers. They have decided to be open a bunch of </a:t>
+              <a:t>Get rid of the duplicated rows. I have discovered that half of the flats for selling where duplicated. So, I finalized with 9000 rows of selling flats.</a:t>
             </a:r>
+          </a:p>
+          <a:p>
             <a:r>
-              <a:rPr lang="en-US" sz="2200" dirty="0" err="1">
+              <a:rPr lang="en-US" sz="1900" dirty="0">
                 <a:solidFill>
                   <a:schemeClr val="bg1"/>
                 </a:solidFill>
-                <a:effectLst/>
-                <a:latin typeface="Calibri" panose="020F0502020204030204" pitchFamily="34" charset="0"/>
-                <a:ea typeface="Calibri" panose="020F0502020204030204" pitchFamily="34" charset="0"/>
-                <a:cs typeface="Arial" panose="020B0604020202020204" pitchFamily="34" charset="0"/>
               </a:rPr>
-              <a:t>PopupStores</a:t>
+              <a:t>The json files were dictionaries oriented and I had to normalized all the dictionaries to extract all the values related to the Price, Squared meters, Rooms, Location, terrace, parking, elevator, description of the announce and the links of the flat pictures.</a:t>
             </a:r>
+          </a:p>
+          <a:p>
             <a:r>
-              <a:rPr lang="en-US" sz="2200" dirty="0">
+              <a:rPr lang="en-US" sz="1900" dirty="0">
                 <a:solidFill>
                   <a:schemeClr val="bg1"/>
                 </a:solidFill>
-                <a:effectLst/>
-                <a:latin typeface="Calibri" panose="020F0502020204030204" pitchFamily="34" charset="0"/>
-                <a:ea typeface="Calibri" panose="020F0502020204030204" pitchFamily="34" charset="0"/>
-                <a:cs typeface="Arial" panose="020B0604020202020204" pitchFamily="34" charset="0"/>
               </a:rPr>
-              <a:t> as a leap of faith to validate the assumption that the people will buy their furniture’s in the city centers.</a:t>
+              <a:t>I have dropped all the unnecessary columns.</a:t>
             </a:r>
           </a:p>
           <a:p>
-            <a:pPr marL="0" indent="0">
-              <a:spcAft>
-                <a:spcPts val="800"/>
-              </a:spcAft>
-              <a:buNone/>
-            </a:pPr>
             <a:r>
-              <a:rPr lang="en-US" sz="2200" dirty="0">
+              <a:rPr lang="en-US" sz="1900" dirty="0">
                 <a:solidFill>
                   <a:schemeClr val="bg1"/>
                 </a:solidFill>
-                <a:effectLst/>
-                <a:latin typeface="Calibri" panose="020F0502020204030204" pitchFamily="34" charset="0"/>
-                <a:ea typeface="Calibri" panose="020F0502020204030204" pitchFamily="34" charset="0"/>
-                <a:cs typeface="Arial" panose="020B0604020202020204" pitchFamily="34" charset="0"/>
               </a:rPr>
-              <a:t>The steering group has contacted to the Data Team for helping them to resolve the problem. </a:t>
+              <a:t>I have searched the outliers through boxplot, IQR and Z-Score.</a:t>
             </a:r>
           </a:p>
           <a:p>
-            <a:pPr marL="0" indent="0">
-              <a:spcAft>
-                <a:spcPts val="800"/>
-              </a:spcAft>
-              <a:buNone/>
-            </a:pPr>
             <a:r>
-              <a:rPr lang="en-US" sz="2200" dirty="0">
+              <a:rPr lang="en-US" sz="1900" dirty="0">
                 <a:solidFill>
                   <a:schemeClr val="bg1"/>
                 </a:solidFill>
-                <a:effectLst/>
-                <a:latin typeface="Calibri" panose="020F0502020204030204" pitchFamily="34" charset="0"/>
-                <a:ea typeface="Calibri" panose="020F0502020204030204" pitchFamily="34" charset="0"/>
-                <a:cs typeface="Arial" panose="020B0604020202020204" pitchFamily="34" charset="0"/>
               </a:rPr>
-              <a:t>As a Data analyst I was asked to analyze the current real estate market in Madrid to provide some insights about the location.</a:t>
+              <a:t>I have removed the extreme values.</a:t>
             </a:r>
           </a:p>
           <a:p>
-            <a:pPr marL="0" indent="0">
-              <a:buNone/>
-            </a:pPr>
-            <a:endParaRPr lang="en-US" sz="2200" dirty="0">
+            <a:r>
+              <a:rPr lang="en-US" sz="1900" dirty="0">
+                <a:solidFill>
+                  <a:schemeClr val="bg1"/>
+                </a:solidFill>
+              </a:rPr>
+              <a:t>I have created a new column with the price per squared meter.</a:t>
+            </a:r>
+          </a:p>
+          <a:p>
+            <a:r>
+              <a:rPr lang="en-US" sz="1900" dirty="0">
+                <a:solidFill>
+                  <a:schemeClr val="bg1"/>
+                </a:solidFill>
+              </a:rPr>
+              <a:t>Same process for the Rent apartments.</a:t>
+            </a:r>
+          </a:p>
+          <a:p>
+            <a:r>
+              <a:rPr lang="en-US" sz="1900" dirty="0">
+                <a:solidFill>
+                  <a:schemeClr val="bg1"/>
+                </a:solidFill>
+              </a:rPr>
+              <a:t>Export the files to CSV.</a:t>
+            </a:r>
+          </a:p>
+          <a:p>
+            <a:endParaRPr lang="en-US" sz="1900" dirty="0">
               <a:solidFill>
                 <a:schemeClr val="bg1"/>
               </a:solidFill>
@@ -14067,7 +9615,7 @@
     </p:spTree>
     <p:extLst>
       <p:ext uri="{BB962C8B-B14F-4D97-AF65-F5344CB8AC3E}">
-        <p14:creationId xmlns:p14="http://schemas.microsoft.com/office/powerpoint/2010/main" val="782347343"/>
+        <p14:creationId xmlns:p14="http://schemas.microsoft.com/office/powerpoint/2010/main" val="2296756317"/>
       </p:ext>
     </p:extLst>
   </p:cSld>
@@ -14077,189 +9625,7 @@
 </p:sld>
 </file>
 
-<file path=ppt/slides/slide3.xml><?xml version="1.0" encoding="utf-8"?>
-<p:sld xmlns:a="http://schemas.openxmlformats.org/drawingml/2006/main" xmlns:r="http://schemas.openxmlformats.org/officeDocument/2006/relationships" xmlns:p="http://schemas.openxmlformats.org/presentationml/2006/main">
-  <p:cSld>
-    <p:bg>
-      <p:bgPr>
-        <a:solidFill>
-          <a:schemeClr val="bg1"/>
-        </a:solidFill>
-        <a:effectLst/>
-      </p:bgPr>
-    </p:bg>
-    <p:spTree>
-      <p:nvGrpSpPr>
-        <p:cNvPr id="1" name=""/>
-        <p:cNvGrpSpPr/>
-        <p:nvPr/>
-      </p:nvGrpSpPr>
-      <p:grpSpPr>
-        <a:xfrm>
-          <a:off x="0" y="0"/>
-          <a:ext cx="0" cy="0"/>
-          <a:chOff x="0" y="0"/>
-          <a:chExt cx="0" cy="0"/>
-        </a:xfrm>
-      </p:grpSpPr>
-      <p:sp>
-        <p:nvSpPr>
-          <p:cNvPr id="9" name="Rectangle 8">
-            <a:extLst>
-              <a:ext uri="{FF2B5EF4-FFF2-40B4-BE49-F238E27FC236}">
-                <a16:creationId xmlns:a16="http://schemas.microsoft.com/office/drawing/2014/main" id="{DC8C3900-B8A1-4965-88E6-CBCBFE067207}"/>
-              </a:ext>
-              <a:ext uri="{C183D7F6-B498-43B3-948B-1728B52AA6E4}">
-                <adec:decorative xmlns:adec="http://schemas.microsoft.com/office/drawing/2017/decorative" val="1"/>
-              </a:ext>
-            </a:extLst>
-          </p:cNvPr>
-          <p:cNvSpPr>
-            <a:spLocks noGrp="1" noRot="1" noChangeAspect="1" noMove="1" noResize="1" noEditPoints="1" noAdjustHandles="1" noChangeArrowheads="1" noChangeShapeType="1" noTextEdit="1"/>
-          </p:cNvSpPr>
-          <p:nvPr>
-            <p:extLst>
-              <p:ext uri="{386F3935-93C4-4BCD-93E2-E3B085C9AB24}">
-                <p16:designElem xmlns:p16="http://schemas.microsoft.com/office/powerpoint/2015/main" val="1"/>
-              </p:ext>
-            </p:extLst>
-          </p:nvPr>
-        </p:nvSpPr>
-        <p:spPr>
-          <a:xfrm>
-            <a:off x="0" y="0"/>
-            <a:ext cx="4665945" cy="6858000"/>
-          </a:xfrm>
-          <a:prstGeom prst="rect">
-            <a:avLst/>
-          </a:prstGeom>
-          <a:solidFill>
-            <a:schemeClr val="tx1">
-              <a:lumMod val="75000"/>
-              <a:lumOff val="25000"/>
-            </a:schemeClr>
-          </a:solidFill>
-          <a:ln>
-            <a:noFill/>
-          </a:ln>
-        </p:spPr>
-        <p:style>
-          <a:lnRef idx="2">
-            <a:schemeClr val="accent1">
-              <a:shade val="50000"/>
-            </a:schemeClr>
-          </a:lnRef>
-          <a:fillRef idx="1">
-            <a:schemeClr val="accent1"/>
-          </a:fillRef>
-          <a:effectRef idx="0">
-            <a:schemeClr val="accent1"/>
-          </a:effectRef>
-          <a:fontRef idx="minor">
-            <a:schemeClr val="lt1"/>
-          </a:fontRef>
-        </p:style>
-        <p:txBody>
-          <a:bodyPr rtlCol="0" anchor="ctr"/>
-          <a:lstStyle/>
-          <a:p>
-            <a:pPr algn="ctr"/>
-            <a:endParaRPr lang="en-US"/>
-          </a:p>
-        </p:txBody>
-      </p:sp>
-      <p:sp>
-        <p:nvSpPr>
-          <p:cNvPr id="2" name="Title 1">
-            <a:extLst>
-              <a:ext uri="{FF2B5EF4-FFF2-40B4-BE49-F238E27FC236}">
-                <a16:creationId xmlns:a16="http://schemas.microsoft.com/office/drawing/2014/main" id="{3B7C209A-51CB-4EC5-81FC-77D5263FC83E}"/>
-              </a:ext>
-            </a:extLst>
-          </p:cNvPr>
-          <p:cNvSpPr>
-            <a:spLocks noGrp="1"/>
-          </p:cNvSpPr>
-          <p:nvPr>
-            <p:ph type="title"/>
-          </p:nvPr>
-        </p:nvSpPr>
-        <p:spPr>
-          <a:xfrm>
-            <a:off x="838201" y="624568"/>
-            <a:ext cx="3351755" cy="5412920"/>
-          </a:xfrm>
-        </p:spPr>
-        <p:txBody>
-          <a:bodyPr>
-            <a:normAutofit/>
-          </a:bodyPr>
-          <a:lstStyle/>
-          <a:p>
-            <a:r>
-              <a:rPr lang="es-ES" sz="4000">
-                <a:solidFill>
-                  <a:schemeClr val="bg1"/>
-                </a:solidFill>
-              </a:rPr>
-              <a:t>Challenges</a:t>
-            </a:r>
-            <a:r>
-              <a:rPr lang="en-US" sz="4000">
-                <a:solidFill>
-                  <a:schemeClr val="bg1"/>
-                </a:solidFill>
-              </a:rPr>
-              <a:t> </a:t>
-            </a:r>
-          </a:p>
-        </p:txBody>
-      </p:sp>
-      <p:graphicFrame>
-        <p:nvGraphicFramePr>
-          <p:cNvPr id="5" name="Content Placeholder 2">
-            <a:extLst>
-              <a:ext uri="{FF2B5EF4-FFF2-40B4-BE49-F238E27FC236}">
-                <a16:creationId xmlns:a16="http://schemas.microsoft.com/office/drawing/2014/main" id="{B92B0FCD-1FBD-4437-B982-43BC58239053}"/>
-              </a:ext>
-            </a:extLst>
-          </p:cNvPr>
-          <p:cNvGraphicFramePr>
-            <a:graphicFrameLocks noGrp="1"/>
-          </p:cNvGraphicFramePr>
-          <p:nvPr>
-            <p:ph idx="1"/>
-            <p:extLst>
-              <p:ext uri="{D42A27DB-BD31-4B8C-83A1-F6EECF244321}">
-                <p14:modId xmlns:p14="http://schemas.microsoft.com/office/powerpoint/2010/main" val="2044341479"/>
-              </p:ext>
-            </p:extLst>
-          </p:nvPr>
-        </p:nvGraphicFramePr>
-        <p:xfrm>
-          <a:off x="5392455" y="623888"/>
-          <a:ext cx="5961345" cy="5413600"/>
-        </p:xfrm>
-        <a:graphic>
-          <a:graphicData uri="http://schemas.openxmlformats.org/drawingml/2006/diagram">
-            <dgm:relIds xmlns:dgm="http://schemas.openxmlformats.org/drawingml/2006/diagram" xmlns:r="http://schemas.openxmlformats.org/officeDocument/2006/relationships" r:dm="rId2" r:lo="rId3" r:qs="rId4" r:cs="rId5"/>
-          </a:graphicData>
-        </a:graphic>
-      </p:graphicFrame>
-    </p:spTree>
-    <p:extLst>
-      <p:ext uri="{BB962C8B-B14F-4D97-AF65-F5344CB8AC3E}">
-        <p14:creationId xmlns:p14="http://schemas.microsoft.com/office/powerpoint/2010/main" val="305172541"/>
-      </p:ext>
-    </p:extLst>
-  </p:cSld>
-  <p:clrMapOvr>
-    <a:masterClrMapping/>
-  </p:clrMapOvr>
-</p:sld>
-</file>
-
-<file path=ppt/slides/slide4.xml><?xml version="1.0" encoding="utf-8"?>
+<file path=ppt/slides/slide2.xml><?xml version="1.0" encoding="utf-8"?>
 <p:sld xmlns:a="http://schemas.openxmlformats.org/drawingml/2006/main" xmlns:r="http://schemas.openxmlformats.org/officeDocument/2006/relationships" xmlns:p="http://schemas.openxmlformats.org/presentationml/2006/main">
   <p:cSld>
     <p:bg>
@@ -14614,7 +9980,7 @@
           <p:cNvPr id="2" name="Title 1">
             <a:extLst>
               <a:ext uri="{FF2B5EF4-FFF2-40B4-BE49-F238E27FC236}">
-                <a16:creationId xmlns:a16="http://schemas.microsoft.com/office/drawing/2014/main" id="{DDF7236B-1D6D-4D81-B0BD-67766538C191}"/>
+                <a16:creationId xmlns:a16="http://schemas.microsoft.com/office/drawing/2014/main" id="{9E6B7546-74A0-4582-BA7D-F5C943FFAA9E}"/>
               </a:ext>
             </a:extLst>
           </p:cNvPr>
@@ -14638,9 +10004,38 @@
           <a:lstStyle/>
           <a:p>
             <a:r>
-              <a:rPr lang="en-US" dirty="0"/>
-              <a:t>Process</a:t>
+              <a:rPr lang="es-ES" dirty="0" err="1"/>
+              <a:t>Where</a:t>
             </a:r>
+            <a:r>
+              <a:rPr lang="es-ES" dirty="0"/>
+              <a:t> </a:t>
+            </a:r>
+            <a:r>
+              <a:rPr lang="es-ES" dirty="0" err="1"/>
+              <a:t>to</a:t>
+            </a:r>
+            <a:r>
+              <a:rPr lang="es-ES" dirty="0"/>
+              <a:t> open </a:t>
+            </a:r>
+            <a:r>
+              <a:rPr lang="es-ES" dirty="0" err="1"/>
+              <a:t>the</a:t>
+            </a:r>
+            <a:r>
+              <a:rPr lang="es-ES" dirty="0"/>
+              <a:t> </a:t>
+            </a:r>
+            <a:r>
+              <a:rPr lang="es-ES" dirty="0" err="1"/>
+              <a:t>PopUpStore</a:t>
+            </a:r>
+            <a:r>
+              <a:rPr lang="es-ES" dirty="0"/>
+              <a:t>? </a:t>
+            </a:r>
+            <a:endParaRPr lang="en-US" dirty="0"/>
           </a:p>
         </p:txBody>
       </p:sp>
@@ -14649,7 +10044,7 @@
           <p:cNvPr id="3" name="Content Placeholder 2">
             <a:extLst>
               <a:ext uri="{FF2B5EF4-FFF2-40B4-BE49-F238E27FC236}">
-                <a16:creationId xmlns:a16="http://schemas.microsoft.com/office/drawing/2014/main" id="{5D5B3641-6A16-47C9-AB66-6DCAC5711475}"/>
+                <a16:creationId xmlns:a16="http://schemas.microsoft.com/office/drawing/2014/main" id="{D692A097-CA4F-4FFC-A846-17835AD96D45}"/>
               </a:ext>
             </a:extLst>
           </p:cNvPr>
@@ -14672,6 +10067,713 @@
           </a:bodyPr>
           <a:lstStyle/>
           <a:p>
+            <a:pPr marL="0" indent="0">
+              <a:spcAft>
+                <a:spcPts val="800"/>
+              </a:spcAft>
+              <a:buNone/>
+            </a:pPr>
+            <a:r>
+              <a:rPr lang="en-US" sz="2200" dirty="0">
+                <a:solidFill>
+                  <a:schemeClr val="bg1"/>
+                </a:solidFill>
+                <a:effectLst/>
+                <a:latin typeface="Calibri" panose="020F0502020204030204" pitchFamily="34" charset="0"/>
+                <a:ea typeface="Calibri" panose="020F0502020204030204" pitchFamily="34" charset="0"/>
+                <a:cs typeface="Arial" panose="020B0604020202020204" pitchFamily="34" charset="0"/>
+              </a:rPr>
+              <a:t>A furniture Retailer wants to be closer the customers in the big city centers. They have decided to be open a bunch of </a:t>
+            </a:r>
+            <a:r>
+              <a:rPr lang="en-US" sz="2200" dirty="0" err="1">
+                <a:solidFill>
+                  <a:schemeClr val="bg1"/>
+                </a:solidFill>
+                <a:effectLst/>
+                <a:latin typeface="Calibri" panose="020F0502020204030204" pitchFamily="34" charset="0"/>
+                <a:ea typeface="Calibri" panose="020F0502020204030204" pitchFamily="34" charset="0"/>
+                <a:cs typeface="Arial" panose="020B0604020202020204" pitchFamily="34" charset="0"/>
+              </a:rPr>
+              <a:t>PopupStores</a:t>
+            </a:r>
+            <a:r>
+              <a:rPr lang="en-US" sz="2200" dirty="0">
+                <a:solidFill>
+                  <a:schemeClr val="bg1"/>
+                </a:solidFill>
+                <a:effectLst/>
+                <a:latin typeface="Calibri" panose="020F0502020204030204" pitchFamily="34" charset="0"/>
+                <a:ea typeface="Calibri" panose="020F0502020204030204" pitchFamily="34" charset="0"/>
+                <a:cs typeface="Arial" panose="020B0604020202020204" pitchFamily="34" charset="0"/>
+              </a:rPr>
+              <a:t> as a leap of faith to validate the assumption that the people will buy their furniture’s in the city centers.</a:t>
+            </a:r>
+          </a:p>
+          <a:p>
+            <a:pPr marL="0" indent="0">
+              <a:spcAft>
+                <a:spcPts val="800"/>
+              </a:spcAft>
+              <a:buNone/>
+            </a:pPr>
+            <a:r>
+              <a:rPr lang="en-US" sz="2200" dirty="0">
+                <a:solidFill>
+                  <a:schemeClr val="bg1"/>
+                </a:solidFill>
+                <a:effectLst/>
+                <a:latin typeface="Calibri" panose="020F0502020204030204" pitchFamily="34" charset="0"/>
+                <a:ea typeface="Calibri" panose="020F0502020204030204" pitchFamily="34" charset="0"/>
+                <a:cs typeface="Arial" panose="020B0604020202020204" pitchFamily="34" charset="0"/>
+              </a:rPr>
+              <a:t>The steering group has contacted to the Data Team for helping them to resolve the problem. </a:t>
+            </a:r>
+          </a:p>
+          <a:p>
+            <a:pPr marL="0" indent="0">
+              <a:spcAft>
+                <a:spcPts val="800"/>
+              </a:spcAft>
+              <a:buNone/>
+            </a:pPr>
+            <a:r>
+              <a:rPr lang="en-US" sz="2200" dirty="0">
+                <a:solidFill>
+                  <a:schemeClr val="bg1"/>
+                </a:solidFill>
+                <a:effectLst/>
+                <a:latin typeface="Calibri" panose="020F0502020204030204" pitchFamily="34" charset="0"/>
+                <a:ea typeface="Calibri" panose="020F0502020204030204" pitchFamily="34" charset="0"/>
+                <a:cs typeface="Arial" panose="020B0604020202020204" pitchFamily="34" charset="0"/>
+              </a:rPr>
+              <a:t>As a Data analyst I was asked to analyze the current real estate market in Madrid to provide some insights about the location.</a:t>
+            </a:r>
+          </a:p>
+          <a:p>
+            <a:pPr marL="0" indent="0">
+              <a:buNone/>
+            </a:pPr>
+            <a:endParaRPr lang="en-US" sz="2200" dirty="0">
+              <a:solidFill>
+                <a:schemeClr val="bg1"/>
+              </a:solidFill>
+            </a:endParaRPr>
+          </a:p>
+        </p:txBody>
+      </p:sp>
+    </p:spTree>
+    <p:extLst>
+      <p:ext uri="{BB962C8B-B14F-4D97-AF65-F5344CB8AC3E}">
+        <p14:creationId xmlns:p14="http://schemas.microsoft.com/office/powerpoint/2010/main" val="782347343"/>
+      </p:ext>
+    </p:extLst>
+  </p:cSld>
+  <p:clrMapOvr>
+    <a:overrideClrMapping bg1="dk1" tx1="lt1" bg2="dk2" tx2="lt2" accent1="accent1" accent2="accent2" accent3="accent3" accent4="accent4" accent5="accent5" accent6="accent6" hlink="hlink" folHlink="folHlink"/>
+  </p:clrMapOvr>
+</p:sld>
+</file>
+
+<file path=ppt/slides/slide3.xml><?xml version="1.0" encoding="utf-8"?>
+<p:sld xmlns:a="http://schemas.openxmlformats.org/drawingml/2006/main" xmlns:r="http://schemas.openxmlformats.org/officeDocument/2006/relationships" xmlns:p="http://schemas.openxmlformats.org/presentationml/2006/main">
+  <p:cSld>
+    <p:bg>
+      <p:bgPr>
+        <a:solidFill>
+          <a:schemeClr val="bg1"/>
+        </a:solidFill>
+        <a:effectLst/>
+      </p:bgPr>
+    </p:bg>
+    <p:spTree>
+      <p:nvGrpSpPr>
+        <p:cNvPr id="1" name=""/>
+        <p:cNvGrpSpPr/>
+        <p:nvPr/>
+      </p:nvGrpSpPr>
+      <p:grpSpPr>
+        <a:xfrm>
+          <a:off x="0" y="0"/>
+          <a:ext cx="0" cy="0"/>
+          <a:chOff x="0" y="0"/>
+          <a:chExt cx="0" cy="0"/>
+        </a:xfrm>
+      </p:grpSpPr>
+      <p:sp>
+        <p:nvSpPr>
+          <p:cNvPr id="9" name="Rectangle 8">
+            <a:extLst>
+              <a:ext uri="{FF2B5EF4-FFF2-40B4-BE49-F238E27FC236}">
+                <a16:creationId xmlns:a16="http://schemas.microsoft.com/office/drawing/2014/main" id="{DC8C3900-B8A1-4965-88E6-CBCBFE067207}"/>
+              </a:ext>
+              <a:ext uri="{C183D7F6-B498-43B3-948B-1728B52AA6E4}">
+                <adec:decorative xmlns:adec="http://schemas.microsoft.com/office/drawing/2017/decorative" val="1"/>
+              </a:ext>
+            </a:extLst>
+          </p:cNvPr>
+          <p:cNvSpPr>
+            <a:spLocks noGrp="1" noRot="1" noChangeAspect="1" noMove="1" noResize="1" noEditPoints="1" noAdjustHandles="1" noChangeArrowheads="1" noChangeShapeType="1" noTextEdit="1"/>
+          </p:cNvSpPr>
+          <p:nvPr>
+            <p:extLst>
+              <p:ext uri="{386F3935-93C4-4BCD-93E2-E3B085C9AB24}">
+                <p16:designElem xmlns:p16="http://schemas.microsoft.com/office/powerpoint/2015/main" val="1"/>
+              </p:ext>
+            </p:extLst>
+          </p:nvPr>
+        </p:nvSpPr>
+        <p:spPr>
+          <a:xfrm>
+            <a:off x="0" y="0"/>
+            <a:ext cx="4665945" cy="6858000"/>
+          </a:xfrm>
+          <a:prstGeom prst="rect">
+            <a:avLst/>
+          </a:prstGeom>
+          <a:solidFill>
+            <a:schemeClr val="tx1">
+              <a:lumMod val="75000"/>
+              <a:lumOff val="25000"/>
+            </a:schemeClr>
+          </a:solidFill>
+          <a:ln>
+            <a:noFill/>
+          </a:ln>
+        </p:spPr>
+        <p:style>
+          <a:lnRef idx="2">
+            <a:schemeClr val="accent1">
+              <a:shade val="50000"/>
+            </a:schemeClr>
+          </a:lnRef>
+          <a:fillRef idx="1">
+            <a:schemeClr val="accent1"/>
+          </a:fillRef>
+          <a:effectRef idx="0">
+            <a:schemeClr val="accent1"/>
+          </a:effectRef>
+          <a:fontRef idx="minor">
+            <a:schemeClr val="lt1"/>
+          </a:fontRef>
+        </p:style>
+        <p:txBody>
+          <a:bodyPr rtlCol="0" anchor="ctr"/>
+          <a:lstStyle/>
+          <a:p>
+            <a:pPr algn="ctr"/>
+            <a:endParaRPr lang="en-US"/>
+          </a:p>
+        </p:txBody>
+      </p:sp>
+      <p:sp>
+        <p:nvSpPr>
+          <p:cNvPr id="2" name="Title 1">
+            <a:extLst>
+              <a:ext uri="{FF2B5EF4-FFF2-40B4-BE49-F238E27FC236}">
+                <a16:creationId xmlns:a16="http://schemas.microsoft.com/office/drawing/2014/main" id="{3B7C209A-51CB-4EC5-81FC-77D5263FC83E}"/>
+              </a:ext>
+            </a:extLst>
+          </p:cNvPr>
+          <p:cNvSpPr>
+            <a:spLocks noGrp="1"/>
+          </p:cNvSpPr>
+          <p:nvPr>
+            <p:ph type="title"/>
+          </p:nvPr>
+        </p:nvSpPr>
+        <p:spPr>
+          <a:xfrm>
+            <a:off x="838201" y="624568"/>
+            <a:ext cx="3351755" cy="5412920"/>
+          </a:xfrm>
+        </p:spPr>
+        <p:txBody>
+          <a:bodyPr>
+            <a:normAutofit/>
+          </a:bodyPr>
+          <a:lstStyle/>
+          <a:p>
+            <a:r>
+              <a:rPr lang="es-ES" sz="4000">
+                <a:solidFill>
+                  <a:schemeClr val="bg1"/>
+                </a:solidFill>
+              </a:rPr>
+              <a:t>Challenges</a:t>
+            </a:r>
+            <a:r>
+              <a:rPr lang="en-US" sz="4000">
+                <a:solidFill>
+                  <a:schemeClr val="bg1"/>
+                </a:solidFill>
+              </a:rPr>
+              <a:t> </a:t>
+            </a:r>
+          </a:p>
+        </p:txBody>
+      </p:sp>
+      <p:graphicFrame>
+        <p:nvGraphicFramePr>
+          <p:cNvPr id="5" name="Content Placeholder 2">
+            <a:extLst>
+              <a:ext uri="{FF2B5EF4-FFF2-40B4-BE49-F238E27FC236}">
+                <a16:creationId xmlns:a16="http://schemas.microsoft.com/office/drawing/2014/main" id="{B92B0FCD-1FBD-4437-B982-43BC58239053}"/>
+              </a:ext>
+            </a:extLst>
+          </p:cNvPr>
+          <p:cNvGraphicFramePr>
+            <a:graphicFrameLocks noGrp="1"/>
+          </p:cNvGraphicFramePr>
+          <p:nvPr>
+            <p:ph idx="1"/>
+            <p:extLst>
+              <p:ext uri="{D42A27DB-BD31-4B8C-83A1-F6EECF244321}">
+                <p14:modId xmlns:p14="http://schemas.microsoft.com/office/powerpoint/2010/main" val="2044341479"/>
+              </p:ext>
+            </p:extLst>
+          </p:nvPr>
+        </p:nvGraphicFramePr>
+        <p:xfrm>
+          <a:off x="5392455" y="623888"/>
+          <a:ext cx="5961345" cy="5413600"/>
+        </p:xfrm>
+        <a:graphic>
+          <a:graphicData uri="http://schemas.openxmlformats.org/drawingml/2006/diagram">
+            <dgm:relIds xmlns:dgm="http://schemas.openxmlformats.org/drawingml/2006/diagram" xmlns:r="http://schemas.openxmlformats.org/officeDocument/2006/relationships" r:dm="rId2" r:lo="rId3" r:qs="rId4" r:cs="rId5"/>
+          </a:graphicData>
+        </a:graphic>
+      </p:graphicFrame>
+    </p:spTree>
+    <p:extLst>
+      <p:ext uri="{BB962C8B-B14F-4D97-AF65-F5344CB8AC3E}">
+        <p14:creationId xmlns:p14="http://schemas.microsoft.com/office/powerpoint/2010/main" val="305172541"/>
+      </p:ext>
+    </p:extLst>
+  </p:cSld>
+  <p:clrMapOvr>
+    <a:masterClrMapping/>
+  </p:clrMapOvr>
+</p:sld>
+</file>
+
+<file path=ppt/slides/slide4.xml><?xml version="1.0" encoding="utf-8"?>
+<p:sld xmlns:a="http://schemas.openxmlformats.org/drawingml/2006/main" xmlns:r="http://schemas.openxmlformats.org/officeDocument/2006/relationships" xmlns:p="http://schemas.openxmlformats.org/presentationml/2006/main">
+  <p:cSld>
+    <p:bg>
+      <p:bgPr>
+        <a:solidFill>
+          <a:schemeClr val="bg1"/>
+        </a:solidFill>
+        <a:effectLst/>
+      </p:bgPr>
+    </p:bg>
+    <p:spTree>
+      <p:nvGrpSpPr>
+        <p:cNvPr id="1" name=""/>
+        <p:cNvGrpSpPr/>
+        <p:nvPr/>
+      </p:nvGrpSpPr>
+      <p:grpSpPr>
+        <a:xfrm>
+          <a:off x="0" y="0"/>
+          <a:ext cx="0" cy="0"/>
+          <a:chOff x="0" y="0"/>
+          <a:chExt cx="0" cy="0"/>
+        </a:xfrm>
+      </p:grpSpPr>
+      <p:sp>
+        <p:nvSpPr>
+          <p:cNvPr id="8" name="Rectangle 7">
+            <a:extLst>
+              <a:ext uri="{FF2B5EF4-FFF2-40B4-BE49-F238E27FC236}">
+                <a16:creationId xmlns:a16="http://schemas.microsoft.com/office/drawing/2014/main" id="{C7FA33FF-088D-4F16-95A2-2C64D353DEA8}"/>
+              </a:ext>
+              <a:ext uri="{C183D7F6-B498-43B3-948B-1728B52AA6E4}">
+                <adec:decorative xmlns:adec="http://schemas.microsoft.com/office/drawing/2017/decorative" val="1"/>
+              </a:ext>
+            </a:extLst>
+          </p:cNvPr>
+          <p:cNvSpPr>
+            <a:spLocks noGrp="1" noRot="1" noChangeAspect="1" noMove="1" noResize="1" noEditPoints="1" noAdjustHandles="1" noChangeArrowheads="1" noChangeShapeType="1" noTextEdit="1"/>
+          </p:cNvSpPr>
+          <p:nvPr>
+            <p:extLst>
+              <p:ext uri="{386F3935-93C4-4BCD-93E2-E3B085C9AB24}">
+                <p16:designElem xmlns:p16="http://schemas.microsoft.com/office/powerpoint/2015/main" val="1"/>
+              </p:ext>
+            </p:extLst>
+          </p:nvPr>
+        </p:nvSpPr>
+        <p:spPr>
+          <a:xfrm>
+            <a:off x="1524" y="0"/>
+            <a:ext cx="12188952" cy="6858000"/>
+          </a:xfrm>
+          <a:prstGeom prst="rect">
+            <a:avLst/>
+          </a:prstGeom>
+          <a:solidFill>
+            <a:schemeClr val="tx1"/>
+          </a:solidFill>
+          <a:ln>
+            <a:noFill/>
+          </a:ln>
+        </p:spPr>
+        <p:style>
+          <a:lnRef idx="2">
+            <a:schemeClr val="accent1">
+              <a:shade val="50000"/>
+            </a:schemeClr>
+          </a:lnRef>
+          <a:fillRef idx="1">
+            <a:schemeClr val="accent1"/>
+          </a:fillRef>
+          <a:effectRef idx="0">
+            <a:schemeClr val="accent1"/>
+          </a:effectRef>
+          <a:fontRef idx="minor">
+            <a:schemeClr val="lt1"/>
+          </a:fontRef>
+        </p:style>
+        <p:txBody>
+          <a:bodyPr rtlCol="0" anchor="ctr"/>
+          <a:lstStyle/>
+          <a:p>
+            <a:pPr marL="0" marR="0" lvl="0" indent="0" algn="ctr" defTabSz="914400" rtl="0" eaLnBrk="1" fontAlgn="auto" latinLnBrk="0" hangingPunct="1">
+              <a:lnSpc>
+                <a:spcPct val="100000"/>
+              </a:lnSpc>
+              <a:spcBef>
+                <a:spcPts val="0"/>
+              </a:spcBef>
+              <a:spcAft>
+                <a:spcPts val="0"/>
+              </a:spcAft>
+              <a:buClrTx/>
+              <a:buSzTx/>
+              <a:buFontTx/>
+              <a:buNone/>
+              <a:tabLst/>
+              <a:defRPr/>
+            </a:pPr>
+            <a:endParaRPr kumimoji="0" lang="en-US" sz="1800" b="0" i="0" u="none" strike="noStrike" kern="1200" cap="none" spc="0" normalizeH="0" baseline="0" noProof="0">
+              <a:ln>
+                <a:noFill/>
+              </a:ln>
+              <a:solidFill>
+                <a:prstClr val="white"/>
+              </a:solidFill>
+              <a:effectLst/>
+              <a:uLnTx/>
+              <a:uFillTx/>
+              <a:latin typeface="Calibri" panose="020F0502020204030204"/>
+              <a:ea typeface="+mn-ea"/>
+              <a:cs typeface="+mn-cs"/>
+            </a:endParaRPr>
+          </a:p>
+        </p:txBody>
+      </p:sp>
+      <p:sp>
+        <p:nvSpPr>
+          <p:cNvPr id="10" name="Rectangle 9">
+            <a:extLst>
+              <a:ext uri="{FF2B5EF4-FFF2-40B4-BE49-F238E27FC236}">
+                <a16:creationId xmlns:a16="http://schemas.microsoft.com/office/drawing/2014/main" id="{A376EFB1-01CF-419F-ABF1-2AF02BBFCBD1}"/>
+              </a:ext>
+              <a:ext uri="{C183D7F6-B498-43B3-948B-1728B52AA6E4}">
+                <adec:decorative xmlns:adec="http://schemas.microsoft.com/office/drawing/2017/decorative" val="1"/>
+              </a:ext>
+            </a:extLst>
+          </p:cNvPr>
+          <p:cNvSpPr>
+            <a:spLocks noGrp="1" noRot="1" noChangeAspect="1" noMove="1" noResize="1" noEditPoints="1" noAdjustHandles="1" noChangeArrowheads="1" noChangeShapeType="1" noTextEdit="1"/>
+          </p:cNvSpPr>
+          <p:nvPr>
+            <p:extLst>
+              <p:ext uri="{386F3935-93C4-4BCD-93E2-E3B085C9AB24}">
+                <p16:designElem xmlns:p16="http://schemas.microsoft.com/office/powerpoint/2015/main" val="1"/>
+              </p:ext>
+            </p:extLst>
+          </p:nvPr>
+        </p:nvSpPr>
+        <p:spPr>
+          <a:xfrm>
+            <a:off x="0" y="0"/>
+            <a:ext cx="4709160" cy="6858000"/>
+          </a:xfrm>
+          <a:prstGeom prst="rect">
+            <a:avLst/>
+          </a:prstGeom>
+          <a:solidFill>
+            <a:schemeClr val="bg1">
+              <a:alpha val="81000"/>
+            </a:schemeClr>
+          </a:solidFill>
+          <a:ln>
+            <a:noFill/>
+          </a:ln>
+        </p:spPr>
+        <p:style>
+          <a:lnRef idx="2">
+            <a:schemeClr val="accent1">
+              <a:shade val="50000"/>
+            </a:schemeClr>
+          </a:lnRef>
+          <a:fillRef idx="1">
+            <a:schemeClr val="accent1"/>
+          </a:fillRef>
+          <a:effectRef idx="0">
+            <a:schemeClr val="accent1"/>
+          </a:effectRef>
+          <a:fontRef idx="minor">
+            <a:schemeClr val="lt1"/>
+          </a:fontRef>
+        </p:style>
+        <p:txBody>
+          <a:bodyPr rtlCol="0" anchor="ctr"/>
+          <a:lstStyle/>
+          <a:p>
+            <a:pPr marL="0" marR="0" lvl="0" indent="0" algn="ctr" defTabSz="914400" rtl="0" eaLnBrk="1" fontAlgn="auto" latinLnBrk="0" hangingPunct="1">
+              <a:lnSpc>
+                <a:spcPct val="100000"/>
+              </a:lnSpc>
+              <a:spcBef>
+                <a:spcPts val="0"/>
+              </a:spcBef>
+              <a:spcAft>
+                <a:spcPts val="0"/>
+              </a:spcAft>
+              <a:buClrTx/>
+              <a:buSzTx/>
+              <a:buFontTx/>
+              <a:buNone/>
+              <a:tabLst/>
+              <a:defRPr/>
+            </a:pPr>
+            <a:endParaRPr kumimoji="0" lang="en-US" sz="1800" b="0" i="0" u="none" strike="noStrike" kern="1200" cap="none" spc="0" normalizeH="0" baseline="0" noProof="0">
+              <a:ln>
+                <a:noFill/>
+              </a:ln>
+              <a:solidFill>
+                <a:prstClr val="white"/>
+              </a:solidFill>
+              <a:effectLst/>
+              <a:uLnTx/>
+              <a:uFillTx/>
+              <a:latin typeface="Calibri" panose="020F0502020204030204"/>
+              <a:ea typeface="+mn-ea"/>
+              <a:cs typeface="+mn-cs"/>
+            </a:endParaRPr>
+          </a:p>
+        </p:txBody>
+      </p:sp>
+      <p:sp>
+        <p:nvSpPr>
+          <p:cNvPr id="12" name="Freeform: Shape 11">
+            <a:extLst>
+              <a:ext uri="{FF2B5EF4-FFF2-40B4-BE49-F238E27FC236}">
+                <a16:creationId xmlns:a16="http://schemas.microsoft.com/office/drawing/2014/main" id="{FF9DEA15-78BD-4750-AA18-B9F28A6D5AB8}"/>
+              </a:ext>
+              <a:ext uri="{C183D7F6-B498-43B3-948B-1728B52AA6E4}">
+                <adec:decorative xmlns:adec="http://schemas.microsoft.com/office/drawing/2017/decorative" val="1"/>
+              </a:ext>
+            </a:extLst>
+          </p:cNvPr>
+          <p:cNvSpPr>
+            <a:spLocks noGrp="1" noRot="1" noChangeAspect="1" noMove="1" noResize="1" noEditPoints="1" noAdjustHandles="1" noChangeArrowheads="1" noChangeShapeType="1" noTextEdit="1"/>
+          </p:cNvSpPr>
+          <p:nvPr>
+            <p:extLst>
+              <p:ext uri="{386F3935-93C4-4BCD-93E2-E3B085C9AB24}">
+                <p16:designElem xmlns:p16="http://schemas.microsoft.com/office/powerpoint/2015/main" val="1"/>
+              </p:ext>
+            </p:extLst>
+          </p:nvPr>
+        </p:nvSpPr>
+        <p:spPr>
+          <a:xfrm>
+            <a:off x="0" y="0"/>
+            <a:ext cx="3284331" cy="6858000"/>
+          </a:xfrm>
+          <a:custGeom>
+            <a:avLst/>
+            <a:gdLst>
+              <a:gd name="connsiteX0" fmla="*/ 0 w 4319042"/>
+              <a:gd name="connsiteY0" fmla="*/ 0 h 6858000"/>
+              <a:gd name="connsiteX1" fmla="*/ 1142888 w 4319042"/>
+              <a:gd name="connsiteY1" fmla="*/ 0 h 6858000"/>
+              <a:gd name="connsiteX2" fmla="*/ 4319042 w 4319042"/>
+              <a:gd name="connsiteY2" fmla="*/ 6858000 h 6858000"/>
+              <a:gd name="connsiteX3" fmla="*/ 0 w 4319042"/>
+              <a:gd name="connsiteY3" fmla="*/ 6858000 h 6858000"/>
+            </a:gdLst>
+            <a:ahLst/>
+            <a:cxnLst>
+              <a:cxn ang="0">
+                <a:pos x="connsiteX0" y="connsiteY0"/>
+              </a:cxn>
+              <a:cxn ang="0">
+                <a:pos x="connsiteX1" y="connsiteY1"/>
+              </a:cxn>
+              <a:cxn ang="0">
+                <a:pos x="connsiteX2" y="connsiteY2"/>
+              </a:cxn>
+              <a:cxn ang="0">
+                <a:pos x="connsiteX3" y="connsiteY3"/>
+              </a:cxn>
+            </a:cxnLst>
+            <a:rect l="l" t="t" r="r" b="b"/>
+            <a:pathLst>
+              <a:path w="4319042" h="6858000">
+                <a:moveTo>
+                  <a:pt x="0" y="0"/>
+                </a:moveTo>
+                <a:lnTo>
+                  <a:pt x="1142888" y="0"/>
+                </a:lnTo>
+                <a:lnTo>
+                  <a:pt x="4319042" y="6858000"/>
+                </a:lnTo>
+                <a:lnTo>
+                  <a:pt x="0" y="6858000"/>
+                </a:lnTo>
+                <a:close/>
+              </a:path>
+            </a:pathLst>
+          </a:custGeom>
+          <a:solidFill>
+            <a:schemeClr val="bg1">
+              <a:alpha val="35000"/>
+            </a:schemeClr>
+          </a:solidFill>
+          <a:ln>
+            <a:noFill/>
+          </a:ln>
+        </p:spPr>
+        <p:style>
+          <a:lnRef idx="2">
+            <a:schemeClr val="accent1">
+              <a:shade val="50000"/>
+            </a:schemeClr>
+          </a:lnRef>
+          <a:fillRef idx="1">
+            <a:schemeClr val="accent1"/>
+          </a:fillRef>
+          <a:effectRef idx="0">
+            <a:schemeClr val="accent1"/>
+          </a:effectRef>
+          <a:fontRef idx="minor">
+            <a:schemeClr val="lt1"/>
+          </a:fontRef>
+        </p:style>
+        <p:txBody>
+          <a:bodyPr wrap="square" rtlCol="0" anchor="ctr">
+            <a:noAutofit/>
+          </a:bodyPr>
+          <a:lstStyle/>
+          <a:p>
+            <a:pPr marL="0" marR="0" lvl="0" indent="0" algn="ctr" defTabSz="914400" rtl="0" eaLnBrk="1" fontAlgn="auto" latinLnBrk="0" hangingPunct="1">
+              <a:lnSpc>
+                <a:spcPct val="100000"/>
+              </a:lnSpc>
+              <a:spcBef>
+                <a:spcPts val="0"/>
+              </a:spcBef>
+              <a:spcAft>
+                <a:spcPts val="0"/>
+              </a:spcAft>
+              <a:buClrTx/>
+              <a:buSzTx/>
+              <a:buFontTx/>
+              <a:buNone/>
+              <a:tabLst/>
+              <a:defRPr/>
+            </a:pPr>
+            <a:endParaRPr kumimoji="0" lang="en-US" sz="1800" b="0" i="0" u="none" strike="noStrike" kern="1200" cap="none" spc="0" normalizeH="0" baseline="0" noProof="0">
+              <a:ln>
+                <a:noFill/>
+              </a:ln>
+              <a:solidFill>
+                <a:prstClr val="white"/>
+              </a:solidFill>
+              <a:effectLst/>
+              <a:uLnTx/>
+              <a:uFillTx/>
+              <a:latin typeface="Calibri" panose="020F0502020204030204"/>
+              <a:ea typeface="+mn-ea"/>
+              <a:cs typeface="+mn-cs"/>
+            </a:endParaRPr>
+          </a:p>
+        </p:txBody>
+      </p:sp>
+      <p:sp>
+        <p:nvSpPr>
+          <p:cNvPr id="2" name="Title 1">
+            <a:extLst>
+              <a:ext uri="{FF2B5EF4-FFF2-40B4-BE49-F238E27FC236}">
+                <a16:creationId xmlns:a16="http://schemas.microsoft.com/office/drawing/2014/main" id="{DDF7236B-1D6D-4D81-B0BD-67766538C191}"/>
+              </a:ext>
+            </a:extLst>
+          </p:cNvPr>
+          <p:cNvSpPr>
+            <a:spLocks noGrp="1"/>
+          </p:cNvSpPr>
+          <p:nvPr>
+            <p:ph type="title"/>
+          </p:nvPr>
+        </p:nvSpPr>
+        <p:spPr>
+          <a:xfrm>
+            <a:off x="804671" y="640263"/>
+            <a:ext cx="3284331" cy="5254510"/>
+          </a:xfrm>
+        </p:spPr>
+        <p:txBody>
+          <a:bodyPr>
+            <a:normAutofit/>
+          </a:bodyPr>
+          <a:lstStyle/>
+          <a:p>
+            <a:r>
+              <a:rPr lang="en-US" dirty="0"/>
+              <a:t>Process</a:t>
+            </a:r>
+          </a:p>
+        </p:txBody>
+      </p:sp>
+      <p:sp>
+        <p:nvSpPr>
+          <p:cNvPr id="3" name="Content Placeholder 2">
+            <a:extLst>
+              <a:ext uri="{FF2B5EF4-FFF2-40B4-BE49-F238E27FC236}">
+                <a16:creationId xmlns:a16="http://schemas.microsoft.com/office/drawing/2014/main" id="{5D5B3641-6A16-47C9-AB66-6DCAC5711475}"/>
+              </a:ext>
+            </a:extLst>
+          </p:cNvPr>
+          <p:cNvSpPr>
+            <a:spLocks noGrp="1"/>
+          </p:cNvSpPr>
+          <p:nvPr>
+            <p:ph idx="1"/>
+          </p:nvPr>
+        </p:nvSpPr>
+        <p:spPr>
+          <a:xfrm>
+            <a:off x="5358384" y="640263"/>
+            <a:ext cx="6028944" cy="5254510"/>
+          </a:xfrm>
+        </p:spPr>
+        <p:txBody>
+          <a:bodyPr anchor="ctr">
+            <a:normAutofit/>
+          </a:bodyPr>
+          <a:lstStyle/>
+          <a:p>
+            <a:pPr marL="457200" indent="-457200">
+              <a:buFont typeface="+mj-lt"/>
+              <a:buAutoNum type="arabicPeriod"/>
+            </a:pPr>
             <a:r>
               <a:rPr lang="en-US" sz="2200" dirty="0">
                 <a:solidFill>
@@ -14702,6 +10804,10 @@
             </a:endParaRPr>
           </a:p>
           <a:p>
+            <a:pPr marL="457200" indent="-457200">
+              <a:buFont typeface="+mj-lt"/>
+              <a:buAutoNum type="arabicPeriod"/>
+            </a:pPr>
             <a:r>
               <a:rPr lang="en-US" sz="2200" dirty="0">
                 <a:solidFill>
@@ -14712,6 +10818,10 @@
             </a:r>
           </a:p>
           <a:p>
+            <a:pPr marL="457200" indent="-457200">
+              <a:buFont typeface="+mj-lt"/>
+              <a:buAutoNum type="arabicPeriod"/>
+            </a:pPr>
             <a:r>
               <a:rPr lang="en-US" sz="2200" dirty="0">
                 <a:solidFill>
@@ -14722,6 +10832,10 @@
             </a:r>
           </a:p>
           <a:p>
+            <a:pPr marL="457200" indent="-457200">
+              <a:buFont typeface="+mj-lt"/>
+              <a:buAutoNum type="arabicPeriod"/>
+            </a:pPr>
             <a:r>
               <a:rPr lang="en-US" sz="2200" dirty="0">
                 <a:solidFill>
@@ -14732,6 +10846,10 @@
             </a:r>
           </a:p>
           <a:p>
+            <a:pPr marL="457200" indent="-457200">
+              <a:buFont typeface="+mj-lt"/>
+              <a:buAutoNum type="arabicPeriod"/>
+            </a:pPr>
             <a:r>
               <a:rPr lang="en-US" sz="2200" dirty="0">
                 <a:solidFill>
@@ -14742,6 +10860,10 @@
             </a:r>
           </a:p>
           <a:p>
+            <a:pPr marL="457200" indent="-457200">
+              <a:buFont typeface="+mj-lt"/>
+              <a:buAutoNum type="arabicPeriod"/>
+            </a:pPr>
             <a:r>
               <a:rPr lang="en-US" sz="2200" dirty="0">
                 <a:solidFill>
@@ -14752,6 +10874,10 @@
             </a:r>
           </a:p>
           <a:p>
+            <a:pPr marL="457200" indent="-457200">
+              <a:buFont typeface="+mj-lt"/>
+              <a:buAutoNum type="arabicPeriod"/>
+            </a:pPr>
             <a:r>
               <a:rPr lang="en-US" sz="2200" dirty="0">
                 <a:solidFill>
@@ -14759,32 +10885,6 @@
                 </a:solidFill>
               </a:rPr>
               <a:t>The insights</a:t>
-            </a:r>
-          </a:p>
-          <a:p>
-            <a:r>
-              <a:rPr lang="en-US" sz="2200" dirty="0">
-                <a:solidFill>
-                  <a:schemeClr val="bg1"/>
-                </a:solidFill>
-              </a:rPr>
-              <a:t>Update the </a:t>
-            </a:r>
-            <a:r>
-              <a:rPr lang="en-US" sz="2200" dirty="0" err="1">
-                <a:solidFill>
-                  <a:schemeClr val="bg1"/>
-                </a:solidFill>
-              </a:rPr>
-              <a:t>Github</a:t>
-            </a:r>
-            <a:r>
-              <a:rPr lang="en-US" sz="2200" dirty="0">
-                <a:solidFill>
-                  <a:schemeClr val="bg1"/>
-                </a:solidFill>
-              </a:rPr>
-              <a:t> repo </a:t>
             </a:r>
           </a:p>
           <a:p>
@@ -14825,6 +10925,980 @@
 </file>
 
 <file path=ppt/slides/slide5.xml><?xml version="1.0" encoding="utf-8"?>
+<p:sld xmlns:a="http://schemas.openxmlformats.org/drawingml/2006/main" xmlns:r="http://schemas.openxmlformats.org/officeDocument/2006/relationships" xmlns:p="http://schemas.openxmlformats.org/presentationml/2006/main">
+  <p:cSld>
+    <p:bg>
+      <p:bgPr>
+        <a:solidFill>
+          <a:schemeClr val="bg1"/>
+        </a:solidFill>
+        <a:effectLst/>
+      </p:bgPr>
+    </p:bg>
+    <p:spTree>
+      <p:nvGrpSpPr>
+        <p:cNvPr id="1" name=""/>
+        <p:cNvGrpSpPr/>
+        <p:nvPr/>
+      </p:nvGrpSpPr>
+      <p:grpSpPr>
+        <a:xfrm>
+          <a:off x="0" y="0"/>
+          <a:ext cx="0" cy="0"/>
+          <a:chOff x="0" y="0"/>
+          <a:chExt cx="0" cy="0"/>
+        </a:xfrm>
+      </p:grpSpPr>
+      <p:sp>
+        <p:nvSpPr>
+          <p:cNvPr id="35" name="Rectangle 31">
+            <a:extLst>
+              <a:ext uri="{FF2B5EF4-FFF2-40B4-BE49-F238E27FC236}">
+                <a16:creationId xmlns:a16="http://schemas.microsoft.com/office/drawing/2014/main" id="{4038CB10-1F5C-4D54-9DF7-12586DE5B007}"/>
+              </a:ext>
+              <a:ext uri="{C183D7F6-B498-43B3-948B-1728B52AA6E4}">
+                <adec:decorative xmlns:adec="http://schemas.microsoft.com/office/drawing/2017/decorative" val="1"/>
+              </a:ext>
+            </a:extLst>
+          </p:cNvPr>
+          <p:cNvSpPr>
+            <a:spLocks noGrp="1" noRot="1" noChangeAspect="1" noMove="1" noResize="1" noEditPoints="1" noAdjustHandles="1" noChangeArrowheads="1" noChangeShapeType="1" noTextEdit="1"/>
+          </p:cNvSpPr>
+          <p:nvPr>
+            <p:extLst>
+              <p:ext uri="{386F3935-93C4-4BCD-93E2-E3B085C9AB24}">
+                <p16:designElem xmlns:p16="http://schemas.microsoft.com/office/powerpoint/2015/main" val="1"/>
+              </p:ext>
+            </p:extLst>
+          </p:nvPr>
+        </p:nvSpPr>
+        <p:spPr>
+          <a:xfrm>
+            <a:off x="327546" y="321732"/>
+            <a:ext cx="7058307" cy="1964266"/>
+          </a:xfrm>
+          <a:prstGeom prst="rect">
+            <a:avLst/>
+          </a:prstGeom>
+          <a:solidFill>
+            <a:srgbClr val="6D555D">
+              <a:alpha val="95000"/>
+            </a:srgbClr>
+          </a:solidFill>
+          <a:ln>
+            <a:noFill/>
+          </a:ln>
+        </p:spPr>
+        <p:style>
+          <a:lnRef idx="2">
+            <a:schemeClr val="accent1">
+              <a:shade val="50000"/>
+            </a:schemeClr>
+          </a:lnRef>
+          <a:fillRef idx="1">
+            <a:schemeClr val="accent1"/>
+          </a:fillRef>
+          <a:effectRef idx="0">
+            <a:schemeClr val="accent1"/>
+          </a:effectRef>
+          <a:fontRef idx="minor">
+            <a:schemeClr val="lt1"/>
+          </a:fontRef>
+        </p:style>
+        <p:txBody>
+          <a:bodyPr rtlCol="0" anchor="ctr"/>
+          <a:lstStyle/>
+          <a:p>
+            <a:pPr marL="0" marR="0" lvl="0" indent="0" algn="ctr" defTabSz="914400" rtl="0" eaLnBrk="1" fontAlgn="auto" latinLnBrk="0" hangingPunct="1">
+              <a:lnSpc>
+                <a:spcPct val="100000"/>
+              </a:lnSpc>
+              <a:spcBef>
+                <a:spcPts val="0"/>
+              </a:spcBef>
+              <a:spcAft>
+                <a:spcPts val="0"/>
+              </a:spcAft>
+              <a:buClrTx/>
+              <a:buSzTx/>
+              <a:buFontTx/>
+              <a:buNone/>
+              <a:tabLst/>
+              <a:defRPr/>
+            </a:pPr>
+            <a:endParaRPr kumimoji="0" lang="en-US" sz="1800" b="0" i="0" u="none" strike="noStrike" kern="1200" cap="none" spc="0" normalizeH="0" baseline="0" noProof="0">
+              <a:ln>
+                <a:noFill/>
+              </a:ln>
+              <a:solidFill>
+                <a:prstClr val="white"/>
+              </a:solidFill>
+              <a:effectLst/>
+              <a:uLnTx/>
+              <a:uFillTx/>
+              <a:latin typeface="Calibri" panose="020F0502020204030204"/>
+              <a:ea typeface="+mn-ea"/>
+              <a:cs typeface="+mn-cs"/>
+            </a:endParaRPr>
+          </a:p>
+        </p:txBody>
+      </p:sp>
+      <p:pic>
+        <p:nvPicPr>
+          <p:cNvPr id="6" name="Picture 5" descr="Map&#10;&#10;Description automatically generated">
+            <a:extLst>
+              <a:ext uri="{FF2B5EF4-FFF2-40B4-BE49-F238E27FC236}">
+                <a16:creationId xmlns:a16="http://schemas.microsoft.com/office/drawing/2014/main" id="{29468E92-BE29-4BFD-8DF4-3690BFF701A3}"/>
+              </a:ext>
+            </a:extLst>
+          </p:cNvPr>
+          <p:cNvPicPr>
+            <a:picLocks noChangeAspect="1"/>
+          </p:cNvPicPr>
+          <p:nvPr/>
+        </p:nvPicPr>
+        <p:blipFill rotWithShape="1">
+          <a:blip r:embed="rId2">
+            <a:extLst>
+              <a:ext uri="{28A0092B-C50C-407E-A947-70E740481C1C}">
+                <a14:useLocalDpi xmlns:a14="http://schemas.microsoft.com/office/drawing/2010/main" val="0"/>
+              </a:ext>
+            </a:extLst>
+          </a:blip>
+          <a:srcRect l="2052" r="11023" b="1"/>
+          <a:stretch/>
+        </p:blipFill>
+        <p:spPr>
+          <a:xfrm>
+            <a:off x="321732" y="2456012"/>
+            <a:ext cx="7058306" cy="4080254"/>
+          </a:xfrm>
+          <a:prstGeom prst="rect">
+            <a:avLst/>
+          </a:prstGeom>
+        </p:spPr>
+      </p:pic>
+      <p:sp>
+        <p:nvSpPr>
+          <p:cNvPr id="34" name="Rectangle 33">
+            <a:extLst>
+              <a:ext uri="{FF2B5EF4-FFF2-40B4-BE49-F238E27FC236}">
+                <a16:creationId xmlns:a16="http://schemas.microsoft.com/office/drawing/2014/main" id="{73ED6512-6858-4552-B699-9A97FE9A4EA2}"/>
+              </a:ext>
+              <a:ext uri="{C183D7F6-B498-43B3-948B-1728B52AA6E4}">
+                <adec:decorative xmlns:adec="http://schemas.microsoft.com/office/drawing/2017/decorative" val="1"/>
+              </a:ext>
+            </a:extLst>
+          </p:cNvPr>
+          <p:cNvSpPr>
+            <a:spLocks noGrp="1" noRot="1" noChangeAspect="1" noMove="1" noResize="1" noEditPoints="1" noAdjustHandles="1" noChangeArrowheads="1" noChangeShapeType="1" noTextEdit="1"/>
+          </p:cNvSpPr>
+          <p:nvPr>
+            <p:extLst>
+              <p:ext uri="{386F3935-93C4-4BCD-93E2-E3B085C9AB24}">
+                <p16:designElem xmlns:p16="http://schemas.microsoft.com/office/powerpoint/2015/main" val="1"/>
+              </p:ext>
+            </p:extLst>
+          </p:nvPr>
+        </p:nvSpPr>
+        <p:spPr>
+          <a:xfrm>
+            <a:off x="7556975" y="321732"/>
+            <a:ext cx="4313293" cy="6214534"/>
+          </a:xfrm>
+          <a:prstGeom prst="rect">
+            <a:avLst/>
+          </a:prstGeom>
+          <a:solidFill>
+            <a:srgbClr val="595959"/>
+          </a:solidFill>
+          <a:ln>
+            <a:noFill/>
+          </a:ln>
+        </p:spPr>
+        <p:style>
+          <a:lnRef idx="2">
+            <a:schemeClr val="accent1">
+              <a:shade val="50000"/>
+            </a:schemeClr>
+          </a:lnRef>
+          <a:fillRef idx="1">
+            <a:schemeClr val="accent1"/>
+          </a:fillRef>
+          <a:effectRef idx="0">
+            <a:schemeClr val="accent1"/>
+          </a:effectRef>
+          <a:fontRef idx="minor">
+            <a:schemeClr val="lt1"/>
+          </a:fontRef>
+        </p:style>
+        <p:txBody>
+          <a:bodyPr rtlCol="0" anchor="ctr"/>
+          <a:lstStyle/>
+          <a:p>
+            <a:pPr marL="0" marR="0" lvl="0" indent="0" algn="ctr" defTabSz="914400" rtl="0" eaLnBrk="1" fontAlgn="auto" latinLnBrk="0" hangingPunct="1">
+              <a:lnSpc>
+                <a:spcPct val="100000"/>
+              </a:lnSpc>
+              <a:spcBef>
+                <a:spcPts val="0"/>
+              </a:spcBef>
+              <a:spcAft>
+                <a:spcPts val="0"/>
+              </a:spcAft>
+              <a:buClrTx/>
+              <a:buSzTx/>
+              <a:buFontTx/>
+              <a:buNone/>
+              <a:tabLst/>
+              <a:defRPr/>
+            </a:pPr>
+            <a:endParaRPr kumimoji="0" lang="en-US" sz="1800" b="0" i="0" u="none" strike="noStrike" kern="1200" cap="none" spc="0" normalizeH="0" baseline="0" noProof="0">
+              <a:ln>
+                <a:noFill/>
+              </a:ln>
+              <a:solidFill>
+                <a:prstClr val="white"/>
+              </a:solidFill>
+              <a:effectLst/>
+              <a:uLnTx/>
+              <a:uFillTx/>
+              <a:latin typeface="Calibri" panose="020F0502020204030204"/>
+              <a:ea typeface="+mn-ea"/>
+              <a:cs typeface="+mn-cs"/>
+            </a:endParaRPr>
+          </a:p>
+        </p:txBody>
+      </p:sp>
+      <p:sp>
+        <p:nvSpPr>
+          <p:cNvPr id="3" name="Content Placeholder 2">
+            <a:extLst>
+              <a:ext uri="{FF2B5EF4-FFF2-40B4-BE49-F238E27FC236}">
+                <a16:creationId xmlns:a16="http://schemas.microsoft.com/office/drawing/2014/main" id="{562D2978-F040-4DA8-A4AB-15BA8605A26A}"/>
+              </a:ext>
+            </a:extLst>
+          </p:cNvPr>
+          <p:cNvSpPr>
+            <a:spLocks noGrp="1"/>
+          </p:cNvSpPr>
+          <p:nvPr>
+            <p:ph idx="1"/>
+          </p:nvPr>
+        </p:nvSpPr>
+        <p:spPr>
+          <a:xfrm>
+            <a:off x="7551160" y="321732"/>
+            <a:ext cx="4313293" cy="6214534"/>
+          </a:xfrm>
+        </p:spPr>
+        <p:txBody>
+          <a:bodyPr anchor="ctr">
+            <a:normAutofit/>
+          </a:bodyPr>
+          <a:lstStyle/>
+          <a:p>
+            <a:r>
+              <a:rPr lang="en-US" sz="1800" b="1" dirty="0" err="1">
+                <a:solidFill>
+                  <a:srgbClr val="FFFFFF"/>
+                </a:solidFill>
+              </a:rPr>
+              <a:t>Chamberi</a:t>
+            </a:r>
+            <a:r>
+              <a:rPr lang="en-US" sz="1800" b="1" dirty="0">
+                <a:solidFill>
+                  <a:srgbClr val="FFFFFF"/>
+                </a:solidFill>
+              </a:rPr>
+              <a:t>, </a:t>
+            </a:r>
+            <a:r>
+              <a:rPr lang="en-US" sz="1800" b="1" dirty="0" err="1">
+                <a:solidFill>
+                  <a:srgbClr val="FFFFFF"/>
+                </a:solidFill>
+              </a:rPr>
+              <a:t>Tetuan</a:t>
+            </a:r>
+            <a:r>
+              <a:rPr lang="en-US" sz="1800" b="1" dirty="0">
+                <a:solidFill>
+                  <a:srgbClr val="FFFFFF"/>
+                </a:solidFill>
+              </a:rPr>
+              <a:t> and Chamartín are adjacent districts. Together have the 18.03% selling flats and 26,6 % of renting flats of the real estate current Market. A location between the three districts will be suitable.</a:t>
+            </a:r>
+          </a:p>
+          <a:p>
+            <a:pPr marL="0" indent="0">
+              <a:buNone/>
+            </a:pPr>
+            <a:endParaRPr lang="en-US" sz="1400" dirty="0">
+              <a:solidFill>
+                <a:srgbClr val="FFFFFF"/>
+              </a:solidFill>
+            </a:endParaRPr>
+          </a:p>
+          <a:p>
+            <a:pPr marL="0" indent="0">
+              <a:buNone/>
+            </a:pPr>
+            <a:endParaRPr lang="en-US" sz="1400" dirty="0">
+              <a:solidFill>
+                <a:srgbClr val="FFFFFF"/>
+              </a:solidFill>
+            </a:endParaRPr>
+          </a:p>
+          <a:p>
+            <a:r>
+              <a:rPr lang="en-US" sz="1400" dirty="0">
+                <a:solidFill>
+                  <a:srgbClr val="FFFFFF"/>
+                </a:solidFill>
+              </a:rPr>
+              <a:t>The neighborhoods with the highest number of apartments on sale and renting are Center (sol) and Salamanca’s neighborhoods. </a:t>
+            </a:r>
+          </a:p>
+          <a:p>
+            <a:pPr marL="0" indent="0">
+              <a:buNone/>
+            </a:pPr>
+            <a:endParaRPr lang="en-US" sz="1400" dirty="0">
+              <a:solidFill>
+                <a:srgbClr val="FFFFFF"/>
+              </a:solidFill>
+            </a:endParaRPr>
+          </a:p>
+          <a:p>
+            <a:pPr lvl="1"/>
+            <a:r>
+              <a:rPr lang="en-US" sz="1400" dirty="0">
+                <a:solidFill>
+                  <a:srgbClr val="FFFFFF"/>
+                </a:solidFill>
+              </a:rPr>
+              <a:t>The business competition is in the area. </a:t>
+            </a:r>
+          </a:p>
+          <a:p>
+            <a:pPr lvl="1"/>
+            <a:r>
+              <a:rPr lang="en-US" sz="1400" dirty="0">
+                <a:solidFill>
+                  <a:srgbClr val="FFFFFF"/>
+                </a:solidFill>
+              </a:rPr>
+              <a:t>The price per meter is expensive in both locations, the hypothesis is that these areas have not a regular turnover. This hypothesis needs to be validated with other kind of data.</a:t>
+            </a:r>
+          </a:p>
+          <a:p>
+            <a:pPr marL="0" indent="0">
+              <a:buNone/>
+            </a:pPr>
+            <a:endParaRPr lang="en-US" sz="1400" dirty="0">
+              <a:solidFill>
+                <a:srgbClr val="FFFFFF"/>
+              </a:solidFill>
+            </a:endParaRPr>
+          </a:p>
+          <a:p>
+            <a:pPr marL="0" indent="0">
+              <a:buNone/>
+            </a:pPr>
+            <a:endParaRPr lang="en-US" sz="1400" dirty="0">
+              <a:solidFill>
+                <a:srgbClr val="FFFFFF"/>
+              </a:solidFill>
+            </a:endParaRPr>
+          </a:p>
+          <a:p>
+            <a:r>
+              <a:rPr lang="en-US" sz="1400" dirty="0" err="1">
+                <a:solidFill>
+                  <a:srgbClr val="FFFFFF"/>
+                </a:solidFill>
+              </a:rPr>
+              <a:t>Carabanchel</a:t>
+            </a:r>
+            <a:r>
+              <a:rPr lang="en-US" sz="1400" dirty="0">
+                <a:solidFill>
+                  <a:srgbClr val="FFFFFF"/>
+                </a:solidFill>
+              </a:rPr>
+              <a:t> and Puente de </a:t>
+            </a:r>
+            <a:r>
+              <a:rPr lang="en-US" sz="1400" dirty="0" err="1">
+                <a:solidFill>
+                  <a:srgbClr val="FFFFFF"/>
+                </a:solidFill>
+              </a:rPr>
+              <a:t>Vallecas</a:t>
+            </a:r>
+            <a:r>
+              <a:rPr lang="en-US" sz="1400" dirty="0">
+                <a:solidFill>
+                  <a:srgbClr val="FFFFFF"/>
+                </a:solidFill>
+              </a:rPr>
+              <a:t> are two areas with potential, but the average squared meters and the number of rooms are smaller than the same values in the above districts.</a:t>
+            </a:r>
+          </a:p>
+          <a:p>
+            <a:endParaRPr lang="en-US" sz="1100" dirty="0">
+              <a:solidFill>
+                <a:srgbClr val="FFFFFF"/>
+              </a:solidFill>
+            </a:endParaRPr>
+          </a:p>
+        </p:txBody>
+      </p:sp>
+      <p:sp>
+        <p:nvSpPr>
+          <p:cNvPr id="2" name="Title 1">
+            <a:extLst>
+              <a:ext uri="{FF2B5EF4-FFF2-40B4-BE49-F238E27FC236}">
+                <a16:creationId xmlns:a16="http://schemas.microsoft.com/office/drawing/2014/main" id="{A944C532-CF9F-4F1B-918E-5AB2FE8DEFA1}"/>
+              </a:ext>
+            </a:extLst>
+          </p:cNvPr>
+          <p:cNvSpPr>
+            <a:spLocks noGrp="1"/>
+          </p:cNvSpPr>
+          <p:nvPr>
+            <p:ph type="title"/>
+          </p:nvPr>
+        </p:nvSpPr>
+        <p:spPr>
+          <a:xfrm>
+            <a:off x="524256" y="491260"/>
+            <a:ext cx="6594189" cy="1625210"/>
+          </a:xfrm>
+        </p:spPr>
+        <p:txBody>
+          <a:bodyPr>
+            <a:normAutofit/>
+          </a:bodyPr>
+          <a:lstStyle/>
+          <a:p>
+            <a:br>
+              <a:rPr lang="en-US" sz="3700" b="1" i="0" dirty="0">
+                <a:solidFill>
+                  <a:srgbClr val="FFFFFF"/>
+                </a:solidFill>
+                <a:effectLst/>
+                <a:latin typeface="-apple-system"/>
+              </a:rPr>
+            </a:br>
+            <a:r>
+              <a:rPr lang="en-US" sz="3700" dirty="0">
+                <a:solidFill>
+                  <a:srgbClr val="FFFFFF"/>
+                </a:solidFill>
+              </a:rPr>
+              <a:t>The insights:</a:t>
+            </a:r>
+            <a:br>
+              <a:rPr lang="en-US" sz="3700" b="1" i="0" dirty="0">
+                <a:solidFill>
+                  <a:srgbClr val="FFFFFF"/>
+                </a:solidFill>
+                <a:effectLst/>
+                <a:latin typeface="-apple-system"/>
+              </a:rPr>
+            </a:br>
+            <a:endParaRPr lang="en-US" sz="3700" dirty="0">
+              <a:solidFill>
+                <a:srgbClr val="FFFFFF"/>
+              </a:solidFill>
+            </a:endParaRPr>
+          </a:p>
+        </p:txBody>
+      </p:sp>
+    </p:spTree>
+    <p:extLst>
+      <p:ext uri="{BB962C8B-B14F-4D97-AF65-F5344CB8AC3E}">
+        <p14:creationId xmlns:p14="http://schemas.microsoft.com/office/powerpoint/2010/main" val="65169173"/>
+      </p:ext>
+    </p:extLst>
+  </p:cSld>
+  <p:clrMapOvr>
+    <a:masterClrMapping/>
+  </p:clrMapOvr>
+</p:sld>
+</file>
+
+<file path=ppt/slides/slide6.xml><?xml version="1.0" encoding="utf-8"?>
+<p:sld xmlns:a="http://schemas.openxmlformats.org/drawingml/2006/main" xmlns:r="http://schemas.openxmlformats.org/officeDocument/2006/relationships" xmlns:p="http://schemas.openxmlformats.org/presentationml/2006/main">
+  <p:cSld>
+    <p:bg>
+      <p:bgPr>
+        <a:solidFill>
+          <a:schemeClr val="bg1">
+            <a:tint val="95000"/>
+            <a:satMod val="170000"/>
+          </a:schemeClr>
+        </a:solidFill>
+        <a:effectLst/>
+      </p:bgPr>
+    </p:bg>
+    <p:spTree>
+      <p:nvGrpSpPr>
+        <p:cNvPr id="1" name=""/>
+        <p:cNvGrpSpPr/>
+        <p:nvPr/>
+      </p:nvGrpSpPr>
+      <p:grpSpPr>
+        <a:xfrm>
+          <a:off x="0" y="0"/>
+          <a:ext cx="0" cy="0"/>
+          <a:chOff x="0" y="0"/>
+          <a:chExt cx="0" cy="0"/>
+        </a:xfrm>
+      </p:grpSpPr>
+      <p:pic>
+        <p:nvPicPr>
+          <p:cNvPr id="5" name="Picture 4" descr="Map&#10;&#10;Description automatically generated">
+            <a:extLst>
+              <a:ext uri="{FF2B5EF4-FFF2-40B4-BE49-F238E27FC236}">
+                <a16:creationId xmlns:a16="http://schemas.microsoft.com/office/drawing/2014/main" id="{0340C631-B396-45DD-8044-475127764F50}"/>
+              </a:ext>
+            </a:extLst>
+          </p:cNvPr>
+          <p:cNvPicPr>
+            <a:picLocks noChangeAspect="1"/>
+          </p:cNvPicPr>
+          <p:nvPr/>
+        </p:nvPicPr>
+        <p:blipFill rotWithShape="1">
+          <a:blip r:embed="rId2">
+            <a:extLst>
+              <a:ext uri="{28A0092B-C50C-407E-A947-70E740481C1C}">
+                <a14:useLocalDpi xmlns:a14="http://schemas.microsoft.com/office/drawing/2010/main" val="0"/>
+              </a:ext>
+            </a:extLst>
+          </a:blip>
+          <a:srcRect r="1639" b="1"/>
+          <a:stretch/>
+        </p:blipFill>
+        <p:spPr>
+          <a:xfrm>
+            <a:off x="643467" y="643467"/>
+            <a:ext cx="10905066" cy="5571066"/>
+          </a:xfrm>
+          <a:prstGeom prst="rect">
+            <a:avLst/>
+          </a:prstGeom>
+        </p:spPr>
+      </p:pic>
+    </p:spTree>
+    <p:extLst>
+      <p:ext uri="{BB962C8B-B14F-4D97-AF65-F5344CB8AC3E}">
+        <p14:creationId xmlns:p14="http://schemas.microsoft.com/office/powerpoint/2010/main" val="2281057664"/>
+      </p:ext>
+    </p:extLst>
+  </p:cSld>
+  <p:clrMapOvr>
+    <a:overrideClrMapping bg1="dk1" tx1="lt1" bg2="dk2" tx2="lt2" accent1="accent1" accent2="accent2" accent3="accent3" accent4="accent4" accent5="accent5" accent6="accent6" hlink="hlink" folHlink="folHlink"/>
+  </p:clrMapOvr>
+</p:sld>
+</file>
+
+<file path=ppt/slides/slide7.xml><?xml version="1.0" encoding="utf-8"?>
+<p:sld xmlns:a="http://schemas.openxmlformats.org/drawingml/2006/main" xmlns:r="http://schemas.openxmlformats.org/officeDocument/2006/relationships" xmlns:p="http://schemas.openxmlformats.org/presentationml/2006/main">
+  <p:cSld>
+    <p:bg>
+      <p:bgPr>
+        <a:solidFill>
+          <a:schemeClr val="bg1"/>
+        </a:solidFill>
+        <a:effectLst/>
+      </p:bgPr>
+    </p:bg>
+    <p:spTree>
+      <p:nvGrpSpPr>
+        <p:cNvPr id="1" name=""/>
+        <p:cNvGrpSpPr/>
+        <p:nvPr/>
+      </p:nvGrpSpPr>
+      <p:grpSpPr>
+        <a:xfrm>
+          <a:off x="0" y="0"/>
+          <a:ext cx="0" cy="0"/>
+          <a:chOff x="0" y="0"/>
+          <a:chExt cx="0" cy="0"/>
+        </a:xfrm>
+      </p:grpSpPr>
+      <p:sp>
+        <p:nvSpPr>
+          <p:cNvPr id="11" name="Rectangle 10">
+            <a:extLst>
+              <a:ext uri="{FF2B5EF4-FFF2-40B4-BE49-F238E27FC236}">
+                <a16:creationId xmlns:a16="http://schemas.microsoft.com/office/drawing/2014/main" id="{823AC064-BC96-4F32-8AE1-B2FD38754823}"/>
+              </a:ext>
+              <a:ext uri="{C183D7F6-B498-43B3-948B-1728B52AA6E4}">
+                <adec:decorative xmlns:adec="http://schemas.microsoft.com/office/drawing/2017/decorative" val="1"/>
+              </a:ext>
+            </a:extLst>
+          </p:cNvPr>
+          <p:cNvSpPr>
+            <a:spLocks noGrp="1" noRot="1" noChangeAspect="1" noMove="1" noResize="1" noEditPoints="1" noAdjustHandles="1" noChangeArrowheads="1" noChangeShapeType="1" noTextEdit="1"/>
+          </p:cNvSpPr>
+          <p:nvPr>
+            <p:extLst>
+              <p:ext uri="{386F3935-93C4-4BCD-93E2-E3B085C9AB24}">
+                <p16:designElem xmlns:p16="http://schemas.microsoft.com/office/powerpoint/2015/main" val="1"/>
+              </p:ext>
+            </p:extLst>
+          </p:nvPr>
+        </p:nvSpPr>
+        <p:spPr bwMode="ltGray">
+          <a:xfrm>
+            <a:off x="396882" y="280374"/>
+            <a:ext cx="11438793" cy="1844256"/>
+          </a:xfrm>
+          <a:prstGeom prst="rect">
+            <a:avLst/>
+          </a:prstGeom>
+          <a:solidFill>
+            <a:srgbClr val="404040"/>
+          </a:solidFill>
+          <a:ln w="127000" cap="sq" cmpd="thinThick">
+            <a:solidFill>
+              <a:srgbClr val="404040"/>
+            </a:solidFill>
+          </a:ln>
+        </p:spPr>
+        <p:style>
+          <a:lnRef idx="2">
+            <a:schemeClr val="accent1">
+              <a:shade val="50000"/>
+            </a:schemeClr>
+          </a:lnRef>
+          <a:fillRef idx="1">
+            <a:schemeClr val="accent1"/>
+          </a:fillRef>
+          <a:effectRef idx="0">
+            <a:schemeClr val="accent1"/>
+          </a:effectRef>
+          <a:fontRef idx="minor">
+            <a:schemeClr val="lt1"/>
+          </a:fontRef>
+        </p:style>
+        <p:txBody>
+          <a:bodyPr rtlCol="0" anchor="ctr"/>
+          <a:lstStyle/>
+          <a:p>
+            <a:pPr algn="ctr"/>
+            <a:endParaRPr lang="en-US"/>
+          </a:p>
+        </p:txBody>
+      </p:sp>
+      <p:sp>
+        <p:nvSpPr>
+          <p:cNvPr id="2" name="Title 1">
+            <a:extLst>
+              <a:ext uri="{FF2B5EF4-FFF2-40B4-BE49-F238E27FC236}">
+                <a16:creationId xmlns:a16="http://schemas.microsoft.com/office/drawing/2014/main" id="{C5CCCDB2-F4CC-4224-89C0-EACDD0F09E7B}"/>
+              </a:ext>
+            </a:extLst>
+          </p:cNvPr>
+          <p:cNvSpPr>
+            <a:spLocks noGrp="1"/>
+          </p:cNvSpPr>
+          <p:nvPr>
+            <p:ph type="title"/>
+          </p:nvPr>
+        </p:nvSpPr>
+        <p:spPr>
+          <a:xfrm>
+            <a:off x="546351" y="433545"/>
+            <a:ext cx="11139854" cy="930447"/>
+          </a:xfrm>
+        </p:spPr>
+        <p:txBody>
+          <a:bodyPr vert="horz" lIns="91440" tIns="45720" rIns="91440" bIns="45720" rtlCol="0" anchor="b">
+            <a:normAutofit/>
+          </a:bodyPr>
+          <a:lstStyle/>
+          <a:p>
+            <a:pPr algn="ctr"/>
+            <a:r>
+              <a:rPr lang="en-US" sz="5400">
+                <a:solidFill>
+                  <a:srgbClr val="FFFFFF"/>
+                </a:solidFill>
+              </a:rPr>
+              <a:t>Tables for getting the insights</a:t>
+            </a:r>
+          </a:p>
+        </p:txBody>
+      </p:sp>
+      <p:cxnSp>
+        <p:nvCxnSpPr>
+          <p:cNvPr id="13" name="Straight Connector 12">
+            <a:extLst>
+              <a:ext uri="{FF2B5EF4-FFF2-40B4-BE49-F238E27FC236}">
+                <a16:creationId xmlns:a16="http://schemas.microsoft.com/office/drawing/2014/main" id="{7E7C77BC-7138-40B1-A15B-20F57A494629}"/>
+              </a:ext>
+              <a:ext uri="{C183D7F6-B498-43B3-948B-1728B52AA6E4}">
+                <adec:decorative xmlns:adec="http://schemas.microsoft.com/office/drawing/2017/decorative" val="1"/>
+              </a:ext>
+            </a:extLst>
+          </p:cNvPr>
+          <p:cNvCxnSpPr>
+            <a:cxnSpLocks noGrp="1" noRot="1" noChangeAspect="1" noMove="1" noResize="1" noEditPoints="1" noAdjustHandles="1" noChangeArrowheads="1" noChangeShapeType="1"/>
+          </p:cNvCxnSpPr>
+          <p:nvPr>
+            <p:extLst>
+              <p:ext uri="{386F3935-93C4-4BCD-93E2-E3B085C9AB24}">
+                <p16:designElem xmlns:p16="http://schemas.microsoft.com/office/powerpoint/2015/main" val="1"/>
+              </p:ext>
+            </p:extLst>
+          </p:nvPr>
+        </p:nvCxnSpPr>
+        <p:spPr>
+          <a:xfrm>
+            <a:off x="2230078" y="1522292"/>
+            <a:ext cx="7772400" cy="0"/>
+          </a:xfrm>
+          <a:prstGeom prst="line">
+            <a:avLst/>
+          </a:prstGeom>
+          <a:ln w="22225">
+            <a:solidFill>
+              <a:srgbClr val="D9D9D9"/>
+            </a:solidFill>
+          </a:ln>
+        </p:spPr>
+        <p:style>
+          <a:lnRef idx="1">
+            <a:schemeClr val="accent1"/>
+          </a:lnRef>
+          <a:fillRef idx="0">
+            <a:schemeClr val="accent1"/>
+          </a:fillRef>
+          <a:effectRef idx="0">
+            <a:schemeClr val="accent1"/>
+          </a:effectRef>
+          <a:fontRef idx="minor">
+            <a:schemeClr val="tx1"/>
+          </a:fontRef>
+        </p:style>
+      </p:cxnSp>
+      <p:pic>
+        <p:nvPicPr>
+          <p:cNvPr id="6" name="Picture 5">
+            <a:extLst>
+              <a:ext uri="{FF2B5EF4-FFF2-40B4-BE49-F238E27FC236}">
+                <a16:creationId xmlns:a16="http://schemas.microsoft.com/office/drawing/2014/main" id="{C70692EC-80B3-430A-B435-948BFA47EBF6}"/>
+              </a:ext>
+            </a:extLst>
+          </p:cNvPr>
+          <p:cNvPicPr>
+            <a:picLocks noChangeAspect="1"/>
+          </p:cNvPicPr>
+          <p:nvPr/>
+        </p:nvPicPr>
+        <p:blipFill>
+          <a:blip r:embed="rId2"/>
+          <a:stretch>
+            <a:fillRect/>
+          </a:stretch>
+        </p:blipFill>
+        <p:spPr>
+          <a:xfrm>
+            <a:off x="1313960" y="2734552"/>
+            <a:ext cx="3417979" cy="3997637"/>
+          </a:xfrm>
+          <a:prstGeom prst="rect">
+            <a:avLst/>
+          </a:prstGeom>
+        </p:spPr>
+      </p:pic>
+      <p:cxnSp>
+        <p:nvCxnSpPr>
+          <p:cNvPr id="15" name="Straight Connector 14">
+            <a:extLst>
+              <a:ext uri="{FF2B5EF4-FFF2-40B4-BE49-F238E27FC236}">
+                <a16:creationId xmlns:a16="http://schemas.microsoft.com/office/drawing/2014/main" id="{DB146403-F3D6-484B-B2ED-97F9565D0370}"/>
+              </a:ext>
+              <a:ext uri="{C183D7F6-B498-43B3-948B-1728B52AA6E4}">
+                <adec:decorative xmlns:adec="http://schemas.microsoft.com/office/drawing/2017/decorative" val="1"/>
+              </a:ext>
+            </a:extLst>
+          </p:cNvPr>
+          <p:cNvCxnSpPr>
+            <a:cxnSpLocks noGrp="1" noRot="1" noChangeAspect="1" noMove="1" noResize="1" noEditPoints="1" noAdjustHandles="1" noChangeArrowheads="1" noChangeShapeType="1"/>
+          </p:cNvCxnSpPr>
+          <p:nvPr>
+            <p:extLst>
+              <p:ext uri="{386F3935-93C4-4BCD-93E2-E3B085C9AB24}">
+                <p16:designElem xmlns:p16="http://schemas.microsoft.com/office/powerpoint/2015/main" val="1"/>
+              </p:ext>
+            </p:extLst>
+          </p:nvPr>
+        </p:nvCxnSpPr>
+        <p:spPr>
+          <a:xfrm>
+            <a:off x="6116278" y="2596836"/>
+            <a:ext cx="0" cy="3657600"/>
+          </a:xfrm>
+          <a:prstGeom prst="line">
+            <a:avLst/>
+          </a:prstGeom>
+          <a:ln w="101600" cmpd="dbl">
+            <a:solidFill>
+              <a:srgbClr val="595959"/>
+            </a:solidFill>
+          </a:ln>
+        </p:spPr>
+        <p:style>
+          <a:lnRef idx="1">
+            <a:schemeClr val="accent1"/>
+          </a:lnRef>
+          <a:fillRef idx="0">
+            <a:schemeClr val="accent1"/>
+          </a:fillRef>
+          <a:effectRef idx="0">
+            <a:schemeClr val="accent1"/>
+          </a:effectRef>
+          <a:fontRef idx="minor">
+            <a:schemeClr val="tx1"/>
+          </a:fontRef>
+        </p:style>
+      </p:cxnSp>
+      <p:pic>
+        <p:nvPicPr>
+          <p:cNvPr id="4" name="Picture 3">
+            <a:extLst>
+              <a:ext uri="{FF2B5EF4-FFF2-40B4-BE49-F238E27FC236}">
+                <a16:creationId xmlns:a16="http://schemas.microsoft.com/office/drawing/2014/main" id="{197CE5EF-61A1-4E17-9BD5-1E9E35D3BDE9}"/>
+              </a:ext>
+            </a:extLst>
+          </p:cNvPr>
+          <p:cNvPicPr>
+            <a:picLocks noChangeAspect="1"/>
+          </p:cNvPicPr>
+          <p:nvPr/>
+        </p:nvPicPr>
+        <p:blipFill>
+          <a:blip r:embed="rId3"/>
+          <a:stretch>
+            <a:fillRect/>
+          </a:stretch>
+        </p:blipFill>
+        <p:spPr>
+          <a:xfrm>
+            <a:off x="7360804" y="2596836"/>
+            <a:ext cx="3587878" cy="3997637"/>
+          </a:xfrm>
+          <a:prstGeom prst="rect">
+            <a:avLst/>
+          </a:prstGeom>
+        </p:spPr>
+      </p:pic>
+      <p:sp>
+        <p:nvSpPr>
+          <p:cNvPr id="8" name="TextBox 7">
+            <a:extLst>
+              <a:ext uri="{FF2B5EF4-FFF2-40B4-BE49-F238E27FC236}">
+                <a16:creationId xmlns:a16="http://schemas.microsoft.com/office/drawing/2014/main" id="{F79D5691-9D8C-4A8A-953D-15688B914507}"/>
+              </a:ext>
+            </a:extLst>
+          </p:cNvPr>
+          <p:cNvSpPr txBox="1"/>
+          <p:nvPr/>
+        </p:nvSpPr>
+        <p:spPr>
+          <a:xfrm>
+            <a:off x="2431245" y="2277801"/>
+            <a:ext cx="1390927" cy="369332"/>
+          </a:xfrm>
+          <a:prstGeom prst="rect">
+            <a:avLst/>
+          </a:prstGeom>
+          <a:noFill/>
+        </p:spPr>
+        <p:txBody>
+          <a:bodyPr wrap="square" rtlCol="0">
+            <a:spAutoFit/>
+          </a:bodyPr>
+          <a:lstStyle/>
+          <a:p>
+            <a:r>
+              <a:rPr lang="es-ES" dirty="0" err="1"/>
+              <a:t>For</a:t>
+            </a:r>
+            <a:r>
+              <a:rPr lang="es-ES" dirty="0"/>
+              <a:t> </a:t>
+            </a:r>
+            <a:r>
+              <a:rPr lang="es-ES" dirty="0" err="1"/>
+              <a:t>Rent</a:t>
+            </a:r>
+            <a:endParaRPr lang="en-US" dirty="0"/>
+          </a:p>
+        </p:txBody>
+      </p:sp>
+      <p:sp>
+        <p:nvSpPr>
+          <p:cNvPr id="20" name="TextBox 19">
+            <a:extLst>
+              <a:ext uri="{FF2B5EF4-FFF2-40B4-BE49-F238E27FC236}">
+                <a16:creationId xmlns:a16="http://schemas.microsoft.com/office/drawing/2014/main" id="{D682F32D-3FF0-41E4-89EE-6A5BC99BAFE2}"/>
+              </a:ext>
+            </a:extLst>
+          </p:cNvPr>
+          <p:cNvSpPr txBox="1"/>
+          <p:nvPr/>
+        </p:nvSpPr>
+        <p:spPr>
+          <a:xfrm>
+            <a:off x="8745144" y="2241132"/>
+            <a:ext cx="1390927" cy="369332"/>
+          </a:xfrm>
+          <a:prstGeom prst="rect">
+            <a:avLst/>
+          </a:prstGeom>
+          <a:noFill/>
+        </p:spPr>
+        <p:txBody>
+          <a:bodyPr wrap="square" rtlCol="0">
+            <a:spAutoFit/>
+          </a:bodyPr>
+          <a:lstStyle/>
+          <a:p>
+            <a:r>
+              <a:rPr lang="es-ES" dirty="0" err="1"/>
+              <a:t>For</a:t>
+            </a:r>
+            <a:r>
+              <a:rPr lang="es-ES" dirty="0"/>
+              <a:t> Sale</a:t>
+            </a:r>
+            <a:endParaRPr lang="en-US" dirty="0"/>
+          </a:p>
+        </p:txBody>
+      </p:sp>
+    </p:spTree>
+    <p:extLst>
+      <p:ext uri="{BB962C8B-B14F-4D97-AF65-F5344CB8AC3E}">
+        <p14:creationId xmlns:p14="http://schemas.microsoft.com/office/powerpoint/2010/main" val="3593079707"/>
+      </p:ext>
+    </p:extLst>
+  </p:cSld>
+  <p:clrMapOvr>
+    <a:masterClrMapping/>
+  </p:clrMapOvr>
+</p:sld>
+</file>
+
+<file path=ppt/slides/slide8.xml><?xml version="1.0" encoding="utf-8"?>
 <p:sld xmlns:a="http://schemas.openxmlformats.org/drawingml/2006/main" xmlns:r="http://schemas.openxmlformats.org/officeDocument/2006/relationships" xmlns:p="http://schemas.openxmlformats.org/presentationml/2006/main">
   <p:cSld>
     <p:bg>
@@ -15714,7 +12788,7 @@
 </p:sld>
 </file>
 
-<file path=ppt/slides/slide6.xml><?xml version="1.0" encoding="utf-8"?>
+<file path=ppt/slides/slide9.xml><?xml version="1.0" encoding="utf-8"?>
 <p:sld xmlns:a="http://schemas.openxmlformats.org/drawingml/2006/main" xmlns:r="http://schemas.openxmlformats.org/officeDocument/2006/relationships" xmlns:p="http://schemas.openxmlformats.org/presentationml/2006/main">
   <p:cSld>
     <p:bg>
@@ -15884,1418 +12958,6 @@
   </p:cSld>
   <p:clrMapOvr>
     <a:masterClrMapping/>
-  </p:clrMapOvr>
-</p:sld>
-</file>
-
-<file path=ppt/slides/slide7.xml><?xml version="1.0" encoding="utf-8"?>
-<p:sld xmlns:a="http://schemas.openxmlformats.org/drawingml/2006/main" xmlns:r="http://schemas.openxmlformats.org/officeDocument/2006/relationships" xmlns:p="http://schemas.openxmlformats.org/presentationml/2006/main">
-  <p:cSld>
-    <p:bg>
-      <p:bgPr>
-        <a:solidFill>
-          <a:schemeClr val="bg1"/>
-        </a:solidFill>
-        <a:effectLst/>
-      </p:bgPr>
-    </p:bg>
-    <p:spTree>
-      <p:nvGrpSpPr>
-        <p:cNvPr id="1" name=""/>
-        <p:cNvGrpSpPr/>
-        <p:nvPr/>
-      </p:nvGrpSpPr>
-      <p:grpSpPr>
-        <a:xfrm>
-          <a:off x="0" y="0"/>
-          <a:ext cx="0" cy="0"/>
-          <a:chOff x="0" y="0"/>
-          <a:chExt cx="0" cy="0"/>
-        </a:xfrm>
-      </p:grpSpPr>
-      <p:sp>
-        <p:nvSpPr>
-          <p:cNvPr id="8" name="Rectangle 7">
-            <a:extLst>
-              <a:ext uri="{FF2B5EF4-FFF2-40B4-BE49-F238E27FC236}">
-                <a16:creationId xmlns:a16="http://schemas.microsoft.com/office/drawing/2014/main" id="{C7FA33FF-088D-4F16-95A2-2C64D353DEA8}"/>
-              </a:ext>
-              <a:ext uri="{C183D7F6-B498-43B3-948B-1728B52AA6E4}">
-                <adec:decorative xmlns:adec="http://schemas.microsoft.com/office/drawing/2017/decorative" val="1"/>
-              </a:ext>
-            </a:extLst>
-          </p:cNvPr>
-          <p:cNvSpPr>
-            <a:spLocks noGrp="1" noRot="1" noChangeAspect="1" noMove="1" noResize="1" noEditPoints="1" noAdjustHandles="1" noChangeArrowheads="1" noChangeShapeType="1" noTextEdit="1"/>
-          </p:cNvSpPr>
-          <p:nvPr>
-            <p:extLst>
-              <p:ext uri="{386F3935-93C4-4BCD-93E2-E3B085C9AB24}">
-                <p16:designElem xmlns:p16="http://schemas.microsoft.com/office/powerpoint/2015/main" val="1"/>
-              </p:ext>
-            </p:extLst>
-          </p:nvPr>
-        </p:nvSpPr>
-        <p:spPr>
-          <a:xfrm>
-            <a:off x="1524" y="0"/>
-            <a:ext cx="12188952" cy="6858000"/>
-          </a:xfrm>
-          <a:prstGeom prst="rect">
-            <a:avLst/>
-          </a:prstGeom>
-          <a:solidFill>
-            <a:schemeClr val="tx1"/>
-          </a:solidFill>
-          <a:ln>
-            <a:noFill/>
-          </a:ln>
-        </p:spPr>
-        <p:style>
-          <a:lnRef idx="2">
-            <a:schemeClr val="accent1">
-              <a:shade val="50000"/>
-            </a:schemeClr>
-          </a:lnRef>
-          <a:fillRef idx="1">
-            <a:schemeClr val="accent1"/>
-          </a:fillRef>
-          <a:effectRef idx="0">
-            <a:schemeClr val="accent1"/>
-          </a:effectRef>
-          <a:fontRef idx="minor">
-            <a:schemeClr val="lt1"/>
-          </a:fontRef>
-        </p:style>
-        <p:txBody>
-          <a:bodyPr rtlCol="0" anchor="ctr"/>
-          <a:lstStyle/>
-          <a:p>
-            <a:pPr marL="0" marR="0" lvl="0" indent="0" algn="ctr" defTabSz="914400" rtl="0" eaLnBrk="1" fontAlgn="auto" latinLnBrk="0" hangingPunct="1">
-              <a:lnSpc>
-                <a:spcPct val="100000"/>
-              </a:lnSpc>
-              <a:spcBef>
-                <a:spcPts val="0"/>
-              </a:spcBef>
-              <a:spcAft>
-                <a:spcPts val="0"/>
-              </a:spcAft>
-              <a:buClrTx/>
-              <a:buSzTx/>
-              <a:buFontTx/>
-              <a:buNone/>
-              <a:tabLst/>
-              <a:defRPr/>
-            </a:pPr>
-            <a:endParaRPr kumimoji="0" lang="en-US" sz="1800" b="0" i="0" u="none" strike="noStrike" kern="1200" cap="none" spc="0" normalizeH="0" baseline="0" noProof="0">
-              <a:ln>
-                <a:noFill/>
-              </a:ln>
-              <a:solidFill>
-                <a:prstClr val="white"/>
-              </a:solidFill>
-              <a:effectLst/>
-              <a:uLnTx/>
-              <a:uFillTx/>
-              <a:latin typeface="Calibri" panose="020F0502020204030204"/>
-              <a:ea typeface="+mn-ea"/>
-              <a:cs typeface="+mn-cs"/>
-            </a:endParaRPr>
-          </a:p>
-        </p:txBody>
-      </p:sp>
-      <p:sp>
-        <p:nvSpPr>
-          <p:cNvPr id="10" name="Rectangle 9">
-            <a:extLst>
-              <a:ext uri="{FF2B5EF4-FFF2-40B4-BE49-F238E27FC236}">
-                <a16:creationId xmlns:a16="http://schemas.microsoft.com/office/drawing/2014/main" id="{A376EFB1-01CF-419F-ABF1-2AF02BBFCBD1}"/>
-              </a:ext>
-              <a:ext uri="{C183D7F6-B498-43B3-948B-1728B52AA6E4}">
-                <adec:decorative xmlns:adec="http://schemas.microsoft.com/office/drawing/2017/decorative" val="1"/>
-              </a:ext>
-            </a:extLst>
-          </p:cNvPr>
-          <p:cNvSpPr>
-            <a:spLocks noGrp="1" noRot="1" noChangeAspect="1" noMove="1" noResize="1" noEditPoints="1" noAdjustHandles="1" noChangeArrowheads="1" noChangeShapeType="1" noTextEdit="1"/>
-          </p:cNvSpPr>
-          <p:nvPr>
-            <p:extLst>
-              <p:ext uri="{386F3935-93C4-4BCD-93E2-E3B085C9AB24}">
-                <p16:designElem xmlns:p16="http://schemas.microsoft.com/office/powerpoint/2015/main" val="1"/>
-              </p:ext>
-            </p:extLst>
-          </p:nvPr>
-        </p:nvSpPr>
-        <p:spPr>
-          <a:xfrm>
-            <a:off x="0" y="0"/>
-            <a:ext cx="4709160" cy="6858000"/>
-          </a:xfrm>
-          <a:prstGeom prst="rect">
-            <a:avLst/>
-          </a:prstGeom>
-          <a:solidFill>
-            <a:schemeClr val="bg1">
-              <a:alpha val="81000"/>
-            </a:schemeClr>
-          </a:solidFill>
-          <a:ln>
-            <a:noFill/>
-          </a:ln>
-        </p:spPr>
-        <p:style>
-          <a:lnRef idx="2">
-            <a:schemeClr val="accent1">
-              <a:shade val="50000"/>
-            </a:schemeClr>
-          </a:lnRef>
-          <a:fillRef idx="1">
-            <a:schemeClr val="accent1"/>
-          </a:fillRef>
-          <a:effectRef idx="0">
-            <a:schemeClr val="accent1"/>
-          </a:effectRef>
-          <a:fontRef idx="minor">
-            <a:schemeClr val="lt1"/>
-          </a:fontRef>
-        </p:style>
-        <p:txBody>
-          <a:bodyPr rtlCol="0" anchor="ctr"/>
-          <a:lstStyle/>
-          <a:p>
-            <a:pPr marL="0" marR="0" lvl="0" indent="0" algn="ctr" defTabSz="914400" rtl="0" eaLnBrk="1" fontAlgn="auto" latinLnBrk="0" hangingPunct="1">
-              <a:lnSpc>
-                <a:spcPct val="100000"/>
-              </a:lnSpc>
-              <a:spcBef>
-                <a:spcPts val="0"/>
-              </a:spcBef>
-              <a:spcAft>
-                <a:spcPts val="0"/>
-              </a:spcAft>
-              <a:buClrTx/>
-              <a:buSzTx/>
-              <a:buFontTx/>
-              <a:buNone/>
-              <a:tabLst/>
-              <a:defRPr/>
-            </a:pPr>
-            <a:endParaRPr kumimoji="0" lang="en-US" sz="1800" b="0" i="0" u="none" strike="noStrike" kern="1200" cap="none" spc="0" normalizeH="0" baseline="0" noProof="0">
-              <a:ln>
-                <a:noFill/>
-              </a:ln>
-              <a:solidFill>
-                <a:prstClr val="white"/>
-              </a:solidFill>
-              <a:effectLst/>
-              <a:uLnTx/>
-              <a:uFillTx/>
-              <a:latin typeface="Calibri" panose="020F0502020204030204"/>
-              <a:ea typeface="+mn-ea"/>
-              <a:cs typeface="+mn-cs"/>
-            </a:endParaRPr>
-          </a:p>
-        </p:txBody>
-      </p:sp>
-      <p:sp>
-        <p:nvSpPr>
-          <p:cNvPr id="12" name="Freeform: Shape 11">
-            <a:extLst>
-              <a:ext uri="{FF2B5EF4-FFF2-40B4-BE49-F238E27FC236}">
-                <a16:creationId xmlns:a16="http://schemas.microsoft.com/office/drawing/2014/main" id="{FF9DEA15-78BD-4750-AA18-B9F28A6D5AB8}"/>
-              </a:ext>
-              <a:ext uri="{C183D7F6-B498-43B3-948B-1728B52AA6E4}">
-                <adec:decorative xmlns:adec="http://schemas.microsoft.com/office/drawing/2017/decorative" val="1"/>
-              </a:ext>
-            </a:extLst>
-          </p:cNvPr>
-          <p:cNvSpPr>
-            <a:spLocks noGrp="1" noRot="1" noChangeAspect="1" noMove="1" noResize="1" noEditPoints="1" noAdjustHandles="1" noChangeArrowheads="1" noChangeShapeType="1" noTextEdit="1"/>
-          </p:cNvSpPr>
-          <p:nvPr>
-            <p:extLst>
-              <p:ext uri="{386F3935-93C4-4BCD-93E2-E3B085C9AB24}">
-                <p16:designElem xmlns:p16="http://schemas.microsoft.com/office/powerpoint/2015/main" val="1"/>
-              </p:ext>
-            </p:extLst>
-          </p:nvPr>
-        </p:nvSpPr>
-        <p:spPr>
-          <a:xfrm>
-            <a:off x="0" y="0"/>
-            <a:ext cx="3284331" cy="6858000"/>
-          </a:xfrm>
-          <a:custGeom>
-            <a:avLst/>
-            <a:gdLst>
-              <a:gd name="connsiteX0" fmla="*/ 0 w 4319042"/>
-              <a:gd name="connsiteY0" fmla="*/ 0 h 6858000"/>
-              <a:gd name="connsiteX1" fmla="*/ 1142888 w 4319042"/>
-              <a:gd name="connsiteY1" fmla="*/ 0 h 6858000"/>
-              <a:gd name="connsiteX2" fmla="*/ 4319042 w 4319042"/>
-              <a:gd name="connsiteY2" fmla="*/ 6858000 h 6858000"/>
-              <a:gd name="connsiteX3" fmla="*/ 0 w 4319042"/>
-              <a:gd name="connsiteY3" fmla="*/ 6858000 h 6858000"/>
-            </a:gdLst>
-            <a:ahLst/>
-            <a:cxnLst>
-              <a:cxn ang="0">
-                <a:pos x="connsiteX0" y="connsiteY0"/>
-              </a:cxn>
-              <a:cxn ang="0">
-                <a:pos x="connsiteX1" y="connsiteY1"/>
-              </a:cxn>
-              <a:cxn ang="0">
-                <a:pos x="connsiteX2" y="connsiteY2"/>
-              </a:cxn>
-              <a:cxn ang="0">
-                <a:pos x="connsiteX3" y="connsiteY3"/>
-              </a:cxn>
-            </a:cxnLst>
-            <a:rect l="l" t="t" r="r" b="b"/>
-            <a:pathLst>
-              <a:path w="4319042" h="6858000">
-                <a:moveTo>
-                  <a:pt x="0" y="0"/>
-                </a:moveTo>
-                <a:lnTo>
-                  <a:pt x="1142888" y="0"/>
-                </a:lnTo>
-                <a:lnTo>
-                  <a:pt x="4319042" y="6858000"/>
-                </a:lnTo>
-                <a:lnTo>
-                  <a:pt x="0" y="6858000"/>
-                </a:lnTo>
-                <a:close/>
-              </a:path>
-            </a:pathLst>
-          </a:custGeom>
-          <a:solidFill>
-            <a:schemeClr val="bg1">
-              <a:alpha val="35000"/>
-            </a:schemeClr>
-          </a:solidFill>
-          <a:ln>
-            <a:noFill/>
-          </a:ln>
-        </p:spPr>
-        <p:style>
-          <a:lnRef idx="2">
-            <a:schemeClr val="accent1">
-              <a:shade val="50000"/>
-            </a:schemeClr>
-          </a:lnRef>
-          <a:fillRef idx="1">
-            <a:schemeClr val="accent1"/>
-          </a:fillRef>
-          <a:effectRef idx="0">
-            <a:schemeClr val="accent1"/>
-          </a:effectRef>
-          <a:fontRef idx="minor">
-            <a:schemeClr val="lt1"/>
-          </a:fontRef>
-        </p:style>
-        <p:txBody>
-          <a:bodyPr wrap="square" rtlCol="0" anchor="ctr">
-            <a:noAutofit/>
-          </a:bodyPr>
-          <a:lstStyle/>
-          <a:p>
-            <a:pPr marL="0" marR="0" lvl="0" indent="0" algn="ctr" defTabSz="914400" rtl="0" eaLnBrk="1" fontAlgn="auto" latinLnBrk="0" hangingPunct="1">
-              <a:lnSpc>
-                <a:spcPct val="100000"/>
-              </a:lnSpc>
-              <a:spcBef>
-                <a:spcPts val="0"/>
-              </a:spcBef>
-              <a:spcAft>
-                <a:spcPts val="0"/>
-              </a:spcAft>
-              <a:buClrTx/>
-              <a:buSzTx/>
-              <a:buFontTx/>
-              <a:buNone/>
-              <a:tabLst/>
-              <a:defRPr/>
-            </a:pPr>
-            <a:endParaRPr kumimoji="0" lang="en-US" sz="1800" b="0" i="0" u="none" strike="noStrike" kern="1200" cap="none" spc="0" normalizeH="0" baseline="0" noProof="0">
-              <a:ln>
-                <a:noFill/>
-              </a:ln>
-              <a:solidFill>
-                <a:prstClr val="white"/>
-              </a:solidFill>
-              <a:effectLst/>
-              <a:uLnTx/>
-              <a:uFillTx/>
-              <a:latin typeface="Calibri" panose="020F0502020204030204"/>
-              <a:ea typeface="+mn-ea"/>
-              <a:cs typeface="+mn-cs"/>
-            </a:endParaRPr>
-          </a:p>
-        </p:txBody>
-      </p:sp>
-      <p:sp>
-        <p:nvSpPr>
-          <p:cNvPr id="2" name="Title 1">
-            <a:extLst>
-              <a:ext uri="{FF2B5EF4-FFF2-40B4-BE49-F238E27FC236}">
-                <a16:creationId xmlns:a16="http://schemas.microsoft.com/office/drawing/2014/main" id="{00076C0A-964D-4A5D-8BF3-42920457AF98}"/>
-              </a:ext>
-            </a:extLst>
-          </p:cNvPr>
-          <p:cNvSpPr>
-            <a:spLocks noGrp="1"/>
-          </p:cNvSpPr>
-          <p:nvPr>
-            <p:ph type="title"/>
-          </p:nvPr>
-        </p:nvSpPr>
-        <p:spPr>
-          <a:xfrm>
-            <a:off x="804671" y="640263"/>
-            <a:ext cx="3284331" cy="5254510"/>
-          </a:xfrm>
-        </p:spPr>
-        <p:txBody>
-          <a:bodyPr>
-            <a:normAutofit/>
-          </a:bodyPr>
-          <a:lstStyle/>
-          <a:p>
-            <a:r>
-              <a:rPr lang="en-US" dirty="0"/>
-              <a:t>Clean the data:</a:t>
-            </a:r>
-          </a:p>
-        </p:txBody>
-      </p:sp>
-      <p:sp>
-        <p:nvSpPr>
-          <p:cNvPr id="3" name="Content Placeholder 2">
-            <a:extLst>
-              <a:ext uri="{FF2B5EF4-FFF2-40B4-BE49-F238E27FC236}">
-                <a16:creationId xmlns:a16="http://schemas.microsoft.com/office/drawing/2014/main" id="{8EEFB641-8E2C-46E7-BEDF-8EB81A57F1C0}"/>
-              </a:ext>
-            </a:extLst>
-          </p:cNvPr>
-          <p:cNvSpPr>
-            <a:spLocks noGrp="1"/>
-          </p:cNvSpPr>
-          <p:nvPr>
-            <p:ph idx="1"/>
-          </p:nvPr>
-        </p:nvSpPr>
-        <p:spPr>
-          <a:xfrm>
-            <a:off x="5358384" y="640263"/>
-            <a:ext cx="6028944" cy="5254510"/>
-          </a:xfrm>
-        </p:spPr>
-        <p:txBody>
-          <a:bodyPr anchor="ctr">
-            <a:normAutofit/>
-          </a:bodyPr>
-          <a:lstStyle/>
-          <a:p>
-            <a:r>
-              <a:rPr lang="en-US" sz="1900">
-                <a:solidFill>
-                  <a:schemeClr val="bg1"/>
-                </a:solidFill>
-              </a:rPr>
-              <a:t>Get rid of the duplicated rows. I have discovered that half of the flats for selling where duplicated. So, I finalized with 9000 rows of selling flats.</a:t>
-            </a:r>
-          </a:p>
-          <a:p>
-            <a:r>
-              <a:rPr lang="en-US" sz="1900">
-                <a:solidFill>
-                  <a:schemeClr val="bg1"/>
-                </a:solidFill>
-              </a:rPr>
-              <a:t>The json files were dictionaries oriented and I have normalized all the dictionaries to extract all the values related to the Price, Squared meters, Rooms, Location, terrace, parking, elevator, description of the announce and the links of the flat pictures.</a:t>
-            </a:r>
-          </a:p>
-          <a:p>
-            <a:r>
-              <a:rPr lang="en-US" sz="1900">
-                <a:solidFill>
-                  <a:schemeClr val="bg1"/>
-                </a:solidFill>
-              </a:rPr>
-              <a:t>I have dropped all the unnecessary columns.</a:t>
-            </a:r>
-          </a:p>
-          <a:p>
-            <a:r>
-              <a:rPr lang="en-US" sz="1900">
-                <a:solidFill>
-                  <a:schemeClr val="bg1"/>
-                </a:solidFill>
-              </a:rPr>
-              <a:t>I have searched the outliers through boxplot, IQR and Z-Score.</a:t>
-            </a:r>
-          </a:p>
-          <a:p>
-            <a:r>
-              <a:rPr lang="en-US" sz="1900">
-                <a:solidFill>
-                  <a:schemeClr val="bg1"/>
-                </a:solidFill>
-              </a:rPr>
-              <a:t>I have removed the extreme values.</a:t>
-            </a:r>
-          </a:p>
-          <a:p>
-            <a:r>
-              <a:rPr lang="en-US" sz="1900">
-                <a:solidFill>
-                  <a:schemeClr val="bg1"/>
-                </a:solidFill>
-              </a:rPr>
-              <a:t>I have created a new column with the price per squared meter.</a:t>
-            </a:r>
-          </a:p>
-          <a:p>
-            <a:r>
-              <a:rPr lang="en-US" sz="1900">
-                <a:solidFill>
-                  <a:schemeClr val="bg1"/>
-                </a:solidFill>
-              </a:rPr>
-              <a:t>Same process for the Rent apartments.</a:t>
-            </a:r>
-          </a:p>
-          <a:p>
-            <a:r>
-              <a:rPr lang="en-US" sz="1900">
-                <a:solidFill>
-                  <a:schemeClr val="bg1"/>
-                </a:solidFill>
-              </a:rPr>
-              <a:t>Export the files to CSV.</a:t>
-            </a:r>
-          </a:p>
-          <a:p>
-            <a:endParaRPr lang="en-US" sz="1900">
-              <a:solidFill>
-                <a:schemeClr val="bg1"/>
-              </a:solidFill>
-            </a:endParaRPr>
-          </a:p>
-        </p:txBody>
-      </p:sp>
-    </p:spTree>
-    <p:extLst>
-      <p:ext uri="{BB962C8B-B14F-4D97-AF65-F5344CB8AC3E}">
-        <p14:creationId xmlns:p14="http://schemas.microsoft.com/office/powerpoint/2010/main" val="2296756317"/>
-      </p:ext>
-    </p:extLst>
-  </p:cSld>
-  <p:clrMapOvr>
-    <a:overrideClrMapping bg1="dk1" tx1="lt1" bg2="dk2" tx2="lt2" accent1="accent1" accent2="accent2" accent3="accent3" accent4="accent4" accent5="accent5" accent6="accent6" hlink="hlink" folHlink="folHlink"/>
-  </p:clrMapOvr>
-</p:sld>
-</file>
-
-<file path=ppt/slides/slide8.xml><?xml version="1.0" encoding="utf-8"?>
-<p:sld xmlns:a="http://schemas.openxmlformats.org/drawingml/2006/main" xmlns:r="http://schemas.openxmlformats.org/officeDocument/2006/relationships" xmlns:p="http://schemas.openxmlformats.org/presentationml/2006/main">
-  <p:cSld>
-    <p:bg>
-      <p:bgPr>
-        <a:solidFill>
-          <a:schemeClr val="bg1"/>
-        </a:solidFill>
-        <a:effectLst/>
-      </p:bgPr>
-    </p:bg>
-    <p:spTree>
-      <p:nvGrpSpPr>
-        <p:cNvPr id="1" name=""/>
-        <p:cNvGrpSpPr/>
-        <p:nvPr/>
-      </p:nvGrpSpPr>
-      <p:grpSpPr>
-        <a:xfrm>
-          <a:off x="0" y="0"/>
-          <a:ext cx="0" cy="0"/>
-          <a:chOff x="0" y="0"/>
-          <a:chExt cx="0" cy="0"/>
-        </a:xfrm>
-      </p:grpSpPr>
-      <p:sp useBgFill="1">
-        <p:nvSpPr>
-          <p:cNvPr id="8" name="Rectangle 7">
-            <a:extLst>
-              <a:ext uri="{FF2B5EF4-FFF2-40B4-BE49-F238E27FC236}">
-                <a16:creationId xmlns:a16="http://schemas.microsoft.com/office/drawing/2014/main" id="{8249E89B-63A5-45DA-A170-5B661FCE4F6E}"/>
-              </a:ext>
-              <a:ext uri="{C183D7F6-B498-43B3-948B-1728B52AA6E4}">
-                <adec:decorative xmlns:adec="http://schemas.microsoft.com/office/drawing/2017/decorative" val="1"/>
-              </a:ext>
-            </a:extLst>
-          </p:cNvPr>
-          <p:cNvSpPr>
-            <a:spLocks noGrp="1" noRot="1" noChangeAspect="1" noMove="1" noResize="1" noEditPoints="1" noAdjustHandles="1" noChangeArrowheads="1" noChangeShapeType="1" noTextEdit="1"/>
-          </p:cNvSpPr>
-          <p:nvPr>
-            <p:extLst>
-              <p:ext uri="{386F3935-93C4-4BCD-93E2-E3B085C9AB24}">
-                <p16:designElem xmlns:p16="http://schemas.microsoft.com/office/powerpoint/2015/main" val="1"/>
-              </p:ext>
-            </p:extLst>
-          </p:nvPr>
-        </p:nvSpPr>
-        <p:spPr>
-          <a:xfrm>
-            <a:off x="3048" y="0"/>
-            <a:ext cx="12188952" cy="6858000"/>
-          </a:xfrm>
-          <a:prstGeom prst="rect">
-            <a:avLst/>
-          </a:prstGeom>
-          <a:ln>
-            <a:noFill/>
-          </a:ln>
-        </p:spPr>
-        <p:style>
-          <a:lnRef idx="2">
-            <a:schemeClr val="accent1">
-              <a:shade val="50000"/>
-            </a:schemeClr>
-          </a:lnRef>
-          <a:fillRef idx="1">
-            <a:schemeClr val="accent1"/>
-          </a:fillRef>
-          <a:effectRef idx="0">
-            <a:schemeClr val="accent1"/>
-          </a:effectRef>
-          <a:fontRef idx="minor">
-            <a:schemeClr val="lt1"/>
-          </a:fontRef>
-        </p:style>
-        <p:txBody>
-          <a:bodyPr rtlCol="0" anchor="ctr"/>
-          <a:lstStyle/>
-          <a:p>
-            <a:pPr algn="ctr"/>
-            <a:endParaRPr lang="en-US"/>
-          </a:p>
-        </p:txBody>
-      </p:sp>
-      <p:sp>
-        <p:nvSpPr>
-          <p:cNvPr id="10" name="Rectangle 9">
-            <a:extLst>
-              <a:ext uri="{FF2B5EF4-FFF2-40B4-BE49-F238E27FC236}">
-                <a16:creationId xmlns:a16="http://schemas.microsoft.com/office/drawing/2014/main" id="{A5D714AD-9E94-4752-AA45-D4B0EAAB52E2}"/>
-              </a:ext>
-              <a:ext uri="{C183D7F6-B498-43B3-948B-1728B52AA6E4}">
-                <adec:decorative xmlns:adec="http://schemas.microsoft.com/office/drawing/2017/decorative" val="1"/>
-              </a:ext>
-            </a:extLst>
-          </p:cNvPr>
-          <p:cNvSpPr>
-            <a:spLocks noGrp="1" noRot="1" noChangeAspect="1" noMove="1" noResize="1" noEditPoints="1" noAdjustHandles="1" noChangeArrowheads="1" noChangeShapeType="1" noTextEdit="1"/>
-          </p:cNvSpPr>
-          <p:nvPr>
-            <p:extLst>
-              <p:ext uri="{386F3935-93C4-4BCD-93E2-E3B085C9AB24}">
-                <p16:designElem xmlns:p16="http://schemas.microsoft.com/office/powerpoint/2015/main" val="1"/>
-              </p:ext>
-            </p:extLst>
-          </p:nvPr>
-        </p:nvSpPr>
-        <p:spPr>
-          <a:xfrm>
-            <a:off x="0" y="534652"/>
-            <a:ext cx="4444163" cy="6323347"/>
-          </a:xfrm>
-          <a:prstGeom prst="rect">
-            <a:avLst/>
-          </a:prstGeom>
-          <a:solidFill>
-            <a:schemeClr val="tx2">
-              <a:lumMod val="50000"/>
-            </a:schemeClr>
-          </a:solidFill>
-          <a:ln>
-            <a:noFill/>
-          </a:ln>
-        </p:spPr>
-        <p:style>
-          <a:lnRef idx="2">
-            <a:schemeClr val="accent1">
-              <a:shade val="50000"/>
-            </a:schemeClr>
-          </a:lnRef>
-          <a:fillRef idx="1">
-            <a:schemeClr val="accent1"/>
-          </a:fillRef>
-          <a:effectRef idx="0">
-            <a:schemeClr val="accent1"/>
-          </a:effectRef>
-          <a:fontRef idx="minor">
-            <a:schemeClr val="lt1"/>
-          </a:fontRef>
-        </p:style>
-        <p:txBody>
-          <a:bodyPr rtlCol="0" anchor="ctr"/>
-          <a:lstStyle/>
-          <a:p>
-            <a:pPr algn="ctr"/>
-            <a:endParaRPr lang="en-US"/>
-          </a:p>
-        </p:txBody>
-      </p:sp>
-      <p:sp>
-        <p:nvSpPr>
-          <p:cNvPr id="2" name="Title 1">
-            <a:extLst>
-              <a:ext uri="{FF2B5EF4-FFF2-40B4-BE49-F238E27FC236}">
-                <a16:creationId xmlns:a16="http://schemas.microsoft.com/office/drawing/2014/main" id="{0BD36371-CBF2-48F6-9552-FCC579BD570F}"/>
-              </a:ext>
-            </a:extLst>
-          </p:cNvPr>
-          <p:cNvSpPr>
-            <a:spLocks noGrp="1"/>
-          </p:cNvSpPr>
-          <p:nvPr>
-            <p:ph type="title"/>
-          </p:nvPr>
-        </p:nvSpPr>
-        <p:spPr>
-          <a:xfrm>
-            <a:off x="599411" y="767258"/>
-            <a:ext cx="3209335" cy="5323484"/>
-          </a:xfrm>
-        </p:spPr>
-        <p:txBody>
-          <a:bodyPr>
-            <a:normAutofit/>
-          </a:bodyPr>
-          <a:lstStyle/>
-          <a:p>
-            <a:pPr algn="ctr"/>
-            <a:r>
-              <a:rPr lang="en-US" sz="2800">
-                <a:solidFill>
-                  <a:schemeClr val="bg1"/>
-                </a:solidFill>
-              </a:rPr>
-              <a:t>Import to MySQL</a:t>
-            </a:r>
-          </a:p>
-        </p:txBody>
-      </p:sp>
-      <p:sp>
-        <p:nvSpPr>
-          <p:cNvPr id="12" name="Rectangle 11">
-            <a:extLst>
-              <a:ext uri="{FF2B5EF4-FFF2-40B4-BE49-F238E27FC236}">
-                <a16:creationId xmlns:a16="http://schemas.microsoft.com/office/drawing/2014/main" id="{7FF89E09-42FB-4694-96E4-95652B1D83E4}"/>
-              </a:ext>
-              <a:ext uri="{C183D7F6-B498-43B3-948B-1728B52AA6E4}">
-                <adec:decorative xmlns:adec="http://schemas.microsoft.com/office/drawing/2017/decorative" val="1"/>
-              </a:ext>
-            </a:extLst>
-          </p:cNvPr>
-          <p:cNvSpPr>
-            <a:spLocks noGrp="1" noRot="1" noChangeAspect="1" noMove="1" noResize="1" noEditPoints="1" noAdjustHandles="1" noChangeArrowheads="1" noChangeShapeType="1" noTextEdit="1"/>
-          </p:cNvSpPr>
-          <p:nvPr>
-            <p:extLst>
-              <p:ext uri="{386F3935-93C4-4BCD-93E2-E3B085C9AB24}">
-                <p16:designElem xmlns:p16="http://schemas.microsoft.com/office/powerpoint/2015/main" val="1"/>
-              </p:ext>
-            </p:extLst>
-          </p:nvPr>
-        </p:nvSpPr>
-        <p:spPr>
-          <a:xfrm rot="5400000">
-            <a:off x="983158" y="3396997"/>
-            <a:ext cx="6858002" cy="64008"/>
-          </a:xfrm>
-          <a:prstGeom prst="rect">
-            <a:avLst/>
-          </a:prstGeom>
-          <a:solidFill>
-            <a:schemeClr val="tx2">
-              <a:lumMod val="50000"/>
-            </a:schemeClr>
-          </a:solidFill>
-          <a:ln>
-            <a:noFill/>
-          </a:ln>
-        </p:spPr>
-        <p:style>
-          <a:lnRef idx="2">
-            <a:schemeClr val="accent1">
-              <a:shade val="50000"/>
-            </a:schemeClr>
-          </a:lnRef>
-          <a:fillRef idx="1">
-            <a:schemeClr val="accent1"/>
-          </a:fillRef>
-          <a:effectRef idx="0">
-            <a:schemeClr val="accent1"/>
-          </a:effectRef>
-          <a:fontRef idx="minor">
-            <a:schemeClr val="lt1"/>
-          </a:fontRef>
-        </p:style>
-        <p:txBody>
-          <a:bodyPr rtlCol="0" anchor="ctr"/>
-          <a:lstStyle/>
-          <a:p>
-            <a:pPr algn="ctr"/>
-            <a:endParaRPr lang="en-US">
-              <a:solidFill>
-                <a:schemeClr val="tx2">
-                  <a:lumMod val="50000"/>
-                </a:schemeClr>
-              </a:solidFill>
-            </a:endParaRPr>
-          </a:p>
-        </p:txBody>
-      </p:sp>
-      <p:sp>
-        <p:nvSpPr>
-          <p:cNvPr id="14" name="Rectangle 13">
-            <a:extLst>
-              <a:ext uri="{FF2B5EF4-FFF2-40B4-BE49-F238E27FC236}">
-                <a16:creationId xmlns:a16="http://schemas.microsoft.com/office/drawing/2014/main" id="{25D3C032-881F-4579-A4BF-0FA966E9F350}"/>
-              </a:ext>
-              <a:ext uri="{C183D7F6-B498-43B3-948B-1728B52AA6E4}">
-                <adec:decorative xmlns:adec="http://schemas.microsoft.com/office/drawing/2017/decorative" val="1"/>
-              </a:ext>
-            </a:extLst>
-          </p:cNvPr>
-          <p:cNvSpPr>
-            <a:spLocks noGrp="1" noRot="1" noChangeAspect="1" noMove="1" noResize="1" noEditPoints="1" noAdjustHandles="1" noChangeArrowheads="1" noChangeShapeType="1" noTextEdit="1"/>
-          </p:cNvSpPr>
-          <p:nvPr>
-            <p:extLst>
-              <p:ext uri="{386F3935-93C4-4BCD-93E2-E3B085C9AB24}">
-                <p16:designElem xmlns:p16="http://schemas.microsoft.com/office/powerpoint/2015/main" val="1"/>
-              </p:ext>
-            </p:extLst>
-          </p:nvPr>
-        </p:nvSpPr>
-        <p:spPr>
-          <a:xfrm flipH="1">
-            <a:off x="0" y="470645"/>
-            <a:ext cx="12192000" cy="64008"/>
-          </a:xfrm>
-          <a:prstGeom prst="rect">
-            <a:avLst/>
-          </a:prstGeom>
-          <a:solidFill>
-            <a:schemeClr val="tx2">
-              <a:lumMod val="50000"/>
-            </a:schemeClr>
-          </a:solidFill>
-          <a:ln>
-            <a:noFill/>
-          </a:ln>
-        </p:spPr>
-        <p:style>
-          <a:lnRef idx="2">
-            <a:schemeClr val="accent1">
-              <a:shade val="50000"/>
-            </a:schemeClr>
-          </a:lnRef>
-          <a:fillRef idx="1">
-            <a:schemeClr val="accent1"/>
-          </a:fillRef>
-          <a:effectRef idx="0">
-            <a:schemeClr val="accent1"/>
-          </a:effectRef>
-          <a:fontRef idx="minor">
-            <a:schemeClr val="lt1"/>
-          </a:fontRef>
-        </p:style>
-        <p:txBody>
-          <a:bodyPr rtlCol="0" anchor="ctr"/>
-          <a:lstStyle/>
-          <a:p>
-            <a:pPr algn="ctr"/>
-            <a:endParaRPr lang="en-US">
-              <a:solidFill>
-                <a:schemeClr val="tx2">
-                  <a:lumMod val="50000"/>
-                </a:schemeClr>
-              </a:solidFill>
-            </a:endParaRPr>
-          </a:p>
-        </p:txBody>
-      </p:sp>
-      <p:sp>
-        <p:nvSpPr>
-          <p:cNvPr id="3" name="Content Placeholder 2">
-            <a:extLst>
-              <a:ext uri="{FF2B5EF4-FFF2-40B4-BE49-F238E27FC236}">
-                <a16:creationId xmlns:a16="http://schemas.microsoft.com/office/drawing/2014/main" id="{01FBEE7A-CA0A-4CA7-A3E3-909FCFB954D3}"/>
-              </a:ext>
-            </a:extLst>
-          </p:cNvPr>
-          <p:cNvSpPr>
-            <a:spLocks noGrp="1"/>
-          </p:cNvSpPr>
-          <p:nvPr>
-            <p:ph idx="1"/>
-          </p:nvPr>
-        </p:nvSpPr>
-        <p:spPr>
-          <a:xfrm>
-            <a:off x="9160817" y="1938528"/>
-            <a:ext cx="2918407" cy="3081528"/>
-          </a:xfrm>
-        </p:spPr>
-        <p:txBody>
-          <a:bodyPr anchor="ctr">
-            <a:normAutofit/>
-          </a:bodyPr>
-          <a:lstStyle/>
-          <a:p>
-            <a:r>
-              <a:rPr lang="en-US" sz="2000" dirty="0"/>
-              <a:t>Create a new schema. "Madrid"</a:t>
-            </a:r>
-          </a:p>
-          <a:p>
-            <a:r>
-              <a:rPr lang="en-US" sz="2000" dirty="0"/>
-              <a:t>Import table sale</a:t>
-            </a:r>
-          </a:p>
-          <a:p>
-            <a:r>
-              <a:rPr lang="en-US" sz="2000" dirty="0"/>
-              <a:t>Import table rent.</a:t>
-            </a:r>
-          </a:p>
-          <a:p>
-            <a:r>
-              <a:rPr lang="en-US" sz="2000" dirty="0"/>
-              <a:t>I have prepared some queries in MySQL Workbench to be used in the analysis of the data.</a:t>
-            </a:r>
-          </a:p>
-          <a:p>
-            <a:pPr marL="0" indent="0">
-              <a:buNone/>
-            </a:pPr>
-            <a:endParaRPr lang="en-US" sz="2000" dirty="0"/>
-          </a:p>
-        </p:txBody>
-      </p:sp>
-      <p:pic>
-        <p:nvPicPr>
-          <p:cNvPr id="7" name="Picture 6">
-            <a:extLst>
-              <a:ext uri="{FF2B5EF4-FFF2-40B4-BE49-F238E27FC236}">
-                <a16:creationId xmlns:a16="http://schemas.microsoft.com/office/drawing/2014/main" id="{2BAD20FD-DECF-439A-830A-1BC31D809A0F}"/>
-              </a:ext>
-            </a:extLst>
-          </p:cNvPr>
-          <p:cNvPicPr>
-            <a:picLocks noChangeAspect="1"/>
-          </p:cNvPicPr>
-          <p:nvPr/>
-        </p:nvPicPr>
-        <p:blipFill>
-          <a:blip r:embed="rId2"/>
-          <a:stretch>
-            <a:fillRect/>
-          </a:stretch>
-        </p:blipFill>
-        <p:spPr>
-          <a:xfrm>
-            <a:off x="4634240" y="1430668"/>
-            <a:ext cx="4336500" cy="4302621"/>
-          </a:xfrm>
-          <a:prstGeom prst="rect">
-            <a:avLst/>
-          </a:prstGeom>
-        </p:spPr>
-      </p:pic>
-    </p:spTree>
-    <p:extLst>
-      <p:ext uri="{BB962C8B-B14F-4D97-AF65-F5344CB8AC3E}">
-        <p14:creationId xmlns:p14="http://schemas.microsoft.com/office/powerpoint/2010/main" val="657636318"/>
-      </p:ext>
-    </p:extLst>
-  </p:cSld>
-  <p:clrMapOvr>
-    <a:masterClrMapping/>
-  </p:clrMapOvr>
-</p:sld>
-</file>
-
-<file path=ppt/slides/slide9.xml><?xml version="1.0" encoding="utf-8"?>
-<p:sld xmlns:a="http://schemas.openxmlformats.org/drawingml/2006/main" xmlns:r="http://schemas.openxmlformats.org/officeDocument/2006/relationships" xmlns:p="http://schemas.openxmlformats.org/presentationml/2006/main">
-  <p:cSld>
-    <p:bg>
-      <p:bgPr>
-        <a:solidFill>
-          <a:schemeClr val="bg1"/>
-        </a:solidFill>
-        <a:effectLst/>
-      </p:bgPr>
-    </p:bg>
-    <p:spTree>
-      <p:nvGrpSpPr>
-        <p:cNvPr id="1" name=""/>
-        <p:cNvGrpSpPr/>
-        <p:nvPr/>
-      </p:nvGrpSpPr>
-      <p:grpSpPr>
-        <a:xfrm>
-          <a:off x="0" y="0"/>
-          <a:ext cx="0" cy="0"/>
-          <a:chOff x="0" y="0"/>
-          <a:chExt cx="0" cy="0"/>
-        </a:xfrm>
-      </p:grpSpPr>
-      <p:sp>
-        <p:nvSpPr>
-          <p:cNvPr id="8" name="Rectangle 7">
-            <a:extLst>
-              <a:ext uri="{FF2B5EF4-FFF2-40B4-BE49-F238E27FC236}">
-                <a16:creationId xmlns:a16="http://schemas.microsoft.com/office/drawing/2014/main" id="{C7FA33FF-088D-4F16-95A2-2C64D353DEA8}"/>
-              </a:ext>
-              <a:ext uri="{C183D7F6-B498-43B3-948B-1728B52AA6E4}">
-                <adec:decorative xmlns:adec="http://schemas.microsoft.com/office/drawing/2017/decorative" val="1"/>
-              </a:ext>
-            </a:extLst>
-          </p:cNvPr>
-          <p:cNvSpPr>
-            <a:spLocks noGrp="1" noRot="1" noChangeAspect="1" noMove="1" noResize="1" noEditPoints="1" noAdjustHandles="1" noChangeArrowheads="1" noChangeShapeType="1" noTextEdit="1"/>
-          </p:cNvSpPr>
-          <p:nvPr>
-            <p:extLst>
-              <p:ext uri="{386F3935-93C4-4BCD-93E2-E3B085C9AB24}">
-                <p16:designElem xmlns:p16="http://schemas.microsoft.com/office/powerpoint/2015/main" val="1"/>
-              </p:ext>
-            </p:extLst>
-          </p:nvPr>
-        </p:nvSpPr>
-        <p:spPr>
-          <a:xfrm>
-            <a:off x="1524" y="0"/>
-            <a:ext cx="12188952" cy="6858000"/>
-          </a:xfrm>
-          <a:prstGeom prst="rect">
-            <a:avLst/>
-          </a:prstGeom>
-          <a:solidFill>
-            <a:schemeClr val="tx1"/>
-          </a:solidFill>
-          <a:ln>
-            <a:noFill/>
-          </a:ln>
-        </p:spPr>
-        <p:style>
-          <a:lnRef idx="2">
-            <a:schemeClr val="accent1">
-              <a:shade val="50000"/>
-            </a:schemeClr>
-          </a:lnRef>
-          <a:fillRef idx="1">
-            <a:schemeClr val="accent1"/>
-          </a:fillRef>
-          <a:effectRef idx="0">
-            <a:schemeClr val="accent1"/>
-          </a:effectRef>
-          <a:fontRef idx="minor">
-            <a:schemeClr val="lt1"/>
-          </a:fontRef>
-        </p:style>
-        <p:txBody>
-          <a:bodyPr rtlCol="0" anchor="ctr"/>
-          <a:lstStyle/>
-          <a:p>
-            <a:pPr marL="0" marR="0" lvl="0" indent="0" algn="ctr" defTabSz="914400" rtl="0" eaLnBrk="1" fontAlgn="auto" latinLnBrk="0" hangingPunct="1">
-              <a:lnSpc>
-                <a:spcPct val="100000"/>
-              </a:lnSpc>
-              <a:spcBef>
-                <a:spcPts val="0"/>
-              </a:spcBef>
-              <a:spcAft>
-                <a:spcPts val="0"/>
-              </a:spcAft>
-              <a:buClrTx/>
-              <a:buSzTx/>
-              <a:buFontTx/>
-              <a:buNone/>
-              <a:tabLst/>
-              <a:defRPr/>
-            </a:pPr>
-            <a:endParaRPr kumimoji="0" lang="en-US" sz="1800" b="0" i="0" u="none" strike="noStrike" kern="1200" cap="none" spc="0" normalizeH="0" baseline="0" noProof="0">
-              <a:ln>
-                <a:noFill/>
-              </a:ln>
-              <a:solidFill>
-                <a:prstClr val="white"/>
-              </a:solidFill>
-              <a:effectLst/>
-              <a:uLnTx/>
-              <a:uFillTx/>
-              <a:latin typeface="Calibri" panose="020F0502020204030204"/>
-              <a:ea typeface="+mn-ea"/>
-              <a:cs typeface="+mn-cs"/>
-            </a:endParaRPr>
-          </a:p>
-        </p:txBody>
-      </p:sp>
-      <p:sp>
-        <p:nvSpPr>
-          <p:cNvPr id="10" name="Rectangle 9">
-            <a:extLst>
-              <a:ext uri="{FF2B5EF4-FFF2-40B4-BE49-F238E27FC236}">
-                <a16:creationId xmlns:a16="http://schemas.microsoft.com/office/drawing/2014/main" id="{A376EFB1-01CF-419F-ABF1-2AF02BBFCBD1}"/>
-              </a:ext>
-              <a:ext uri="{C183D7F6-B498-43B3-948B-1728B52AA6E4}">
-                <adec:decorative xmlns:adec="http://schemas.microsoft.com/office/drawing/2017/decorative" val="1"/>
-              </a:ext>
-            </a:extLst>
-          </p:cNvPr>
-          <p:cNvSpPr>
-            <a:spLocks noGrp="1" noRot="1" noChangeAspect="1" noMove="1" noResize="1" noEditPoints="1" noAdjustHandles="1" noChangeArrowheads="1" noChangeShapeType="1" noTextEdit="1"/>
-          </p:cNvSpPr>
-          <p:nvPr>
-            <p:extLst>
-              <p:ext uri="{386F3935-93C4-4BCD-93E2-E3B085C9AB24}">
-                <p16:designElem xmlns:p16="http://schemas.microsoft.com/office/powerpoint/2015/main" val="1"/>
-              </p:ext>
-            </p:extLst>
-          </p:nvPr>
-        </p:nvSpPr>
-        <p:spPr>
-          <a:xfrm>
-            <a:off x="0" y="0"/>
-            <a:ext cx="4709160" cy="6858000"/>
-          </a:xfrm>
-          <a:prstGeom prst="rect">
-            <a:avLst/>
-          </a:prstGeom>
-          <a:solidFill>
-            <a:schemeClr val="bg1">
-              <a:alpha val="81000"/>
-            </a:schemeClr>
-          </a:solidFill>
-          <a:ln>
-            <a:noFill/>
-          </a:ln>
-        </p:spPr>
-        <p:style>
-          <a:lnRef idx="2">
-            <a:schemeClr val="accent1">
-              <a:shade val="50000"/>
-            </a:schemeClr>
-          </a:lnRef>
-          <a:fillRef idx="1">
-            <a:schemeClr val="accent1"/>
-          </a:fillRef>
-          <a:effectRef idx="0">
-            <a:schemeClr val="accent1"/>
-          </a:effectRef>
-          <a:fontRef idx="minor">
-            <a:schemeClr val="lt1"/>
-          </a:fontRef>
-        </p:style>
-        <p:txBody>
-          <a:bodyPr rtlCol="0" anchor="ctr"/>
-          <a:lstStyle/>
-          <a:p>
-            <a:pPr marL="0" marR="0" lvl="0" indent="0" algn="ctr" defTabSz="914400" rtl="0" eaLnBrk="1" fontAlgn="auto" latinLnBrk="0" hangingPunct="1">
-              <a:lnSpc>
-                <a:spcPct val="100000"/>
-              </a:lnSpc>
-              <a:spcBef>
-                <a:spcPts val="0"/>
-              </a:spcBef>
-              <a:spcAft>
-                <a:spcPts val="0"/>
-              </a:spcAft>
-              <a:buClrTx/>
-              <a:buSzTx/>
-              <a:buFontTx/>
-              <a:buNone/>
-              <a:tabLst/>
-              <a:defRPr/>
-            </a:pPr>
-            <a:endParaRPr kumimoji="0" lang="en-US" sz="1800" b="0" i="0" u="none" strike="noStrike" kern="1200" cap="none" spc="0" normalizeH="0" baseline="0" noProof="0">
-              <a:ln>
-                <a:noFill/>
-              </a:ln>
-              <a:solidFill>
-                <a:prstClr val="white"/>
-              </a:solidFill>
-              <a:effectLst/>
-              <a:uLnTx/>
-              <a:uFillTx/>
-              <a:latin typeface="Calibri" panose="020F0502020204030204"/>
-              <a:ea typeface="+mn-ea"/>
-              <a:cs typeface="+mn-cs"/>
-            </a:endParaRPr>
-          </a:p>
-        </p:txBody>
-      </p:sp>
-      <p:sp>
-        <p:nvSpPr>
-          <p:cNvPr id="12" name="Freeform: Shape 11">
-            <a:extLst>
-              <a:ext uri="{FF2B5EF4-FFF2-40B4-BE49-F238E27FC236}">
-                <a16:creationId xmlns:a16="http://schemas.microsoft.com/office/drawing/2014/main" id="{FF9DEA15-78BD-4750-AA18-B9F28A6D5AB8}"/>
-              </a:ext>
-              <a:ext uri="{C183D7F6-B498-43B3-948B-1728B52AA6E4}">
-                <adec:decorative xmlns:adec="http://schemas.microsoft.com/office/drawing/2017/decorative" val="1"/>
-              </a:ext>
-            </a:extLst>
-          </p:cNvPr>
-          <p:cNvSpPr>
-            <a:spLocks noGrp="1" noRot="1" noChangeAspect="1" noMove="1" noResize="1" noEditPoints="1" noAdjustHandles="1" noChangeArrowheads="1" noChangeShapeType="1" noTextEdit="1"/>
-          </p:cNvSpPr>
-          <p:nvPr>
-            <p:extLst>
-              <p:ext uri="{386F3935-93C4-4BCD-93E2-E3B085C9AB24}">
-                <p16:designElem xmlns:p16="http://schemas.microsoft.com/office/powerpoint/2015/main" val="1"/>
-              </p:ext>
-            </p:extLst>
-          </p:nvPr>
-        </p:nvSpPr>
-        <p:spPr>
-          <a:xfrm>
-            <a:off x="0" y="0"/>
-            <a:ext cx="3284331" cy="6858000"/>
-          </a:xfrm>
-          <a:custGeom>
-            <a:avLst/>
-            <a:gdLst>
-              <a:gd name="connsiteX0" fmla="*/ 0 w 4319042"/>
-              <a:gd name="connsiteY0" fmla="*/ 0 h 6858000"/>
-              <a:gd name="connsiteX1" fmla="*/ 1142888 w 4319042"/>
-              <a:gd name="connsiteY1" fmla="*/ 0 h 6858000"/>
-              <a:gd name="connsiteX2" fmla="*/ 4319042 w 4319042"/>
-              <a:gd name="connsiteY2" fmla="*/ 6858000 h 6858000"/>
-              <a:gd name="connsiteX3" fmla="*/ 0 w 4319042"/>
-              <a:gd name="connsiteY3" fmla="*/ 6858000 h 6858000"/>
-            </a:gdLst>
-            <a:ahLst/>
-            <a:cxnLst>
-              <a:cxn ang="0">
-                <a:pos x="connsiteX0" y="connsiteY0"/>
-              </a:cxn>
-              <a:cxn ang="0">
-                <a:pos x="connsiteX1" y="connsiteY1"/>
-              </a:cxn>
-              <a:cxn ang="0">
-                <a:pos x="connsiteX2" y="connsiteY2"/>
-              </a:cxn>
-              <a:cxn ang="0">
-                <a:pos x="connsiteX3" y="connsiteY3"/>
-              </a:cxn>
-            </a:cxnLst>
-            <a:rect l="l" t="t" r="r" b="b"/>
-            <a:pathLst>
-              <a:path w="4319042" h="6858000">
-                <a:moveTo>
-                  <a:pt x="0" y="0"/>
-                </a:moveTo>
-                <a:lnTo>
-                  <a:pt x="1142888" y="0"/>
-                </a:lnTo>
-                <a:lnTo>
-                  <a:pt x="4319042" y="6858000"/>
-                </a:lnTo>
-                <a:lnTo>
-                  <a:pt x="0" y="6858000"/>
-                </a:lnTo>
-                <a:close/>
-              </a:path>
-            </a:pathLst>
-          </a:custGeom>
-          <a:solidFill>
-            <a:schemeClr val="bg1">
-              <a:alpha val="35000"/>
-            </a:schemeClr>
-          </a:solidFill>
-          <a:ln>
-            <a:noFill/>
-          </a:ln>
-        </p:spPr>
-        <p:style>
-          <a:lnRef idx="2">
-            <a:schemeClr val="accent1">
-              <a:shade val="50000"/>
-            </a:schemeClr>
-          </a:lnRef>
-          <a:fillRef idx="1">
-            <a:schemeClr val="accent1"/>
-          </a:fillRef>
-          <a:effectRef idx="0">
-            <a:schemeClr val="accent1"/>
-          </a:effectRef>
-          <a:fontRef idx="minor">
-            <a:schemeClr val="lt1"/>
-          </a:fontRef>
-        </p:style>
-        <p:txBody>
-          <a:bodyPr wrap="square" rtlCol="0" anchor="ctr">
-            <a:noAutofit/>
-          </a:bodyPr>
-          <a:lstStyle/>
-          <a:p>
-            <a:pPr marL="0" marR="0" lvl="0" indent="0" algn="ctr" defTabSz="914400" rtl="0" eaLnBrk="1" fontAlgn="auto" latinLnBrk="0" hangingPunct="1">
-              <a:lnSpc>
-                <a:spcPct val="100000"/>
-              </a:lnSpc>
-              <a:spcBef>
-                <a:spcPts val="0"/>
-              </a:spcBef>
-              <a:spcAft>
-                <a:spcPts val="0"/>
-              </a:spcAft>
-              <a:buClrTx/>
-              <a:buSzTx/>
-              <a:buFontTx/>
-              <a:buNone/>
-              <a:tabLst/>
-              <a:defRPr/>
-            </a:pPr>
-            <a:endParaRPr kumimoji="0" lang="en-US" sz="1800" b="0" i="0" u="none" strike="noStrike" kern="1200" cap="none" spc="0" normalizeH="0" baseline="0" noProof="0">
-              <a:ln>
-                <a:noFill/>
-              </a:ln>
-              <a:solidFill>
-                <a:prstClr val="white"/>
-              </a:solidFill>
-              <a:effectLst/>
-              <a:uLnTx/>
-              <a:uFillTx/>
-              <a:latin typeface="Calibri" panose="020F0502020204030204"/>
-              <a:ea typeface="+mn-ea"/>
-              <a:cs typeface="+mn-cs"/>
-            </a:endParaRPr>
-          </a:p>
-        </p:txBody>
-      </p:sp>
-      <p:sp>
-        <p:nvSpPr>
-          <p:cNvPr id="2" name="Title 1">
-            <a:extLst>
-              <a:ext uri="{FF2B5EF4-FFF2-40B4-BE49-F238E27FC236}">
-                <a16:creationId xmlns:a16="http://schemas.microsoft.com/office/drawing/2014/main" id="{2A6DFA1C-7331-4866-BEF2-913FEEEDD2C9}"/>
-              </a:ext>
-            </a:extLst>
-          </p:cNvPr>
-          <p:cNvSpPr>
-            <a:spLocks noGrp="1"/>
-          </p:cNvSpPr>
-          <p:nvPr>
-            <p:ph type="title"/>
-          </p:nvPr>
-        </p:nvSpPr>
-        <p:spPr>
-          <a:xfrm>
-            <a:off x="804671" y="640263"/>
-            <a:ext cx="3284331" cy="5254510"/>
-          </a:xfrm>
-        </p:spPr>
-        <p:txBody>
-          <a:bodyPr>
-            <a:normAutofit/>
-          </a:bodyPr>
-          <a:lstStyle/>
-          <a:p>
-            <a:br>
-              <a:rPr lang="en-US"/>
-            </a:br>
-            <a:br>
-              <a:rPr lang="en-US"/>
-            </a:br>
-            <a:r>
-              <a:rPr lang="en-US"/>
-              <a:t>Analyze</a:t>
-            </a:r>
-            <a:r>
-              <a:rPr lang="en-US" b="1" i="0">
-                <a:effectLst/>
-                <a:latin typeface="-apple-system"/>
-              </a:rPr>
-              <a:t> </a:t>
-            </a:r>
-            <a:r>
-              <a:rPr lang="en-US"/>
-              <a:t>the data.</a:t>
-            </a:r>
-            <a:br>
-              <a:rPr lang="en-US"/>
-            </a:br>
-            <a:br>
-              <a:rPr lang="en-US" b="1" i="0">
-                <a:effectLst/>
-                <a:latin typeface="-apple-system"/>
-              </a:rPr>
-            </a:br>
-            <a:endParaRPr lang="en-US" dirty="0"/>
-          </a:p>
-        </p:txBody>
-      </p:sp>
-      <p:sp>
-        <p:nvSpPr>
-          <p:cNvPr id="3" name="Content Placeholder 2">
-            <a:extLst>
-              <a:ext uri="{FF2B5EF4-FFF2-40B4-BE49-F238E27FC236}">
-                <a16:creationId xmlns:a16="http://schemas.microsoft.com/office/drawing/2014/main" id="{F8D38B7A-E1F8-4DD6-9BE5-1509F95DE649}"/>
-              </a:ext>
-            </a:extLst>
-          </p:cNvPr>
-          <p:cNvSpPr>
-            <a:spLocks noGrp="1"/>
-          </p:cNvSpPr>
-          <p:nvPr>
-            <p:ph idx="1"/>
-          </p:nvPr>
-        </p:nvSpPr>
-        <p:spPr>
-          <a:xfrm>
-            <a:off x="5358384" y="640263"/>
-            <a:ext cx="6028944" cy="5254510"/>
-          </a:xfrm>
-        </p:spPr>
-        <p:txBody>
-          <a:bodyPr anchor="ctr">
-            <a:normAutofit/>
-          </a:bodyPr>
-          <a:lstStyle/>
-          <a:p>
-            <a:r>
-              <a:rPr lang="en-US" sz="2200">
-                <a:solidFill>
-                  <a:schemeClr val="bg1"/>
-                </a:solidFill>
-              </a:rPr>
-              <a:t>I have imported to Jupyter notebook the tables from MySQL Workbench and I've filtered and group them base on Qty of apartments, neighborhood, price, surface, rooms and percentage of apartments per districts.</a:t>
-            </a:r>
-          </a:p>
-        </p:txBody>
-      </p:sp>
-    </p:spTree>
-    <p:extLst>
-      <p:ext uri="{BB962C8B-B14F-4D97-AF65-F5344CB8AC3E}">
-        <p14:creationId xmlns:p14="http://schemas.microsoft.com/office/powerpoint/2010/main" val="2016136283"/>
-      </p:ext>
-    </p:extLst>
-  </p:cSld>
-  <p:clrMapOvr>
-    <a:overrideClrMapping bg1="dk1" tx1="lt1" bg2="dk2" tx2="lt2" accent1="accent1" accent2="accent2" accent3="accent3" accent4="accent4" accent5="accent5" accent6="accent6" hlink="hlink" folHlink="folHlink"/>
   </p:clrMapOvr>
 </p:sld>
 </file>

--- a/New PopUpStore.pptx
+++ b/New PopUpStore.pptx
@@ -11304,16 +11304,6 @@
             </a:endParaRPr>
           </a:p>
           <a:p>
-            <a:pPr marL="0" indent="0">
-              <a:buNone/>
-            </a:pPr>
-            <a:endParaRPr lang="en-US" sz="1400" dirty="0">
-              <a:solidFill>
-                <a:srgbClr val="FFFFFF"/>
-              </a:solidFill>
-            </a:endParaRPr>
-          </a:p>
-          <a:p>
             <a:r>
               <a:rPr lang="en-US" sz="1400" dirty="0" err="1">
                 <a:solidFill>
@@ -11413,6 +11403,519 @@
             <a:endParaRPr lang="en-US" sz="3700" dirty="0">
               <a:solidFill>
                 <a:srgbClr val="FFFFFF"/>
+              </a:solidFill>
+            </a:endParaRPr>
+          </a:p>
+        </p:txBody>
+      </p:sp>
+      <p:sp>
+        <p:nvSpPr>
+          <p:cNvPr id="7" name="TextBox 6">
+            <a:extLst>
+              <a:ext uri="{FF2B5EF4-FFF2-40B4-BE49-F238E27FC236}">
+                <a16:creationId xmlns:a16="http://schemas.microsoft.com/office/drawing/2014/main" id="{D53C831E-ACBD-4521-9CE0-28D9CC742D2C}"/>
+              </a:ext>
+            </a:extLst>
+          </p:cNvPr>
+          <p:cNvSpPr txBox="1"/>
+          <p:nvPr/>
+        </p:nvSpPr>
+        <p:spPr>
+          <a:xfrm>
+            <a:off x="4901706" y="5754848"/>
+            <a:ext cx="2388588" cy="781418"/>
+          </a:xfrm>
+          <a:prstGeom prst="rect">
+            <a:avLst/>
+          </a:prstGeom>
+          <a:ln>
+            <a:noFill/>
+          </a:ln>
+          <a:effectLst>
+            <a:outerShdw blurRad="107950" dist="12700" dir="5400000" algn="ctr">
+              <a:srgbClr val="000000"/>
+            </a:outerShdw>
+          </a:effectLst>
+          <a:scene3d>
+            <a:camera prst="orthographicFront">
+              <a:rot lat="0" lon="0" rev="0"/>
+            </a:camera>
+            <a:lightRig rig="soft" dir="t">
+              <a:rot lat="0" lon="0" rev="0"/>
+            </a:lightRig>
+          </a:scene3d>
+          <a:sp3d contourW="44450" prstMaterial="matte">
+            <a:bevelT w="63500" h="63500" prst="artDeco"/>
+            <a:contourClr>
+              <a:srgbClr val="FFFFFF"/>
+            </a:contourClr>
+          </a:sp3d>
+        </p:spPr>
+        <p:style>
+          <a:lnRef idx="1">
+            <a:schemeClr val="accent3"/>
+          </a:lnRef>
+          <a:fillRef idx="2">
+            <a:schemeClr val="accent3"/>
+          </a:fillRef>
+          <a:effectRef idx="1">
+            <a:schemeClr val="accent3"/>
+          </a:effectRef>
+          <a:fontRef idx="minor">
+            <a:schemeClr val="dk1"/>
+          </a:fontRef>
+        </p:style>
+        <p:txBody>
+          <a:bodyPr wrap="square" rtlCol="0">
+            <a:spAutoFit/>
+          </a:bodyPr>
+          <a:lstStyle/>
+          <a:p>
+            <a:endParaRPr lang="en-US" dirty="0"/>
+          </a:p>
+        </p:txBody>
+      </p:sp>
+      <p:sp>
+        <p:nvSpPr>
+          <p:cNvPr id="8" name="Flowchart: Connector 7">
+            <a:extLst>
+              <a:ext uri="{FF2B5EF4-FFF2-40B4-BE49-F238E27FC236}">
+                <a16:creationId xmlns:a16="http://schemas.microsoft.com/office/drawing/2014/main" id="{D628474F-BF63-4ADA-A3A2-B32C0451399A}"/>
+              </a:ext>
+            </a:extLst>
+          </p:cNvPr>
+          <p:cNvSpPr/>
+          <p:nvPr/>
+        </p:nvSpPr>
+        <p:spPr>
+          <a:xfrm>
+            <a:off x="4999049" y="5830055"/>
+            <a:ext cx="134222" cy="126584"/>
+          </a:xfrm>
+          <a:prstGeom prst="flowChartConnector">
+            <a:avLst/>
+          </a:prstGeom>
+          <a:solidFill>
+            <a:srgbClr val="FF0000"/>
+          </a:solidFill>
+          <a:ln>
+            <a:solidFill>
+              <a:srgbClr val="FF0000"/>
+            </a:solidFill>
+          </a:ln>
+        </p:spPr>
+        <p:style>
+          <a:lnRef idx="2">
+            <a:schemeClr val="accent1">
+              <a:shade val="50000"/>
+            </a:schemeClr>
+          </a:lnRef>
+          <a:fillRef idx="1">
+            <a:schemeClr val="accent1"/>
+          </a:fillRef>
+          <a:effectRef idx="0">
+            <a:schemeClr val="accent1"/>
+          </a:effectRef>
+          <a:fontRef idx="minor">
+            <a:schemeClr val="lt1"/>
+          </a:fontRef>
+        </p:style>
+        <p:txBody>
+          <a:bodyPr rtlCol="0" anchor="ctr"/>
+          <a:lstStyle/>
+          <a:p>
+            <a:pPr algn="ctr"/>
+            <a:endParaRPr lang="en-US"/>
+          </a:p>
+        </p:txBody>
+      </p:sp>
+      <p:pic>
+        <p:nvPicPr>
+          <p:cNvPr id="9" name="Graphic 8" descr="Marker with solid fill">
+            <a:extLst>
+              <a:ext uri="{FF2B5EF4-FFF2-40B4-BE49-F238E27FC236}">
+                <a16:creationId xmlns:a16="http://schemas.microsoft.com/office/drawing/2014/main" id="{B7552446-DC59-48AE-8BEB-DDF0B3653FE3}"/>
+              </a:ext>
+            </a:extLst>
+          </p:cNvPr>
+          <p:cNvPicPr>
+            <a:picLocks noChangeAspect="1"/>
+          </p:cNvPicPr>
+          <p:nvPr/>
+        </p:nvPicPr>
+        <p:blipFill>
+          <a:blip r:embed="rId3">
+            <a:extLst>
+              <a:ext uri="{28A0092B-C50C-407E-A947-70E740481C1C}">
+                <a14:useLocalDpi xmlns:a14="http://schemas.microsoft.com/office/drawing/2010/main" val="0"/>
+              </a:ext>
+              <a:ext uri="{96DAC541-7B7A-43D3-8B79-37D633B846F1}">
+                <asvg:svgBlip xmlns:asvg="http://schemas.microsoft.com/office/drawing/2016/SVG/main" r:embed="rId4"/>
+              </a:ext>
+            </a:extLst>
+          </a:blip>
+          <a:stretch>
+            <a:fillRect/>
+          </a:stretch>
+        </p:blipFill>
+        <p:spPr>
+          <a:xfrm>
+            <a:off x="4923831" y="6201861"/>
+            <a:ext cx="265502" cy="265502"/>
+          </a:xfrm>
+          <a:prstGeom prst="rect">
+            <a:avLst/>
+          </a:prstGeom>
+        </p:spPr>
+      </p:pic>
+      <p:sp>
+        <p:nvSpPr>
+          <p:cNvPr id="10" name="TextBox 9">
+            <a:extLst>
+              <a:ext uri="{FF2B5EF4-FFF2-40B4-BE49-F238E27FC236}">
+                <a16:creationId xmlns:a16="http://schemas.microsoft.com/office/drawing/2014/main" id="{2EF4E748-3B6D-4387-9B5A-E4FD1011A9B9}"/>
+              </a:ext>
+            </a:extLst>
+          </p:cNvPr>
+          <p:cNvSpPr txBox="1"/>
+          <p:nvPr/>
+        </p:nvSpPr>
+        <p:spPr>
+          <a:xfrm>
+            <a:off x="5133271" y="5754848"/>
+            <a:ext cx="1869077" cy="461665"/>
+          </a:xfrm>
+          <a:prstGeom prst="rect">
+            <a:avLst/>
+          </a:prstGeom>
+          <a:noFill/>
+        </p:spPr>
+        <p:txBody>
+          <a:bodyPr wrap="square" rtlCol="0">
+            <a:spAutoFit/>
+          </a:bodyPr>
+          <a:lstStyle/>
+          <a:p>
+            <a:r>
+              <a:rPr lang="es-ES" sz="1200" dirty="0" err="1">
+                <a:solidFill>
+                  <a:srgbClr val="FF0000"/>
+                </a:solidFill>
+              </a:rPr>
+              <a:t>Flats</a:t>
+            </a:r>
+            <a:r>
+              <a:rPr lang="es-ES" sz="1200" dirty="0">
+                <a:solidFill>
+                  <a:srgbClr val="FF0000"/>
+                </a:solidFill>
+              </a:rPr>
+              <a:t> </a:t>
+            </a:r>
+            <a:r>
+              <a:rPr lang="es-ES" sz="1200" dirty="0" err="1">
+                <a:solidFill>
+                  <a:srgbClr val="FF0000"/>
+                </a:solidFill>
+              </a:rPr>
+              <a:t>for</a:t>
+            </a:r>
+            <a:r>
+              <a:rPr lang="es-ES" sz="1200" dirty="0">
+                <a:solidFill>
+                  <a:srgbClr val="FF0000"/>
+                </a:solidFill>
+              </a:rPr>
+              <a:t> sale and </a:t>
+            </a:r>
+            <a:r>
+              <a:rPr lang="es-ES" sz="1200" dirty="0" err="1">
+                <a:solidFill>
+                  <a:srgbClr val="FF0000"/>
+                </a:solidFill>
+              </a:rPr>
+              <a:t>rent</a:t>
+            </a:r>
+            <a:endParaRPr lang="es-ES" sz="1200" dirty="0">
+              <a:solidFill>
+                <a:srgbClr val="FF0000"/>
+              </a:solidFill>
+            </a:endParaRPr>
+          </a:p>
+          <a:p>
+            <a:endParaRPr lang="en-US" sz="1200" dirty="0">
+              <a:solidFill>
+                <a:srgbClr val="FF0000"/>
+              </a:solidFill>
+            </a:endParaRPr>
+          </a:p>
+        </p:txBody>
+      </p:sp>
+      <p:sp>
+        <p:nvSpPr>
+          <p:cNvPr id="11" name="TextBox 10">
+            <a:extLst>
+              <a:ext uri="{FF2B5EF4-FFF2-40B4-BE49-F238E27FC236}">
+                <a16:creationId xmlns:a16="http://schemas.microsoft.com/office/drawing/2014/main" id="{E1AAEDE8-966C-48E7-8886-0613B12A200F}"/>
+              </a:ext>
+            </a:extLst>
+          </p:cNvPr>
+          <p:cNvSpPr txBox="1"/>
+          <p:nvPr/>
+        </p:nvSpPr>
+        <p:spPr>
+          <a:xfrm>
+            <a:off x="5075314" y="6212647"/>
+            <a:ext cx="2329000" cy="276999"/>
+          </a:xfrm>
+          <a:prstGeom prst="rect">
+            <a:avLst/>
+          </a:prstGeom>
+          <a:noFill/>
+        </p:spPr>
+        <p:txBody>
+          <a:bodyPr wrap="square" rtlCol="0">
+            <a:spAutoFit/>
+          </a:bodyPr>
+          <a:lstStyle/>
+          <a:p>
+            <a:r>
+              <a:rPr lang="es-ES" sz="1200" dirty="0" err="1">
+                <a:solidFill>
+                  <a:schemeClr val="accent1">
+                    <a:lumMod val="75000"/>
+                  </a:schemeClr>
+                </a:solidFill>
+              </a:rPr>
+              <a:t>Current</a:t>
+            </a:r>
+            <a:r>
+              <a:rPr lang="es-ES" sz="1200" dirty="0">
+                <a:solidFill>
+                  <a:schemeClr val="accent1">
+                    <a:lumMod val="75000"/>
+                  </a:schemeClr>
+                </a:solidFill>
+              </a:rPr>
+              <a:t> </a:t>
+            </a:r>
+            <a:r>
+              <a:rPr lang="es-ES" sz="1200" dirty="0" err="1">
+                <a:solidFill>
+                  <a:schemeClr val="accent1">
+                    <a:lumMod val="75000"/>
+                  </a:schemeClr>
+                </a:solidFill>
+              </a:rPr>
+              <a:t>location</a:t>
+            </a:r>
+            <a:r>
+              <a:rPr lang="es-ES" sz="1200" dirty="0">
+                <a:solidFill>
+                  <a:schemeClr val="accent1">
+                    <a:lumMod val="75000"/>
+                  </a:schemeClr>
+                </a:solidFill>
+              </a:rPr>
+              <a:t> </a:t>
+            </a:r>
+            <a:r>
+              <a:rPr lang="es-ES" sz="1200" dirty="0" err="1">
+                <a:solidFill>
+                  <a:schemeClr val="accent1">
+                    <a:lumMod val="75000"/>
+                  </a:schemeClr>
+                </a:solidFill>
+              </a:rPr>
+              <a:t>of</a:t>
+            </a:r>
+            <a:r>
+              <a:rPr lang="es-ES" sz="1200" dirty="0">
+                <a:solidFill>
+                  <a:schemeClr val="accent1">
+                    <a:lumMod val="75000"/>
+                  </a:schemeClr>
+                </a:solidFill>
+              </a:rPr>
+              <a:t> a </a:t>
+            </a:r>
+            <a:r>
+              <a:rPr lang="es-ES" sz="1200" dirty="0" err="1">
+                <a:solidFill>
+                  <a:schemeClr val="accent1">
+                    <a:lumMod val="75000"/>
+                  </a:schemeClr>
+                </a:solidFill>
+              </a:rPr>
+              <a:t>PopUp</a:t>
+            </a:r>
+            <a:r>
+              <a:rPr lang="es-ES" sz="1200" dirty="0">
+                <a:solidFill>
+                  <a:schemeClr val="accent1">
+                    <a:lumMod val="75000"/>
+                  </a:schemeClr>
+                </a:solidFill>
+              </a:rPr>
+              <a:t> Store</a:t>
+            </a:r>
+            <a:endParaRPr lang="en-US" sz="1200" dirty="0">
+              <a:solidFill>
+                <a:schemeClr val="accent1">
+                  <a:lumMod val="75000"/>
+                </a:schemeClr>
+              </a:solidFill>
+            </a:endParaRPr>
+          </a:p>
+        </p:txBody>
+      </p:sp>
+      <p:sp>
+        <p:nvSpPr>
+          <p:cNvPr id="12" name="Flowchart: Connector 11">
+            <a:extLst>
+              <a:ext uri="{FF2B5EF4-FFF2-40B4-BE49-F238E27FC236}">
+                <a16:creationId xmlns:a16="http://schemas.microsoft.com/office/drawing/2014/main" id="{771709F1-79BB-49E9-A235-9A967DC4636A}"/>
+              </a:ext>
+            </a:extLst>
+          </p:cNvPr>
+          <p:cNvSpPr/>
+          <p:nvPr/>
+        </p:nvSpPr>
+        <p:spPr>
+          <a:xfrm>
+            <a:off x="4999049" y="6033783"/>
+            <a:ext cx="134222" cy="126584"/>
+          </a:xfrm>
+          <a:prstGeom prst="flowChartConnector">
+            <a:avLst/>
+          </a:prstGeom>
+          <a:solidFill>
+            <a:srgbClr val="00B050"/>
+          </a:solidFill>
+          <a:ln>
+            <a:solidFill>
+              <a:srgbClr val="00B050"/>
+            </a:solidFill>
+          </a:ln>
+        </p:spPr>
+        <p:style>
+          <a:lnRef idx="2">
+            <a:schemeClr val="accent1">
+              <a:shade val="50000"/>
+            </a:schemeClr>
+          </a:lnRef>
+          <a:fillRef idx="1">
+            <a:schemeClr val="accent1"/>
+          </a:fillRef>
+          <a:effectRef idx="0">
+            <a:schemeClr val="accent1"/>
+          </a:effectRef>
+          <a:fontRef idx="minor">
+            <a:schemeClr val="lt1"/>
+          </a:fontRef>
+        </p:style>
+        <p:txBody>
+          <a:bodyPr rtlCol="0" anchor="ctr"/>
+          <a:lstStyle/>
+          <a:p>
+            <a:pPr algn="ctr"/>
+            <a:endParaRPr lang="en-US"/>
+          </a:p>
+        </p:txBody>
+      </p:sp>
+      <p:sp>
+        <p:nvSpPr>
+          <p:cNvPr id="13" name="TextBox 12">
+            <a:extLst>
+              <a:ext uri="{FF2B5EF4-FFF2-40B4-BE49-F238E27FC236}">
+                <a16:creationId xmlns:a16="http://schemas.microsoft.com/office/drawing/2014/main" id="{6CF4E2AB-D894-4A59-9CDA-D4B67F49B039}"/>
+              </a:ext>
+            </a:extLst>
+          </p:cNvPr>
+          <p:cNvSpPr txBox="1"/>
+          <p:nvPr/>
+        </p:nvSpPr>
+        <p:spPr>
+          <a:xfrm>
+            <a:off x="5133271" y="5962824"/>
+            <a:ext cx="2329000" cy="276999"/>
+          </a:xfrm>
+          <a:prstGeom prst="rect">
+            <a:avLst/>
+          </a:prstGeom>
+          <a:noFill/>
+        </p:spPr>
+        <p:txBody>
+          <a:bodyPr wrap="square" rtlCol="0">
+            <a:spAutoFit/>
+          </a:bodyPr>
+          <a:lstStyle/>
+          <a:p>
+            <a:r>
+              <a:rPr lang="es-ES" sz="1200" dirty="0" err="1">
+                <a:solidFill>
+                  <a:schemeClr val="accent6">
+                    <a:lumMod val="50000"/>
+                  </a:schemeClr>
+                </a:solidFill>
+              </a:rPr>
+              <a:t>Best</a:t>
+            </a:r>
+            <a:r>
+              <a:rPr lang="es-ES" sz="1200" dirty="0">
+                <a:solidFill>
+                  <a:schemeClr val="accent6">
+                    <a:lumMod val="50000"/>
+                  </a:schemeClr>
+                </a:solidFill>
+              </a:rPr>
+              <a:t> spot </a:t>
+            </a:r>
+            <a:r>
+              <a:rPr lang="es-ES" sz="1200" dirty="0" err="1">
+                <a:solidFill>
+                  <a:schemeClr val="accent6">
+                    <a:lumMod val="50000"/>
+                  </a:schemeClr>
+                </a:solidFill>
+              </a:rPr>
+              <a:t>for</a:t>
+            </a:r>
+            <a:r>
+              <a:rPr lang="es-ES" sz="1200" dirty="0">
+                <a:solidFill>
+                  <a:schemeClr val="accent6">
+                    <a:lumMod val="50000"/>
+                  </a:schemeClr>
+                </a:solidFill>
+              </a:rPr>
+              <a:t> </a:t>
+            </a:r>
+            <a:r>
+              <a:rPr lang="es-ES" sz="1200" dirty="0" err="1">
+                <a:solidFill>
+                  <a:schemeClr val="accent6">
+                    <a:lumMod val="50000"/>
+                  </a:schemeClr>
+                </a:solidFill>
+              </a:rPr>
+              <a:t>the</a:t>
+            </a:r>
+            <a:r>
+              <a:rPr lang="es-ES" sz="1200" dirty="0">
+                <a:solidFill>
+                  <a:schemeClr val="accent6">
+                    <a:lumMod val="50000"/>
+                  </a:schemeClr>
+                </a:solidFill>
+              </a:rPr>
+              <a:t> Pop Up Store</a:t>
+            </a:r>
+            <a:endParaRPr lang="en-US" sz="1200" dirty="0">
+              <a:solidFill>
+                <a:schemeClr val="accent6">
+                  <a:lumMod val="50000"/>
+                </a:schemeClr>
               </a:solidFill>
             </a:endParaRPr>
           </a:p>
@@ -11494,6 +11997,654 @@
           </a:prstGeom>
         </p:spPr>
       </p:pic>
+      <p:sp>
+        <p:nvSpPr>
+          <p:cNvPr id="2" name="TextBox 1">
+            <a:extLst>
+              <a:ext uri="{FF2B5EF4-FFF2-40B4-BE49-F238E27FC236}">
+                <a16:creationId xmlns:a16="http://schemas.microsoft.com/office/drawing/2014/main" id="{674DBC73-C81A-43D0-A37A-98D6A19F7F61}"/>
+              </a:ext>
+            </a:extLst>
+          </p:cNvPr>
+          <p:cNvSpPr txBox="1"/>
+          <p:nvPr/>
+        </p:nvSpPr>
+        <p:spPr>
+          <a:xfrm>
+            <a:off x="8360717" y="5019663"/>
+            <a:ext cx="2712751" cy="989901"/>
+          </a:xfrm>
+          <a:prstGeom prst="rect">
+            <a:avLst/>
+          </a:prstGeom>
+          <a:ln>
+            <a:noFill/>
+          </a:ln>
+          <a:effectLst>
+            <a:outerShdw blurRad="107950" dist="12700" dir="5400000" algn="ctr">
+              <a:srgbClr val="000000"/>
+            </a:outerShdw>
+          </a:effectLst>
+          <a:scene3d>
+            <a:camera prst="orthographicFront">
+              <a:rot lat="0" lon="0" rev="0"/>
+            </a:camera>
+            <a:lightRig rig="soft" dir="t">
+              <a:rot lat="0" lon="0" rev="0"/>
+            </a:lightRig>
+          </a:scene3d>
+          <a:sp3d contourW="44450" prstMaterial="matte">
+            <a:bevelT w="63500" h="63500" prst="artDeco"/>
+            <a:contourClr>
+              <a:srgbClr val="FFFFFF"/>
+            </a:contourClr>
+          </a:sp3d>
+        </p:spPr>
+        <p:style>
+          <a:lnRef idx="1">
+            <a:schemeClr val="accent3"/>
+          </a:lnRef>
+          <a:fillRef idx="2">
+            <a:schemeClr val="accent3"/>
+          </a:fillRef>
+          <a:effectRef idx="1">
+            <a:schemeClr val="accent3"/>
+          </a:effectRef>
+          <a:fontRef idx="minor">
+            <a:schemeClr val="dk1"/>
+          </a:fontRef>
+        </p:style>
+        <p:txBody>
+          <a:bodyPr wrap="square" rtlCol="0">
+            <a:spAutoFit/>
+          </a:bodyPr>
+          <a:lstStyle/>
+          <a:p>
+            <a:endParaRPr lang="en-US" dirty="0"/>
+          </a:p>
+        </p:txBody>
+      </p:sp>
+      <p:sp>
+        <p:nvSpPr>
+          <p:cNvPr id="3" name="Flowchart: Connector 2">
+            <a:extLst>
+              <a:ext uri="{FF2B5EF4-FFF2-40B4-BE49-F238E27FC236}">
+                <a16:creationId xmlns:a16="http://schemas.microsoft.com/office/drawing/2014/main" id="{7F1ABC90-CCAF-490A-9AAC-93A9C0CB0CB2}"/>
+              </a:ext>
+            </a:extLst>
+          </p:cNvPr>
+          <p:cNvSpPr/>
+          <p:nvPr/>
+        </p:nvSpPr>
+        <p:spPr>
+          <a:xfrm>
+            <a:off x="8551523" y="5126373"/>
+            <a:ext cx="134222" cy="126584"/>
+          </a:xfrm>
+          <a:prstGeom prst="flowChartConnector">
+            <a:avLst/>
+          </a:prstGeom>
+          <a:solidFill>
+            <a:srgbClr val="FF0000"/>
+          </a:solidFill>
+          <a:ln>
+            <a:solidFill>
+              <a:srgbClr val="FF0000"/>
+            </a:solidFill>
+          </a:ln>
+        </p:spPr>
+        <p:style>
+          <a:lnRef idx="2">
+            <a:schemeClr val="accent1">
+              <a:shade val="50000"/>
+            </a:schemeClr>
+          </a:lnRef>
+          <a:fillRef idx="1">
+            <a:schemeClr val="accent1"/>
+          </a:fillRef>
+          <a:effectRef idx="0">
+            <a:schemeClr val="accent1"/>
+          </a:effectRef>
+          <a:fontRef idx="minor">
+            <a:schemeClr val="lt1"/>
+          </a:fontRef>
+        </p:style>
+        <p:txBody>
+          <a:bodyPr rtlCol="0" anchor="ctr"/>
+          <a:lstStyle/>
+          <a:p>
+            <a:pPr algn="ctr"/>
+            <a:endParaRPr lang="en-US"/>
+          </a:p>
+        </p:txBody>
+      </p:sp>
+      <p:pic>
+        <p:nvPicPr>
+          <p:cNvPr id="8" name="Graphic 7" descr="Marker with solid fill">
+            <a:extLst>
+              <a:ext uri="{FF2B5EF4-FFF2-40B4-BE49-F238E27FC236}">
+                <a16:creationId xmlns:a16="http://schemas.microsoft.com/office/drawing/2014/main" id="{47D98534-8870-4AE7-B6D2-3647BAC0969A}"/>
+              </a:ext>
+            </a:extLst>
+          </p:cNvPr>
+          <p:cNvPicPr>
+            <a:picLocks noChangeAspect="1"/>
+          </p:cNvPicPr>
+          <p:nvPr/>
+        </p:nvPicPr>
+        <p:blipFill>
+          <a:blip r:embed="rId3">
+            <a:extLst>
+              <a:ext uri="{28A0092B-C50C-407E-A947-70E740481C1C}">
+                <a14:useLocalDpi xmlns:a14="http://schemas.microsoft.com/office/drawing/2010/main" val="0"/>
+              </a:ext>
+              <a:ext uri="{96DAC541-7B7A-43D3-8B79-37D633B846F1}">
+                <asvg:svgBlip xmlns:asvg="http://schemas.microsoft.com/office/drawing/2016/SVG/main" r:embed="rId4"/>
+              </a:ext>
+            </a:extLst>
+          </a:blip>
+          <a:stretch>
+            <a:fillRect/>
+          </a:stretch>
+        </p:blipFill>
+        <p:spPr>
+          <a:xfrm>
+            <a:off x="8485883" y="5659524"/>
+            <a:ext cx="265502" cy="265502"/>
+          </a:xfrm>
+          <a:prstGeom prst="rect">
+            <a:avLst/>
+          </a:prstGeom>
+        </p:spPr>
+      </p:pic>
+      <p:sp>
+        <p:nvSpPr>
+          <p:cNvPr id="9" name="Flowchart: Connector 8">
+            <a:extLst>
+              <a:ext uri="{FF2B5EF4-FFF2-40B4-BE49-F238E27FC236}">
+                <a16:creationId xmlns:a16="http://schemas.microsoft.com/office/drawing/2014/main" id="{88E22AE3-1A57-4118-8B7F-7A77F7CB9B80}"/>
+              </a:ext>
+            </a:extLst>
+          </p:cNvPr>
+          <p:cNvSpPr/>
+          <p:nvPr/>
+        </p:nvSpPr>
+        <p:spPr>
+          <a:xfrm>
+            <a:off x="8551523" y="5329158"/>
+            <a:ext cx="134222" cy="126584"/>
+          </a:xfrm>
+          <a:prstGeom prst="flowChartConnector">
+            <a:avLst/>
+          </a:prstGeom>
+          <a:solidFill>
+            <a:srgbClr val="FFFF00"/>
+          </a:solidFill>
+          <a:ln>
+            <a:solidFill>
+              <a:srgbClr val="FFFF00"/>
+            </a:solidFill>
+          </a:ln>
+        </p:spPr>
+        <p:style>
+          <a:lnRef idx="2">
+            <a:schemeClr val="accent1">
+              <a:shade val="50000"/>
+            </a:schemeClr>
+          </a:lnRef>
+          <a:fillRef idx="1">
+            <a:schemeClr val="accent1"/>
+          </a:fillRef>
+          <a:effectRef idx="0">
+            <a:schemeClr val="accent1"/>
+          </a:effectRef>
+          <a:fontRef idx="minor">
+            <a:schemeClr val="lt1"/>
+          </a:fontRef>
+        </p:style>
+        <p:txBody>
+          <a:bodyPr rtlCol="0" anchor="ctr"/>
+          <a:lstStyle/>
+          <a:p>
+            <a:pPr algn="ctr"/>
+            <a:endParaRPr lang="en-US"/>
+          </a:p>
+        </p:txBody>
+      </p:sp>
+      <p:sp>
+        <p:nvSpPr>
+          <p:cNvPr id="10" name="Flowchart: Connector 9">
+            <a:extLst>
+              <a:ext uri="{FF2B5EF4-FFF2-40B4-BE49-F238E27FC236}">
+                <a16:creationId xmlns:a16="http://schemas.microsoft.com/office/drawing/2014/main" id="{7CD2CFA6-0828-49A8-8BD2-C2C1213B711C}"/>
+              </a:ext>
+            </a:extLst>
+          </p:cNvPr>
+          <p:cNvSpPr/>
+          <p:nvPr/>
+        </p:nvSpPr>
+        <p:spPr>
+          <a:xfrm>
+            <a:off x="8551523" y="5514614"/>
+            <a:ext cx="134222" cy="126584"/>
+          </a:xfrm>
+          <a:prstGeom prst="flowChartConnector">
+            <a:avLst/>
+          </a:prstGeom>
+          <a:solidFill>
+            <a:srgbClr val="00B050"/>
+          </a:solidFill>
+          <a:ln>
+            <a:solidFill>
+              <a:srgbClr val="00B050"/>
+            </a:solidFill>
+          </a:ln>
+        </p:spPr>
+        <p:style>
+          <a:lnRef idx="2">
+            <a:schemeClr val="accent1">
+              <a:shade val="50000"/>
+            </a:schemeClr>
+          </a:lnRef>
+          <a:fillRef idx="1">
+            <a:schemeClr val="accent1"/>
+          </a:fillRef>
+          <a:effectRef idx="0">
+            <a:schemeClr val="accent1"/>
+          </a:effectRef>
+          <a:fontRef idx="minor">
+            <a:schemeClr val="lt1"/>
+          </a:fontRef>
+        </p:style>
+        <p:txBody>
+          <a:bodyPr rtlCol="0" anchor="ctr"/>
+          <a:lstStyle/>
+          <a:p>
+            <a:pPr algn="ctr"/>
+            <a:endParaRPr lang="en-US"/>
+          </a:p>
+        </p:txBody>
+      </p:sp>
+      <p:sp>
+        <p:nvSpPr>
+          <p:cNvPr id="11" name="TextBox 10">
+            <a:extLst>
+              <a:ext uri="{FF2B5EF4-FFF2-40B4-BE49-F238E27FC236}">
+                <a16:creationId xmlns:a16="http://schemas.microsoft.com/office/drawing/2014/main" id="{894854B7-FDCA-450C-9EF0-C16AF62E96FE}"/>
+              </a:ext>
+            </a:extLst>
+          </p:cNvPr>
+          <p:cNvSpPr txBox="1"/>
+          <p:nvPr/>
+        </p:nvSpPr>
+        <p:spPr>
+          <a:xfrm>
+            <a:off x="8673806" y="5059946"/>
+            <a:ext cx="1869077" cy="276999"/>
+          </a:xfrm>
+          <a:prstGeom prst="rect">
+            <a:avLst/>
+          </a:prstGeom>
+          <a:noFill/>
+        </p:spPr>
+        <p:txBody>
+          <a:bodyPr wrap="square" rtlCol="0">
+            <a:spAutoFit/>
+          </a:bodyPr>
+          <a:lstStyle/>
+          <a:p>
+            <a:r>
+              <a:rPr lang="es-ES" sz="1200" dirty="0" err="1">
+                <a:solidFill>
+                  <a:srgbClr val="FF0000"/>
+                </a:solidFill>
+              </a:rPr>
+              <a:t>Flats</a:t>
+            </a:r>
+            <a:r>
+              <a:rPr lang="es-ES" sz="1200" dirty="0">
+                <a:solidFill>
+                  <a:srgbClr val="FF0000"/>
+                </a:solidFill>
+              </a:rPr>
+              <a:t> </a:t>
+            </a:r>
+            <a:r>
+              <a:rPr lang="es-ES" sz="1200" dirty="0" err="1">
+                <a:solidFill>
+                  <a:srgbClr val="FF0000"/>
+                </a:solidFill>
+              </a:rPr>
+              <a:t>for</a:t>
+            </a:r>
+            <a:r>
+              <a:rPr lang="es-ES" sz="1200" dirty="0">
+                <a:solidFill>
+                  <a:srgbClr val="FF0000"/>
+                </a:solidFill>
+              </a:rPr>
+              <a:t> sale</a:t>
+            </a:r>
+            <a:endParaRPr lang="en-US" sz="1200" dirty="0">
+              <a:solidFill>
+                <a:srgbClr val="FF0000"/>
+              </a:solidFill>
+            </a:endParaRPr>
+          </a:p>
+        </p:txBody>
+      </p:sp>
+      <p:sp>
+        <p:nvSpPr>
+          <p:cNvPr id="12" name="TextBox 11">
+            <a:extLst>
+              <a:ext uri="{FF2B5EF4-FFF2-40B4-BE49-F238E27FC236}">
+                <a16:creationId xmlns:a16="http://schemas.microsoft.com/office/drawing/2014/main" id="{7A7A8828-9193-4935-ADE9-54F4DFEA96CC}"/>
+              </a:ext>
+            </a:extLst>
+          </p:cNvPr>
+          <p:cNvSpPr txBox="1"/>
+          <p:nvPr/>
+        </p:nvSpPr>
+        <p:spPr>
+          <a:xfrm>
+            <a:off x="8673806" y="5257756"/>
+            <a:ext cx="1869077" cy="276999"/>
+          </a:xfrm>
+          <a:prstGeom prst="rect">
+            <a:avLst/>
+          </a:prstGeom>
+          <a:noFill/>
+        </p:spPr>
+        <p:txBody>
+          <a:bodyPr wrap="square" rtlCol="0">
+            <a:spAutoFit/>
+          </a:bodyPr>
+          <a:lstStyle/>
+          <a:p>
+            <a:r>
+              <a:rPr lang="es-ES" sz="1200" dirty="0" err="1">
+                <a:solidFill>
+                  <a:srgbClr val="FFFF00"/>
+                </a:solidFill>
+              </a:rPr>
+              <a:t>Flats</a:t>
+            </a:r>
+            <a:r>
+              <a:rPr lang="es-ES" sz="1200" dirty="0">
+                <a:solidFill>
+                  <a:srgbClr val="FFFF00"/>
+                </a:solidFill>
+              </a:rPr>
+              <a:t> </a:t>
+            </a:r>
+            <a:r>
+              <a:rPr lang="es-ES" sz="1200" dirty="0" err="1">
+                <a:solidFill>
+                  <a:srgbClr val="FFFF00"/>
+                </a:solidFill>
+              </a:rPr>
+              <a:t>for</a:t>
+            </a:r>
+            <a:r>
+              <a:rPr lang="es-ES" sz="1200" dirty="0">
+                <a:solidFill>
+                  <a:srgbClr val="FFFF00"/>
+                </a:solidFill>
+              </a:rPr>
+              <a:t> </a:t>
+            </a:r>
+            <a:r>
+              <a:rPr lang="es-ES" sz="1200" dirty="0" err="1">
+                <a:solidFill>
+                  <a:srgbClr val="FFFF00"/>
+                </a:solidFill>
+              </a:rPr>
+              <a:t>rent</a:t>
+            </a:r>
+            <a:endParaRPr lang="en-US" sz="1200" dirty="0">
+              <a:solidFill>
+                <a:srgbClr val="FFFF00"/>
+              </a:solidFill>
+            </a:endParaRPr>
+          </a:p>
+        </p:txBody>
+      </p:sp>
+      <p:sp>
+        <p:nvSpPr>
+          <p:cNvPr id="13" name="TextBox 12">
+            <a:extLst>
+              <a:ext uri="{FF2B5EF4-FFF2-40B4-BE49-F238E27FC236}">
+                <a16:creationId xmlns:a16="http://schemas.microsoft.com/office/drawing/2014/main" id="{AA216B2F-966F-4CB5-BAD6-8B6F4366B7CD}"/>
+              </a:ext>
+            </a:extLst>
+          </p:cNvPr>
+          <p:cNvSpPr txBox="1"/>
+          <p:nvPr/>
+        </p:nvSpPr>
+        <p:spPr>
+          <a:xfrm>
+            <a:off x="8685745" y="5443655"/>
+            <a:ext cx="2329000" cy="276999"/>
+          </a:xfrm>
+          <a:prstGeom prst="rect">
+            <a:avLst/>
+          </a:prstGeom>
+          <a:noFill/>
+        </p:spPr>
+        <p:txBody>
+          <a:bodyPr wrap="square" rtlCol="0">
+            <a:spAutoFit/>
+          </a:bodyPr>
+          <a:lstStyle/>
+          <a:p>
+            <a:r>
+              <a:rPr lang="es-ES" sz="1200" dirty="0" err="1">
+                <a:solidFill>
+                  <a:schemeClr val="accent6">
+                    <a:lumMod val="50000"/>
+                  </a:schemeClr>
+                </a:solidFill>
+              </a:rPr>
+              <a:t>Best</a:t>
+            </a:r>
+            <a:r>
+              <a:rPr lang="es-ES" sz="1200" dirty="0">
+                <a:solidFill>
+                  <a:schemeClr val="accent6">
+                    <a:lumMod val="50000"/>
+                  </a:schemeClr>
+                </a:solidFill>
+              </a:rPr>
+              <a:t> spot </a:t>
+            </a:r>
+            <a:r>
+              <a:rPr lang="es-ES" sz="1200" dirty="0" err="1">
+                <a:solidFill>
+                  <a:schemeClr val="accent6">
+                    <a:lumMod val="50000"/>
+                  </a:schemeClr>
+                </a:solidFill>
+              </a:rPr>
+              <a:t>for</a:t>
+            </a:r>
+            <a:r>
+              <a:rPr lang="es-ES" sz="1200" dirty="0">
+                <a:solidFill>
+                  <a:schemeClr val="accent6">
+                    <a:lumMod val="50000"/>
+                  </a:schemeClr>
+                </a:solidFill>
+              </a:rPr>
+              <a:t> </a:t>
+            </a:r>
+            <a:r>
+              <a:rPr lang="es-ES" sz="1200" dirty="0" err="1">
+                <a:solidFill>
+                  <a:schemeClr val="accent6">
+                    <a:lumMod val="50000"/>
+                  </a:schemeClr>
+                </a:solidFill>
+              </a:rPr>
+              <a:t>the</a:t>
+            </a:r>
+            <a:r>
+              <a:rPr lang="es-ES" sz="1200" dirty="0">
+                <a:solidFill>
+                  <a:schemeClr val="accent6">
+                    <a:lumMod val="50000"/>
+                  </a:schemeClr>
+                </a:solidFill>
+              </a:rPr>
+              <a:t> </a:t>
+            </a:r>
+            <a:r>
+              <a:rPr lang="es-ES" sz="1200">
+                <a:solidFill>
+                  <a:schemeClr val="accent6">
+                    <a:lumMod val="50000"/>
+                  </a:schemeClr>
+                </a:solidFill>
+              </a:rPr>
+              <a:t>PopUp</a:t>
+            </a:r>
+            <a:r>
+              <a:rPr lang="es-ES" sz="1200" dirty="0">
+                <a:solidFill>
+                  <a:schemeClr val="accent6">
+                    <a:lumMod val="50000"/>
+                  </a:schemeClr>
+                </a:solidFill>
+              </a:rPr>
+              <a:t> Store</a:t>
+            </a:r>
+            <a:endParaRPr lang="en-US" sz="1200" dirty="0">
+              <a:solidFill>
+                <a:schemeClr val="accent6">
+                  <a:lumMod val="50000"/>
+                </a:schemeClr>
+              </a:solidFill>
+            </a:endParaRPr>
+          </a:p>
+        </p:txBody>
+      </p:sp>
+      <p:sp>
+        <p:nvSpPr>
+          <p:cNvPr id="14" name="TextBox 13">
+            <a:extLst>
+              <a:ext uri="{FF2B5EF4-FFF2-40B4-BE49-F238E27FC236}">
+                <a16:creationId xmlns:a16="http://schemas.microsoft.com/office/drawing/2014/main" id="{56839737-E266-4023-BD91-E94A75769E84}"/>
+              </a:ext>
+            </a:extLst>
+          </p:cNvPr>
+          <p:cNvSpPr txBox="1"/>
+          <p:nvPr/>
+        </p:nvSpPr>
+        <p:spPr>
+          <a:xfrm>
+            <a:off x="8685745" y="5647287"/>
+            <a:ext cx="2329000" cy="276999"/>
+          </a:xfrm>
+          <a:prstGeom prst="rect">
+            <a:avLst/>
+          </a:prstGeom>
+          <a:noFill/>
+        </p:spPr>
+        <p:txBody>
+          <a:bodyPr wrap="square" rtlCol="0">
+            <a:spAutoFit/>
+          </a:bodyPr>
+          <a:lstStyle/>
+          <a:p>
+            <a:r>
+              <a:rPr lang="es-ES" sz="1200" dirty="0" err="1">
+                <a:solidFill>
+                  <a:schemeClr val="accent1">
+                    <a:lumMod val="75000"/>
+                  </a:schemeClr>
+                </a:solidFill>
+              </a:rPr>
+              <a:t>Current</a:t>
+            </a:r>
+            <a:r>
+              <a:rPr lang="es-ES" sz="1200" dirty="0">
+                <a:solidFill>
+                  <a:schemeClr val="accent1">
+                    <a:lumMod val="75000"/>
+                  </a:schemeClr>
+                </a:solidFill>
+              </a:rPr>
+              <a:t> </a:t>
+            </a:r>
+            <a:r>
+              <a:rPr lang="es-ES" sz="1200" dirty="0" err="1">
+                <a:solidFill>
+                  <a:schemeClr val="accent1">
+                    <a:lumMod val="75000"/>
+                  </a:schemeClr>
+                </a:solidFill>
+              </a:rPr>
+              <a:t>location</a:t>
+            </a:r>
+            <a:r>
+              <a:rPr lang="es-ES" sz="1200" dirty="0">
+                <a:solidFill>
+                  <a:schemeClr val="accent1">
+                    <a:lumMod val="75000"/>
+                  </a:schemeClr>
+                </a:solidFill>
+              </a:rPr>
+              <a:t> </a:t>
+            </a:r>
+            <a:r>
+              <a:rPr lang="es-ES" sz="1200" dirty="0" err="1">
+                <a:solidFill>
+                  <a:schemeClr val="accent1">
+                    <a:lumMod val="75000"/>
+                  </a:schemeClr>
+                </a:solidFill>
+              </a:rPr>
+              <a:t>of</a:t>
+            </a:r>
+            <a:r>
+              <a:rPr lang="es-ES" sz="1200" dirty="0">
+                <a:solidFill>
+                  <a:schemeClr val="accent1">
+                    <a:lumMod val="75000"/>
+                  </a:schemeClr>
+                </a:solidFill>
+              </a:rPr>
+              <a:t> a </a:t>
+            </a:r>
+            <a:r>
+              <a:rPr lang="es-ES" sz="1200" dirty="0" err="1">
+                <a:solidFill>
+                  <a:schemeClr val="accent1">
+                    <a:lumMod val="75000"/>
+                  </a:schemeClr>
+                </a:solidFill>
+              </a:rPr>
+              <a:t>PopUp</a:t>
+            </a:r>
+            <a:r>
+              <a:rPr lang="es-ES" sz="1200" dirty="0">
+                <a:solidFill>
+                  <a:schemeClr val="accent1">
+                    <a:lumMod val="75000"/>
+                  </a:schemeClr>
+                </a:solidFill>
+              </a:rPr>
+              <a:t> Store</a:t>
+            </a:r>
+            <a:endParaRPr lang="en-US" sz="1200" dirty="0">
+              <a:solidFill>
+                <a:schemeClr val="accent1">
+                  <a:lumMod val="75000"/>
+                </a:schemeClr>
+              </a:solidFill>
+            </a:endParaRPr>
+          </a:p>
+        </p:txBody>
+      </p:sp>
     </p:spTree>
     <p:extLst>
       <p:ext uri="{BB962C8B-B14F-4D97-AF65-F5344CB8AC3E}">
